--- a/Praktikumsbericht/Abschlusspraesentation.pptx
+++ b/Praktikumsbericht/Abschlusspraesentation.pptx
@@ -111,6 +111,11 @@
       </a:defRPr>
     </a:lvl9pPr>
   </p:defaultTextStyle>
+  <p:extLst>
+    <p:ext uri="{EFAFB233-063F-42B5-8137-9DF3F51BA10A}">
+      <p15:sldGuideLst xmlns:p15="http://schemas.microsoft.com/office/powerpoint/2012/main"/>
+    </p:ext>
+  </p:extLst>
 </p:presentation>
 </file>
 
@@ -196,7 +201,7 @@
           <a:p>
             <a:fld id="{BF4D25C0-465E-4F0F-AA10-6CF3618A97BF}" type="datetimeFigureOut">
               <a:rPr lang="de-DE" smtClean="0"/>
-              <a:t>18.06.2019</a:t>
+              <a:t>19.06.2019</a:t>
             </a:fld>
             <a:endParaRPr lang="de-DE"/>
           </a:p>
@@ -508,6 +513,285 @@
           <a:lstStyle/>
           <a:p>
             <a:r>
+              <a:rPr lang="de-DE" dirty="0"/>
+              <a:t>Unser Programm automatisiert wiederkehrende Aufgaben durch sogenannte </a:t>
+            </a:r>
+            <a:r>
+              <a:rPr lang="de-DE" dirty="0" err="1"/>
+              <a:t>Wrker</a:t>
+            </a:r>
+            <a:endParaRPr lang="de-DE" dirty="0"/>
+          </a:p>
+          <a:p>
+            <a:r>
+              <a:rPr lang="de-DE" dirty="0"/>
+              <a:t>Es dienst dabei nur als Framework, wobei es die </a:t>
+            </a:r>
+            <a:r>
+              <a:rPr lang="de-DE" dirty="0" err="1"/>
+              <a:t>Worker</a:t>
+            </a:r>
+            <a:r>
+              <a:rPr lang="de-DE" dirty="0"/>
+              <a:t> nur Organisiert</a:t>
+            </a:r>
+          </a:p>
+          <a:p>
+            <a:r>
+              <a:rPr lang="de-DE" dirty="0"/>
+              <a:t>Man muss die Klasse </a:t>
+            </a:r>
+            <a:r>
+              <a:rPr lang="de-DE" dirty="0" err="1"/>
+              <a:t>Worker</a:t>
+            </a:r>
+            <a:r>
+              <a:rPr lang="de-DE" dirty="0"/>
+              <a:t> dabei selber Ableiten und selber Programmieren was genau erledigt werden soll</a:t>
+            </a:r>
+          </a:p>
+          <a:p>
+            <a:r>
+              <a:rPr lang="de-DE" dirty="0"/>
+              <a:t>Unser Projekt ist deshalb Quelloffen</a:t>
+            </a:r>
+          </a:p>
+          <a:p>
+            <a:r>
+              <a:rPr lang="de-DE" dirty="0"/>
+              <a:t>Wir haben eine Beispielimplementierung: </a:t>
+            </a:r>
+            <a:r>
+              <a:rPr lang="de-DE" dirty="0" err="1"/>
+              <a:t>SyncWorker</a:t>
+            </a:r>
+            <a:r>
+              <a:rPr lang="de-DE" dirty="0"/>
+              <a:t>, der 2 Ordner Synchron hält</a:t>
+            </a:r>
+          </a:p>
+        </p:txBody>
+      </p:sp>
+      <p:sp>
+        <p:nvSpPr>
+          <p:cNvPr id="4" name="Foliennummernplatzhalter 3"/>
+          <p:cNvSpPr>
+            <a:spLocks noGrp="1"/>
+          </p:cNvSpPr>
+          <p:nvPr>
+            <p:ph type="sldNum" sz="quarter" idx="5"/>
+          </p:nvPr>
+        </p:nvSpPr>
+        <p:spPr/>
+        <p:txBody>
+          <a:bodyPr/>
+          <a:lstStyle/>
+          <a:p>
+            <a:fld id="{742BFD6F-DD94-4948-BBA6-AD5AE625A179}" type="slidenum">
+              <a:rPr lang="de-DE" smtClean="0"/>
+              <a:t>1</a:t>
+            </a:fld>
+            <a:endParaRPr lang="de-DE"/>
+          </a:p>
+        </p:txBody>
+      </p:sp>
+    </p:spTree>
+    <p:extLst>
+      <p:ext uri="{BB962C8B-B14F-4D97-AF65-F5344CB8AC3E}">
+        <p14:creationId xmlns:p14="http://schemas.microsoft.com/office/powerpoint/2010/main" val="2321326267"/>
+      </p:ext>
+    </p:extLst>
+  </p:cSld>
+  <p:clrMapOvr>
+    <a:masterClrMapping/>
+  </p:clrMapOvr>
+</p:notes>
+</file>
+
+<file path=ppt/notesSlides/notesSlide2.xml><?xml version="1.0" encoding="utf-8"?>
+<p:notes xmlns:a="http://schemas.openxmlformats.org/drawingml/2006/main" xmlns:r="http://schemas.openxmlformats.org/officeDocument/2006/relationships" xmlns:p="http://schemas.openxmlformats.org/presentationml/2006/main">
+  <p:cSld>
+    <p:spTree>
+      <p:nvGrpSpPr>
+        <p:cNvPr id="1" name=""/>
+        <p:cNvGrpSpPr/>
+        <p:nvPr/>
+      </p:nvGrpSpPr>
+      <p:grpSpPr>
+        <a:xfrm>
+          <a:off x="0" y="0"/>
+          <a:ext cx="0" cy="0"/>
+          <a:chOff x="0" y="0"/>
+          <a:chExt cx="0" cy="0"/>
+        </a:xfrm>
+      </p:grpSpPr>
+      <p:sp>
+        <p:nvSpPr>
+          <p:cNvPr id="2" name="Folienbildplatzhalter 1"/>
+          <p:cNvSpPr>
+            <a:spLocks noGrp="1" noRot="1" noChangeAspect="1"/>
+          </p:cNvSpPr>
+          <p:nvPr>
+            <p:ph type="sldImg"/>
+          </p:nvPr>
+        </p:nvSpPr>
+        <p:spPr/>
+      </p:sp>
+      <p:sp>
+        <p:nvSpPr>
+          <p:cNvPr id="3" name="Notizenplatzhalter 2"/>
+          <p:cNvSpPr>
+            <a:spLocks noGrp="1"/>
+          </p:cNvSpPr>
+          <p:nvPr>
+            <p:ph type="body" idx="1"/>
+          </p:nvPr>
+        </p:nvSpPr>
+        <p:spPr/>
+        <p:txBody>
+          <a:bodyPr/>
+          <a:lstStyle/>
+          <a:p>
+            <a:r>
+              <a:rPr lang="de-DE" dirty="0"/>
+              <a:t>Die wichtigste Anforderung ist Benutzerfreundlichkeit</a:t>
+            </a:r>
+          </a:p>
+          <a:p>
+            <a:r>
+              <a:rPr lang="de-DE" dirty="0"/>
+              <a:t>Die Anwendung kann komplett über die GUI konfiguriert werden</a:t>
+            </a:r>
+          </a:p>
+          <a:p>
+            <a:r>
+              <a:rPr lang="de-DE" dirty="0"/>
+              <a:t>Man kann……</a:t>
+            </a:r>
+          </a:p>
+          <a:p>
+            <a:r>
+              <a:rPr lang="de-DE" dirty="0"/>
+              <a:t>……. neue </a:t>
+            </a:r>
+            <a:r>
+              <a:rPr lang="de-DE" dirty="0" err="1"/>
+              <a:t>Worker</a:t>
+            </a:r>
+            <a:r>
+              <a:rPr lang="de-DE" dirty="0"/>
+              <a:t> hinzufügen</a:t>
+            </a:r>
+          </a:p>
+          <a:p>
+            <a:r>
+              <a:rPr lang="de-DE" dirty="0"/>
+              <a:t>…….. Die Parameter setzten</a:t>
+            </a:r>
+          </a:p>
+          <a:p>
+            <a:r>
+              <a:rPr lang="de-DE" dirty="0"/>
+              <a:t>……. Bestehende </a:t>
+            </a:r>
+            <a:r>
+              <a:rPr lang="de-DE" dirty="0" err="1"/>
+              <a:t>Worker</a:t>
+            </a:r>
+            <a:r>
+              <a:rPr lang="de-DE" dirty="0"/>
+              <a:t> editieren </a:t>
+            </a:r>
+          </a:p>
+          <a:p>
+            <a:r>
+              <a:rPr lang="de-DE" dirty="0"/>
+              <a:t>……..oder löschen</a:t>
+            </a:r>
+          </a:p>
+        </p:txBody>
+      </p:sp>
+      <p:sp>
+        <p:nvSpPr>
+          <p:cNvPr id="4" name="Foliennummernplatzhalter 3"/>
+          <p:cNvSpPr>
+            <a:spLocks noGrp="1"/>
+          </p:cNvSpPr>
+          <p:nvPr>
+            <p:ph type="sldNum" sz="quarter" idx="5"/>
+          </p:nvPr>
+        </p:nvSpPr>
+        <p:spPr/>
+        <p:txBody>
+          <a:bodyPr/>
+          <a:lstStyle/>
+          <a:p>
+            <a:fld id="{742BFD6F-DD94-4948-BBA6-AD5AE625A179}" type="slidenum">
+              <a:rPr lang="de-DE" smtClean="0"/>
+              <a:t>2</a:t>
+            </a:fld>
+            <a:endParaRPr lang="de-DE"/>
+          </a:p>
+        </p:txBody>
+      </p:sp>
+    </p:spTree>
+    <p:extLst>
+      <p:ext uri="{BB962C8B-B14F-4D97-AF65-F5344CB8AC3E}">
+        <p14:creationId xmlns:p14="http://schemas.microsoft.com/office/powerpoint/2010/main" val="1775660955"/>
+      </p:ext>
+    </p:extLst>
+  </p:cSld>
+  <p:clrMapOvr>
+    <a:masterClrMapping/>
+  </p:clrMapOvr>
+</p:notes>
+</file>
+
+<file path=ppt/notesSlides/notesSlide3.xml><?xml version="1.0" encoding="utf-8"?>
+<p:notes xmlns:a="http://schemas.openxmlformats.org/drawingml/2006/main" xmlns:r="http://schemas.openxmlformats.org/officeDocument/2006/relationships" xmlns:p="http://schemas.openxmlformats.org/presentationml/2006/main">
+  <p:cSld>
+    <p:spTree>
+      <p:nvGrpSpPr>
+        <p:cNvPr id="1" name=""/>
+        <p:cNvGrpSpPr/>
+        <p:nvPr/>
+      </p:nvGrpSpPr>
+      <p:grpSpPr>
+        <a:xfrm>
+          <a:off x="0" y="0"/>
+          <a:ext cx="0" cy="0"/>
+          <a:chOff x="0" y="0"/>
+          <a:chExt cx="0" cy="0"/>
+        </a:xfrm>
+      </p:grpSpPr>
+      <p:sp>
+        <p:nvSpPr>
+          <p:cNvPr id="2" name="Folienbildplatzhalter 1"/>
+          <p:cNvSpPr>
+            <a:spLocks noGrp="1" noRot="1" noChangeAspect="1"/>
+          </p:cNvSpPr>
+          <p:nvPr>
+            <p:ph type="sldImg"/>
+          </p:nvPr>
+        </p:nvSpPr>
+        <p:spPr/>
+      </p:sp>
+      <p:sp>
+        <p:nvSpPr>
+          <p:cNvPr id="3" name="Notizenplatzhalter 2"/>
+          <p:cNvSpPr>
+            <a:spLocks noGrp="1"/>
+          </p:cNvSpPr>
+          <p:nvPr>
+            <p:ph type="body" idx="1"/>
+          </p:nvPr>
+        </p:nvSpPr>
+        <p:spPr/>
+        <p:txBody>
+          <a:bodyPr/>
+          <a:lstStyle/>
+          <a:p>
+            <a:r>
               <a:rPr lang="de-DE" dirty="0" err="1"/>
               <a:t>manager</a:t>
             </a:r>
@@ -614,7 +898,7 @@
 </p:notes>
 </file>
 
-<file path=ppt/notesSlides/notesSlide2.xml><?xml version="1.0" encoding="utf-8"?>
+<file path=ppt/notesSlides/notesSlide4.xml><?xml version="1.0" encoding="utf-8"?>
 <p:notes xmlns:a="http://schemas.openxmlformats.org/drawingml/2006/main" xmlns:r="http://schemas.openxmlformats.org/officeDocument/2006/relationships" xmlns:p="http://schemas.openxmlformats.org/presentationml/2006/main">
   <p:cSld>
     <p:spTree>
@@ -905,7 +1189,7 @@
           <a:p>
             <a:fld id="{78696EF2-BB83-470F-9DFF-51133980F409}" type="datetimeFigureOut">
               <a:rPr lang="de-DE" smtClean="0"/>
-              <a:t>18.06.2019</a:t>
+              <a:t>19.06.2019</a:t>
             </a:fld>
             <a:endParaRPr lang="de-DE"/>
           </a:p>
@@ -1103,7 +1387,7 @@
           <a:p>
             <a:fld id="{78696EF2-BB83-470F-9DFF-51133980F409}" type="datetimeFigureOut">
               <a:rPr lang="de-DE" smtClean="0"/>
-              <a:t>18.06.2019</a:t>
+              <a:t>19.06.2019</a:t>
             </a:fld>
             <a:endParaRPr lang="de-DE"/>
           </a:p>
@@ -1311,7 +1595,7 @@
           <a:p>
             <a:fld id="{78696EF2-BB83-470F-9DFF-51133980F409}" type="datetimeFigureOut">
               <a:rPr lang="de-DE" smtClean="0"/>
-              <a:t>18.06.2019</a:t>
+              <a:t>19.06.2019</a:t>
             </a:fld>
             <a:endParaRPr lang="de-DE"/>
           </a:p>
@@ -1509,7 +1793,7 @@
           <a:p>
             <a:fld id="{78696EF2-BB83-470F-9DFF-51133980F409}" type="datetimeFigureOut">
               <a:rPr lang="de-DE" smtClean="0"/>
-              <a:t>18.06.2019</a:t>
+              <a:t>19.06.2019</a:t>
             </a:fld>
             <a:endParaRPr lang="de-DE"/>
           </a:p>
@@ -1784,7 +2068,7 @@
           <a:p>
             <a:fld id="{78696EF2-BB83-470F-9DFF-51133980F409}" type="datetimeFigureOut">
               <a:rPr lang="de-DE" smtClean="0"/>
-              <a:t>18.06.2019</a:t>
+              <a:t>19.06.2019</a:t>
             </a:fld>
             <a:endParaRPr lang="de-DE"/>
           </a:p>
@@ -2049,7 +2333,7 @@
           <a:p>
             <a:fld id="{78696EF2-BB83-470F-9DFF-51133980F409}" type="datetimeFigureOut">
               <a:rPr lang="de-DE" smtClean="0"/>
-              <a:t>18.06.2019</a:t>
+              <a:t>19.06.2019</a:t>
             </a:fld>
             <a:endParaRPr lang="de-DE"/>
           </a:p>
@@ -2461,7 +2745,7 @@
           <a:p>
             <a:fld id="{78696EF2-BB83-470F-9DFF-51133980F409}" type="datetimeFigureOut">
               <a:rPr lang="de-DE" smtClean="0"/>
-              <a:t>18.06.2019</a:t>
+              <a:t>19.06.2019</a:t>
             </a:fld>
             <a:endParaRPr lang="de-DE"/>
           </a:p>
@@ -2602,7 +2886,7 @@
           <a:p>
             <a:fld id="{78696EF2-BB83-470F-9DFF-51133980F409}" type="datetimeFigureOut">
               <a:rPr lang="de-DE" smtClean="0"/>
-              <a:t>18.06.2019</a:t>
+              <a:t>19.06.2019</a:t>
             </a:fld>
             <a:endParaRPr lang="de-DE"/>
           </a:p>
@@ -2715,7 +2999,7 @@
           <a:p>
             <a:fld id="{78696EF2-BB83-470F-9DFF-51133980F409}" type="datetimeFigureOut">
               <a:rPr lang="de-DE" smtClean="0"/>
-              <a:t>18.06.2019</a:t>
+              <a:t>19.06.2019</a:t>
             </a:fld>
             <a:endParaRPr lang="de-DE"/>
           </a:p>
@@ -3026,7 +3310,7 @@
           <a:p>
             <a:fld id="{78696EF2-BB83-470F-9DFF-51133980F409}" type="datetimeFigureOut">
               <a:rPr lang="de-DE" smtClean="0"/>
-              <a:t>18.06.2019</a:t>
+              <a:t>19.06.2019</a:t>
             </a:fld>
             <a:endParaRPr lang="de-DE"/>
           </a:p>
@@ -3314,7 +3598,7 @@
           <a:p>
             <a:fld id="{78696EF2-BB83-470F-9DFF-51133980F409}" type="datetimeFigureOut">
               <a:rPr lang="de-DE" smtClean="0"/>
-              <a:t>18.06.2019</a:t>
+              <a:t>19.06.2019</a:t>
             </a:fld>
             <a:endParaRPr lang="de-DE"/>
           </a:p>
@@ -3555,7 +3839,7 @@
           <a:p>
             <a:fld id="{78696EF2-BB83-470F-9DFF-51133980F409}" type="datetimeFigureOut">
               <a:rPr lang="de-DE" smtClean="0"/>
-              <a:t>18.06.2019</a:t>
+              <a:t>19.06.2019</a:t>
             </a:fld>
             <a:endParaRPr lang="de-DE"/>
           </a:p>
@@ -4025,19 +4309,7 @@
           <a:p>
             <a:r>
               <a:rPr lang="de-DE" dirty="0"/>
-              <a:t>Wiederkehrende Aufgaben automatisieren</a:t>
-            </a:r>
-          </a:p>
-          <a:p>
-            <a:r>
-              <a:rPr lang="de-DE" dirty="0"/>
-              <a:t>Framework</a:t>
-            </a:r>
-          </a:p>
-          <a:p>
-            <a:r>
-              <a:rPr lang="de-DE" dirty="0"/>
-              <a:t>Eigene Implementierung durch die Klasse „</a:t>
+              <a:t>Wiederkehrende Aufgaben automatisieren durch „</a:t>
             </a:r>
             <a:r>
               <a:rPr lang="de-DE" dirty="0" err="1"/>
@@ -4046,6 +4318,37 @@
             <a:r>
               <a:rPr lang="de-DE" dirty="0"/>
               <a:t>“</a:t>
+            </a:r>
+          </a:p>
+          <a:p>
+            <a:r>
+              <a:rPr lang="de-DE" dirty="0"/>
+              <a:t>Framework: Organisiert nur die </a:t>
+            </a:r>
+            <a:r>
+              <a:rPr lang="de-DE" dirty="0" err="1"/>
+              <a:t>Worker</a:t>
+            </a:r>
+            <a:endParaRPr lang="de-DE" dirty="0"/>
+          </a:p>
+          <a:p>
+            <a:r>
+              <a:rPr lang="de-DE" dirty="0"/>
+              <a:t>Eigene Implementierung durch ableiten der Klasse „</a:t>
+            </a:r>
+            <a:r>
+              <a:rPr lang="de-DE" dirty="0" err="1"/>
+              <a:t>Worker</a:t>
+            </a:r>
+            <a:r>
+              <a:rPr lang="de-DE" dirty="0"/>
+              <a:t>“</a:t>
+            </a:r>
+          </a:p>
+          <a:p>
+            <a:r>
+              <a:rPr lang="de-DE" dirty="0"/>
+              <a:t>Quelloffen</a:t>
             </a:r>
           </a:p>
           <a:p>
@@ -4074,6 +4377,387 @@
   <p:clrMapOvr>
     <a:masterClrMapping/>
   </p:clrMapOvr>
+  <p:timing>
+    <p:tnLst>
+      <p:par>
+        <p:cTn id="1" dur="indefinite" restart="never" nodeType="tmRoot">
+          <p:childTnLst>
+            <p:seq concurrent="1" nextAc="seek">
+              <p:cTn id="2" dur="indefinite" nodeType="mainSeq">
+                <p:childTnLst>
+                  <p:par>
+                    <p:cTn id="3" fill="hold">
+                      <p:stCondLst>
+                        <p:cond delay="indefinite"/>
+                      </p:stCondLst>
+                      <p:childTnLst>
+                        <p:par>
+                          <p:cTn id="4" fill="hold">
+                            <p:stCondLst>
+                              <p:cond delay="0"/>
+                            </p:stCondLst>
+                            <p:childTnLst>
+                              <p:par>
+                                <p:cTn id="5" presetID="10" presetClass="entr" presetSubtype="0" fill="hold" grpId="0" nodeType="clickEffect">
+                                  <p:stCondLst>
+                                    <p:cond delay="0"/>
+                                  </p:stCondLst>
+                                  <p:childTnLst>
+                                    <p:set>
+                                      <p:cBhvr>
+                                        <p:cTn id="6" dur="1" fill="hold">
+                                          <p:stCondLst>
+                                            <p:cond delay="0"/>
+                                          </p:stCondLst>
+                                        </p:cTn>
+                                        <p:tgtEl>
+                                          <p:spTgt spid="3">
+                                            <p:txEl>
+                                              <p:pRg st="0" end="0"/>
+                                            </p:txEl>
+                                          </p:spTgt>
+                                        </p:tgtEl>
+                                        <p:attrNameLst>
+                                          <p:attrName>style.visibility</p:attrName>
+                                        </p:attrNameLst>
+                                      </p:cBhvr>
+                                      <p:to>
+                                        <p:strVal val="visible"/>
+                                      </p:to>
+                                    </p:set>
+                                    <p:animEffect transition="in" filter="fade">
+                                      <p:cBhvr>
+                                        <p:cTn id="7" dur="500"/>
+                                        <p:tgtEl>
+                                          <p:spTgt spid="3">
+                                            <p:txEl>
+                                              <p:pRg st="0" end="0"/>
+                                            </p:txEl>
+                                          </p:spTgt>
+                                        </p:tgtEl>
+                                      </p:cBhvr>
+                                    </p:animEffect>
+                                  </p:childTnLst>
+                                </p:cTn>
+                              </p:par>
+                            </p:childTnLst>
+                          </p:cTn>
+                        </p:par>
+                      </p:childTnLst>
+                    </p:cTn>
+                  </p:par>
+                  <p:par>
+                    <p:cTn id="8" fill="hold">
+                      <p:stCondLst>
+                        <p:cond delay="indefinite"/>
+                      </p:stCondLst>
+                      <p:childTnLst>
+                        <p:par>
+                          <p:cTn id="9" fill="hold">
+                            <p:stCondLst>
+                              <p:cond delay="0"/>
+                            </p:stCondLst>
+                            <p:childTnLst>
+                              <p:par>
+                                <p:cTn id="10" presetID="10" presetClass="entr" presetSubtype="0" fill="hold" grpId="0" nodeType="clickEffect">
+                                  <p:stCondLst>
+                                    <p:cond delay="0"/>
+                                  </p:stCondLst>
+                                  <p:childTnLst>
+                                    <p:set>
+                                      <p:cBhvr>
+                                        <p:cTn id="11" dur="1" fill="hold">
+                                          <p:stCondLst>
+                                            <p:cond delay="0"/>
+                                          </p:stCondLst>
+                                        </p:cTn>
+                                        <p:tgtEl>
+                                          <p:spTgt spid="3">
+                                            <p:txEl>
+                                              <p:pRg st="1" end="1"/>
+                                            </p:txEl>
+                                          </p:spTgt>
+                                        </p:tgtEl>
+                                        <p:attrNameLst>
+                                          <p:attrName>style.visibility</p:attrName>
+                                        </p:attrNameLst>
+                                      </p:cBhvr>
+                                      <p:to>
+                                        <p:strVal val="visible"/>
+                                      </p:to>
+                                    </p:set>
+                                    <p:animEffect transition="in" filter="fade">
+                                      <p:cBhvr>
+                                        <p:cTn id="12" dur="500"/>
+                                        <p:tgtEl>
+                                          <p:spTgt spid="3">
+                                            <p:txEl>
+                                              <p:pRg st="1" end="1"/>
+                                            </p:txEl>
+                                          </p:spTgt>
+                                        </p:tgtEl>
+                                      </p:cBhvr>
+                                    </p:animEffect>
+                                  </p:childTnLst>
+                                </p:cTn>
+                              </p:par>
+                            </p:childTnLst>
+                          </p:cTn>
+                        </p:par>
+                      </p:childTnLst>
+                    </p:cTn>
+                  </p:par>
+                  <p:par>
+                    <p:cTn id="13" fill="hold">
+                      <p:stCondLst>
+                        <p:cond delay="indefinite"/>
+                      </p:stCondLst>
+                      <p:childTnLst>
+                        <p:par>
+                          <p:cTn id="14" fill="hold">
+                            <p:stCondLst>
+                              <p:cond delay="0"/>
+                            </p:stCondLst>
+                            <p:childTnLst>
+                              <p:par>
+                                <p:cTn id="15" presetID="10" presetClass="entr" presetSubtype="0" fill="hold" grpId="0" nodeType="clickEffect">
+                                  <p:stCondLst>
+                                    <p:cond delay="0"/>
+                                  </p:stCondLst>
+                                  <p:childTnLst>
+                                    <p:set>
+                                      <p:cBhvr>
+                                        <p:cTn id="16" dur="1" fill="hold">
+                                          <p:stCondLst>
+                                            <p:cond delay="0"/>
+                                          </p:stCondLst>
+                                        </p:cTn>
+                                        <p:tgtEl>
+                                          <p:spTgt spid="3">
+                                            <p:txEl>
+                                              <p:pRg st="2" end="2"/>
+                                            </p:txEl>
+                                          </p:spTgt>
+                                        </p:tgtEl>
+                                        <p:attrNameLst>
+                                          <p:attrName>style.visibility</p:attrName>
+                                        </p:attrNameLst>
+                                      </p:cBhvr>
+                                      <p:to>
+                                        <p:strVal val="visible"/>
+                                      </p:to>
+                                    </p:set>
+                                    <p:animEffect transition="in" filter="fade">
+                                      <p:cBhvr>
+                                        <p:cTn id="17" dur="500"/>
+                                        <p:tgtEl>
+                                          <p:spTgt spid="3">
+                                            <p:txEl>
+                                              <p:pRg st="2" end="2"/>
+                                            </p:txEl>
+                                          </p:spTgt>
+                                        </p:tgtEl>
+                                      </p:cBhvr>
+                                    </p:animEffect>
+                                  </p:childTnLst>
+                                </p:cTn>
+                              </p:par>
+                            </p:childTnLst>
+                          </p:cTn>
+                        </p:par>
+                      </p:childTnLst>
+                    </p:cTn>
+                  </p:par>
+                  <p:par>
+                    <p:cTn id="18" fill="hold">
+                      <p:stCondLst>
+                        <p:cond delay="indefinite"/>
+                      </p:stCondLst>
+                      <p:childTnLst>
+                        <p:par>
+                          <p:cTn id="19" fill="hold">
+                            <p:stCondLst>
+                              <p:cond delay="0"/>
+                            </p:stCondLst>
+                            <p:childTnLst>
+                              <p:par>
+                                <p:cTn id="20" presetID="10" presetClass="entr" presetSubtype="0" fill="hold" grpId="0" nodeType="clickEffect">
+                                  <p:stCondLst>
+                                    <p:cond delay="0"/>
+                                  </p:stCondLst>
+                                  <p:childTnLst>
+                                    <p:set>
+                                      <p:cBhvr>
+                                        <p:cTn id="21" dur="1" fill="hold">
+                                          <p:stCondLst>
+                                            <p:cond delay="0"/>
+                                          </p:stCondLst>
+                                        </p:cTn>
+                                        <p:tgtEl>
+                                          <p:spTgt spid="3">
+                                            <p:txEl>
+                                              <p:pRg st="3" end="3"/>
+                                            </p:txEl>
+                                          </p:spTgt>
+                                        </p:tgtEl>
+                                        <p:attrNameLst>
+                                          <p:attrName>style.visibility</p:attrName>
+                                        </p:attrNameLst>
+                                      </p:cBhvr>
+                                      <p:to>
+                                        <p:strVal val="visible"/>
+                                      </p:to>
+                                    </p:set>
+                                    <p:animEffect transition="in" filter="fade">
+                                      <p:cBhvr>
+                                        <p:cTn id="22" dur="500"/>
+                                        <p:tgtEl>
+                                          <p:spTgt spid="3">
+                                            <p:txEl>
+                                              <p:pRg st="3" end="3"/>
+                                            </p:txEl>
+                                          </p:spTgt>
+                                        </p:tgtEl>
+                                      </p:cBhvr>
+                                    </p:animEffect>
+                                  </p:childTnLst>
+                                </p:cTn>
+                              </p:par>
+                            </p:childTnLst>
+                          </p:cTn>
+                        </p:par>
+                      </p:childTnLst>
+                    </p:cTn>
+                  </p:par>
+                  <p:par>
+                    <p:cTn id="23" fill="hold">
+                      <p:stCondLst>
+                        <p:cond delay="indefinite"/>
+                      </p:stCondLst>
+                      <p:childTnLst>
+                        <p:par>
+                          <p:cTn id="24" fill="hold">
+                            <p:stCondLst>
+                              <p:cond delay="0"/>
+                            </p:stCondLst>
+                            <p:childTnLst>
+                              <p:par>
+                                <p:cTn id="25" presetID="10" presetClass="entr" presetSubtype="0" fill="hold" grpId="0" nodeType="clickEffect">
+                                  <p:stCondLst>
+                                    <p:cond delay="0"/>
+                                  </p:stCondLst>
+                                  <p:childTnLst>
+                                    <p:set>
+                                      <p:cBhvr>
+                                        <p:cTn id="26" dur="1" fill="hold">
+                                          <p:stCondLst>
+                                            <p:cond delay="0"/>
+                                          </p:stCondLst>
+                                        </p:cTn>
+                                        <p:tgtEl>
+                                          <p:spTgt spid="3">
+                                            <p:txEl>
+                                              <p:pRg st="4" end="4"/>
+                                            </p:txEl>
+                                          </p:spTgt>
+                                        </p:tgtEl>
+                                        <p:attrNameLst>
+                                          <p:attrName>style.visibility</p:attrName>
+                                        </p:attrNameLst>
+                                      </p:cBhvr>
+                                      <p:to>
+                                        <p:strVal val="visible"/>
+                                      </p:to>
+                                    </p:set>
+                                    <p:animEffect transition="in" filter="fade">
+                                      <p:cBhvr>
+                                        <p:cTn id="27" dur="500"/>
+                                        <p:tgtEl>
+                                          <p:spTgt spid="3">
+                                            <p:txEl>
+                                              <p:pRg st="4" end="4"/>
+                                            </p:txEl>
+                                          </p:spTgt>
+                                        </p:tgtEl>
+                                      </p:cBhvr>
+                                    </p:animEffect>
+                                  </p:childTnLst>
+                                </p:cTn>
+                              </p:par>
+                              <p:par>
+                                <p:cTn id="28" presetID="10" presetClass="entr" presetSubtype="0" fill="hold" grpId="0" nodeType="withEffect">
+                                  <p:stCondLst>
+                                    <p:cond delay="0"/>
+                                  </p:stCondLst>
+                                  <p:childTnLst>
+                                    <p:set>
+                                      <p:cBhvr>
+                                        <p:cTn id="29" dur="1" fill="hold">
+                                          <p:stCondLst>
+                                            <p:cond delay="0"/>
+                                          </p:stCondLst>
+                                        </p:cTn>
+                                        <p:tgtEl>
+                                          <p:spTgt spid="3">
+                                            <p:txEl>
+                                              <p:pRg st="5" end="5"/>
+                                            </p:txEl>
+                                          </p:spTgt>
+                                        </p:tgtEl>
+                                        <p:attrNameLst>
+                                          <p:attrName>style.visibility</p:attrName>
+                                        </p:attrNameLst>
+                                      </p:cBhvr>
+                                      <p:to>
+                                        <p:strVal val="visible"/>
+                                      </p:to>
+                                    </p:set>
+                                    <p:animEffect transition="in" filter="fade">
+                                      <p:cBhvr>
+                                        <p:cTn id="30" dur="500"/>
+                                        <p:tgtEl>
+                                          <p:spTgt spid="3">
+                                            <p:txEl>
+                                              <p:pRg st="5" end="5"/>
+                                            </p:txEl>
+                                          </p:spTgt>
+                                        </p:tgtEl>
+                                      </p:cBhvr>
+                                    </p:animEffect>
+                                  </p:childTnLst>
+                                </p:cTn>
+                              </p:par>
+                            </p:childTnLst>
+                          </p:cTn>
+                        </p:par>
+                      </p:childTnLst>
+                    </p:cTn>
+                  </p:par>
+                </p:childTnLst>
+              </p:cTn>
+              <p:prevCondLst>
+                <p:cond evt="onPrev" delay="0">
+                  <p:tgtEl>
+                    <p:sldTgt/>
+                  </p:tgtEl>
+                </p:cond>
+              </p:prevCondLst>
+              <p:nextCondLst>
+                <p:cond evt="onNext" delay="0">
+                  <p:tgtEl>
+                    <p:sldTgt/>
+                  </p:tgtEl>
+                </p:cond>
+              </p:nextCondLst>
+            </p:seq>
+          </p:childTnLst>
+        </p:cTn>
+      </p:par>
+    </p:tnLst>
+    <p:bldLst>
+      <p:bldP spid="3" grpId="0" build="p"/>
+    </p:bldLst>
+  </p:timing>
 </p:sld>
 </file>
 
@@ -4115,7 +4799,10 @@
           <a:bodyPr/>
           <a:lstStyle/>
           <a:p>
-            <a:endParaRPr lang="de-DE"/>
+            <a:r>
+              <a:rPr lang="de-DE" dirty="0"/>
+              <a:t>Wichtigste Anforderung</a:t>
+            </a:r>
           </a:p>
         </p:txBody>
       </p:sp>
@@ -4137,12 +4824,89 @@
         </p:nvSpPr>
         <p:spPr/>
         <p:txBody>
-          <a:bodyPr/>
-          <a:lstStyle/>
+          <a:bodyPr>
+            <a:normAutofit/>
+          </a:bodyPr>
+          <a:lstStyle/>
+          <a:p>
+            <a:r>
+              <a:rPr lang="de-DE" sz="3600" dirty="0" err="1">
+                <a:solidFill>
+                  <a:srgbClr val="FF0000"/>
+                </a:solidFill>
+              </a:rPr>
+              <a:t>Benuterfreundlichkeit</a:t>
+            </a:r>
+            <a:endParaRPr lang="de-DE" sz="3600" dirty="0">
+              <a:solidFill>
+                <a:srgbClr val="FF0000"/>
+              </a:solidFill>
+            </a:endParaRPr>
+          </a:p>
           <a:p>
             <a:r>
               <a:rPr lang="de-DE" dirty="0"/>
-              <a:t>2. Erläutern Sie die wichtigste Anforderung</a:t>
+              <a:t>Konfiguration komplett über GUI</a:t>
+            </a:r>
+          </a:p>
+          <a:p>
+            <a:pPr lvl="1"/>
+            <a:r>
+              <a:rPr lang="de-DE" dirty="0"/>
+              <a:t>Neue </a:t>
+            </a:r>
+            <a:r>
+              <a:rPr lang="de-DE" dirty="0" err="1"/>
+              <a:t>Worker</a:t>
+            </a:r>
+            <a:r>
+              <a:rPr lang="de-DE" dirty="0"/>
+              <a:t> hinzufügen</a:t>
+            </a:r>
+          </a:p>
+          <a:p>
+            <a:pPr lvl="1"/>
+            <a:r>
+              <a:rPr lang="de-DE" dirty="0"/>
+              <a:t>Parameter für </a:t>
+            </a:r>
+            <a:r>
+              <a:rPr lang="de-DE" dirty="0" err="1"/>
+              <a:t>Worker</a:t>
+            </a:r>
+            <a:r>
+              <a:rPr lang="de-DE" dirty="0"/>
+              <a:t> setzen</a:t>
+            </a:r>
+          </a:p>
+          <a:p>
+            <a:pPr lvl="1"/>
+            <a:r>
+              <a:rPr lang="de-DE" dirty="0"/>
+              <a:t>Bestehende </a:t>
+            </a:r>
+            <a:r>
+              <a:rPr lang="de-DE" dirty="0" err="1"/>
+              <a:t>Worker</a:t>
+            </a:r>
+            <a:r>
+              <a:rPr lang="de-DE" dirty="0"/>
+              <a:t> editieren</a:t>
+            </a:r>
+          </a:p>
+          <a:p>
+            <a:pPr lvl="1"/>
+            <a:r>
+              <a:rPr lang="de-DE" dirty="0"/>
+              <a:t>Bestehende </a:t>
+            </a:r>
+            <a:r>
+              <a:rPr lang="de-DE" dirty="0" err="1"/>
+              <a:t>Worker</a:t>
+            </a:r>
+            <a:r>
+              <a:rPr lang="de-DE" dirty="0"/>
+              <a:t> entfernen</a:t>
             </a:r>
           </a:p>
         </p:txBody>
@@ -4157,6 +4921,402 @@
   <p:clrMapOvr>
     <a:masterClrMapping/>
   </p:clrMapOvr>
+  <p:timing>
+    <p:tnLst>
+      <p:par>
+        <p:cTn id="1" dur="indefinite" restart="never" nodeType="tmRoot">
+          <p:childTnLst>
+            <p:seq concurrent="1" nextAc="seek">
+              <p:cTn id="2" dur="indefinite" nodeType="mainSeq">
+                <p:childTnLst>
+                  <p:par>
+                    <p:cTn id="3" fill="hold">
+                      <p:stCondLst>
+                        <p:cond delay="indefinite"/>
+                      </p:stCondLst>
+                      <p:childTnLst>
+                        <p:par>
+                          <p:cTn id="4" fill="hold">
+                            <p:stCondLst>
+                              <p:cond delay="0"/>
+                            </p:stCondLst>
+                            <p:childTnLst>
+                              <p:par>
+                                <p:cTn id="5" presetID="10" presetClass="entr" presetSubtype="0" fill="hold" nodeType="clickEffect">
+                                  <p:stCondLst>
+                                    <p:cond delay="0"/>
+                                  </p:stCondLst>
+                                  <p:childTnLst>
+                                    <p:set>
+                                      <p:cBhvr>
+                                        <p:cTn id="6" dur="1" fill="hold">
+                                          <p:stCondLst>
+                                            <p:cond delay="0"/>
+                                          </p:stCondLst>
+                                        </p:cTn>
+                                        <p:tgtEl>
+                                          <p:spTgt spid="3">
+                                            <p:txEl>
+                                              <p:pRg st="0" end="0"/>
+                                            </p:txEl>
+                                          </p:spTgt>
+                                        </p:tgtEl>
+                                        <p:attrNameLst>
+                                          <p:attrName>style.visibility</p:attrName>
+                                        </p:attrNameLst>
+                                      </p:cBhvr>
+                                      <p:to>
+                                        <p:strVal val="visible"/>
+                                      </p:to>
+                                    </p:set>
+                                    <p:animEffect transition="in" filter="fade">
+                                      <p:cBhvr>
+                                        <p:cTn id="7" dur="500"/>
+                                        <p:tgtEl>
+                                          <p:spTgt spid="3">
+                                            <p:txEl>
+                                              <p:pRg st="0" end="0"/>
+                                            </p:txEl>
+                                          </p:spTgt>
+                                        </p:tgtEl>
+                                      </p:cBhvr>
+                                    </p:animEffect>
+                                  </p:childTnLst>
+                                </p:cTn>
+                              </p:par>
+                            </p:childTnLst>
+                          </p:cTn>
+                        </p:par>
+                      </p:childTnLst>
+                    </p:cTn>
+                  </p:par>
+                  <p:par>
+                    <p:cTn id="8" fill="hold">
+                      <p:stCondLst>
+                        <p:cond delay="indefinite"/>
+                      </p:stCondLst>
+                      <p:childTnLst>
+                        <p:par>
+                          <p:cTn id="9" fill="hold">
+                            <p:stCondLst>
+                              <p:cond delay="0"/>
+                            </p:stCondLst>
+                            <p:childTnLst>
+                              <p:par>
+                                <p:cTn id="10" presetID="10" presetClass="entr" presetSubtype="0" fill="hold" nodeType="clickEffect">
+                                  <p:stCondLst>
+                                    <p:cond delay="0"/>
+                                  </p:stCondLst>
+                                  <p:childTnLst>
+                                    <p:set>
+                                      <p:cBhvr>
+                                        <p:cTn id="11" dur="1" fill="hold">
+                                          <p:stCondLst>
+                                            <p:cond delay="0"/>
+                                          </p:stCondLst>
+                                        </p:cTn>
+                                        <p:tgtEl>
+                                          <p:spTgt spid="3">
+                                            <p:txEl>
+                                              <p:pRg st="1" end="1"/>
+                                            </p:txEl>
+                                          </p:spTgt>
+                                        </p:tgtEl>
+                                        <p:attrNameLst>
+                                          <p:attrName>style.visibility</p:attrName>
+                                        </p:attrNameLst>
+                                      </p:cBhvr>
+                                      <p:to>
+                                        <p:strVal val="visible"/>
+                                      </p:to>
+                                    </p:set>
+                                    <p:animEffect transition="in" filter="fade">
+                                      <p:cBhvr>
+                                        <p:cTn id="12" dur="500"/>
+                                        <p:tgtEl>
+                                          <p:spTgt spid="3">
+                                            <p:txEl>
+                                              <p:pRg st="1" end="1"/>
+                                            </p:txEl>
+                                          </p:spTgt>
+                                        </p:tgtEl>
+                                      </p:cBhvr>
+                                    </p:animEffect>
+                                  </p:childTnLst>
+                                </p:cTn>
+                              </p:par>
+                            </p:childTnLst>
+                          </p:cTn>
+                        </p:par>
+                      </p:childTnLst>
+                    </p:cTn>
+                  </p:par>
+                  <p:par>
+                    <p:cTn id="13" fill="hold">
+                      <p:stCondLst>
+                        <p:cond delay="indefinite"/>
+                      </p:stCondLst>
+                      <p:childTnLst>
+                        <p:par>
+                          <p:cTn id="14" fill="hold">
+                            <p:stCondLst>
+                              <p:cond delay="0"/>
+                            </p:stCondLst>
+                            <p:childTnLst>
+                              <p:par>
+                                <p:cTn id="15" presetID="10" presetClass="entr" presetSubtype="0" fill="hold" nodeType="clickEffect">
+                                  <p:stCondLst>
+                                    <p:cond delay="0"/>
+                                  </p:stCondLst>
+                                  <p:childTnLst>
+                                    <p:set>
+                                      <p:cBhvr>
+                                        <p:cTn id="16" dur="1" fill="hold">
+                                          <p:stCondLst>
+                                            <p:cond delay="0"/>
+                                          </p:stCondLst>
+                                        </p:cTn>
+                                        <p:tgtEl>
+                                          <p:spTgt spid="3">
+                                            <p:txEl>
+                                              <p:pRg st="2" end="2"/>
+                                            </p:txEl>
+                                          </p:spTgt>
+                                        </p:tgtEl>
+                                        <p:attrNameLst>
+                                          <p:attrName>style.visibility</p:attrName>
+                                        </p:attrNameLst>
+                                      </p:cBhvr>
+                                      <p:to>
+                                        <p:strVal val="visible"/>
+                                      </p:to>
+                                    </p:set>
+                                    <p:animEffect transition="in" filter="fade">
+                                      <p:cBhvr>
+                                        <p:cTn id="17" dur="500"/>
+                                        <p:tgtEl>
+                                          <p:spTgt spid="3">
+                                            <p:txEl>
+                                              <p:pRg st="2" end="2"/>
+                                            </p:txEl>
+                                          </p:spTgt>
+                                        </p:tgtEl>
+                                      </p:cBhvr>
+                                    </p:animEffect>
+                                  </p:childTnLst>
+                                </p:cTn>
+                              </p:par>
+                            </p:childTnLst>
+                          </p:cTn>
+                        </p:par>
+                      </p:childTnLst>
+                    </p:cTn>
+                  </p:par>
+                  <p:par>
+                    <p:cTn id="18" fill="hold">
+                      <p:stCondLst>
+                        <p:cond delay="indefinite"/>
+                      </p:stCondLst>
+                      <p:childTnLst>
+                        <p:par>
+                          <p:cTn id="19" fill="hold">
+                            <p:stCondLst>
+                              <p:cond delay="0"/>
+                            </p:stCondLst>
+                            <p:childTnLst>
+                              <p:par>
+                                <p:cTn id="20" presetID="10" presetClass="entr" presetSubtype="0" fill="hold" nodeType="clickEffect">
+                                  <p:stCondLst>
+                                    <p:cond delay="0"/>
+                                  </p:stCondLst>
+                                  <p:childTnLst>
+                                    <p:set>
+                                      <p:cBhvr>
+                                        <p:cTn id="21" dur="1" fill="hold">
+                                          <p:stCondLst>
+                                            <p:cond delay="0"/>
+                                          </p:stCondLst>
+                                        </p:cTn>
+                                        <p:tgtEl>
+                                          <p:spTgt spid="3">
+                                            <p:txEl>
+                                              <p:pRg st="3" end="3"/>
+                                            </p:txEl>
+                                          </p:spTgt>
+                                        </p:tgtEl>
+                                        <p:attrNameLst>
+                                          <p:attrName>style.visibility</p:attrName>
+                                        </p:attrNameLst>
+                                      </p:cBhvr>
+                                      <p:to>
+                                        <p:strVal val="visible"/>
+                                      </p:to>
+                                    </p:set>
+                                    <p:animEffect transition="in" filter="fade">
+                                      <p:cBhvr>
+                                        <p:cTn id="22" dur="500"/>
+                                        <p:tgtEl>
+                                          <p:spTgt spid="3">
+                                            <p:txEl>
+                                              <p:pRg st="3" end="3"/>
+                                            </p:txEl>
+                                          </p:spTgt>
+                                        </p:tgtEl>
+                                      </p:cBhvr>
+                                    </p:animEffect>
+                                  </p:childTnLst>
+                                </p:cTn>
+                              </p:par>
+                            </p:childTnLst>
+                          </p:cTn>
+                        </p:par>
+                      </p:childTnLst>
+                    </p:cTn>
+                  </p:par>
+                  <p:par>
+                    <p:cTn id="23" fill="hold">
+                      <p:stCondLst>
+                        <p:cond delay="indefinite"/>
+                      </p:stCondLst>
+                      <p:childTnLst>
+                        <p:par>
+                          <p:cTn id="24" fill="hold">
+                            <p:stCondLst>
+                              <p:cond delay="0"/>
+                            </p:stCondLst>
+                            <p:childTnLst>
+                              <p:par>
+                                <p:cTn id="25" presetID="10" presetClass="entr" presetSubtype="0" fill="hold" nodeType="clickEffect">
+                                  <p:stCondLst>
+                                    <p:cond delay="0"/>
+                                  </p:stCondLst>
+                                  <p:childTnLst>
+                                    <p:set>
+                                      <p:cBhvr>
+                                        <p:cTn id="26" dur="1" fill="hold">
+                                          <p:stCondLst>
+                                            <p:cond delay="0"/>
+                                          </p:stCondLst>
+                                        </p:cTn>
+                                        <p:tgtEl>
+                                          <p:spTgt spid="3">
+                                            <p:txEl>
+                                              <p:pRg st="4" end="4"/>
+                                            </p:txEl>
+                                          </p:spTgt>
+                                        </p:tgtEl>
+                                        <p:attrNameLst>
+                                          <p:attrName>style.visibility</p:attrName>
+                                        </p:attrNameLst>
+                                      </p:cBhvr>
+                                      <p:to>
+                                        <p:strVal val="visible"/>
+                                      </p:to>
+                                    </p:set>
+                                    <p:animEffect transition="in" filter="fade">
+                                      <p:cBhvr>
+                                        <p:cTn id="27" dur="500"/>
+                                        <p:tgtEl>
+                                          <p:spTgt spid="3">
+                                            <p:txEl>
+                                              <p:pRg st="4" end="4"/>
+                                            </p:txEl>
+                                          </p:spTgt>
+                                        </p:tgtEl>
+                                      </p:cBhvr>
+                                    </p:animEffect>
+                                  </p:childTnLst>
+                                </p:cTn>
+                              </p:par>
+                            </p:childTnLst>
+                          </p:cTn>
+                        </p:par>
+                      </p:childTnLst>
+                    </p:cTn>
+                  </p:par>
+                  <p:par>
+                    <p:cTn id="28" fill="hold">
+                      <p:stCondLst>
+                        <p:cond delay="indefinite"/>
+                      </p:stCondLst>
+                      <p:childTnLst>
+                        <p:par>
+                          <p:cTn id="29" fill="hold">
+                            <p:stCondLst>
+                              <p:cond delay="0"/>
+                            </p:stCondLst>
+                            <p:childTnLst>
+                              <p:par>
+                                <p:cTn id="30" presetID="10" presetClass="entr" presetSubtype="0" fill="hold" nodeType="clickEffect">
+                                  <p:stCondLst>
+                                    <p:cond delay="0"/>
+                                  </p:stCondLst>
+                                  <p:childTnLst>
+                                    <p:set>
+                                      <p:cBhvr>
+                                        <p:cTn id="31" dur="1" fill="hold">
+                                          <p:stCondLst>
+                                            <p:cond delay="0"/>
+                                          </p:stCondLst>
+                                        </p:cTn>
+                                        <p:tgtEl>
+                                          <p:spTgt spid="3">
+                                            <p:txEl>
+                                              <p:pRg st="5" end="5"/>
+                                            </p:txEl>
+                                          </p:spTgt>
+                                        </p:tgtEl>
+                                        <p:attrNameLst>
+                                          <p:attrName>style.visibility</p:attrName>
+                                        </p:attrNameLst>
+                                      </p:cBhvr>
+                                      <p:to>
+                                        <p:strVal val="visible"/>
+                                      </p:to>
+                                    </p:set>
+                                    <p:animEffect transition="in" filter="fade">
+                                      <p:cBhvr>
+                                        <p:cTn id="32" dur="500"/>
+                                        <p:tgtEl>
+                                          <p:spTgt spid="3">
+                                            <p:txEl>
+                                              <p:pRg st="5" end="5"/>
+                                            </p:txEl>
+                                          </p:spTgt>
+                                        </p:tgtEl>
+                                      </p:cBhvr>
+                                    </p:animEffect>
+                                  </p:childTnLst>
+                                </p:cTn>
+                              </p:par>
+                            </p:childTnLst>
+                          </p:cTn>
+                        </p:par>
+                      </p:childTnLst>
+                    </p:cTn>
+                  </p:par>
+                </p:childTnLst>
+              </p:cTn>
+              <p:prevCondLst>
+                <p:cond evt="onPrev" delay="0">
+                  <p:tgtEl>
+                    <p:sldTgt/>
+                  </p:tgtEl>
+                </p:cond>
+              </p:prevCondLst>
+              <p:nextCondLst>
+                <p:cond evt="onNext" delay="0">
+                  <p:tgtEl>
+                    <p:sldTgt/>
+                  </p:tgtEl>
+                </p:cond>
+              </p:nextCondLst>
+            </p:seq>
+          </p:childTnLst>
+        </p:cTn>
+      </p:par>
+    </p:tnLst>
+  </p:timing>
 </p:sld>
 </file>
 
@@ -4267,7 +5427,10 @@
           <a:bodyPr/>
           <a:lstStyle/>
           <a:p>
-            <a:endParaRPr lang="de-DE"/>
+            <a:r>
+              <a:rPr lang="de-DE" dirty="0"/>
+              <a:t>Demonstrationsvideo</a:t>
+            </a:r>
           </a:p>
         </p:txBody>
       </p:sp>
@@ -4292,10 +5455,10 @@
           <a:bodyPr/>
           <a:lstStyle/>
           <a:p>
-            <a:r>
-              <a:rPr lang="de-DE" dirty="0"/>
-              <a:t>VIDEO?!?!?!?!?!?!</a:t>
-            </a:r>
+            <a:pPr marL="0" indent="0">
+              <a:buNone/>
+            </a:pPr>
+            <a:endParaRPr lang="de-DE" dirty="0"/>
           </a:p>
         </p:txBody>
       </p:sp>
@@ -4350,7 +5513,10 @@
           <a:bodyPr/>
           <a:lstStyle/>
           <a:p>
-            <a:endParaRPr lang="de-DE"/>
+            <a:r>
+              <a:rPr lang="de-DE" dirty="0"/>
+              <a:t>Reflexion</a:t>
+            </a:r>
           </a:p>
         </p:txBody>
       </p:sp>
@@ -4512,6 +5678,469 @@
   <p:clrMapOvr>
     <a:masterClrMapping/>
   </p:clrMapOvr>
+  <p:timing>
+    <p:tnLst>
+      <p:par>
+        <p:cTn id="1" dur="indefinite" restart="never" nodeType="tmRoot">
+          <p:childTnLst>
+            <p:seq concurrent="1" nextAc="seek">
+              <p:cTn id="2" dur="indefinite" nodeType="mainSeq">
+                <p:childTnLst>
+                  <p:par>
+                    <p:cTn id="3" fill="hold">
+                      <p:stCondLst>
+                        <p:cond delay="indefinite"/>
+                      </p:stCondLst>
+                      <p:childTnLst>
+                        <p:par>
+                          <p:cTn id="4" fill="hold">
+                            <p:stCondLst>
+                              <p:cond delay="0"/>
+                            </p:stCondLst>
+                            <p:childTnLst>
+                              <p:par>
+                                <p:cTn id="5" presetID="10" presetClass="entr" presetSubtype="0" fill="hold" grpId="0" nodeType="clickEffect">
+                                  <p:stCondLst>
+                                    <p:cond delay="0"/>
+                                  </p:stCondLst>
+                                  <p:childTnLst>
+                                    <p:set>
+                                      <p:cBhvr>
+                                        <p:cTn id="6" dur="1" fill="hold">
+                                          <p:stCondLst>
+                                            <p:cond delay="0"/>
+                                          </p:stCondLst>
+                                        </p:cTn>
+                                        <p:tgtEl>
+                                          <p:spTgt spid="8">
+                                            <p:txEl>
+                                              <p:pRg st="0" end="0"/>
+                                            </p:txEl>
+                                          </p:spTgt>
+                                        </p:tgtEl>
+                                        <p:attrNameLst>
+                                          <p:attrName>style.visibility</p:attrName>
+                                        </p:attrNameLst>
+                                      </p:cBhvr>
+                                      <p:to>
+                                        <p:strVal val="visible"/>
+                                      </p:to>
+                                    </p:set>
+                                    <p:animEffect transition="in" filter="fade">
+                                      <p:cBhvr>
+                                        <p:cTn id="7" dur="500"/>
+                                        <p:tgtEl>
+                                          <p:spTgt spid="8">
+                                            <p:txEl>
+                                              <p:pRg st="0" end="0"/>
+                                            </p:txEl>
+                                          </p:spTgt>
+                                        </p:tgtEl>
+                                      </p:cBhvr>
+                                    </p:animEffect>
+                                  </p:childTnLst>
+                                </p:cTn>
+                              </p:par>
+                            </p:childTnLst>
+                          </p:cTn>
+                        </p:par>
+                      </p:childTnLst>
+                    </p:cTn>
+                  </p:par>
+                  <p:par>
+                    <p:cTn id="8" fill="hold">
+                      <p:stCondLst>
+                        <p:cond delay="indefinite"/>
+                      </p:stCondLst>
+                      <p:childTnLst>
+                        <p:par>
+                          <p:cTn id="9" fill="hold">
+                            <p:stCondLst>
+                              <p:cond delay="0"/>
+                            </p:stCondLst>
+                            <p:childTnLst>
+                              <p:par>
+                                <p:cTn id="10" presetID="10" presetClass="entr" presetSubtype="0" fill="hold" grpId="0" nodeType="clickEffect">
+                                  <p:stCondLst>
+                                    <p:cond delay="0"/>
+                                  </p:stCondLst>
+                                  <p:childTnLst>
+                                    <p:set>
+                                      <p:cBhvr>
+                                        <p:cTn id="11" dur="1" fill="hold">
+                                          <p:stCondLst>
+                                            <p:cond delay="0"/>
+                                          </p:stCondLst>
+                                        </p:cTn>
+                                        <p:tgtEl>
+                                          <p:spTgt spid="9">
+                                            <p:txEl>
+                                              <p:pRg st="0" end="0"/>
+                                            </p:txEl>
+                                          </p:spTgt>
+                                        </p:tgtEl>
+                                        <p:attrNameLst>
+                                          <p:attrName>style.visibility</p:attrName>
+                                        </p:attrNameLst>
+                                      </p:cBhvr>
+                                      <p:to>
+                                        <p:strVal val="visible"/>
+                                      </p:to>
+                                    </p:set>
+                                    <p:animEffect transition="in" filter="fade">
+                                      <p:cBhvr>
+                                        <p:cTn id="12" dur="500"/>
+                                        <p:tgtEl>
+                                          <p:spTgt spid="9">
+                                            <p:txEl>
+                                              <p:pRg st="0" end="0"/>
+                                            </p:txEl>
+                                          </p:spTgt>
+                                        </p:tgtEl>
+                                      </p:cBhvr>
+                                    </p:animEffect>
+                                  </p:childTnLst>
+                                </p:cTn>
+                              </p:par>
+                            </p:childTnLst>
+                          </p:cTn>
+                        </p:par>
+                      </p:childTnLst>
+                    </p:cTn>
+                  </p:par>
+                  <p:par>
+                    <p:cTn id="13" fill="hold">
+                      <p:stCondLst>
+                        <p:cond delay="indefinite"/>
+                      </p:stCondLst>
+                      <p:childTnLst>
+                        <p:par>
+                          <p:cTn id="14" fill="hold">
+                            <p:stCondLst>
+                              <p:cond delay="0"/>
+                            </p:stCondLst>
+                            <p:childTnLst>
+                              <p:par>
+                                <p:cTn id="15" presetID="10" presetClass="entr" presetSubtype="0" fill="hold" grpId="0" nodeType="clickEffect">
+                                  <p:stCondLst>
+                                    <p:cond delay="0"/>
+                                  </p:stCondLst>
+                                  <p:childTnLst>
+                                    <p:set>
+                                      <p:cBhvr>
+                                        <p:cTn id="16" dur="1" fill="hold">
+                                          <p:stCondLst>
+                                            <p:cond delay="0"/>
+                                          </p:stCondLst>
+                                        </p:cTn>
+                                        <p:tgtEl>
+                                          <p:spTgt spid="9">
+                                            <p:txEl>
+                                              <p:pRg st="1" end="1"/>
+                                            </p:txEl>
+                                          </p:spTgt>
+                                        </p:tgtEl>
+                                        <p:attrNameLst>
+                                          <p:attrName>style.visibility</p:attrName>
+                                        </p:attrNameLst>
+                                      </p:cBhvr>
+                                      <p:to>
+                                        <p:strVal val="visible"/>
+                                      </p:to>
+                                    </p:set>
+                                    <p:animEffect transition="in" filter="fade">
+                                      <p:cBhvr>
+                                        <p:cTn id="17" dur="500"/>
+                                        <p:tgtEl>
+                                          <p:spTgt spid="9">
+                                            <p:txEl>
+                                              <p:pRg st="1" end="1"/>
+                                            </p:txEl>
+                                          </p:spTgt>
+                                        </p:tgtEl>
+                                      </p:cBhvr>
+                                    </p:animEffect>
+                                  </p:childTnLst>
+                                </p:cTn>
+                              </p:par>
+                            </p:childTnLst>
+                          </p:cTn>
+                        </p:par>
+                      </p:childTnLst>
+                    </p:cTn>
+                  </p:par>
+                  <p:par>
+                    <p:cTn id="18" fill="hold">
+                      <p:stCondLst>
+                        <p:cond delay="indefinite"/>
+                      </p:stCondLst>
+                      <p:childTnLst>
+                        <p:par>
+                          <p:cTn id="19" fill="hold">
+                            <p:stCondLst>
+                              <p:cond delay="0"/>
+                            </p:stCondLst>
+                            <p:childTnLst>
+                              <p:par>
+                                <p:cTn id="20" presetID="10" presetClass="entr" presetSubtype="0" fill="hold" grpId="0" nodeType="clickEffect">
+                                  <p:stCondLst>
+                                    <p:cond delay="0"/>
+                                  </p:stCondLst>
+                                  <p:childTnLst>
+                                    <p:set>
+                                      <p:cBhvr>
+                                        <p:cTn id="21" dur="1" fill="hold">
+                                          <p:stCondLst>
+                                            <p:cond delay="0"/>
+                                          </p:stCondLst>
+                                        </p:cTn>
+                                        <p:tgtEl>
+                                          <p:spTgt spid="9">
+                                            <p:txEl>
+                                              <p:pRg st="2" end="2"/>
+                                            </p:txEl>
+                                          </p:spTgt>
+                                        </p:tgtEl>
+                                        <p:attrNameLst>
+                                          <p:attrName>style.visibility</p:attrName>
+                                        </p:attrNameLst>
+                                      </p:cBhvr>
+                                      <p:to>
+                                        <p:strVal val="visible"/>
+                                      </p:to>
+                                    </p:set>
+                                    <p:animEffect transition="in" filter="fade">
+                                      <p:cBhvr>
+                                        <p:cTn id="22" dur="500"/>
+                                        <p:tgtEl>
+                                          <p:spTgt spid="9">
+                                            <p:txEl>
+                                              <p:pRg st="2" end="2"/>
+                                            </p:txEl>
+                                          </p:spTgt>
+                                        </p:tgtEl>
+                                      </p:cBhvr>
+                                    </p:animEffect>
+                                  </p:childTnLst>
+                                </p:cTn>
+                              </p:par>
+                            </p:childTnLst>
+                          </p:cTn>
+                        </p:par>
+                      </p:childTnLst>
+                    </p:cTn>
+                  </p:par>
+                  <p:par>
+                    <p:cTn id="23" fill="hold">
+                      <p:stCondLst>
+                        <p:cond delay="indefinite"/>
+                      </p:stCondLst>
+                      <p:childTnLst>
+                        <p:par>
+                          <p:cTn id="24" fill="hold">
+                            <p:stCondLst>
+                              <p:cond delay="0"/>
+                            </p:stCondLst>
+                            <p:childTnLst>
+                              <p:par>
+                                <p:cTn id="25" presetID="10" presetClass="entr" presetSubtype="0" fill="hold" grpId="0" nodeType="clickEffect">
+                                  <p:stCondLst>
+                                    <p:cond delay="0"/>
+                                  </p:stCondLst>
+                                  <p:childTnLst>
+                                    <p:set>
+                                      <p:cBhvr>
+                                        <p:cTn id="26" dur="1" fill="hold">
+                                          <p:stCondLst>
+                                            <p:cond delay="0"/>
+                                          </p:stCondLst>
+                                        </p:cTn>
+                                        <p:tgtEl>
+                                          <p:spTgt spid="10">
+                                            <p:txEl>
+                                              <p:pRg st="0" end="0"/>
+                                            </p:txEl>
+                                          </p:spTgt>
+                                        </p:tgtEl>
+                                        <p:attrNameLst>
+                                          <p:attrName>style.visibility</p:attrName>
+                                        </p:attrNameLst>
+                                      </p:cBhvr>
+                                      <p:to>
+                                        <p:strVal val="visible"/>
+                                      </p:to>
+                                    </p:set>
+                                    <p:animEffect transition="in" filter="fade">
+                                      <p:cBhvr>
+                                        <p:cTn id="27" dur="500"/>
+                                        <p:tgtEl>
+                                          <p:spTgt spid="10">
+                                            <p:txEl>
+                                              <p:pRg st="0" end="0"/>
+                                            </p:txEl>
+                                          </p:spTgt>
+                                        </p:tgtEl>
+                                      </p:cBhvr>
+                                    </p:animEffect>
+                                  </p:childTnLst>
+                                </p:cTn>
+                              </p:par>
+                            </p:childTnLst>
+                          </p:cTn>
+                        </p:par>
+                      </p:childTnLst>
+                    </p:cTn>
+                  </p:par>
+                  <p:par>
+                    <p:cTn id="28" fill="hold">
+                      <p:stCondLst>
+                        <p:cond delay="indefinite"/>
+                      </p:stCondLst>
+                      <p:childTnLst>
+                        <p:par>
+                          <p:cTn id="29" fill="hold">
+                            <p:stCondLst>
+                              <p:cond delay="0"/>
+                            </p:stCondLst>
+                            <p:childTnLst>
+                              <p:par>
+                                <p:cTn id="30" presetID="10" presetClass="entr" presetSubtype="0" fill="hold" grpId="0" nodeType="clickEffect">
+                                  <p:stCondLst>
+                                    <p:cond delay="0"/>
+                                  </p:stCondLst>
+                                  <p:childTnLst>
+                                    <p:set>
+                                      <p:cBhvr>
+                                        <p:cTn id="31" dur="1" fill="hold">
+                                          <p:stCondLst>
+                                            <p:cond delay="0"/>
+                                          </p:stCondLst>
+                                        </p:cTn>
+                                        <p:tgtEl>
+                                          <p:spTgt spid="11">
+                                            <p:txEl>
+                                              <p:pRg st="0" end="0"/>
+                                            </p:txEl>
+                                          </p:spTgt>
+                                        </p:tgtEl>
+                                        <p:attrNameLst>
+                                          <p:attrName>style.visibility</p:attrName>
+                                        </p:attrNameLst>
+                                      </p:cBhvr>
+                                      <p:to>
+                                        <p:strVal val="visible"/>
+                                      </p:to>
+                                    </p:set>
+                                    <p:animEffect transition="in" filter="fade">
+                                      <p:cBhvr>
+                                        <p:cTn id="32" dur="500"/>
+                                        <p:tgtEl>
+                                          <p:spTgt spid="11">
+                                            <p:txEl>
+                                              <p:pRg st="0" end="0"/>
+                                            </p:txEl>
+                                          </p:spTgt>
+                                        </p:tgtEl>
+                                      </p:cBhvr>
+                                    </p:animEffect>
+                                  </p:childTnLst>
+                                </p:cTn>
+                              </p:par>
+                            </p:childTnLst>
+                          </p:cTn>
+                        </p:par>
+                      </p:childTnLst>
+                    </p:cTn>
+                  </p:par>
+                  <p:par>
+                    <p:cTn id="33" fill="hold">
+                      <p:stCondLst>
+                        <p:cond delay="indefinite"/>
+                      </p:stCondLst>
+                      <p:childTnLst>
+                        <p:par>
+                          <p:cTn id="34" fill="hold">
+                            <p:stCondLst>
+                              <p:cond delay="0"/>
+                            </p:stCondLst>
+                            <p:childTnLst>
+                              <p:par>
+                                <p:cTn id="35" presetID="10" presetClass="entr" presetSubtype="0" fill="hold" grpId="0" nodeType="clickEffect">
+                                  <p:stCondLst>
+                                    <p:cond delay="0"/>
+                                  </p:stCondLst>
+                                  <p:childTnLst>
+                                    <p:set>
+                                      <p:cBhvr>
+                                        <p:cTn id="36" dur="1" fill="hold">
+                                          <p:stCondLst>
+                                            <p:cond delay="0"/>
+                                          </p:stCondLst>
+                                        </p:cTn>
+                                        <p:tgtEl>
+                                          <p:spTgt spid="11">
+                                            <p:txEl>
+                                              <p:pRg st="1" end="1"/>
+                                            </p:txEl>
+                                          </p:spTgt>
+                                        </p:tgtEl>
+                                        <p:attrNameLst>
+                                          <p:attrName>style.visibility</p:attrName>
+                                        </p:attrNameLst>
+                                      </p:cBhvr>
+                                      <p:to>
+                                        <p:strVal val="visible"/>
+                                      </p:to>
+                                    </p:set>
+                                    <p:animEffect transition="in" filter="fade">
+                                      <p:cBhvr>
+                                        <p:cTn id="37" dur="500"/>
+                                        <p:tgtEl>
+                                          <p:spTgt spid="11">
+                                            <p:txEl>
+                                              <p:pRg st="1" end="1"/>
+                                            </p:txEl>
+                                          </p:spTgt>
+                                        </p:tgtEl>
+                                      </p:cBhvr>
+                                    </p:animEffect>
+                                  </p:childTnLst>
+                                </p:cTn>
+                              </p:par>
+                            </p:childTnLst>
+                          </p:cTn>
+                        </p:par>
+                      </p:childTnLst>
+                    </p:cTn>
+                  </p:par>
+                </p:childTnLst>
+              </p:cTn>
+              <p:prevCondLst>
+                <p:cond evt="onPrev" delay="0">
+                  <p:tgtEl>
+                    <p:sldTgt/>
+                  </p:tgtEl>
+                </p:cond>
+              </p:prevCondLst>
+              <p:nextCondLst>
+                <p:cond evt="onNext" delay="0">
+                  <p:tgtEl>
+                    <p:sldTgt/>
+                  </p:tgtEl>
+                </p:cond>
+              </p:nextCondLst>
+            </p:seq>
+          </p:childTnLst>
+        </p:cTn>
+      </p:par>
+    </p:tnLst>
+    <p:bldLst>
+      <p:bldP spid="8" grpId="0" build="p"/>
+      <p:bldP spid="9" grpId="0" build="p"/>
+      <p:bldP spid="10" grpId="0" build="p"/>
+      <p:bldP spid="11" grpId="0" build="p"/>
+    </p:bldLst>
+  </p:timing>
 </p:sld>
 </file>
 

--- a/Praktikumsbericht/Abschlusspraesentation.pptx
+++ b/Praktikumsbericht/Abschlusspraesentation.pptx
@@ -5,14 +5,24 @@
     <p:sldMasterId id="2147483648" r:id="rId1"/>
   </p:sldMasterIdLst>
   <p:notesMasterIdLst>
-    <p:notesMasterId r:id="rId7"/>
+    <p:notesMasterId r:id="rId17"/>
   </p:notesMasterIdLst>
   <p:sldIdLst>
     <p:sldId id="257" r:id="rId2"/>
     <p:sldId id="258" r:id="rId3"/>
     <p:sldId id="259" r:id="rId4"/>
-    <p:sldId id="260" r:id="rId5"/>
-    <p:sldId id="263" r:id="rId6"/>
+    <p:sldId id="264" r:id="rId5"/>
+    <p:sldId id="265" r:id="rId6"/>
+    <p:sldId id="266" r:id="rId7"/>
+    <p:sldId id="267" r:id="rId8"/>
+    <p:sldId id="268" r:id="rId9"/>
+    <p:sldId id="269" r:id="rId10"/>
+    <p:sldId id="270" r:id="rId11"/>
+    <p:sldId id="271" r:id="rId12"/>
+    <p:sldId id="272" r:id="rId13"/>
+    <p:sldId id="273" r:id="rId14"/>
+    <p:sldId id="260" r:id="rId15"/>
+    <p:sldId id="263" r:id="rId16"/>
   </p:sldIdLst>
   <p:sldSz cx="12192000" cy="6858000"/>
   <p:notesSz cx="6858000" cy="9144000"/>
@@ -608,6 +618,759 @@
 </p:notes>
 </file>
 
+<file path=ppt/notesSlides/notesSlide10.xml><?xml version="1.0" encoding="utf-8"?>
+<p:notes xmlns:a="http://schemas.openxmlformats.org/drawingml/2006/main" xmlns:r="http://schemas.openxmlformats.org/officeDocument/2006/relationships" xmlns:p="http://schemas.openxmlformats.org/presentationml/2006/main">
+  <p:cSld>
+    <p:spTree>
+      <p:nvGrpSpPr>
+        <p:cNvPr id="1" name=""/>
+        <p:cNvGrpSpPr/>
+        <p:nvPr/>
+      </p:nvGrpSpPr>
+      <p:grpSpPr>
+        <a:xfrm>
+          <a:off x="0" y="0"/>
+          <a:ext cx="0" cy="0"/>
+          <a:chOff x="0" y="0"/>
+          <a:chExt cx="0" cy="0"/>
+        </a:xfrm>
+      </p:grpSpPr>
+      <p:sp>
+        <p:nvSpPr>
+          <p:cNvPr id="2" name="Folienbildplatzhalter 1"/>
+          <p:cNvSpPr>
+            <a:spLocks noGrp="1" noRot="1" noChangeAspect="1"/>
+          </p:cNvSpPr>
+          <p:nvPr>
+            <p:ph type="sldImg"/>
+          </p:nvPr>
+        </p:nvSpPr>
+        <p:spPr/>
+      </p:sp>
+      <p:sp>
+        <p:nvSpPr>
+          <p:cNvPr id="3" name="Notizenplatzhalter 2"/>
+          <p:cNvSpPr>
+            <a:spLocks noGrp="1"/>
+          </p:cNvSpPr>
+          <p:nvPr>
+            <p:ph type="body" idx="1"/>
+          </p:nvPr>
+        </p:nvSpPr>
+        <p:spPr/>
+        <p:txBody>
+          <a:bodyPr/>
+          <a:lstStyle/>
+          <a:p>
+            <a:r>
+              <a:rPr lang="de-DE" dirty="0" err="1"/>
+              <a:t>manager</a:t>
+            </a:r>
+            <a:r>
+              <a:rPr lang="de-DE" dirty="0"/>
+              <a:t> : Workers -&gt; </a:t>
+            </a:r>
+            <a:r>
+              <a:rPr lang="de-DE" dirty="0" err="1"/>
+              <a:t>läd</a:t>
+            </a:r>
+            <a:r>
+              <a:rPr lang="de-DE" dirty="0"/>
+              <a:t> und speichert aus der Konfigurationsdatei</a:t>
+            </a:r>
+          </a:p>
+          <a:p>
+            <a:r>
+              <a:rPr lang="de-DE" dirty="0" err="1"/>
+              <a:t>workers</a:t>
+            </a:r>
+            <a:r>
+              <a:rPr lang="de-DE" dirty="0"/>
+              <a:t> : </a:t>
+            </a:r>
+            <a:r>
+              <a:rPr lang="de-DE" dirty="0" err="1"/>
+              <a:t>IDictionary</a:t>
+            </a:r>
+            <a:r>
+              <a:rPr lang="de-DE" dirty="0"/>
+              <a:t> -&gt; </a:t>
+            </a:r>
+            <a:r>
+              <a:rPr lang="de-DE" dirty="0" err="1"/>
+              <a:t>enhalt</a:t>
+            </a:r>
+            <a:r>
+              <a:rPr lang="de-DE" dirty="0"/>
+              <a:t> alle geladenen Daten</a:t>
+            </a:r>
+          </a:p>
+          <a:p>
+            <a:r>
+              <a:rPr lang="de-DE" dirty="0" err="1"/>
+              <a:t>preferences</a:t>
+            </a:r>
+            <a:r>
+              <a:rPr lang="de-DE" dirty="0"/>
+              <a:t> : </a:t>
+            </a:r>
+            <a:r>
+              <a:rPr lang="de-DE" dirty="0" err="1"/>
+              <a:t>PreferenceSet</a:t>
+            </a:r>
+            <a:r>
+              <a:rPr lang="de-DE" dirty="0"/>
+              <a:t> -&gt; enthält alle Daten, die der </a:t>
+            </a:r>
+            <a:r>
+              <a:rPr lang="de-DE" dirty="0" err="1"/>
+              <a:t>Worker</a:t>
+            </a:r>
+            <a:r>
+              <a:rPr lang="de-DE" dirty="0"/>
+              <a:t> braucht</a:t>
+            </a:r>
+          </a:p>
+        </p:txBody>
+      </p:sp>
+      <p:sp>
+        <p:nvSpPr>
+          <p:cNvPr id="4" name="Foliennummernplatzhalter 3"/>
+          <p:cNvSpPr>
+            <a:spLocks noGrp="1"/>
+          </p:cNvSpPr>
+          <p:nvPr>
+            <p:ph type="sldNum" sz="quarter" idx="5"/>
+          </p:nvPr>
+        </p:nvSpPr>
+        <p:spPr/>
+        <p:txBody>
+          <a:bodyPr/>
+          <a:lstStyle/>
+          <a:p>
+            <a:fld id="{742BFD6F-DD94-4948-BBA6-AD5AE625A179}" type="slidenum">
+              <a:rPr lang="de-DE" smtClean="0"/>
+              <a:t>10</a:t>
+            </a:fld>
+            <a:endParaRPr lang="de-DE"/>
+          </a:p>
+        </p:txBody>
+      </p:sp>
+    </p:spTree>
+    <p:extLst>
+      <p:ext uri="{BB962C8B-B14F-4D97-AF65-F5344CB8AC3E}">
+        <p14:creationId xmlns:p14="http://schemas.microsoft.com/office/powerpoint/2010/main" val="1445721271"/>
+      </p:ext>
+    </p:extLst>
+  </p:cSld>
+  <p:clrMapOvr>
+    <a:masterClrMapping/>
+  </p:clrMapOvr>
+</p:notes>
+</file>
+
+<file path=ppt/notesSlides/notesSlide11.xml><?xml version="1.0" encoding="utf-8"?>
+<p:notes xmlns:a="http://schemas.openxmlformats.org/drawingml/2006/main" xmlns:r="http://schemas.openxmlformats.org/officeDocument/2006/relationships" xmlns:p="http://schemas.openxmlformats.org/presentationml/2006/main">
+  <p:cSld>
+    <p:spTree>
+      <p:nvGrpSpPr>
+        <p:cNvPr id="1" name=""/>
+        <p:cNvGrpSpPr/>
+        <p:nvPr/>
+      </p:nvGrpSpPr>
+      <p:grpSpPr>
+        <a:xfrm>
+          <a:off x="0" y="0"/>
+          <a:ext cx="0" cy="0"/>
+          <a:chOff x="0" y="0"/>
+          <a:chExt cx="0" cy="0"/>
+        </a:xfrm>
+      </p:grpSpPr>
+      <p:sp>
+        <p:nvSpPr>
+          <p:cNvPr id="2" name="Folienbildplatzhalter 1"/>
+          <p:cNvSpPr>
+            <a:spLocks noGrp="1" noRot="1" noChangeAspect="1"/>
+          </p:cNvSpPr>
+          <p:nvPr>
+            <p:ph type="sldImg"/>
+          </p:nvPr>
+        </p:nvSpPr>
+        <p:spPr/>
+      </p:sp>
+      <p:sp>
+        <p:nvSpPr>
+          <p:cNvPr id="3" name="Notizenplatzhalter 2"/>
+          <p:cNvSpPr>
+            <a:spLocks noGrp="1"/>
+          </p:cNvSpPr>
+          <p:nvPr>
+            <p:ph type="body" idx="1"/>
+          </p:nvPr>
+        </p:nvSpPr>
+        <p:spPr/>
+        <p:txBody>
+          <a:bodyPr/>
+          <a:lstStyle/>
+          <a:p>
+            <a:r>
+              <a:rPr lang="de-DE" dirty="0" err="1"/>
+              <a:t>manager</a:t>
+            </a:r>
+            <a:r>
+              <a:rPr lang="de-DE" dirty="0"/>
+              <a:t> : Workers -&gt; </a:t>
+            </a:r>
+            <a:r>
+              <a:rPr lang="de-DE" dirty="0" err="1"/>
+              <a:t>läd</a:t>
+            </a:r>
+            <a:r>
+              <a:rPr lang="de-DE" dirty="0"/>
+              <a:t> und speichert aus der Konfigurationsdatei</a:t>
+            </a:r>
+          </a:p>
+          <a:p>
+            <a:r>
+              <a:rPr lang="de-DE" dirty="0" err="1"/>
+              <a:t>workers</a:t>
+            </a:r>
+            <a:r>
+              <a:rPr lang="de-DE" dirty="0"/>
+              <a:t> : </a:t>
+            </a:r>
+            <a:r>
+              <a:rPr lang="de-DE" dirty="0" err="1"/>
+              <a:t>IDictionary</a:t>
+            </a:r>
+            <a:r>
+              <a:rPr lang="de-DE" dirty="0"/>
+              <a:t> -&gt; </a:t>
+            </a:r>
+            <a:r>
+              <a:rPr lang="de-DE" dirty="0" err="1"/>
+              <a:t>enhalt</a:t>
+            </a:r>
+            <a:r>
+              <a:rPr lang="de-DE" dirty="0"/>
+              <a:t> alle geladenen Daten</a:t>
+            </a:r>
+          </a:p>
+          <a:p>
+            <a:r>
+              <a:rPr lang="de-DE" dirty="0" err="1"/>
+              <a:t>preferences</a:t>
+            </a:r>
+            <a:r>
+              <a:rPr lang="de-DE" dirty="0"/>
+              <a:t> : </a:t>
+            </a:r>
+            <a:r>
+              <a:rPr lang="de-DE" dirty="0" err="1"/>
+              <a:t>PreferenceSet</a:t>
+            </a:r>
+            <a:r>
+              <a:rPr lang="de-DE" dirty="0"/>
+              <a:t> -&gt; enthält alle Daten, die der </a:t>
+            </a:r>
+            <a:r>
+              <a:rPr lang="de-DE" dirty="0" err="1"/>
+              <a:t>Worker</a:t>
+            </a:r>
+            <a:r>
+              <a:rPr lang="de-DE" dirty="0"/>
+              <a:t> braucht</a:t>
+            </a:r>
+          </a:p>
+        </p:txBody>
+      </p:sp>
+      <p:sp>
+        <p:nvSpPr>
+          <p:cNvPr id="4" name="Foliennummernplatzhalter 3"/>
+          <p:cNvSpPr>
+            <a:spLocks noGrp="1"/>
+          </p:cNvSpPr>
+          <p:nvPr>
+            <p:ph type="sldNum" sz="quarter" idx="5"/>
+          </p:nvPr>
+        </p:nvSpPr>
+        <p:spPr/>
+        <p:txBody>
+          <a:bodyPr/>
+          <a:lstStyle/>
+          <a:p>
+            <a:fld id="{742BFD6F-DD94-4948-BBA6-AD5AE625A179}" type="slidenum">
+              <a:rPr lang="de-DE" smtClean="0"/>
+              <a:t>11</a:t>
+            </a:fld>
+            <a:endParaRPr lang="de-DE"/>
+          </a:p>
+        </p:txBody>
+      </p:sp>
+    </p:spTree>
+    <p:extLst>
+      <p:ext uri="{BB962C8B-B14F-4D97-AF65-F5344CB8AC3E}">
+        <p14:creationId xmlns:p14="http://schemas.microsoft.com/office/powerpoint/2010/main" val="1722553501"/>
+      </p:ext>
+    </p:extLst>
+  </p:cSld>
+  <p:clrMapOvr>
+    <a:masterClrMapping/>
+  </p:clrMapOvr>
+</p:notes>
+</file>
+
+<file path=ppt/notesSlides/notesSlide12.xml><?xml version="1.0" encoding="utf-8"?>
+<p:notes xmlns:a="http://schemas.openxmlformats.org/drawingml/2006/main" xmlns:r="http://schemas.openxmlformats.org/officeDocument/2006/relationships" xmlns:p="http://schemas.openxmlformats.org/presentationml/2006/main">
+  <p:cSld>
+    <p:spTree>
+      <p:nvGrpSpPr>
+        <p:cNvPr id="1" name=""/>
+        <p:cNvGrpSpPr/>
+        <p:nvPr/>
+      </p:nvGrpSpPr>
+      <p:grpSpPr>
+        <a:xfrm>
+          <a:off x="0" y="0"/>
+          <a:ext cx="0" cy="0"/>
+          <a:chOff x="0" y="0"/>
+          <a:chExt cx="0" cy="0"/>
+        </a:xfrm>
+      </p:grpSpPr>
+      <p:sp>
+        <p:nvSpPr>
+          <p:cNvPr id="2" name="Folienbildplatzhalter 1"/>
+          <p:cNvSpPr>
+            <a:spLocks noGrp="1" noRot="1" noChangeAspect="1"/>
+          </p:cNvSpPr>
+          <p:nvPr>
+            <p:ph type="sldImg"/>
+          </p:nvPr>
+        </p:nvSpPr>
+        <p:spPr/>
+      </p:sp>
+      <p:sp>
+        <p:nvSpPr>
+          <p:cNvPr id="3" name="Notizenplatzhalter 2"/>
+          <p:cNvSpPr>
+            <a:spLocks noGrp="1"/>
+          </p:cNvSpPr>
+          <p:nvPr>
+            <p:ph type="body" idx="1"/>
+          </p:nvPr>
+        </p:nvSpPr>
+        <p:spPr/>
+        <p:txBody>
+          <a:bodyPr/>
+          <a:lstStyle/>
+          <a:p>
+            <a:r>
+              <a:rPr lang="de-DE" dirty="0" err="1"/>
+              <a:t>manager</a:t>
+            </a:r>
+            <a:r>
+              <a:rPr lang="de-DE" dirty="0"/>
+              <a:t> : Workers -&gt; </a:t>
+            </a:r>
+            <a:r>
+              <a:rPr lang="de-DE" dirty="0" err="1"/>
+              <a:t>läd</a:t>
+            </a:r>
+            <a:r>
+              <a:rPr lang="de-DE" dirty="0"/>
+              <a:t> und speichert aus der Konfigurationsdatei</a:t>
+            </a:r>
+          </a:p>
+          <a:p>
+            <a:r>
+              <a:rPr lang="de-DE" dirty="0" err="1"/>
+              <a:t>workers</a:t>
+            </a:r>
+            <a:r>
+              <a:rPr lang="de-DE" dirty="0"/>
+              <a:t> : </a:t>
+            </a:r>
+            <a:r>
+              <a:rPr lang="de-DE" dirty="0" err="1"/>
+              <a:t>IDictionary</a:t>
+            </a:r>
+            <a:r>
+              <a:rPr lang="de-DE" dirty="0"/>
+              <a:t> -&gt; </a:t>
+            </a:r>
+            <a:r>
+              <a:rPr lang="de-DE" dirty="0" err="1"/>
+              <a:t>enhalt</a:t>
+            </a:r>
+            <a:r>
+              <a:rPr lang="de-DE" dirty="0"/>
+              <a:t> alle geladenen Daten</a:t>
+            </a:r>
+          </a:p>
+          <a:p>
+            <a:r>
+              <a:rPr lang="de-DE" dirty="0" err="1"/>
+              <a:t>preferences</a:t>
+            </a:r>
+            <a:r>
+              <a:rPr lang="de-DE" dirty="0"/>
+              <a:t> : </a:t>
+            </a:r>
+            <a:r>
+              <a:rPr lang="de-DE" dirty="0" err="1"/>
+              <a:t>PreferenceSet</a:t>
+            </a:r>
+            <a:r>
+              <a:rPr lang="de-DE" dirty="0"/>
+              <a:t> -&gt; enthält alle Daten, die der </a:t>
+            </a:r>
+            <a:r>
+              <a:rPr lang="de-DE" dirty="0" err="1"/>
+              <a:t>Worker</a:t>
+            </a:r>
+            <a:r>
+              <a:rPr lang="de-DE" dirty="0"/>
+              <a:t> braucht</a:t>
+            </a:r>
+          </a:p>
+        </p:txBody>
+      </p:sp>
+      <p:sp>
+        <p:nvSpPr>
+          <p:cNvPr id="4" name="Foliennummernplatzhalter 3"/>
+          <p:cNvSpPr>
+            <a:spLocks noGrp="1"/>
+          </p:cNvSpPr>
+          <p:nvPr>
+            <p:ph type="sldNum" sz="quarter" idx="5"/>
+          </p:nvPr>
+        </p:nvSpPr>
+        <p:spPr/>
+        <p:txBody>
+          <a:bodyPr/>
+          <a:lstStyle/>
+          <a:p>
+            <a:fld id="{742BFD6F-DD94-4948-BBA6-AD5AE625A179}" type="slidenum">
+              <a:rPr lang="de-DE" smtClean="0"/>
+              <a:t>12</a:t>
+            </a:fld>
+            <a:endParaRPr lang="de-DE"/>
+          </a:p>
+        </p:txBody>
+      </p:sp>
+    </p:spTree>
+    <p:extLst>
+      <p:ext uri="{BB962C8B-B14F-4D97-AF65-F5344CB8AC3E}">
+        <p14:creationId xmlns:p14="http://schemas.microsoft.com/office/powerpoint/2010/main" val="1307845180"/>
+      </p:ext>
+    </p:extLst>
+  </p:cSld>
+  <p:clrMapOvr>
+    <a:masterClrMapping/>
+  </p:clrMapOvr>
+</p:notes>
+</file>
+
+<file path=ppt/notesSlides/notesSlide13.xml><?xml version="1.0" encoding="utf-8"?>
+<p:notes xmlns:a="http://schemas.openxmlformats.org/drawingml/2006/main" xmlns:r="http://schemas.openxmlformats.org/officeDocument/2006/relationships" xmlns:p="http://schemas.openxmlformats.org/presentationml/2006/main">
+  <p:cSld>
+    <p:spTree>
+      <p:nvGrpSpPr>
+        <p:cNvPr id="1" name=""/>
+        <p:cNvGrpSpPr/>
+        <p:nvPr/>
+      </p:nvGrpSpPr>
+      <p:grpSpPr>
+        <a:xfrm>
+          <a:off x="0" y="0"/>
+          <a:ext cx="0" cy="0"/>
+          <a:chOff x="0" y="0"/>
+          <a:chExt cx="0" cy="0"/>
+        </a:xfrm>
+      </p:grpSpPr>
+      <p:sp>
+        <p:nvSpPr>
+          <p:cNvPr id="2" name="Folienbildplatzhalter 1"/>
+          <p:cNvSpPr>
+            <a:spLocks noGrp="1" noRot="1" noChangeAspect="1"/>
+          </p:cNvSpPr>
+          <p:nvPr>
+            <p:ph type="sldImg"/>
+          </p:nvPr>
+        </p:nvSpPr>
+        <p:spPr/>
+      </p:sp>
+      <p:sp>
+        <p:nvSpPr>
+          <p:cNvPr id="3" name="Notizenplatzhalter 2"/>
+          <p:cNvSpPr>
+            <a:spLocks noGrp="1"/>
+          </p:cNvSpPr>
+          <p:nvPr>
+            <p:ph type="body" idx="1"/>
+          </p:nvPr>
+        </p:nvSpPr>
+        <p:spPr/>
+        <p:txBody>
+          <a:bodyPr/>
+          <a:lstStyle/>
+          <a:p>
+            <a:r>
+              <a:rPr lang="de-DE" dirty="0" err="1"/>
+              <a:t>manager</a:t>
+            </a:r>
+            <a:r>
+              <a:rPr lang="de-DE" dirty="0"/>
+              <a:t> : Workers -&gt; </a:t>
+            </a:r>
+            <a:r>
+              <a:rPr lang="de-DE" dirty="0" err="1"/>
+              <a:t>läd</a:t>
+            </a:r>
+            <a:r>
+              <a:rPr lang="de-DE" dirty="0"/>
+              <a:t> und speichert aus der Konfigurationsdatei</a:t>
+            </a:r>
+          </a:p>
+          <a:p>
+            <a:r>
+              <a:rPr lang="de-DE" dirty="0" err="1"/>
+              <a:t>workers</a:t>
+            </a:r>
+            <a:r>
+              <a:rPr lang="de-DE" dirty="0"/>
+              <a:t> : </a:t>
+            </a:r>
+            <a:r>
+              <a:rPr lang="de-DE" dirty="0" err="1"/>
+              <a:t>IDictionary</a:t>
+            </a:r>
+            <a:r>
+              <a:rPr lang="de-DE" dirty="0"/>
+              <a:t> -&gt; </a:t>
+            </a:r>
+            <a:r>
+              <a:rPr lang="de-DE" dirty="0" err="1"/>
+              <a:t>enhalt</a:t>
+            </a:r>
+            <a:r>
+              <a:rPr lang="de-DE" dirty="0"/>
+              <a:t> alle geladenen Daten</a:t>
+            </a:r>
+          </a:p>
+          <a:p>
+            <a:r>
+              <a:rPr lang="de-DE" dirty="0" err="1"/>
+              <a:t>preferences</a:t>
+            </a:r>
+            <a:r>
+              <a:rPr lang="de-DE" dirty="0"/>
+              <a:t> : </a:t>
+            </a:r>
+            <a:r>
+              <a:rPr lang="de-DE" dirty="0" err="1"/>
+              <a:t>PreferenceSet</a:t>
+            </a:r>
+            <a:r>
+              <a:rPr lang="de-DE" dirty="0"/>
+              <a:t> -&gt; enthält alle Daten, die der </a:t>
+            </a:r>
+            <a:r>
+              <a:rPr lang="de-DE" dirty="0" err="1"/>
+              <a:t>Worker</a:t>
+            </a:r>
+            <a:r>
+              <a:rPr lang="de-DE" dirty="0"/>
+              <a:t> braucht</a:t>
+            </a:r>
+          </a:p>
+        </p:txBody>
+      </p:sp>
+      <p:sp>
+        <p:nvSpPr>
+          <p:cNvPr id="4" name="Foliennummernplatzhalter 3"/>
+          <p:cNvSpPr>
+            <a:spLocks noGrp="1"/>
+          </p:cNvSpPr>
+          <p:nvPr>
+            <p:ph type="sldNum" sz="quarter" idx="5"/>
+          </p:nvPr>
+        </p:nvSpPr>
+        <p:spPr/>
+        <p:txBody>
+          <a:bodyPr/>
+          <a:lstStyle/>
+          <a:p>
+            <a:fld id="{742BFD6F-DD94-4948-BBA6-AD5AE625A179}" type="slidenum">
+              <a:rPr lang="de-DE" smtClean="0"/>
+              <a:t>13</a:t>
+            </a:fld>
+            <a:endParaRPr lang="de-DE"/>
+          </a:p>
+        </p:txBody>
+      </p:sp>
+    </p:spTree>
+    <p:extLst>
+      <p:ext uri="{BB962C8B-B14F-4D97-AF65-F5344CB8AC3E}">
+        <p14:creationId xmlns:p14="http://schemas.microsoft.com/office/powerpoint/2010/main" val="2998971657"/>
+      </p:ext>
+    </p:extLst>
+  </p:cSld>
+  <p:clrMapOvr>
+    <a:masterClrMapping/>
+  </p:clrMapOvr>
+</p:notes>
+</file>
+
+<file path=ppt/notesSlides/notesSlide14.xml><?xml version="1.0" encoding="utf-8"?>
+<p:notes xmlns:a="http://schemas.openxmlformats.org/drawingml/2006/main" xmlns:r="http://schemas.openxmlformats.org/officeDocument/2006/relationships" xmlns:p="http://schemas.openxmlformats.org/presentationml/2006/main">
+  <p:cSld>
+    <p:spTree>
+      <p:nvGrpSpPr>
+        <p:cNvPr id="1" name=""/>
+        <p:cNvGrpSpPr/>
+        <p:nvPr/>
+      </p:nvGrpSpPr>
+      <p:grpSpPr>
+        <a:xfrm>
+          <a:off x="0" y="0"/>
+          <a:ext cx="0" cy="0"/>
+          <a:chOff x="0" y="0"/>
+          <a:chExt cx="0" cy="0"/>
+        </a:xfrm>
+      </p:grpSpPr>
+      <p:sp>
+        <p:nvSpPr>
+          <p:cNvPr id="2" name="Folienbildplatzhalter 1"/>
+          <p:cNvSpPr>
+            <a:spLocks noGrp="1" noRot="1" noChangeAspect="1"/>
+          </p:cNvSpPr>
+          <p:nvPr>
+            <p:ph type="sldImg"/>
+          </p:nvPr>
+        </p:nvSpPr>
+        <p:spPr/>
+      </p:sp>
+      <p:sp>
+        <p:nvSpPr>
+          <p:cNvPr id="3" name="Notizenplatzhalter 2"/>
+          <p:cNvSpPr>
+            <a:spLocks noGrp="1"/>
+          </p:cNvSpPr>
+          <p:nvPr>
+            <p:ph type="body" idx="1"/>
+          </p:nvPr>
+        </p:nvSpPr>
+        <p:spPr/>
+        <p:txBody>
+          <a:bodyPr/>
+          <a:lstStyle/>
+          <a:p>
+            <a:pPr marL="228600" indent="-228600">
+              <a:buAutoNum type="arabicPeriod"/>
+            </a:pPr>
+            <a:r>
+              <a:rPr lang="de-DE" dirty="0"/>
+              <a:t>Kaum das volle Potential von </a:t>
+            </a:r>
+            <a:r>
+              <a:rPr lang="de-DE" dirty="0" err="1"/>
+              <a:t>Git</a:t>
+            </a:r>
+            <a:r>
+              <a:rPr lang="de-DE" dirty="0"/>
+              <a:t> </a:t>
+            </a:r>
+            <a:r>
+              <a:rPr lang="de-DE" dirty="0" err="1"/>
+              <a:t>benuzt</a:t>
+            </a:r>
+            <a:endParaRPr lang="de-DE" dirty="0"/>
+          </a:p>
+          <a:p>
+            <a:pPr marL="228600" indent="-228600">
+              <a:buAutoNum type="arabicPeriod"/>
+            </a:pPr>
+            <a:r>
+              <a:rPr lang="de-DE" dirty="0"/>
+              <a:t>Planung lief nicht so gut, weil wir anfangs etwas komplett anderes geplant hatten</a:t>
+            </a:r>
+          </a:p>
+          <a:p>
+            <a:pPr marL="228600" indent="-228600">
+              <a:buAutoNum type="arabicPeriod"/>
+            </a:pPr>
+            <a:r>
+              <a:rPr lang="de-DE" dirty="0"/>
+              <a:t>Es gab einige Missverständnisse zum Ziel des Projektes -&gt; </a:t>
+            </a:r>
+            <a:r>
+              <a:rPr lang="de-DE"/>
+              <a:t>Bessere Kommunikation im Team</a:t>
+            </a:r>
+            <a:endParaRPr lang="de-DE" dirty="0"/>
+          </a:p>
+          <a:p>
+            <a:pPr marL="228600" indent="-228600">
+              <a:buAutoNum type="arabicPeriod"/>
+            </a:pPr>
+            <a:endParaRPr lang="de-DE" dirty="0"/>
+          </a:p>
+          <a:p>
+            <a:pPr marL="228600" indent="-228600">
+              <a:buAutoNum type="arabicPeriod"/>
+            </a:pPr>
+            <a:r>
+              <a:rPr lang="de-DE" dirty="0"/>
+              <a:t>Wir haben ein funktionstüchtiges </a:t>
+            </a:r>
+            <a:r>
+              <a:rPr lang="de-DE" dirty="0" err="1"/>
+              <a:t>Program</a:t>
+            </a:r>
+            <a:r>
+              <a:rPr lang="de-DE" dirty="0"/>
+              <a:t> </a:t>
+            </a:r>
+          </a:p>
+        </p:txBody>
+      </p:sp>
+      <p:sp>
+        <p:nvSpPr>
+          <p:cNvPr id="4" name="Foliennummernplatzhalter 3"/>
+          <p:cNvSpPr>
+            <a:spLocks noGrp="1"/>
+          </p:cNvSpPr>
+          <p:nvPr>
+            <p:ph type="sldNum" sz="quarter" idx="5"/>
+          </p:nvPr>
+        </p:nvSpPr>
+        <p:spPr/>
+        <p:txBody>
+          <a:bodyPr/>
+          <a:lstStyle/>
+          <a:p>
+            <a:fld id="{742BFD6F-DD94-4948-BBA6-AD5AE625A179}" type="slidenum">
+              <a:rPr lang="de-DE" smtClean="0"/>
+              <a:t>15</a:t>
+            </a:fld>
+            <a:endParaRPr lang="de-DE"/>
+          </a:p>
+        </p:txBody>
+      </p:sp>
+    </p:spTree>
+    <p:extLst>
+      <p:ext uri="{BB962C8B-B14F-4D97-AF65-F5344CB8AC3E}">
+        <p14:creationId xmlns:p14="http://schemas.microsoft.com/office/powerpoint/2010/main" val="2691384482"/>
+      </p:ext>
+    </p:extLst>
+  </p:cSld>
+  <p:clrMapOvr>
+    <a:masterClrMapping/>
+  </p:clrMapOvr>
+</p:notes>
+</file>
+
 <file path=ppt/notesSlides/notesSlide2.xml><?xml version="1.0" encoding="utf-8"?>
 <p:notes xmlns:a="http://schemas.openxmlformats.org/drawingml/2006/main" xmlns:r="http://schemas.openxmlformats.org/officeDocument/2006/relationships" xmlns:p="http://schemas.openxmlformats.org/presentationml/2006/main">
   <p:cSld>
@@ -942,66 +1705,224 @@
           <a:bodyPr/>
           <a:lstStyle/>
           <a:p>
-            <a:pPr marL="228600" indent="-228600">
-              <a:buAutoNum type="arabicPeriod"/>
-            </a:pPr>
-            <a:r>
-              <a:rPr lang="de-DE" dirty="0"/>
-              <a:t>Kaum das volle Potential von </a:t>
-            </a:r>
-            <a:r>
-              <a:rPr lang="de-DE" dirty="0" err="1"/>
-              <a:t>Git</a:t>
-            </a:r>
-            <a:r>
-              <a:rPr lang="de-DE" dirty="0"/>
-              <a:t> </a:t>
-            </a:r>
-            <a:r>
-              <a:rPr lang="de-DE" dirty="0" err="1"/>
-              <a:t>benuzt</a:t>
-            </a:r>
-            <a:endParaRPr lang="de-DE" dirty="0"/>
-          </a:p>
-          <a:p>
-            <a:pPr marL="228600" indent="-228600">
-              <a:buAutoNum type="arabicPeriod"/>
-            </a:pPr>
-            <a:r>
-              <a:rPr lang="de-DE" dirty="0"/>
-              <a:t>Planung lief nicht so gut, weil wir anfangs etwas komplett anderes geplant hatten</a:t>
-            </a:r>
-          </a:p>
-          <a:p>
-            <a:pPr marL="228600" indent="-228600">
-              <a:buAutoNum type="arabicPeriod"/>
-            </a:pPr>
-            <a:r>
-              <a:rPr lang="de-DE" dirty="0"/>
-              <a:t>Es gab einige Missverständnisse zum Ziel des Projektes</a:t>
-            </a:r>
-          </a:p>
-          <a:p>
-            <a:pPr marL="228600" indent="-228600">
-              <a:buAutoNum type="arabicPeriod"/>
-            </a:pPr>
-            <a:endParaRPr lang="de-DE" dirty="0"/>
-          </a:p>
-          <a:p>
-            <a:pPr marL="228600" indent="-228600">
-              <a:buAutoNum type="arabicPeriod"/>
-            </a:pPr>
-            <a:r>
-              <a:rPr lang="de-DE" dirty="0"/>
-              <a:t>Wir haben ein funktionstüchtiges </a:t>
-            </a:r>
-            <a:r>
-              <a:rPr lang="de-DE" dirty="0" err="1"/>
-              <a:t>Program</a:t>
-            </a:r>
-            <a:r>
-              <a:rPr lang="de-DE" dirty="0"/>
-              <a:t> </a:t>
+            <a:r>
+              <a:rPr lang="de-DE" dirty="0" err="1"/>
+              <a:t>manager</a:t>
+            </a:r>
+            <a:r>
+              <a:rPr lang="de-DE" dirty="0"/>
+              <a:t> : Workers -&gt; </a:t>
+            </a:r>
+            <a:r>
+              <a:rPr lang="de-DE" dirty="0" err="1"/>
+              <a:t>läd</a:t>
+            </a:r>
+            <a:r>
+              <a:rPr lang="de-DE" dirty="0"/>
+              <a:t> und speichert aus der Konfigurationsdatei</a:t>
+            </a:r>
+          </a:p>
+          <a:p>
+            <a:r>
+              <a:rPr lang="de-DE" dirty="0" err="1"/>
+              <a:t>workers</a:t>
+            </a:r>
+            <a:r>
+              <a:rPr lang="de-DE" dirty="0"/>
+              <a:t> : </a:t>
+            </a:r>
+            <a:r>
+              <a:rPr lang="de-DE" dirty="0" err="1"/>
+              <a:t>IDictionary</a:t>
+            </a:r>
+            <a:r>
+              <a:rPr lang="de-DE" dirty="0"/>
+              <a:t> -&gt; </a:t>
+            </a:r>
+            <a:r>
+              <a:rPr lang="de-DE" dirty="0" err="1"/>
+              <a:t>enhalt</a:t>
+            </a:r>
+            <a:r>
+              <a:rPr lang="de-DE" dirty="0"/>
+              <a:t> alle geladenen Daten</a:t>
+            </a:r>
+          </a:p>
+          <a:p>
+            <a:r>
+              <a:rPr lang="de-DE" dirty="0" err="1"/>
+              <a:t>preferences</a:t>
+            </a:r>
+            <a:r>
+              <a:rPr lang="de-DE" dirty="0"/>
+              <a:t> : </a:t>
+            </a:r>
+            <a:r>
+              <a:rPr lang="de-DE" dirty="0" err="1"/>
+              <a:t>PreferenceSet</a:t>
+            </a:r>
+            <a:r>
+              <a:rPr lang="de-DE" dirty="0"/>
+              <a:t> -&gt; enthält alle Daten, die der </a:t>
+            </a:r>
+            <a:r>
+              <a:rPr lang="de-DE" dirty="0" err="1"/>
+              <a:t>Worker</a:t>
+            </a:r>
+            <a:r>
+              <a:rPr lang="de-DE" dirty="0"/>
+              <a:t> braucht</a:t>
+            </a:r>
+          </a:p>
+        </p:txBody>
+      </p:sp>
+      <p:sp>
+        <p:nvSpPr>
+          <p:cNvPr id="4" name="Foliennummernplatzhalter 3"/>
+          <p:cNvSpPr>
+            <a:spLocks noGrp="1"/>
+          </p:cNvSpPr>
+          <p:nvPr>
+            <p:ph type="sldNum" sz="quarter" idx="5"/>
+          </p:nvPr>
+        </p:nvSpPr>
+        <p:spPr/>
+        <p:txBody>
+          <a:bodyPr/>
+          <a:lstStyle/>
+          <a:p>
+            <a:fld id="{742BFD6F-DD94-4948-BBA6-AD5AE625A179}" type="slidenum">
+              <a:rPr lang="de-DE" smtClean="0"/>
+              <a:t>4</a:t>
+            </a:fld>
+            <a:endParaRPr lang="de-DE"/>
+          </a:p>
+        </p:txBody>
+      </p:sp>
+    </p:spTree>
+    <p:extLst>
+      <p:ext uri="{BB962C8B-B14F-4D97-AF65-F5344CB8AC3E}">
+        <p14:creationId xmlns:p14="http://schemas.microsoft.com/office/powerpoint/2010/main" val="1932202554"/>
+      </p:ext>
+    </p:extLst>
+  </p:cSld>
+  <p:clrMapOvr>
+    <a:masterClrMapping/>
+  </p:clrMapOvr>
+</p:notes>
+</file>
+
+<file path=ppt/notesSlides/notesSlide5.xml><?xml version="1.0" encoding="utf-8"?>
+<p:notes xmlns:a="http://schemas.openxmlformats.org/drawingml/2006/main" xmlns:r="http://schemas.openxmlformats.org/officeDocument/2006/relationships" xmlns:p="http://schemas.openxmlformats.org/presentationml/2006/main">
+  <p:cSld>
+    <p:spTree>
+      <p:nvGrpSpPr>
+        <p:cNvPr id="1" name=""/>
+        <p:cNvGrpSpPr/>
+        <p:nvPr/>
+      </p:nvGrpSpPr>
+      <p:grpSpPr>
+        <a:xfrm>
+          <a:off x="0" y="0"/>
+          <a:ext cx="0" cy="0"/>
+          <a:chOff x="0" y="0"/>
+          <a:chExt cx="0" cy="0"/>
+        </a:xfrm>
+      </p:grpSpPr>
+      <p:sp>
+        <p:nvSpPr>
+          <p:cNvPr id="2" name="Folienbildplatzhalter 1"/>
+          <p:cNvSpPr>
+            <a:spLocks noGrp="1" noRot="1" noChangeAspect="1"/>
+          </p:cNvSpPr>
+          <p:nvPr>
+            <p:ph type="sldImg"/>
+          </p:nvPr>
+        </p:nvSpPr>
+        <p:spPr/>
+      </p:sp>
+      <p:sp>
+        <p:nvSpPr>
+          <p:cNvPr id="3" name="Notizenplatzhalter 2"/>
+          <p:cNvSpPr>
+            <a:spLocks noGrp="1"/>
+          </p:cNvSpPr>
+          <p:nvPr>
+            <p:ph type="body" idx="1"/>
+          </p:nvPr>
+        </p:nvSpPr>
+        <p:spPr/>
+        <p:txBody>
+          <a:bodyPr/>
+          <a:lstStyle/>
+          <a:p>
+            <a:r>
+              <a:rPr lang="de-DE" dirty="0" err="1"/>
+              <a:t>manager</a:t>
+            </a:r>
+            <a:r>
+              <a:rPr lang="de-DE" dirty="0"/>
+              <a:t> : Workers -&gt; </a:t>
+            </a:r>
+            <a:r>
+              <a:rPr lang="de-DE" dirty="0" err="1"/>
+              <a:t>läd</a:t>
+            </a:r>
+            <a:r>
+              <a:rPr lang="de-DE" dirty="0"/>
+              <a:t> und speichert aus der Konfigurationsdatei</a:t>
+            </a:r>
+          </a:p>
+          <a:p>
+            <a:r>
+              <a:rPr lang="de-DE" dirty="0" err="1"/>
+              <a:t>workers</a:t>
+            </a:r>
+            <a:r>
+              <a:rPr lang="de-DE" dirty="0"/>
+              <a:t> : </a:t>
+            </a:r>
+            <a:r>
+              <a:rPr lang="de-DE" dirty="0" err="1"/>
+              <a:t>IDictionary</a:t>
+            </a:r>
+            <a:r>
+              <a:rPr lang="de-DE" dirty="0"/>
+              <a:t> -&gt; </a:t>
+            </a:r>
+            <a:r>
+              <a:rPr lang="de-DE" dirty="0" err="1"/>
+              <a:t>enhalt</a:t>
+            </a:r>
+            <a:r>
+              <a:rPr lang="de-DE" dirty="0"/>
+              <a:t> alle geladenen Daten</a:t>
+            </a:r>
+          </a:p>
+          <a:p>
+            <a:r>
+              <a:rPr lang="de-DE" dirty="0" err="1"/>
+              <a:t>preferences</a:t>
+            </a:r>
+            <a:r>
+              <a:rPr lang="de-DE" dirty="0"/>
+              <a:t> : </a:t>
+            </a:r>
+            <a:r>
+              <a:rPr lang="de-DE" dirty="0" err="1"/>
+              <a:t>PreferenceSet</a:t>
+            </a:r>
+            <a:r>
+              <a:rPr lang="de-DE" dirty="0"/>
+              <a:t> -&gt; enthält alle Daten, die der </a:t>
+            </a:r>
+            <a:r>
+              <a:rPr lang="de-DE" dirty="0" err="1"/>
+              <a:t>Worker</a:t>
+            </a:r>
+            <a:r>
+              <a:rPr lang="de-DE" dirty="0"/>
+              <a:t> braucht</a:t>
             </a:r>
           </a:p>
         </p:txBody>
@@ -1032,7 +1953,611 @@
     </p:spTree>
     <p:extLst>
       <p:ext uri="{BB962C8B-B14F-4D97-AF65-F5344CB8AC3E}">
-        <p14:creationId xmlns:p14="http://schemas.microsoft.com/office/powerpoint/2010/main" val="2691384482"/>
+        <p14:creationId xmlns:p14="http://schemas.microsoft.com/office/powerpoint/2010/main" val="891543146"/>
+      </p:ext>
+    </p:extLst>
+  </p:cSld>
+  <p:clrMapOvr>
+    <a:masterClrMapping/>
+  </p:clrMapOvr>
+</p:notes>
+</file>
+
+<file path=ppt/notesSlides/notesSlide6.xml><?xml version="1.0" encoding="utf-8"?>
+<p:notes xmlns:a="http://schemas.openxmlformats.org/drawingml/2006/main" xmlns:r="http://schemas.openxmlformats.org/officeDocument/2006/relationships" xmlns:p="http://schemas.openxmlformats.org/presentationml/2006/main">
+  <p:cSld>
+    <p:spTree>
+      <p:nvGrpSpPr>
+        <p:cNvPr id="1" name=""/>
+        <p:cNvGrpSpPr/>
+        <p:nvPr/>
+      </p:nvGrpSpPr>
+      <p:grpSpPr>
+        <a:xfrm>
+          <a:off x="0" y="0"/>
+          <a:ext cx="0" cy="0"/>
+          <a:chOff x="0" y="0"/>
+          <a:chExt cx="0" cy="0"/>
+        </a:xfrm>
+      </p:grpSpPr>
+      <p:sp>
+        <p:nvSpPr>
+          <p:cNvPr id="2" name="Folienbildplatzhalter 1"/>
+          <p:cNvSpPr>
+            <a:spLocks noGrp="1" noRot="1" noChangeAspect="1"/>
+          </p:cNvSpPr>
+          <p:nvPr>
+            <p:ph type="sldImg"/>
+          </p:nvPr>
+        </p:nvSpPr>
+        <p:spPr/>
+      </p:sp>
+      <p:sp>
+        <p:nvSpPr>
+          <p:cNvPr id="3" name="Notizenplatzhalter 2"/>
+          <p:cNvSpPr>
+            <a:spLocks noGrp="1"/>
+          </p:cNvSpPr>
+          <p:nvPr>
+            <p:ph type="body" idx="1"/>
+          </p:nvPr>
+        </p:nvSpPr>
+        <p:spPr/>
+        <p:txBody>
+          <a:bodyPr/>
+          <a:lstStyle/>
+          <a:p>
+            <a:r>
+              <a:rPr lang="de-DE" dirty="0" err="1"/>
+              <a:t>manager</a:t>
+            </a:r>
+            <a:r>
+              <a:rPr lang="de-DE" dirty="0"/>
+              <a:t> : Workers -&gt; </a:t>
+            </a:r>
+            <a:r>
+              <a:rPr lang="de-DE" dirty="0" err="1"/>
+              <a:t>läd</a:t>
+            </a:r>
+            <a:r>
+              <a:rPr lang="de-DE" dirty="0"/>
+              <a:t> und speichert aus der Konfigurationsdatei</a:t>
+            </a:r>
+          </a:p>
+          <a:p>
+            <a:r>
+              <a:rPr lang="de-DE" dirty="0" err="1"/>
+              <a:t>workers</a:t>
+            </a:r>
+            <a:r>
+              <a:rPr lang="de-DE" dirty="0"/>
+              <a:t> : </a:t>
+            </a:r>
+            <a:r>
+              <a:rPr lang="de-DE" dirty="0" err="1"/>
+              <a:t>IDictionary</a:t>
+            </a:r>
+            <a:r>
+              <a:rPr lang="de-DE" dirty="0"/>
+              <a:t> -&gt; </a:t>
+            </a:r>
+            <a:r>
+              <a:rPr lang="de-DE" dirty="0" err="1"/>
+              <a:t>enhalt</a:t>
+            </a:r>
+            <a:r>
+              <a:rPr lang="de-DE" dirty="0"/>
+              <a:t> alle geladenen Daten</a:t>
+            </a:r>
+          </a:p>
+          <a:p>
+            <a:r>
+              <a:rPr lang="de-DE" dirty="0" err="1"/>
+              <a:t>preferences</a:t>
+            </a:r>
+            <a:r>
+              <a:rPr lang="de-DE" dirty="0"/>
+              <a:t> : </a:t>
+            </a:r>
+            <a:r>
+              <a:rPr lang="de-DE" dirty="0" err="1"/>
+              <a:t>PreferenceSet</a:t>
+            </a:r>
+            <a:r>
+              <a:rPr lang="de-DE" dirty="0"/>
+              <a:t> -&gt; enthält alle Daten, die der </a:t>
+            </a:r>
+            <a:r>
+              <a:rPr lang="de-DE" dirty="0" err="1"/>
+              <a:t>Worker</a:t>
+            </a:r>
+            <a:r>
+              <a:rPr lang="de-DE" dirty="0"/>
+              <a:t> braucht</a:t>
+            </a:r>
+          </a:p>
+        </p:txBody>
+      </p:sp>
+      <p:sp>
+        <p:nvSpPr>
+          <p:cNvPr id="4" name="Foliennummernplatzhalter 3"/>
+          <p:cNvSpPr>
+            <a:spLocks noGrp="1"/>
+          </p:cNvSpPr>
+          <p:nvPr>
+            <p:ph type="sldNum" sz="quarter" idx="5"/>
+          </p:nvPr>
+        </p:nvSpPr>
+        <p:spPr/>
+        <p:txBody>
+          <a:bodyPr/>
+          <a:lstStyle/>
+          <a:p>
+            <a:fld id="{742BFD6F-DD94-4948-BBA6-AD5AE625A179}" type="slidenum">
+              <a:rPr lang="de-DE" smtClean="0"/>
+              <a:t>6</a:t>
+            </a:fld>
+            <a:endParaRPr lang="de-DE"/>
+          </a:p>
+        </p:txBody>
+      </p:sp>
+    </p:spTree>
+    <p:extLst>
+      <p:ext uri="{BB962C8B-B14F-4D97-AF65-F5344CB8AC3E}">
+        <p14:creationId xmlns:p14="http://schemas.microsoft.com/office/powerpoint/2010/main" val="3668894451"/>
+      </p:ext>
+    </p:extLst>
+  </p:cSld>
+  <p:clrMapOvr>
+    <a:masterClrMapping/>
+  </p:clrMapOvr>
+</p:notes>
+</file>
+
+<file path=ppt/notesSlides/notesSlide7.xml><?xml version="1.0" encoding="utf-8"?>
+<p:notes xmlns:a="http://schemas.openxmlformats.org/drawingml/2006/main" xmlns:r="http://schemas.openxmlformats.org/officeDocument/2006/relationships" xmlns:p="http://schemas.openxmlformats.org/presentationml/2006/main">
+  <p:cSld>
+    <p:spTree>
+      <p:nvGrpSpPr>
+        <p:cNvPr id="1" name=""/>
+        <p:cNvGrpSpPr/>
+        <p:nvPr/>
+      </p:nvGrpSpPr>
+      <p:grpSpPr>
+        <a:xfrm>
+          <a:off x="0" y="0"/>
+          <a:ext cx="0" cy="0"/>
+          <a:chOff x="0" y="0"/>
+          <a:chExt cx="0" cy="0"/>
+        </a:xfrm>
+      </p:grpSpPr>
+      <p:sp>
+        <p:nvSpPr>
+          <p:cNvPr id="2" name="Folienbildplatzhalter 1"/>
+          <p:cNvSpPr>
+            <a:spLocks noGrp="1" noRot="1" noChangeAspect="1"/>
+          </p:cNvSpPr>
+          <p:nvPr>
+            <p:ph type="sldImg"/>
+          </p:nvPr>
+        </p:nvSpPr>
+        <p:spPr/>
+      </p:sp>
+      <p:sp>
+        <p:nvSpPr>
+          <p:cNvPr id="3" name="Notizenplatzhalter 2"/>
+          <p:cNvSpPr>
+            <a:spLocks noGrp="1"/>
+          </p:cNvSpPr>
+          <p:nvPr>
+            <p:ph type="body" idx="1"/>
+          </p:nvPr>
+        </p:nvSpPr>
+        <p:spPr/>
+        <p:txBody>
+          <a:bodyPr/>
+          <a:lstStyle/>
+          <a:p>
+            <a:r>
+              <a:rPr lang="de-DE" dirty="0" err="1"/>
+              <a:t>manager</a:t>
+            </a:r>
+            <a:r>
+              <a:rPr lang="de-DE" dirty="0"/>
+              <a:t> : Workers -&gt; </a:t>
+            </a:r>
+            <a:r>
+              <a:rPr lang="de-DE" dirty="0" err="1"/>
+              <a:t>läd</a:t>
+            </a:r>
+            <a:r>
+              <a:rPr lang="de-DE" dirty="0"/>
+              <a:t> und speichert aus der Konfigurationsdatei</a:t>
+            </a:r>
+          </a:p>
+          <a:p>
+            <a:r>
+              <a:rPr lang="de-DE" dirty="0" err="1"/>
+              <a:t>workers</a:t>
+            </a:r>
+            <a:r>
+              <a:rPr lang="de-DE" dirty="0"/>
+              <a:t> : </a:t>
+            </a:r>
+            <a:r>
+              <a:rPr lang="de-DE" dirty="0" err="1"/>
+              <a:t>IDictionary</a:t>
+            </a:r>
+            <a:r>
+              <a:rPr lang="de-DE" dirty="0"/>
+              <a:t> -&gt; </a:t>
+            </a:r>
+            <a:r>
+              <a:rPr lang="de-DE" dirty="0" err="1"/>
+              <a:t>enhalt</a:t>
+            </a:r>
+            <a:r>
+              <a:rPr lang="de-DE" dirty="0"/>
+              <a:t> alle geladenen Daten</a:t>
+            </a:r>
+          </a:p>
+          <a:p>
+            <a:r>
+              <a:rPr lang="de-DE" dirty="0" err="1"/>
+              <a:t>preferences</a:t>
+            </a:r>
+            <a:r>
+              <a:rPr lang="de-DE" dirty="0"/>
+              <a:t> : </a:t>
+            </a:r>
+            <a:r>
+              <a:rPr lang="de-DE" dirty="0" err="1"/>
+              <a:t>PreferenceSet</a:t>
+            </a:r>
+            <a:r>
+              <a:rPr lang="de-DE" dirty="0"/>
+              <a:t> -&gt; enthält alle Daten, die der </a:t>
+            </a:r>
+            <a:r>
+              <a:rPr lang="de-DE" dirty="0" err="1"/>
+              <a:t>Worker</a:t>
+            </a:r>
+            <a:r>
+              <a:rPr lang="de-DE" dirty="0"/>
+              <a:t> braucht</a:t>
+            </a:r>
+          </a:p>
+        </p:txBody>
+      </p:sp>
+      <p:sp>
+        <p:nvSpPr>
+          <p:cNvPr id="4" name="Foliennummernplatzhalter 3"/>
+          <p:cNvSpPr>
+            <a:spLocks noGrp="1"/>
+          </p:cNvSpPr>
+          <p:nvPr>
+            <p:ph type="sldNum" sz="quarter" idx="5"/>
+          </p:nvPr>
+        </p:nvSpPr>
+        <p:spPr/>
+        <p:txBody>
+          <a:bodyPr/>
+          <a:lstStyle/>
+          <a:p>
+            <a:fld id="{742BFD6F-DD94-4948-BBA6-AD5AE625A179}" type="slidenum">
+              <a:rPr lang="de-DE" smtClean="0"/>
+              <a:t>7</a:t>
+            </a:fld>
+            <a:endParaRPr lang="de-DE"/>
+          </a:p>
+        </p:txBody>
+      </p:sp>
+    </p:spTree>
+    <p:extLst>
+      <p:ext uri="{BB962C8B-B14F-4D97-AF65-F5344CB8AC3E}">
+        <p14:creationId xmlns:p14="http://schemas.microsoft.com/office/powerpoint/2010/main" val="116393641"/>
+      </p:ext>
+    </p:extLst>
+  </p:cSld>
+  <p:clrMapOvr>
+    <a:masterClrMapping/>
+  </p:clrMapOvr>
+</p:notes>
+</file>
+
+<file path=ppt/notesSlides/notesSlide8.xml><?xml version="1.0" encoding="utf-8"?>
+<p:notes xmlns:a="http://schemas.openxmlformats.org/drawingml/2006/main" xmlns:r="http://schemas.openxmlformats.org/officeDocument/2006/relationships" xmlns:p="http://schemas.openxmlformats.org/presentationml/2006/main">
+  <p:cSld>
+    <p:spTree>
+      <p:nvGrpSpPr>
+        <p:cNvPr id="1" name=""/>
+        <p:cNvGrpSpPr/>
+        <p:nvPr/>
+      </p:nvGrpSpPr>
+      <p:grpSpPr>
+        <a:xfrm>
+          <a:off x="0" y="0"/>
+          <a:ext cx="0" cy="0"/>
+          <a:chOff x="0" y="0"/>
+          <a:chExt cx="0" cy="0"/>
+        </a:xfrm>
+      </p:grpSpPr>
+      <p:sp>
+        <p:nvSpPr>
+          <p:cNvPr id="2" name="Folienbildplatzhalter 1"/>
+          <p:cNvSpPr>
+            <a:spLocks noGrp="1" noRot="1" noChangeAspect="1"/>
+          </p:cNvSpPr>
+          <p:nvPr>
+            <p:ph type="sldImg"/>
+          </p:nvPr>
+        </p:nvSpPr>
+        <p:spPr/>
+      </p:sp>
+      <p:sp>
+        <p:nvSpPr>
+          <p:cNvPr id="3" name="Notizenplatzhalter 2"/>
+          <p:cNvSpPr>
+            <a:spLocks noGrp="1"/>
+          </p:cNvSpPr>
+          <p:nvPr>
+            <p:ph type="body" idx="1"/>
+          </p:nvPr>
+        </p:nvSpPr>
+        <p:spPr/>
+        <p:txBody>
+          <a:bodyPr/>
+          <a:lstStyle/>
+          <a:p>
+            <a:r>
+              <a:rPr lang="de-DE" dirty="0" err="1"/>
+              <a:t>manager</a:t>
+            </a:r>
+            <a:r>
+              <a:rPr lang="de-DE" dirty="0"/>
+              <a:t> : Workers -&gt; </a:t>
+            </a:r>
+            <a:r>
+              <a:rPr lang="de-DE" dirty="0" err="1"/>
+              <a:t>läd</a:t>
+            </a:r>
+            <a:r>
+              <a:rPr lang="de-DE" dirty="0"/>
+              <a:t> und speichert aus der Konfigurationsdatei</a:t>
+            </a:r>
+          </a:p>
+          <a:p>
+            <a:r>
+              <a:rPr lang="de-DE" dirty="0" err="1"/>
+              <a:t>workers</a:t>
+            </a:r>
+            <a:r>
+              <a:rPr lang="de-DE" dirty="0"/>
+              <a:t> : </a:t>
+            </a:r>
+            <a:r>
+              <a:rPr lang="de-DE" dirty="0" err="1"/>
+              <a:t>IDictionary</a:t>
+            </a:r>
+            <a:r>
+              <a:rPr lang="de-DE" dirty="0"/>
+              <a:t> -&gt; </a:t>
+            </a:r>
+            <a:r>
+              <a:rPr lang="de-DE" dirty="0" err="1"/>
+              <a:t>enhalt</a:t>
+            </a:r>
+            <a:r>
+              <a:rPr lang="de-DE" dirty="0"/>
+              <a:t> alle geladenen Daten</a:t>
+            </a:r>
+          </a:p>
+          <a:p>
+            <a:r>
+              <a:rPr lang="de-DE" dirty="0" err="1"/>
+              <a:t>preferences</a:t>
+            </a:r>
+            <a:r>
+              <a:rPr lang="de-DE" dirty="0"/>
+              <a:t> : </a:t>
+            </a:r>
+            <a:r>
+              <a:rPr lang="de-DE" dirty="0" err="1"/>
+              <a:t>PreferenceSet</a:t>
+            </a:r>
+            <a:r>
+              <a:rPr lang="de-DE" dirty="0"/>
+              <a:t> -&gt; enthält alle Daten, die der </a:t>
+            </a:r>
+            <a:r>
+              <a:rPr lang="de-DE" dirty="0" err="1"/>
+              <a:t>Worker</a:t>
+            </a:r>
+            <a:r>
+              <a:rPr lang="de-DE" dirty="0"/>
+              <a:t> braucht</a:t>
+            </a:r>
+          </a:p>
+        </p:txBody>
+      </p:sp>
+      <p:sp>
+        <p:nvSpPr>
+          <p:cNvPr id="4" name="Foliennummernplatzhalter 3"/>
+          <p:cNvSpPr>
+            <a:spLocks noGrp="1"/>
+          </p:cNvSpPr>
+          <p:nvPr>
+            <p:ph type="sldNum" sz="quarter" idx="5"/>
+          </p:nvPr>
+        </p:nvSpPr>
+        <p:spPr/>
+        <p:txBody>
+          <a:bodyPr/>
+          <a:lstStyle/>
+          <a:p>
+            <a:fld id="{742BFD6F-DD94-4948-BBA6-AD5AE625A179}" type="slidenum">
+              <a:rPr lang="de-DE" smtClean="0"/>
+              <a:t>8</a:t>
+            </a:fld>
+            <a:endParaRPr lang="de-DE"/>
+          </a:p>
+        </p:txBody>
+      </p:sp>
+    </p:spTree>
+    <p:extLst>
+      <p:ext uri="{BB962C8B-B14F-4D97-AF65-F5344CB8AC3E}">
+        <p14:creationId xmlns:p14="http://schemas.microsoft.com/office/powerpoint/2010/main" val="2070383512"/>
+      </p:ext>
+    </p:extLst>
+  </p:cSld>
+  <p:clrMapOvr>
+    <a:masterClrMapping/>
+  </p:clrMapOvr>
+</p:notes>
+</file>
+
+<file path=ppt/notesSlides/notesSlide9.xml><?xml version="1.0" encoding="utf-8"?>
+<p:notes xmlns:a="http://schemas.openxmlformats.org/drawingml/2006/main" xmlns:r="http://schemas.openxmlformats.org/officeDocument/2006/relationships" xmlns:p="http://schemas.openxmlformats.org/presentationml/2006/main">
+  <p:cSld>
+    <p:spTree>
+      <p:nvGrpSpPr>
+        <p:cNvPr id="1" name=""/>
+        <p:cNvGrpSpPr/>
+        <p:nvPr/>
+      </p:nvGrpSpPr>
+      <p:grpSpPr>
+        <a:xfrm>
+          <a:off x="0" y="0"/>
+          <a:ext cx="0" cy="0"/>
+          <a:chOff x="0" y="0"/>
+          <a:chExt cx="0" cy="0"/>
+        </a:xfrm>
+      </p:grpSpPr>
+      <p:sp>
+        <p:nvSpPr>
+          <p:cNvPr id="2" name="Folienbildplatzhalter 1"/>
+          <p:cNvSpPr>
+            <a:spLocks noGrp="1" noRot="1" noChangeAspect="1"/>
+          </p:cNvSpPr>
+          <p:nvPr>
+            <p:ph type="sldImg"/>
+          </p:nvPr>
+        </p:nvSpPr>
+        <p:spPr/>
+      </p:sp>
+      <p:sp>
+        <p:nvSpPr>
+          <p:cNvPr id="3" name="Notizenplatzhalter 2"/>
+          <p:cNvSpPr>
+            <a:spLocks noGrp="1"/>
+          </p:cNvSpPr>
+          <p:nvPr>
+            <p:ph type="body" idx="1"/>
+          </p:nvPr>
+        </p:nvSpPr>
+        <p:spPr/>
+        <p:txBody>
+          <a:bodyPr/>
+          <a:lstStyle/>
+          <a:p>
+            <a:r>
+              <a:rPr lang="de-DE" dirty="0" err="1"/>
+              <a:t>manager</a:t>
+            </a:r>
+            <a:r>
+              <a:rPr lang="de-DE" dirty="0"/>
+              <a:t> : Workers -&gt; </a:t>
+            </a:r>
+            <a:r>
+              <a:rPr lang="de-DE" dirty="0" err="1"/>
+              <a:t>läd</a:t>
+            </a:r>
+            <a:r>
+              <a:rPr lang="de-DE" dirty="0"/>
+              <a:t> und speichert aus der Konfigurationsdatei</a:t>
+            </a:r>
+          </a:p>
+          <a:p>
+            <a:r>
+              <a:rPr lang="de-DE" dirty="0" err="1"/>
+              <a:t>workers</a:t>
+            </a:r>
+            <a:r>
+              <a:rPr lang="de-DE" dirty="0"/>
+              <a:t> : </a:t>
+            </a:r>
+            <a:r>
+              <a:rPr lang="de-DE" dirty="0" err="1"/>
+              <a:t>IDictionary</a:t>
+            </a:r>
+            <a:r>
+              <a:rPr lang="de-DE" dirty="0"/>
+              <a:t> -&gt; </a:t>
+            </a:r>
+            <a:r>
+              <a:rPr lang="de-DE" dirty="0" err="1"/>
+              <a:t>enhalt</a:t>
+            </a:r>
+            <a:r>
+              <a:rPr lang="de-DE" dirty="0"/>
+              <a:t> alle geladenen Daten</a:t>
+            </a:r>
+          </a:p>
+          <a:p>
+            <a:r>
+              <a:rPr lang="de-DE" dirty="0" err="1"/>
+              <a:t>preferences</a:t>
+            </a:r>
+            <a:r>
+              <a:rPr lang="de-DE" dirty="0"/>
+              <a:t> : </a:t>
+            </a:r>
+            <a:r>
+              <a:rPr lang="de-DE" dirty="0" err="1"/>
+              <a:t>PreferenceSet</a:t>
+            </a:r>
+            <a:r>
+              <a:rPr lang="de-DE" dirty="0"/>
+              <a:t> -&gt; enthält alle Daten, die der </a:t>
+            </a:r>
+            <a:r>
+              <a:rPr lang="de-DE" dirty="0" err="1"/>
+              <a:t>Worker</a:t>
+            </a:r>
+            <a:r>
+              <a:rPr lang="de-DE" dirty="0"/>
+              <a:t> braucht</a:t>
+            </a:r>
+          </a:p>
+        </p:txBody>
+      </p:sp>
+      <p:sp>
+        <p:nvSpPr>
+          <p:cNvPr id="4" name="Foliennummernplatzhalter 3"/>
+          <p:cNvSpPr>
+            <a:spLocks noGrp="1"/>
+          </p:cNvSpPr>
+          <p:nvPr>
+            <p:ph type="sldNum" sz="quarter" idx="5"/>
+          </p:nvPr>
+        </p:nvSpPr>
+        <p:spPr/>
+        <p:txBody>
+          <a:bodyPr/>
+          <a:lstStyle/>
+          <a:p>
+            <a:fld id="{742BFD6F-DD94-4948-BBA6-AD5AE625A179}" type="slidenum">
+              <a:rPr lang="de-DE" smtClean="0"/>
+              <a:t>9</a:t>
+            </a:fld>
+            <a:endParaRPr lang="de-DE"/>
+          </a:p>
+        </p:txBody>
+      </p:sp>
+    </p:spTree>
+    <p:extLst>
+      <p:ext uri="{BB962C8B-B14F-4D97-AF65-F5344CB8AC3E}">
+        <p14:creationId xmlns:p14="http://schemas.microsoft.com/office/powerpoint/2010/main" val="1357749723"/>
       </p:ext>
     </p:extLst>
   </p:cSld>
@@ -4761,566 +6286,7 @@
 </p:sld>
 </file>
 
-<file path=ppt/slides/slide2.xml><?xml version="1.0" encoding="utf-8"?>
-<p:sld xmlns:a="http://schemas.openxmlformats.org/drawingml/2006/main" xmlns:r="http://schemas.openxmlformats.org/officeDocument/2006/relationships" xmlns:p="http://schemas.openxmlformats.org/presentationml/2006/main">
-  <p:cSld>
-    <p:spTree>
-      <p:nvGrpSpPr>
-        <p:cNvPr id="1" name=""/>
-        <p:cNvGrpSpPr/>
-        <p:nvPr/>
-      </p:nvGrpSpPr>
-      <p:grpSpPr>
-        <a:xfrm>
-          <a:off x="0" y="0"/>
-          <a:ext cx="0" cy="0"/>
-          <a:chOff x="0" y="0"/>
-          <a:chExt cx="0" cy="0"/>
-        </a:xfrm>
-      </p:grpSpPr>
-      <p:sp>
-        <p:nvSpPr>
-          <p:cNvPr id="2" name="Titel 1">
-            <a:extLst>
-              <a:ext uri="{FF2B5EF4-FFF2-40B4-BE49-F238E27FC236}">
-                <a16:creationId xmlns:a16="http://schemas.microsoft.com/office/drawing/2014/main" id="{DCA5308D-4926-4D44-9125-F1A60A2F2EB9}"/>
-              </a:ext>
-            </a:extLst>
-          </p:cNvPr>
-          <p:cNvSpPr>
-            <a:spLocks noGrp="1"/>
-          </p:cNvSpPr>
-          <p:nvPr>
-            <p:ph type="title"/>
-          </p:nvPr>
-        </p:nvSpPr>
-        <p:spPr/>
-        <p:txBody>
-          <a:bodyPr/>
-          <a:lstStyle/>
-          <a:p>
-            <a:r>
-              <a:rPr lang="de-DE" dirty="0"/>
-              <a:t>Wichtigste Anforderung</a:t>
-            </a:r>
-          </a:p>
-        </p:txBody>
-      </p:sp>
-      <p:sp>
-        <p:nvSpPr>
-          <p:cNvPr id="3" name="Inhaltsplatzhalter 2">
-            <a:extLst>
-              <a:ext uri="{FF2B5EF4-FFF2-40B4-BE49-F238E27FC236}">
-                <a16:creationId xmlns:a16="http://schemas.microsoft.com/office/drawing/2014/main" id="{7AC143AC-938A-4E1B-9166-978E02B1E18F}"/>
-              </a:ext>
-            </a:extLst>
-          </p:cNvPr>
-          <p:cNvSpPr>
-            <a:spLocks noGrp="1"/>
-          </p:cNvSpPr>
-          <p:nvPr>
-            <p:ph idx="1"/>
-          </p:nvPr>
-        </p:nvSpPr>
-        <p:spPr/>
-        <p:txBody>
-          <a:bodyPr>
-            <a:normAutofit/>
-          </a:bodyPr>
-          <a:lstStyle/>
-          <a:p>
-            <a:r>
-              <a:rPr lang="de-DE" sz="3600" dirty="0" err="1">
-                <a:solidFill>
-                  <a:srgbClr val="FF0000"/>
-                </a:solidFill>
-              </a:rPr>
-              <a:t>Benuterfreundlichkeit</a:t>
-            </a:r>
-            <a:endParaRPr lang="de-DE" sz="3600" dirty="0">
-              <a:solidFill>
-                <a:srgbClr val="FF0000"/>
-              </a:solidFill>
-            </a:endParaRPr>
-          </a:p>
-          <a:p>
-            <a:r>
-              <a:rPr lang="de-DE" dirty="0"/>
-              <a:t>Konfiguration komplett über GUI</a:t>
-            </a:r>
-          </a:p>
-          <a:p>
-            <a:pPr lvl="1"/>
-            <a:r>
-              <a:rPr lang="de-DE" dirty="0"/>
-              <a:t>Neue </a:t>
-            </a:r>
-            <a:r>
-              <a:rPr lang="de-DE" dirty="0" err="1"/>
-              <a:t>Worker</a:t>
-            </a:r>
-            <a:r>
-              <a:rPr lang="de-DE" dirty="0"/>
-              <a:t> hinzufügen</a:t>
-            </a:r>
-          </a:p>
-          <a:p>
-            <a:pPr lvl="1"/>
-            <a:r>
-              <a:rPr lang="de-DE" dirty="0"/>
-              <a:t>Parameter für </a:t>
-            </a:r>
-            <a:r>
-              <a:rPr lang="de-DE" dirty="0" err="1"/>
-              <a:t>Worker</a:t>
-            </a:r>
-            <a:r>
-              <a:rPr lang="de-DE" dirty="0"/>
-              <a:t> setzen</a:t>
-            </a:r>
-          </a:p>
-          <a:p>
-            <a:pPr lvl="1"/>
-            <a:r>
-              <a:rPr lang="de-DE" dirty="0"/>
-              <a:t>Bestehende </a:t>
-            </a:r>
-            <a:r>
-              <a:rPr lang="de-DE" dirty="0" err="1"/>
-              <a:t>Worker</a:t>
-            </a:r>
-            <a:r>
-              <a:rPr lang="de-DE" dirty="0"/>
-              <a:t> editieren</a:t>
-            </a:r>
-          </a:p>
-          <a:p>
-            <a:pPr lvl="1"/>
-            <a:r>
-              <a:rPr lang="de-DE" dirty="0"/>
-              <a:t>Bestehende </a:t>
-            </a:r>
-            <a:r>
-              <a:rPr lang="de-DE" dirty="0" err="1"/>
-              <a:t>Worker</a:t>
-            </a:r>
-            <a:r>
-              <a:rPr lang="de-DE" dirty="0"/>
-              <a:t> entfernen</a:t>
-            </a:r>
-          </a:p>
-        </p:txBody>
-      </p:sp>
-    </p:spTree>
-    <p:extLst>
-      <p:ext uri="{BB962C8B-B14F-4D97-AF65-F5344CB8AC3E}">
-        <p14:creationId xmlns:p14="http://schemas.microsoft.com/office/powerpoint/2010/main" val="377178494"/>
-      </p:ext>
-    </p:extLst>
-  </p:cSld>
-  <p:clrMapOvr>
-    <a:masterClrMapping/>
-  </p:clrMapOvr>
-  <p:timing>
-    <p:tnLst>
-      <p:par>
-        <p:cTn id="1" dur="indefinite" restart="never" nodeType="tmRoot">
-          <p:childTnLst>
-            <p:seq concurrent="1" nextAc="seek">
-              <p:cTn id="2" dur="indefinite" nodeType="mainSeq">
-                <p:childTnLst>
-                  <p:par>
-                    <p:cTn id="3" fill="hold">
-                      <p:stCondLst>
-                        <p:cond delay="indefinite"/>
-                      </p:stCondLst>
-                      <p:childTnLst>
-                        <p:par>
-                          <p:cTn id="4" fill="hold">
-                            <p:stCondLst>
-                              <p:cond delay="0"/>
-                            </p:stCondLst>
-                            <p:childTnLst>
-                              <p:par>
-                                <p:cTn id="5" presetID="10" presetClass="entr" presetSubtype="0" fill="hold" nodeType="clickEffect">
-                                  <p:stCondLst>
-                                    <p:cond delay="0"/>
-                                  </p:stCondLst>
-                                  <p:childTnLst>
-                                    <p:set>
-                                      <p:cBhvr>
-                                        <p:cTn id="6" dur="1" fill="hold">
-                                          <p:stCondLst>
-                                            <p:cond delay="0"/>
-                                          </p:stCondLst>
-                                        </p:cTn>
-                                        <p:tgtEl>
-                                          <p:spTgt spid="3">
-                                            <p:txEl>
-                                              <p:pRg st="0" end="0"/>
-                                            </p:txEl>
-                                          </p:spTgt>
-                                        </p:tgtEl>
-                                        <p:attrNameLst>
-                                          <p:attrName>style.visibility</p:attrName>
-                                        </p:attrNameLst>
-                                      </p:cBhvr>
-                                      <p:to>
-                                        <p:strVal val="visible"/>
-                                      </p:to>
-                                    </p:set>
-                                    <p:animEffect transition="in" filter="fade">
-                                      <p:cBhvr>
-                                        <p:cTn id="7" dur="500"/>
-                                        <p:tgtEl>
-                                          <p:spTgt spid="3">
-                                            <p:txEl>
-                                              <p:pRg st="0" end="0"/>
-                                            </p:txEl>
-                                          </p:spTgt>
-                                        </p:tgtEl>
-                                      </p:cBhvr>
-                                    </p:animEffect>
-                                  </p:childTnLst>
-                                </p:cTn>
-                              </p:par>
-                            </p:childTnLst>
-                          </p:cTn>
-                        </p:par>
-                      </p:childTnLst>
-                    </p:cTn>
-                  </p:par>
-                  <p:par>
-                    <p:cTn id="8" fill="hold">
-                      <p:stCondLst>
-                        <p:cond delay="indefinite"/>
-                      </p:stCondLst>
-                      <p:childTnLst>
-                        <p:par>
-                          <p:cTn id="9" fill="hold">
-                            <p:stCondLst>
-                              <p:cond delay="0"/>
-                            </p:stCondLst>
-                            <p:childTnLst>
-                              <p:par>
-                                <p:cTn id="10" presetID="10" presetClass="entr" presetSubtype="0" fill="hold" nodeType="clickEffect">
-                                  <p:stCondLst>
-                                    <p:cond delay="0"/>
-                                  </p:stCondLst>
-                                  <p:childTnLst>
-                                    <p:set>
-                                      <p:cBhvr>
-                                        <p:cTn id="11" dur="1" fill="hold">
-                                          <p:stCondLst>
-                                            <p:cond delay="0"/>
-                                          </p:stCondLst>
-                                        </p:cTn>
-                                        <p:tgtEl>
-                                          <p:spTgt spid="3">
-                                            <p:txEl>
-                                              <p:pRg st="1" end="1"/>
-                                            </p:txEl>
-                                          </p:spTgt>
-                                        </p:tgtEl>
-                                        <p:attrNameLst>
-                                          <p:attrName>style.visibility</p:attrName>
-                                        </p:attrNameLst>
-                                      </p:cBhvr>
-                                      <p:to>
-                                        <p:strVal val="visible"/>
-                                      </p:to>
-                                    </p:set>
-                                    <p:animEffect transition="in" filter="fade">
-                                      <p:cBhvr>
-                                        <p:cTn id="12" dur="500"/>
-                                        <p:tgtEl>
-                                          <p:spTgt spid="3">
-                                            <p:txEl>
-                                              <p:pRg st="1" end="1"/>
-                                            </p:txEl>
-                                          </p:spTgt>
-                                        </p:tgtEl>
-                                      </p:cBhvr>
-                                    </p:animEffect>
-                                  </p:childTnLst>
-                                </p:cTn>
-                              </p:par>
-                            </p:childTnLst>
-                          </p:cTn>
-                        </p:par>
-                      </p:childTnLst>
-                    </p:cTn>
-                  </p:par>
-                  <p:par>
-                    <p:cTn id="13" fill="hold">
-                      <p:stCondLst>
-                        <p:cond delay="indefinite"/>
-                      </p:stCondLst>
-                      <p:childTnLst>
-                        <p:par>
-                          <p:cTn id="14" fill="hold">
-                            <p:stCondLst>
-                              <p:cond delay="0"/>
-                            </p:stCondLst>
-                            <p:childTnLst>
-                              <p:par>
-                                <p:cTn id="15" presetID="10" presetClass="entr" presetSubtype="0" fill="hold" nodeType="clickEffect">
-                                  <p:stCondLst>
-                                    <p:cond delay="0"/>
-                                  </p:stCondLst>
-                                  <p:childTnLst>
-                                    <p:set>
-                                      <p:cBhvr>
-                                        <p:cTn id="16" dur="1" fill="hold">
-                                          <p:stCondLst>
-                                            <p:cond delay="0"/>
-                                          </p:stCondLst>
-                                        </p:cTn>
-                                        <p:tgtEl>
-                                          <p:spTgt spid="3">
-                                            <p:txEl>
-                                              <p:pRg st="2" end="2"/>
-                                            </p:txEl>
-                                          </p:spTgt>
-                                        </p:tgtEl>
-                                        <p:attrNameLst>
-                                          <p:attrName>style.visibility</p:attrName>
-                                        </p:attrNameLst>
-                                      </p:cBhvr>
-                                      <p:to>
-                                        <p:strVal val="visible"/>
-                                      </p:to>
-                                    </p:set>
-                                    <p:animEffect transition="in" filter="fade">
-                                      <p:cBhvr>
-                                        <p:cTn id="17" dur="500"/>
-                                        <p:tgtEl>
-                                          <p:spTgt spid="3">
-                                            <p:txEl>
-                                              <p:pRg st="2" end="2"/>
-                                            </p:txEl>
-                                          </p:spTgt>
-                                        </p:tgtEl>
-                                      </p:cBhvr>
-                                    </p:animEffect>
-                                  </p:childTnLst>
-                                </p:cTn>
-                              </p:par>
-                            </p:childTnLst>
-                          </p:cTn>
-                        </p:par>
-                      </p:childTnLst>
-                    </p:cTn>
-                  </p:par>
-                  <p:par>
-                    <p:cTn id="18" fill="hold">
-                      <p:stCondLst>
-                        <p:cond delay="indefinite"/>
-                      </p:stCondLst>
-                      <p:childTnLst>
-                        <p:par>
-                          <p:cTn id="19" fill="hold">
-                            <p:stCondLst>
-                              <p:cond delay="0"/>
-                            </p:stCondLst>
-                            <p:childTnLst>
-                              <p:par>
-                                <p:cTn id="20" presetID="10" presetClass="entr" presetSubtype="0" fill="hold" nodeType="clickEffect">
-                                  <p:stCondLst>
-                                    <p:cond delay="0"/>
-                                  </p:stCondLst>
-                                  <p:childTnLst>
-                                    <p:set>
-                                      <p:cBhvr>
-                                        <p:cTn id="21" dur="1" fill="hold">
-                                          <p:stCondLst>
-                                            <p:cond delay="0"/>
-                                          </p:stCondLst>
-                                        </p:cTn>
-                                        <p:tgtEl>
-                                          <p:spTgt spid="3">
-                                            <p:txEl>
-                                              <p:pRg st="3" end="3"/>
-                                            </p:txEl>
-                                          </p:spTgt>
-                                        </p:tgtEl>
-                                        <p:attrNameLst>
-                                          <p:attrName>style.visibility</p:attrName>
-                                        </p:attrNameLst>
-                                      </p:cBhvr>
-                                      <p:to>
-                                        <p:strVal val="visible"/>
-                                      </p:to>
-                                    </p:set>
-                                    <p:animEffect transition="in" filter="fade">
-                                      <p:cBhvr>
-                                        <p:cTn id="22" dur="500"/>
-                                        <p:tgtEl>
-                                          <p:spTgt spid="3">
-                                            <p:txEl>
-                                              <p:pRg st="3" end="3"/>
-                                            </p:txEl>
-                                          </p:spTgt>
-                                        </p:tgtEl>
-                                      </p:cBhvr>
-                                    </p:animEffect>
-                                  </p:childTnLst>
-                                </p:cTn>
-                              </p:par>
-                            </p:childTnLst>
-                          </p:cTn>
-                        </p:par>
-                      </p:childTnLst>
-                    </p:cTn>
-                  </p:par>
-                  <p:par>
-                    <p:cTn id="23" fill="hold">
-                      <p:stCondLst>
-                        <p:cond delay="indefinite"/>
-                      </p:stCondLst>
-                      <p:childTnLst>
-                        <p:par>
-                          <p:cTn id="24" fill="hold">
-                            <p:stCondLst>
-                              <p:cond delay="0"/>
-                            </p:stCondLst>
-                            <p:childTnLst>
-                              <p:par>
-                                <p:cTn id="25" presetID="10" presetClass="entr" presetSubtype="0" fill="hold" nodeType="clickEffect">
-                                  <p:stCondLst>
-                                    <p:cond delay="0"/>
-                                  </p:stCondLst>
-                                  <p:childTnLst>
-                                    <p:set>
-                                      <p:cBhvr>
-                                        <p:cTn id="26" dur="1" fill="hold">
-                                          <p:stCondLst>
-                                            <p:cond delay="0"/>
-                                          </p:stCondLst>
-                                        </p:cTn>
-                                        <p:tgtEl>
-                                          <p:spTgt spid="3">
-                                            <p:txEl>
-                                              <p:pRg st="4" end="4"/>
-                                            </p:txEl>
-                                          </p:spTgt>
-                                        </p:tgtEl>
-                                        <p:attrNameLst>
-                                          <p:attrName>style.visibility</p:attrName>
-                                        </p:attrNameLst>
-                                      </p:cBhvr>
-                                      <p:to>
-                                        <p:strVal val="visible"/>
-                                      </p:to>
-                                    </p:set>
-                                    <p:animEffect transition="in" filter="fade">
-                                      <p:cBhvr>
-                                        <p:cTn id="27" dur="500"/>
-                                        <p:tgtEl>
-                                          <p:spTgt spid="3">
-                                            <p:txEl>
-                                              <p:pRg st="4" end="4"/>
-                                            </p:txEl>
-                                          </p:spTgt>
-                                        </p:tgtEl>
-                                      </p:cBhvr>
-                                    </p:animEffect>
-                                  </p:childTnLst>
-                                </p:cTn>
-                              </p:par>
-                            </p:childTnLst>
-                          </p:cTn>
-                        </p:par>
-                      </p:childTnLst>
-                    </p:cTn>
-                  </p:par>
-                  <p:par>
-                    <p:cTn id="28" fill="hold">
-                      <p:stCondLst>
-                        <p:cond delay="indefinite"/>
-                      </p:stCondLst>
-                      <p:childTnLst>
-                        <p:par>
-                          <p:cTn id="29" fill="hold">
-                            <p:stCondLst>
-                              <p:cond delay="0"/>
-                            </p:stCondLst>
-                            <p:childTnLst>
-                              <p:par>
-                                <p:cTn id="30" presetID="10" presetClass="entr" presetSubtype="0" fill="hold" nodeType="clickEffect">
-                                  <p:stCondLst>
-                                    <p:cond delay="0"/>
-                                  </p:stCondLst>
-                                  <p:childTnLst>
-                                    <p:set>
-                                      <p:cBhvr>
-                                        <p:cTn id="31" dur="1" fill="hold">
-                                          <p:stCondLst>
-                                            <p:cond delay="0"/>
-                                          </p:stCondLst>
-                                        </p:cTn>
-                                        <p:tgtEl>
-                                          <p:spTgt spid="3">
-                                            <p:txEl>
-                                              <p:pRg st="5" end="5"/>
-                                            </p:txEl>
-                                          </p:spTgt>
-                                        </p:tgtEl>
-                                        <p:attrNameLst>
-                                          <p:attrName>style.visibility</p:attrName>
-                                        </p:attrNameLst>
-                                      </p:cBhvr>
-                                      <p:to>
-                                        <p:strVal val="visible"/>
-                                      </p:to>
-                                    </p:set>
-                                    <p:animEffect transition="in" filter="fade">
-                                      <p:cBhvr>
-                                        <p:cTn id="32" dur="500"/>
-                                        <p:tgtEl>
-                                          <p:spTgt spid="3">
-                                            <p:txEl>
-                                              <p:pRg st="5" end="5"/>
-                                            </p:txEl>
-                                          </p:spTgt>
-                                        </p:tgtEl>
-                                      </p:cBhvr>
-                                    </p:animEffect>
-                                  </p:childTnLst>
-                                </p:cTn>
-                              </p:par>
-                            </p:childTnLst>
-                          </p:cTn>
-                        </p:par>
-                      </p:childTnLst>
-                    </p:cTn>
-                  </p:par>
-                </p:childTnLst>
-              </p:cTn>
-              <p:prevCondLst>
-                <p:cond evt="onPrev" delay="0">
-                  <p:tgtEl>
-                    <p:sldTgt/>
-                  </p:tgtEl>
-                </p:cond>
-              </p:prevCondLst>
-              <p:nextCondLst>
-                <p:cond evt="onNext" delay="0">
-                  <p:tgtEl>
-                    <p:sldTgt/>
-                  </p:tgtEl>
-                </p:cond>
-              </p:nextCondLst>
-            </p:seq>
-          </p:childTnLst>
-        </p:cTn>
-      </p:par>
-    </p:tnLst>
-  </p:timing>
-</p:sld>
-</file>
-
-<file path=ppt/slides/slide3.xml><?xml version="1.0" encoding="utf-8"?>
+<file path=ppt/slides/slide10.xml><?xml version="1.0" encoding="utf-8"?>
 <p:sld xmlns:a="http://schemas.openxmlformats.org/drawingml/2006/main" xmlns:r="http://schemas.openxmlformats.org/officeDocument/2006/relationships" xmlns:p="http://schemas.openxmlformats.org/presentationml/2006/main">
   <p:cSld>
     <p:spTree>
@@ -5368,18 +6334,126 @@
         </p:blipFill>
         <p:spPr>
           <a:xfrm>
-            <a:off x="1383807" y="0"/>
-            <a:ext cx="9424385" cy="6858000"/>
+            <a:off x="1464753" y="25244"/>
+            <a:ext cx="9262494" cy="6740194"/>
           </a:xfrm>
           <a:prstGeom prst="rect">
             <a:avLst/>
           </a:prstGeom>
         </p:spPr>
       </p:pic>
+      <p:sp>
+        <p:nvSpPr>
+          <p:cNvPr id="2" name="Rechteck 1">
+            <a:extLst>
+              <a:ext uri="{FF2B5EF4-FFF2-40B4-BE49-F238E27FC236}">
+                <a16:creationId xmlns:a16="http://schemas.microsoft.com/office/drawing/2014/main" id="{165296EE-663E-44C6-8495-D281D967ED03}"/>
+              </a:ext>
+            </a:extLst>
+          </p:cNvPr>
+          <p:cNvSpPr/>
+          <p:nvPr/>
+        </p:nvSpPr>
+        <p:spPr>
+          <a:xfrm>
+            <a:off x="3045786" y="3917469"/>
+            <a:ext cx="8083745" cy="6061406"/>
+          </a:xfrm>
+          <a:prstGeom prst="rect">
+            <a:avLst/>
+          </a:prstGeom>
+          <a:solidFill>
+            <a:schemeClr val="bg1"/>
+          </a:solidFill>
+          <a:ln>
+            <a:solidFill>
+              <a:schemeClr val="bg1"/>
+            </a:solidFill>
+          </a:ln>
+        </p:spPr>
+        <p:style>
+          <a:lnRef idx="2">
+            <a:schemeClr val="accent1">
+              <a:shade val="50000"/>
+            </a:schemeClr>
+          </a:lnRef>
+          <a:fillRef idx="1">
+            <a:schemeClr val="accent1"/>
+          </a:fillRef>
+          <a:effectRef idx="0">
+            <a:schemeClr val="accent1"/>
+          </a:effectRef>
+          <a:fontRef idx="minor">
+            <a:schemeClr val="lt1"/>
+          </a:fontRef>
+        </p:style>
+        <p:txBody>
+          <a:bodyPr rtlCol="0" anchor="ctr"/>
+          <a:lstStyle/>
+          <a:p>
+            <a:pPr algn="ctr"/>
+            <a:endParaRPr lang="de-DE"/>
+          </a:p>
+        </p:txBody>
+      </p:sp>
+      <p:sp>
+        <p:nvSpPr>
+          <p:cNvPr id="6" name="Rechteck 5">
+            <a:extLst>
+              <a:ext uri="{FF2B5EF4-FFF2-40B4-BE49-F238E27FC236}">
+                <a16:creationId xmlns:a16="http://schemas.microsoft.com/office/drawing/2014/main" id="{C239B221-4301-47EA-93AD-9B3D2DDEF4C8}"/>
+              </a:ext>
+            </a:extLst>
+          </p:cNvPr>
+          <p:cNvSpPr/>
+          <p:nvPr/>
+        </p:nvSpPr>
+        <p:spPr>
+          <a:xfrm>
+            <a:off x="2464843" y="5201249"/>
+            <a:ext cx="8083745" cy="6061406"/>
+          </a:xfrm>
+          <a:prstGeom prst="rect">
+            <a:avLst/>
+          </a:prstGeom>
+          <a:solidFill>
+            <a:schemeClr val="bg1"/>
+          </a:solidFill>
+          <a:ln>
+            <a:solidFill>
+              <a:schemeClr val="bg1"/>
+            </a:solidFill>
+          </a:ln>
+        </p:spPr>
+        <p:style>
+          <a:lnRef idx="2">
+            <a:schemeClr val="accent1">
+              <a:shade val="50000"/>
+            </a:schemeClr>
+          </a:lnRef>
+          <a:fillRef idx="1">
+            <a:schemeClr val="accent1"/>
+          </a:fillRef>
+          <a:effectRef idx="0">
+            <a:schemeClr val="accent1"/>
+          </a:effectRef>
+          <a:fontRef idx="minor">
+            <a:schemeClr val="lt1"/>
+          </a:fontRef>
+        </p:style>
+        <p:txBody>
+          <a:bodyPr rtlCol="0" anchor="ctr"/>
+          <a:lstStyle/>
+          <a:p>
+            <a:pPr algn="ctr"/>
+            <a:endParaRPr lang="de-DE"/>
+          </a:p>
+        </p:txBody>
+      </p:sp>
     </p:spTree>
     <p:extLst>
       <p:ext uri="{BB962C8B-B14F-4D97-AF65-F5344CB8AC3E}">
-        <p14:creationId xmlns:p14="http://schemas.microsoft.com/office/powerpoint/2010/main" val="4170127728"/>
+        <p14:creationId xmlns:p14="http://schemas.microsoft.com/office/powerpoint/2010/main" val="1915038904"/>
       </p:ext>
     </p:extLst>
   </p:cSld>
@@ -5389,7 +6463,7 @@
 </p:sld>
 </file>
 
-<file path=ppt/slides/slide4.xml><?xml version="1.0" encoding="utf-8"?>
+<file path=ppt/slides/slide11.xml><?xml version="1.0" encoding="utf-8"?>
 <p:sld xmlns:a="http://schemas.openxmlformats.org/drawingml/2006/main" xmlns:r="http://schemas.openxmlformats.org/officeDocument/2006/relationships" xmlns:p="http://schemas.openxmlformats.org/presentationml/2006/main">
   <p:cSld>
     <p:spTree>
@@ -5406,6 +6480,375 @@
           <a:chExt cx="0" cy="0"/>
         </a:xfrm>
       </p:grpSpPr>
+      <p:pic>
+        <p:nvPicPr>
+          <p:cNvPr id="5" name="Grafik 4">
+            <a:extLst>
+              <a:ext uri="{FF2B5EF4-FFF2-40B4-BE49-F238E27FC236}">
+                <a16:creationId xmlns:a16="http://schemas.microsoft.com/office/drawing/2014/main" id="{7F28AEC6-0A96-47D6-B6EE-BCE9683206B3}"/>
+              </a:ext>
+            </a:extLst>
+          </p:cNvPr>
+          <p:cNvPicPr>
+            <a:picLocks noChangeAspect="1"/>
+          </p:cNvPicPr>
+          <p:nvPr/>
+        </p:nvPicPr>
+        <p:blipFill>
+          <a:blip r:embed="rId3">
+            <a:extLst>
+              <a:ext uri="{28A0092B-C50C-407E-A947-70E740481C1C}">
+                <a14:useLocalDpi xmlns:a14="http://schemas.microsoft.com/office/drawing/2010/main" val="0"/>
+              </a:ext>
+              <a:ext uri="{96DAC541-7B7A-43D3-8B79-37D633B846F1}">
+                <asvg:svgBlip xmlns:asvg="http://schemas.microsoft.com/office/drawing/2016/SVG/main" r:embed="rId4"/>
+              </a:ext>
+            </a:extLst>
+          </a:blip>
+          <a:stretch>
+            <a:fillRect/>
+          </a:stretch>
+        </p:blipFill>
+        <p:spPr>
+          <a:xfrm>
+            <a:off x="1464753" y="25244"/>
+            <a:ext cx="9262494" cy="6740194"/>
+          </a:xfrm>
+          <a:prstGeom prst="rect">
+            <a:avLst/>
+          </a:prstGeom>
+        </p:spPr>
+      </p:pic>
+      <p:sp>
+        <p:nvSpPr>
+          <p:cNvPr id="2" name="Rechteck 1">
+            <a:extLst>
+              <a:ext uri="{FF2B5EF4-FFF2-40B4-BE49-F238E27FC236}">
+                <a16:creationId xmlns:a16="http://schemas.microsoft.com/office/drawing/2014/main" id="{165296EE-663E-44C6-8495-D281D967ED03}"/>
+              </a:ext>
+            </a:extLst>
+          </p:cNvPr>
+          <p:cNvSpPr/>
+          <p:nvPr/>
+        </p:nvSpPr>
+        <p:spPr>
+          <a:xfrm>
+            <a:off x="3124367" y="4431819"/>
+            <a:ext cx="8083745" cy="6061406"/>
+          </a:xfrm>
+          <a:prstGeom prst="rect">
+            <a:avLst/>
+          </a:prstGeom>
+          <a:solidFill>
+            <a:schemeClr val="bg1"/>
+          </a:solidFill>
+          <a:ln>
+            <a:solidFill>
+              <a:schemeClr val="bg1"/>
+            </a:solidFill>
+          </a:ln>
+        </p:spPr>
+        <p:style>
+          <a:lnRef idx="2">
+            <a:schemeClr val="accent1">
+              <a:shade val="50000"/>
+            </a:schemeClr>
+          </a:lnRef>
+          <a:fillRef idx="1">
+            <a:schemeClr val="accent1"/>
+          </a:fillRef>
+          <a:effectRef idx="0">
+            <a:schemeClr val="accent1"/>
+          </a:effectRef>
+          <a:fontRef idx="minor">
+            <a:schemeClr val="lt1"/>
+          </a:fontRef>
+        </p:style>
+        <p:txBody>
+          <a:bodyPr rtlCol="0" anchor="ctr"/>
+          <a:lstStyle/>
+          <a:p>
+            <a:pPr algn="ctr"/>
+            <a:endParaRPr lang="de-DE"/>
+          </a:p>
+        </p:txBody>
+      </p:sp>
+      <p:sp>
+        <p:nvSpPr>
+          <p:cNvPr id="6" name="Rechteck 5">
+            <a:extLst>
+              <a:ext uri="{FF2B5EF4-FFF2-40B4-BE49-F238E27FC236}">
+                <a16:creationId xmlns:a16="http://schemas.microsoft.com/office/drawing/2014/main" id="{C239B221-4301-47EA-93AD-9B3D2DDEF4C8}"/>
+              </a:ext>
+            </a:extLst>
+          </p:cNvPr>
+          <p:cNvSpPr/>
+          <p:nvPr/>
+        </p:nvSpPr>
+        <p:spPr>
+          <a:xfrm>
+            <a:off x="2464843" y="5201249"/>
+            <a:ext cx="8083745" cy="6061406"/>
+          </a:xfrm>
+          <a:prstGeom prst="rect">
+            <a:avLst/>
+          </a:prstGeom>
+          <a:solidFill>
+            <a:schemeClr val="bg1"/>
+          </a:solidFill>
+          <a:ln>
+            <a:solidFill>
+              <a:schemeClr val="bg1"/>
+            </a:solidFill>
+          </a:ln>
+        </p:spPr>
+        <p:style>
+          <a:lnRef idx="2">
+            <a:schemeClr val="accent1">
+              <a:shade val="50000"/>
+            </a:schemeClr>
+          </a:lnRef>
+          <a:fillRef idx="1">
+            <a:schemeClr val="accent1"/>
+          </a:fillRef>
+          <a:effectRef idx="0">
+            <a:schemeClr val="accent1"/>
+          </a:effectRef>
+          <a:fontRef idx="minor">
+            <a:schemeClr val="lt1"/>
+          </a:fontRef>
+        </p:style>
+        <p:txBody>
+          <a:bodyPr rtlCol="0" anchor="ctr"/>
+          <a:lstStyle/>
+          <a:p>
+            <a:pPr algn="ctr"/>
+            <a:endParaRPr lang="de-DE"/>
+          </a:p>
+        </p:txBody>
+      </p:sp>
+    </p:spTree>
+    <p:extLst>
+      <p:ext uri="{BB962C8B-B14F-4D97-AF65-F5344CB8AC3E}">
+        <p14:creationId xmlns:p14="http://schemas.microsoft.com/office/powerpoint/2010/main" val="1220837778"/>
+      </p:ext>
+    </p:extLst>
+  </p:cSld>
+  <p:clrMapOvr>
+    <a:masterClrMapping/>
+  </p:clrMapOvr>
+</p:sld>
+</file>
+
+<file path=ppt/slides/slide12.xml><?xml version="1.0" encoding="utf-8"?>
+<p:sld xmlns:a="http://schemas.openxmlformats.org/drawingml/2006/main" xmlns:r="http://schemas.openxmlformats.org/officeDocument/2006/relationships" xmlns:p="http://schemas.openxmlformats.org/presentationml/2006/main">
+  <p:cSld>
+    <p:spTree>
+      <p:nvGrpSpPr>
+        <p:cNvPr id="1" name=""/>
+        <p:cNvGrpSpPr/>
+        <p:nvPr/>
+      </p:nvGrpSpPr>
+      <p:grpSpPr>
+        <a:xfrm>
+          <a:off x="0" y="0"/>
+          <a:ext cx="0" cy="0"/>
+          <a:chOff x="0" y="0"/>
+          <a:chExt cx="0" cy="0"/>
+        </a:xfrm>
+      </p:grpSpPr>
+      <p:pic>
+        <p:nvPicPr>
+          <p:cNvPr id="5" name="Grafik 4">
+            <a:extLst>
+              <a:ext uri="{FF2B5EF4-FFF2-40B4-BE49-F238E27FC236}">
+                <a16:creationId xmlns:a16="http://schemas.microsoft.com/office/drawing/2014/main" id="{7F28AEC6-0A96-47D6-B6EE-BCE9683206B3}"/>
+              </a:ext>
+            </a:extLst>
+          </p:cNvPr>
+          <p:cNvPicPr>
+            <a:picLocks noChangeAspect="1"/>
+          </p:cNvPicPr>
+          <p:nvPr/>
+        </p:nvPicPr>
+        <p:blipFill>
+          <a:blip r:embed="rId3">
+            <a:extLst>
+              <a:ext uri="{28A0092B-C50C-407E-A947-70E740481C1C}">
+                <a14:useLocalDpi xmlns:a14="http://schemas.microsoft.com/office/drawing/2010/main" val="0"/>
+              </a:ext>
+              <a:ext uri="{96DAC541-7B7A-43D3-8B79-37D633B846F1}">
+                <asvg:svgBlip xmlns:asvg="http://schemas.microsoft.com/office/drawing/2016/SVG/main" r:embed="rId4"/>
+              </a:ext>
+            </a:extLst>
+          </a:blip>
+          <a:stretch>
+            <a:fillRect/>
+          </a:stretch>
+        </p:blipFill>
+        <p:spPr>
+          <a:xfrm>
+            <a:off x="1464753" y="25244"/>
+            <a:ext cx="9262494" cy="6740194"/>
+          </a:xfrm>
+          <a:prstGeom prst="rect">
+            <a:avLst/>
+          </a:prstGeom>
+        </p:spPr>
+      </p:pic>
+      <p:sp>
+        <p:nvSpPr>
+          <p:cNvPr id="6" name="Rechteck 5">
+            <a:extLst>
+              <a:ext uri="{FF2B5EF4-FFF2-40B4-BE49-F238E27FC236}">
+                <a16:creationId xmlns:a16="http://schemas.microsoft.com/office/drawing/2014/main" id="{C239B221-4301-47EA-93AD-9B3D2DDEF4C8}"/>
+              </a:ext>
+            </a:extLst>
+          </p:cNvPr>
+          <p:cNvSpPr/>
+          <p:nvPr/>
+        </p:nvSpPr>
+        <p:spPr>
+          <a:xfrm>
+            <a:off x="2500561" y="5172674"/>
+            <a:ext cx="8083745" cy="1660082"/>
+          </a:xfrm>
+          <a:prstGeom prst="rect">
+            <a:avLst/>
+          </a:prstGeom>
+          <a:solidFill>
+            <a:schemeClr val="bg1"/>
+          </a:solidFill>
+          <a:ln>
+            <a:solidFill>
+              <a:schemeClr val="bg1"/>
+            </a:solidFill>
+          </a:ln>
+        </p:spPr>
+        <p:style>
+          <a:lnRef idx="2">
+            <a:schemeClr val="accent1">
+              <a:shade val="50000"/>
+            </a:schemeClr>
+          </a:lnRef>
+          <a:fillRef idx="1">
+            <a:schemeClr val="accent1"/>
+          </a:fillRef>
+          <a:effectRef idx="0">
+            <a:schemeClr val="accent1"/>
+          </a:effectRef>
+          <a:fontRef idx="minor">
+            <a:schemeClr val="lt1"/>
+          </a:fontRef>
+        </p:style>
+        <p:txBody>
+          <a:bodyPr rtlCol="0" anchor="ctr"/>
+          <a:lstStyle/>
+          <a:p>
+            <a:pPr algn="ctr"/>
+            <a:endParaRPr lang="de-DE"/>
+          </a:p>
+        </p:txBody>
+      </p:sp>
+    </p:spTree>
+    <p:extLst>
+      <p:ext uri="{BB962C8B-B14F-4D97-AF65-F5344CB8AC3E}">
+        <p14:creationId xmlns:p14="http://schemas.microsoft.com/office/powerpoint/2010/main" val="1578248671"/>
+      </p:ext>
+    </p:extLst>
+  </p:cSld>
+  <p:clrMapOvr>
+    <a:masterClrMapping/>
+  </p:clrMapOvr>
+</p:sld>
+</file>
+
+<file path=ppt/slides/slide13.xml><?xml version="1.0" encoding="utf-8"?>
+<p:sld xmlns:a="http://schemas.openxmlformats.org/drawingml/2006/main" xmlns:r="http://schemas.openxmlformats.org/officeDocument/2006/relationships" xmlns:p="http://schemas.openxmlformats.org/presentationml/2006/main">
+  <p:cSld>
+    <p:spTree>
+      <p:nvGrpSpPr>
+        <p:cNvPr id="1" name=""/>
+        <p:cNvGrpSpPr/>
+        <p:nvPr/>
+      </p:nvGrpSpPr>
+      <p:grpSpPr>
+        <a:xfrm>
+          <a:off x="0" y="0"/>
+          <a:ext cx="0" cy="0"/>
+          <a:chOff x="0" y="0"/>
+          <a:chExt cx="0" cy="0"/>
+        </a:xfrm>
+      </p:grpSpPr>
+      <p:pic>
+        <p:nvPicPr>
+          <p:cNvPr id="5" name="Grafik 4">
+            <a:extLst>
+              <a:ext uri="{FF2B5EF4-FFF2-40B4-BE49-F238E27FC236}">
+                <a16:creationId xmlns:a16="http://schemas.microsoft.com/office/drawing/2014/main" id="{7F28AEC6-0A96-47D6-B6EE-BCE9683206B3}"/>
+              </a:ext>
+            </a:extLst>
+          </p:cNvPr>
+          <p:cNvPicPr>
+            <a:picLocks noChangeAspect="1"/>
+          </p:cNvPicPr>
+          <p:nvPr/>
+        </p:nvPicPr>
+        <p:blipFill>
+          <a:blip r:embed="rId3">
+            <a:extLst>
+              <a:ext uri="{28A0092B-C50C-407E-A947-70E740481C1C}">
+                <a14:useLocalDpi xmlns:a14="http://schemas.microsoft.com/office/drawing/2010/main" val="0"/>
+              </a:ext>
+              <a:ext uri="{96DAC541-7B7A-43D3-8B79-37D633B846F1}">
+                <asvg:svgBlip xmlns:asvg="http://schemas.microsoft.com/office/drawing/2016/SVG/main" r:embed="rId4"/>
+              </a:ext>
+            </a:extLst>
+          </a:blip>
+          <a:stretch>
+            <a:fillRect/>
+          </a:stretch>
+        </p:blipFill>
+        <p:spPr>
+          <a:xfrm>
+            <a:off x="1464753" y="25244"/>
+            <a:ext cx="9262494" cy="6740194"/>
+          </a:xfrm>
+          <a:prstGeom prst="rect">
+            <a:avLst/>
+          </a:prstGeom>
+        </p:spPr>
+      </p:pic>
+    </p:spTree>
+    <p:extLst>
+      <p:ext uri="{BB962C8B-B14F-4D97-AF65-F5344CB8AC3E}">
+        <p14:creationId xmlns:p14="http://schemas.microsoft.com/office/powerpoint/2010/main" val="2307167487"/>
+      </p:ext>
+    </p:extLst>
+  </p:cSld>
+  <p:clrMapOvr>
+    <a:masterClrMapping/>
+  </p:clrMapOvr>
+</p:sld>
+</file>
+
+<file path=ppt/slides/slide14.xml><?xml version="1.0" encoding="utf-8"?>
+<p:sld xmlns:a="http://schemas.openxmlformats.org/drawingml/2006/main" xmlns:r="http://schemas.openxmlformats.org/officeDocument/2006/relationships" xmlns:p="http://schemas.openxmlformats.org/presentationml/2006/main">
+  <p:cSld>
+    <p:spTree>
+      <p:nvGrpSpPr>
+        <p:cNvPr id="1" name=""/>
+        <p:cNvGrpSpPr/>
+        <p:nvPr/>
+      </p:nvGrpSpPr>
+      <p:grpSpPr>
+        <a:xfrm>
+          <a:off x="0" y="0"/>
+          <a:ext cx="0" cy="0"/>
+          <a:chOff x="0" y="0"/>
+          <a:chExt cx="0" cy="0"/>
+        </a:xfrm>
+      </p:grpSpPr>
       <p:sp>
         <p:nvSpPr>
           <p:cNvPr id="2" name="Titel 1">
@@ -5475,7 +6918,7 @@
 </p:sld>
 </file>
 
-<file path=ppt/slides/slide5.xml><?xml version="1.0" encoding="utf-8"?>
+<file path=ppt/slides/slide15.xml><?xml version="1.0" encoding="utf-8"?>
 <p:sld xmlns:a="http://schemas.openxmlformats.org/drawingml/2006/main" xmlns:r="http://schemas.openxmlformats.org/officeDocument/2006/relationships" xmlns:p="http://schemas.openxmlformats.org/presentationml/2006/main">
   <p:cSld>
     <p:spTree>
@@ -6141,6 +7584,2123 @@
       <p:bldP spid="11" grpId="0" build="p"/>
     </p:bldLst>
   </p:timing>
+</p:sld>
+</file>
+
+<file path=ppt/slides/slide2.xml><?xml version="1.0" encoding="utf-8"?>
+<p:sld xmlns:a="http://schemas.openxmlformats.org/drawingml/2006/main" xmlns:r="http://schemas.openxmlformats.org/officeDocument/2006/relationships" xmlns:p="http://schemas.openxmlformats.org/presentationml/2006/main">
+  <p:cSld>
+    <p:spTree>
+      <p:nvGrpSpPr>
+        <p:cNvPr id="1" name=""/>
+        <p:cNvGrpSpPr/>
+        <p:nvPr/>
+      </p:nvGrpSpPr>
+      <p:grpSpPr>
+        <a:xfrm>
+          <a:off x="0" y="0"/>
+          <a:ext cx="0" cy="0"/>
+          <a:chOff x="0" y="0"/>
+          <a:chExt cx="0" cy="0"/>
+        </a:xfrm>
+      </p:grpSpPr>
+      <p:sp>
+        <p:nvSpPr>
+          <p:cNvPr id="2" name="Titel 1">
+            <a:extLst>
+              <a:ext uri="{FF2B5EF4-FFF2-40B4-BE49-F238E27FC236}">
+                <a16:creationId xmlns:a16="http://schemas.microsoft.com/office/drawing/2014/main" id="{DCA5308D-4926-4D44-9125-F1A60A2F2EB9}"/>
+              </a:ext>
+            </a:extLst>
+          </p:cNvPr>
+          <p:cNvSpPr>
+            <a:spLocks noGrp="1"/>
+          </p:cNvSpPr>
+          <p:nvPr>
+            <p:ph type="title"/>
+          </p:nvPr>
+        </p:nvSpPr>
+        <p:spPr/>
+        <p:txBody>
+          <a:bodyPr/>
+          <a:lstStyle/>
+          <a:p>
+            <a:r>
+              <a:rPr lang="de-DE" dirty="0"/>
+              <a:t>Wichtigste Anforderung</a:t>
+            </a:r>
+          </a:p>
+        </p:txBody>
+      </p:sp>
+      <p:sp>
+        <p:nvSpPr>
+          <p:cNvPr id="3" name="Inhaltsplatzhalter 2">
+            <a:extLst>
+              <a:ext uri="{FF2B5EF4-FFF2-40B4-BE49-F238E27FC236}">
+                <a16:creationId xmlns:a16="http://schemas.microsoft.com/office/drawing/2014/main" id="{7AC143AC-938A-4E1B-9166-978E02B1E18F}"/>
+              </a:ext>
+            </a:extLst>
+          </p:cNvPr>
+          <p:cNvSpPr>
+            <a:spLocks noGrp="1"/>
+          </p:cNvSpPr>
+          <p:nvPr>
+            <p:ph idx="1"/>
+          </p:nvPr>
+        </p:nvSpPr>
+        <p:spPr/>
+        <p:txBody>
+          <a:bodyPr>
+            <a:normAutofit/>
+          </a:bodyPr>
+          <a:lstStyle/>
+          <a:p>
+            <a:r>
+              <a:rPr lang="de-DE" sz="3600" dirty="0">
+                <a:solidFill>
+                  <a:srgbClr val="FF0000"/>
+                </a:solidFill>
+              </a:rPr>
+              <a:t>Benutzerfreundlichkeit</a:t>
+            </a:r>
+          </a:p>
+          <a:p>
+            <a:r>
+              <a:rPr lang="de-DE" dirty="0"/>
+              <a:t>Konfiguration komplett über GUI</a:t>
+            </a:r>
+          </a:p>
+          <a:p>
+            <a:pPr lvl="1"/>
+            <a:r>
+              <a:rPr lang="de-DE" dirty="0"/>
+              <a:t>Neue </a:t>
+            </a:r>
+            <a:r>
+              <a:rPr lang="de-DE" dirty="0" err="1"/>
+              <a:t>Worker</a:t>
+            </a:r>
+            <a:r>
+              <a:rPr lang="de-DE" dirty="0"/>
+              <a:t> hinzufügen</a:t>
+            </a:r>
+          </a:p>
+          <a:p>
+            <a:pPr lvl="1"/>
+            <a:r>
+              <a:rPr lang="de-DE" dirty="0"/>
+              <a:t>Parameter für </a:t>
+            </a:r>
+            <a:r>
+              <a:rPr lang="de-DE" dirty="0" err="1"/>
+              <a:t>Worker</a:t>
+            </a:r>
+            <a:r>
+              <a:rPr lang="de-DE" dirty="0"/>
+              <a:t> setzen</a:t>
+            </a:r>
+          </a:p>
+          <a:p>
+            <a:pPr lvl="1"/>
+            <a:r>
+              <a:rPr lang="de-DE" dirty="0"/>
+              <a:t>Bestehende </a:t>
+            </a:r>
+            <a:r>
+              <a:rPr lang="de-DE" dirty="0" err="1"/>
+              <a:t>Worker</a:t>
+            </a:r>
+            <a:r>
+              <a:rPr lang="de-DE" dirty="0"/>
+              <a:t> editieren</a:t>
+            </a:r>
+          </a:p>
+          <a:p>
+            <a:pPr lvl="1"/>
+            <a:r>
+              <a:rPr lang="de-DE" dirty="0"/>
+              <a:t>Bestehende </a:t>
+            </a:r>
+            <a:r>
+              <a:rPr lang="de-DE" dirty="0" err="1"/>
+              <a:t>Worker</a:t>
+            </a:r>
+            <a:r>
+              <a:rPr lang="de-DE" dirty="0"/>
+              <a:t> entfernen</a:t>
+            </a:r>
+          </a:p>
+        </p:txBody>
+      </p:sp>
+    </p:spTree>
+    <p:extLst>
+      <p:ext uri="{BB962C8B-B14F-4D97-AF65-F5344CB8AC3E}">
+        <p14:creationId xmlns:p14="http://schemas.microsoft.com/office/powerpoint/2010/main" val="377178494"/>
+      </p:ext>
+    </p:extLst>
+  </p:cSld>
+  <p:clrMapOvr>
+    <a:masterClrMapping/>
+  </p:clrMapOvr>
+  <p:timing>
+    <p:tnLst>
+      <p:par>
+        <p:cTn id="1" dur="indefinite" restart="never" nodeType="tmRoot">
+          <p:childTnLst>
+            <p:seq concurrent="1" nextAc="seek">
+              <p:cTn id="2" dur="indefinite" nodeType="mainSeq">
+                <p:childTnLst>
+                  <p:par>
+                    <p:cTn id="3" fill="hold">
+                      <p:stCondLst>
+                        <p:cond delay="indefinite"/>
+                      </p:stCondLst>
+                      <p:childTnLst>
+                        <p:par>
+                          <p:cTn id="4" fill="hold">
+                            <p:stCondLst>
+                              <p:cond delay="0"/>
+                            </p:stCondLst>
+                            <p:childTnLst>
+                              <p:par>
+                                <p:cTn id="5" presetID="10" presetClass="entr" presetSubtype="0" fill="hold" nodeType="clickEffect">
+                                  <p:stCondLst>
+                                    <p:cond delay="0"/>
+                                  </p:stCondLst>
+                                  <p:childTnLst>
+                                    <p:set>
+                                      <p:cBhvr>
+                                        <p:cTn id="6" dur="1" fill="hold">
+                                          <p:stCondLst>
+                                            <p:cond delay="0"/>
+                                          </p:stCondLst>
+                                        </p:cTn>
+                                        <p:tgtEl>
+                                          <p:spTgt spid="3">
+                                            <p:txEl>
+                                              <p:pRg st="0" end="0"/>
+                                            </p:txEl>
+                                          </p:spTgt>
+                                        </p:tgtEl>
+                                        <p:attrNameLst>
+                                          <p:attrName>style.visibility</p:attrName>
+                                        </p:attrNameLst>
+                                      </p:cBhvr>
+                                      <p:to>
+                                        <p:strVal val="visible"/>
+                                      </p:to>
+                                    </p:set>
+                                    <p:animEffect transition="in" filter="fade">
+                                      <p:cBhvr>
+                                        <p:cTn id="7" dur="500"/>
+                                        <p:tgtEl>
+                                          <p:spTgt spid="3">
+                                            <p:txEl>
+                                              <p:pRg st="0" end="0"/>
+                                            </p:txEl>
+                                          </p:spTgt>
+                                        </p:tgtEl>
+                                      </p:cBhvr>
+                                    </p:animEffect>
+                                  </p:childTnLst>
+                                </p:cTn>
+                              </p:par>
+                            </p:childTnLst>
+                          </p:cTn>
+                        </p:par>
+                      </p:childTnLst>
+                    </p:cTn>
+                  </p:par>
+                  <p:par>
+                    <p:cTn id="8" fill="hold">
+                      <p:stCondLst>
+                        <p:cond delay="indefinite"/>
+                      </p:stCondLst>
+                      <p:childTnLst>
+                        <p:par>
+                          <p:cTn id="9" fill="hold">
+                            <p:stCondLst>
+                              <p:cond delay="0"/>
+                            </p:stCondLst>
+                            <p:childTnLst>
+                              <p:par>
+                                <p:cTn id="10" presetID="10" presetClass="entr" presetSubtype="0" fill="hold" nodeType="clickEffect">
+                                  <p:stCondLst>
+                                    <p:cond delay="0"/>
+                                  </p:stCondLst>
+                                  <p:childTnLst>
+                                    <p:set>
+                                      <p:cBhvr>
+                                        <p:cTn id="11" dur="1" fill="hold">
+                                          <p:stCondLst>
+                                            <p:cond delay="0"/>
+                                          </p:stCondLst>
+                                        </p:cTn>
+                                        <p:tgtEl>
+                                          <p:spTgt spid="3">
+                                            <p:txEl>
+                                              <p:pRg st="1" end="1"/>
+                                            </p:txEl>
+                                          </p:spTgt>
+                                        </p:tgtEl>
+                                        <p:attrNameLst>
+                                          <p:attrName>style.visibility</p:attrName>
+                                        </p:attrNameLst>
+                                      </p:cBhvr>
+                                      <p:to>
+                                        <p:strVal val="visible"/>
+                                      </p:to>
+                                    </p:set>
+                                    <p:animEffect transition="in" filter="fade">
+                                      <p:cBhvr>
+                                        <p:cTn id="12" dur="500"/>
+                                        <p:tgtEl>
+                                          <p:spTgt spid="3">
+                                            <p:txEl>
+                                              <p:pRg st="1" end="1"/>
+                                            </p:txEl>
+                                          </p:spTgt>
+                                        </p:tgtEl>
+                                      </p:cBhvr>
+                                    </p:animEffect>
+                                  </p:childTnLst>
+                                </p:cTn>
+                              </p:par>
+                            </p:childTnLst>
+                          </p:cTn>
+                        </p:par>
+                      </p:childTnLst>
+                    </p:cTn>
+                  </p:par>
+                  <p:par>
+                    <p:cTn id="13" fill="hold">
+                      <p:stCondLst>
+                        <p:cond delay="indefinite"/>
+                      </p:stCondLst>
+                      <p:childTnLst>
+                        <p:par>
+                          <p:cTn id="14" fill="hold">
+                            <p:stCondLst>
+                              <p:cond delay="0"/>
+                            </p:stCondLst>
+                            <p:childTnLst>
+                              <p:par>
+                                <p:cTn id="15" presetID="10" presetClass="entr" presetSubtype="0" fill="hold" nodeType="clickEffect">
+                                  <p:stCondLst>
+                                    <p:cond delay="0"/>
+                                  </p:stCondLst>
+                                  <p:childTnLst>
+                                    <p:set>
+                                      <p:cBhvr>
+                                        <p:cTn id="16" dur="1" fill="hold">
+                                          <p:stCondLst>
+                                            <p:cond delay="0"/>
+                                          </p:stCondLst>
+                                        </p:cTn>
+                                        <p:tgtEl>
+                                          <p:spTgt spid="3">
+                                            <p:txEl>
+                                              <p:pRg st="2" end="2"/>
+                                            </p:txEl>
+                                          </p:spTgt>
+                                        </p:tgtEl>
+                                        <p:attrNameLst>
+                                          <p:attrName>style.visibility</p:attrName>
+                                        </p:attrNameLst>
+                                      </p:cBhvr>
+                                      <p:to>
+                                        <p:strVal val="visible"/>
+                                      </p:to>
+                                    </p:set>
+                                    <p:animEffect transition="in" filter="fade">
+                                      <p:cBhvr>
+                                        <p:cTn id="17" dur="500"/>
+                                        <p:tgtEl>
+                                          <p:spTgt spid="3">
+                                            <p:txEl>
+                                              <p:pRg st="2" end="2"/>
+                                            </p:txEl>
+                                          </p:spTgt>
+                                        </p:tgtEl>
+                                      </p:cBhvr>
+                                    </p:animEffect>
+                                  </p:childTnLst>
+                                </p:cTn>
+                              </p:par>
+                            </p:childTnLst>
+                          </p:cTn>
+                        </p:par>
+                      </p:childTnLst>
+                    </p:cTn>
+                  </p:par>
+                  <p:par>
+                    <p:cTn id="18" fill="hold">
+                      <p:stCondLst>
+                        <p:cond delay="indefinite"/>
+                      </p:stCondLst>
+                      <p:childTnLst>
+                        <p:par>
+                          <p:cTn id="19" fill="hold">
+                            <p:stCondLst>
+                              <p:cond delay="0"/>
+                            </p:stCondLst>
+                            <p:childTnLst>
+                              <p:par>
+                                <p:cTn id="20" presetID="10" presetClass="entr" presetSubtype="0" fill="hold" nodeType="clickEffect">
+                                  <p:stCondLst>
+                                    <p:cond delay="0"/>
+                                  </p:stCondLst>
+                                  <p:childTnLst>
+                                    <p:set>
+                                      <p:cBhvr>
+                                        <p:cTn id="21" dur="1" fill="hold">
+                                          <p:stCondLst>
+                                            <p:cond delay="0"/>
+                                          </p:stCondLst>
+                                        </p:cTn>
+                                        <p:tgtEl>
+                                          <p:spTgt spid="3">
+                                            <p:txEl>
+                                              <p:pRg st="3" end="3"/>
+                                            </p:txEl>
+                                          </p:spTgt>
+                                        </p:tgtEl>
+                                        <p:attrNameLst>
+                                          <p:attrName>style.visibility</p:attrName>
+                                        </p:attrNameLst>
+                                      </p:cBhvr>
+                                      <p:to>
+                                        <p:strVal val="visible"/>
+                                      </p:to>
+                                    </p:set>
+                                    <p:animEffect transition="in" filter="fade">
+                                      <p:cBhvr>
+                                        <p:cTn id="22" dur="500"/>
+                                        <p:tgtEl>
+                                          <p:spTgt spid="3">
+                                            <p:txEl>
+                                              <p:pRg st="3" end="3"/>
+                                            </p:txEl>
+                                          </p:spTgt>
+                                        </p:tgtEl>
+                                      </p:cBhvr>
+                                    </p:animEffect>
+                                  </p:childTnLst>
+                                </p:cTn>
+                              </p:par>
+                            </p:childTnLst>
+                          </p:cTn>
+                        </p:par>
+                      </p:childTnLst>
+                    </p:cTn>
+                  </p:par>
+                  <p:par>
+                    <p:cTn id="23" fill="hold">
+                      <p:stCondLst>
+                        <p:cond delay="indefinite"/>
+                      </p:stCondLst>
+                      <p:childTnLst>
+                        <p:par>
+                          <p:cTn id="24" fill="hold">
+                            <p:stCondLst>
+                              <p:cond delay="0"/>
+                            </p:stCondLst>
+                            <p:childTnLst>
+                              <p:par>
+                                <p:cTn id="25" presetID="10" presetClass="entr" presetSubtype="0" fill="hold" nodeType="clickEffect">
+                                  <p:stCondLst>
+                                    <p:cond delay="0"/>
+                                  </p:stCondLst>
+                                  <p:childTnLst>
+                                    <p:set>
+                                      <p:cBhvr>
+                                        <p:cTn id="26" dur="1" fill="hold">
+                                          <p:stCondLst>
+                                            <p:cond delay="0"/>
+                                          </p:stCondLst>
+                                        </p:cTn>
+                                        <p:tgtEl>
+                                          <p:spTgt spid="3">
+                                            <p:txEl>
+                                              <p:pRg st="4" end="4"/>
+                                            </p:txEl>
+                                          </p:spTgt>
+                                        </p:tgtEl>
+                                        <p:attrNameLst>
+                                          <p:attrName>style.visibility</p:attrName>
+                                        </p:attrNameLst>
+                                      </p:cBhvr>
+                                      <p:to>
+                                        <p:strVal val="visible"/>
+                                      </p:to>
+                                    </p:set>
+                                    <p:animEffect transition="in" filter="fade">
+                                      <p:cBhvr>
+                                        <p:cTn id="27" dur="500"/>
+                                        <p:tgtEl>
+                                          <p:spTgt spid="3">
+                                            <p:txEl>
+                                              <p:pRg st="4" end="4"/>
+                                            </p:txEl>
+                                          </p:spTgt>
+                                        </p:tgtEl>
+                                      </p:cBhvr>
+                                    </p:animEffect>
+                                  </p:childTnLst>
+                                </p:cTn>
+                              </p:par>
+                            </p:childTnLst>
+                          </p:cTn>
+                        </p:par>
+                      </p:childTnLst>
+                    </p:cTn>
+                  </p:par>
+                  <p:par>
+                    <p:cTn id="28" fill="hold">
+                      <p:stCondLst>
+                        <p:cond delay="indefinite"/>
+                      </p:stCondLst>
+                      <p:childTnLst>
+                        <p:par>
+                          <p:cTn id="29" fill="hold">
+                            <p:stCondLst>
+                              <p:cond delay="0"/>
+                            </p:stCondLst>
+                            <p:childTnLst>
+                              <p:par>
+                                <p:cTn id="30" presetID="10" presetClass="entr" presetSubtype="0" fill="hold" nodeType="clickEffect">
+                                  <p:stCondLst>
+                                    <p:cond delay="0"/>
+                                  </p:stCondLst>
+                                  <p:childTnLst>
+                                    <p:set>
+                                      <p:cBhvr>
+                                        <p:cTn id="31" dur="1" fill="hold">
+                                          <p:stCondLst>
+                                            <p:cond delay="0"/>
+                                          </p:stCondLst>
+                                        </p:cTn>
+                                        <p:tgtEl>
+                                          <p:spTgt spid="3">
+                                            <p:txEl>
+                                              <p:pRg st="5" end="5"/>
+                                            </p:txEl>
+                                          </p:spTgt>
+                                        </p:tgtEl>
+                                        <p:attrNameLst>
+                                          <p:attrName>style.visibility</p:attrName>
+                                        </p:attrNameLst>
+                                      </p:cBhvr>
+                                      <p:to>
+                                        <p:strVal val="visible"/>
+                                      </p:to>
+                                    </p:set>
+                                    <p:animEffect transition="in" filter="fade">
+                                      <p:cBhvr>
+                                        <p:cTn id="32" dur="500"/>
+                                        <p:tgtEl>
+                                          <p:spTgt spid="3">
+                                            <p:txEl>
+                                              <p:pRg st="5" end="5"/>
+                                            </p:txEl>
+                                          </p:spTgt>
+                                        </p:tgtEl>
+                                      </p:cBhvr>
+                                    </p:animEffect>
+                                  </p:childTnLst>
+                                </p:cTn>
+                              </p:par>
+                            </p:childTnLst>
+                          </p:cTn>
+                        </p:par>
+                      </p:childTnLst>
+                    </p:cTn>
+                  </p:par>
+                </p:childTnLst>
+              </p:cTn>
+              <p:prevCondLst>
+                <p:cond evt="onPrev" delay="0">
+                  <p:tgtEl>
+                    <p:sldTgt/>
+                  </p:tgtEl>
+                </p:cond>
+              </p:prevCondLst>
+              <p:nextCondLst>
+                <p:cond evt="onNext" delay="0">
+                  <p:tgtEl>
+                    <p:sldTgt/>
+                  </p:tgtEl>
+                </p:cond>
+              </p:nextCondLst>
+            </p:seq>
+          </p:childTnLst>
+        </p:cTn>
+      </p:par>
+    </p:tnLst>
+  </p:timing>
+</p:sld>
+</file>
+
+<file path=ppt/slides/slide3.xml><?xml version="1.0" encoding="utf-8"?>
+<p:sld xmlns:a="http://schemas.openxmlformats.org/drawingml/2006/main" xmlns:r="http://schemas.openxmlformats.org/officeDocument/2006/relationships" xmlns:p="http://schemas.openxmlformats.org/presentationml/2006/main">
+  <p:cSld>
+    <p:spTree>
+      <p:nvGrpSpPr>
+        <p:cNvPr id="1" name=""/>
+        <p:cNvGrpSpPr/>
+        <p:nvPr/>
+      </p:nvGrpSpPr>
+      <p:grpSpPr>
+        <a:xfrm>
+          <a:off x="0" y="0"/>
+          <a:ext cx="0" cy="0"/>
+          <a:chOff x="0" y="0"/>
+          <a:chExt cx="0" cy="0"/>
+        </a:xfrm>
+      </p:grpSpPr>
+      <p:pic>
+        <p:nvPicPr>
+          <p:cNvPr id="5" name="Grafik 4">
+            <a:extLst>
+              <a:ext uri="{FF2B5EF4-FFF2-40B4-BE49-F238E27FC236}">
+                <a16:creationId xmlns:a16="http://schemas.microsoft.com/office/drawing/2014/main" id="{7F28AEC6-0A96-47D6-B6EE-BCE9683206B3}"/>
+              </a:ext>
+            </a:extLst>
+          </p:cNvPr>
+          <p:cNvPicPr>
+            <a:picLocks noChangeAspect="1"/>
+          </p:cNvPicPr>
+          <p:nvPr/>
+        </p:nvPicPr>
+        <p:blipFill>
+          <a:blip r:embed="rId3">
+            <a:extLst>
+              <a:ext uri="{28A0092B-C50C-407E-A947-70E740481C1C}">
+                <a14:useLocalDpi xmlns:a14="http://schemas.microsoft.com/office/drawing/2010/main" val="0"/>
+              </a:ext>
+              <a:ext uri="{96DAC541-7B7A-43D3-8B79-37D633B846F1}">
+                <asvg:svgBlip xmlns:asvg="http://schemas.microsoft.com/office/drawing/2016/SVG/main" r:embed="rId4"/>
+              </a:ext>
+            </a:extLst>
+          </a:blip>
+          <a:stretch>
+            <a:fillRect/>
+          </a:stretch>
+        </p:blipFill>
+        <p:spPr>
+          <a:xfrm>
+            <a:off x="1464753" y="25244"/>
+            <a:ext cx="9262494" cy="6740194"/>
+          </a:xfrm>
+          <a:prstGeom prst="rect">
+            <a:avLst/>
+          </a:prstGeom>
+        </p:spPr>
+      </p:pic>
+      <p:sp>
+        <p:nvSpPr>
+          <p:cNvPr id="2" name="Rechteck 1">
+            <a:extLst>
+              <a:ext uri="{FF2B5EF4-FFF2-40B4-BE49-F238E27FC236}">
+                <a16:creationId xmlns:a16="http://schemas.microsoft.com/office/drawing/2014/main" id="{165296EE-663E-44C6-8495-D281D967ED03}"/>
+              </a:ext>
+            </a:extLst>
+          </p:cNvPr>
+          <p:cNvSpPr/>
+          <p:nvPr/>
+        </p:nvSpPr>
+        <p:spPr>
+          <a:xfrm>
+            <a:off x="3025751" y="796594"/>
+            <a:ext cx="8083745" cy="6061406"/>
+          </a:xfrm>
+          <a:prstGeom prst="rect">
+            <a:avLst/>
+          </a:prstGeom>
+          <a:solidFill>
+            <a:schemeClr val="bg1"/>
+          </a:solidFill>
+          <a:ln>
+            <a:solidFill>
+              <a:schemeClr val="bg1"/>
+            </a:solidFill>
+          </a:ln>
+        </p:spPr>
+        <p:style>
+          <a:lnRef idx="2">
+            <a:schemeClr val="accent1">
+              <a:shade val="50000"/>
+            </a:schemeClr>
+          </a:lnRef>
+          <a:fillRef idx="1">
+            <a:schemeClr val="accent1"/>
+          </a:fillRef>
+          <a:effectRef idx="0">
+            <a:schemeClr val="accent1"/>
+          </a:effectRef>
+          <a:fontRef idx="minor">
+            <a:schemeClr val="lt1"/>
+          </a:fontRef>
+        </p:style>
+        <p:txBody>
+          <a:bodyPr rtlCol="0" anchor="ctr"/>
+          <a:lstStyle/>
+          <a:p>
+            <a:pPr algn="ctr"/>
+            <a:endParaRPr lang="de-DE"/>
+          </a:p>
+        </p:txBody>
+      </p:sp>
+      <p:sp>
+        <p:nvSpPr>
+          <p:cNvPr id="4" name="Rechteck 3">
+            <a:extLst>
+              <a:ext uri="{FF2B5EF4-FFF2-40B4-BE49-F238E27FC236}">
+                <a16:creationId xmlns:a16="http://schemas.microsoft.com/office/drawing/2014/main" id="{058CA54E-6C19-4E6B-9E1D-ED5E9125B586}"/>
+              </a:ext>
+            </a:extLst>
+          </p:cNvPr>
+          <p:cNvSpPr/>
+          <p:nvPr/>
+        </p:nvSpPr>
+        <p:spPr>
+          <a:xfrm>
+            <a:off x="3832439" y="225327"/>
+            <a:ext cx="8083745" cy="6061406"/>
+          </a:xfrm>
+          <a:prstGeom prst="rect">
+            <a:avLst/>
+          </a:prstGeom>
+          <a:solidFill>
+            <a:schemeClr val="bg1"/>
+          </a:solidFill>
+          <a:ln>
+            <a:solidFill>
+              <a:schemeClr val="bg1"/>
+            </a:solidFill>
+          </a:ln>
+        </p:spPr>
+        <p:style>
+          <a:lnRef idx="2">
+            <a:schemeClr val="accent1">
+              <a:shade val="50000"/>
+            </a:schemeClr>
+          </a:lnRef>
+          <a:fillRef idx="1">
+            <a:schemeClr val="accent1"/>
+          </a:fillRef>
+          <a:effectRef idx="0">
+            <a:schemeClr val="accent1"/>
+          </a:effectRef>
+          <a:fontRef idx="minor">
+            <a:schemeClr val="lt1"/>
+          </a:fontRef>
+        </p:style>
+        <p:txBody>
+          <a:bodyPr rtlCol="0" anchor="ctr"/>
+          <a:lstStyle/>
+          <a:p>
+            <a:pPr algn="ctr"/>
+            <a:endParaRPr lang="de-DE"/>
+          </a:p>
+        </p:txBody>
+      </p:sp>
+      <p:sp>
+        <p:nvSpPr>
+          <p:cNvPr id="6" name="Rechteck 5">
+            <a:extLst>
+              <a:ext uri="{FF2B5EF4-FFF2-40B4-BE49-F238E27FC236}">
+                <a16:creationId xmlns:a16="http://schemas.microsoft.com/office/drawing/2014/main" id="{C239B221-4301-47EA-93AD-9B3D2DDEF4C8}"/>
+              </a:ext>
+            </a:extLst>
+          </p:cNvPr>
+          <p:cNvSpPr/>
+          <p:nvPr/>
+        </p:nvSpPr>
+        <p:spPr>
+          <a:xfrm>
+            <a:off x="2450555" y="5344124"/>
+            <a:ext cx="8083745" cy="1488632"/>
+          </a:xfrm>
+          <a:prstGeom prst="rect">
+            <a:avLst/>
+          </a:prstGeom>
+          <a:solidFill>
+            <a:schemeClr val="bg1"/>
+          </a:solidFill>
+          <a:ln>
+            <a:solidFill>
+              <a:schemeClr val="bg1"/>
+            </a:solidFill>
+          </a:ln>
+        </p:spPr>
+        <p:style>
+          <a:lnRef idx="2">
+            <a:schemeClr val="accent1">
+              <a:shade val="50000"/>
+            </a:schemeClr>
+          </a:lnRef>
+          <a:fillRef idx="1">
+            <a:schemeClr val="accent1"/>
+          </a:fillRef>
+          <a:effectRef idx="0">
+            <a:schemeClr val="accent1"/>
+          </a:effectRef>
+          <a:fontRef idx="minor">
+            <a:schemeClr val="lt1"/>
+          </a:fontRef>
+        </p:style>
+        <p:txBody>
+          <a:bodyPr rtlCol="0" anchor="ctr"/>
+          <a:lstStyle/>
+          <a:p>
+            <a:pPr algn="ctr"/>
+            <a:endParaRPr lang="de-DE"/>
+          </a:p>
+        </p:txBody>
+      </p:sp>
+    </p:spTree>
+    <p:extLst>
+      <p:ext uri="{BB962C8B-B14F-4D97-AF65-F5344CB8AC3E}">
+        <p14:creationId xmlns:p14="http://schemas.microsoft.com/office/powerpoint/2010/main" val="4170127728"/>
+      </p:ext>
+    </p:extLst>
+  </p:cSld>
+  <p:clrMapOvr>
+    <a:masterClrMapping/>
+  </p:clrMapOvr>
+</p:sld>
+</file>
+
+<file path=ppt/slides/slide4.xml><?xml version="1.0" encoding="utf-8"?>
+<p:sld xmlns:a="http://schemas.openxmlformats.org/drawingml/2006/main" xmlns:r="http://schemas.openxmlformats.org/officeDocument/2006/relationships" xmlns:p="http://schemas.openxmlformats.org/presentationml/2006/main">
+  <p:cSld>
+    <p:spTree>
+      <p:nvGrpSpPr>
+        <p:cNvPr id="1" name=""/>
+        <p:cNvGrpSpPr/>
+        <p:nvPr/>
+      </p:nvGrpSpPr>
+      <p:grpSpPr>
+        <a:xfrm>
+          <a:off x="0" y="0"/>
+          <a:ext cx="0" cy="0"/>
+          <a:chOff x="0" y="0"/>
+          <a:chExt cx="0" cy="0"/>
+        </a:xfrm>
+      </p:grpSpPr>
+      <p:pic>
+        <p:nvPicPr>
+          <p:cNvPr id="5" name="Grafik 4">
+            <a:extLst>
+              <a:ext uri="{FF2B5EF4-FFF2-40B4-BE49-F238E27FC236}">
+                <a16:creationId xmlns:a16="http://schemas.microsoft.com/office/drawing/2014/main" id="{7F28AEC6-0A96-47D6-B6EE-BCE9683206B3}"/>
+              </a:ext>
+            </a:extLst>
+          </p:cNvPr>
+          <p:cNvPicPr>
+            <a:picLocks noChangeAspect="1"/>
+          </p:cNvPicPr>
+          <p:nvPr/>
+        </p:nvPicPr>
+        <p:blipFill>
+          <a:blip r:embed="rId3">
+            <a:extLst>
+              <a:ext uri="{28A0092B-C50C-407E-A947-70E740481C1C}">
+                <a14:useLocalDpi xmlns:a14="http://schemas.microsoft.com/office/drawing/2010/main" val="0"/>
+              </a:ext>
+              <a:ext uri="{96DAC541-7B7A-43D3-8B79-37D633B846F1}">
+                <asvg:svgBlip xmlns:asvg="http://schemas.microsoft.com/office/drawing/2016/SVG/main" r:embed="rId4"/>
+              </a:ext>
+            </a:extLst>
+          </a:blip>
+          <a:stretch>
+            <a:fillRect/>
+          </a:stretch>
+        </p:blipFill>
+        <p:spPr>
+          <a:xfrm>
+            <a:off x="1464753" y="25244"/>
+            <a:ext cx="9262494" cy="6740194"/>
+          </a:xfrm>
+          <a:prstGeom prst="rect">
+            <a:avLst/>
+          </a:prstGeom>
+        </p:spPr>
+      </p:pic>
+      <p:sp>
+        <p:nvSpPr>
+          <p:cNvPr id="2" name="Rechteck 1">
+            <a:extLst>
+              <a:ext uri="{FF2B5EF4-FFF2-40B4-BE49-F238E27FC236}">
+                <a16:creationId xmlns:a16="http://schemas.microsoft.com/office/drawing/2014/main" id="{165296EE-663E-44C6-8495-D281D967ED03}"/>
+              </a:ext>
+            </a:extLst>
+          </p:cNvPr>
+          <p:cNvSpPr/>
+          <p:nvPr/>
+        </p:nvSpPr>
+        <p:spPr>
+          <a:xfrm>
+            <a:off x="3031322" y="1371688"/>
+            <a:ext cx="8083745" cy="5461068"/>
+          </a:xfrm>
+          <a:prstGeom prst="rect">
+            <a:avLst/>
+          </a:prstGeom>
+          <a:solidFill>
+            <a:schemeClr val="bg1"/>
+          </a:solidFill>
+          <a:ln>
+            <a:solidFill>
+              <a:schemeClr val="bg1"/>
+            </a:solidFill>
+          </a:ln>
+        </p:spPr>
+        <p:style>
+          <a:lnRef idx="2">
+            <a:schemeClr val="accent1">
+              <a:shade val="50000"/>
+            </a:schemeClr>
+          </a:lnRef>
+          <a:fillRef idx="1">
+            <a:schemeClr val="accent1"/>
+          </a:fillRef>
+          <a:effectRef idx="0">
+            <a:schemeClr val="accent1"/>
+          </a:effectRef>
+          <a:fontRef idx="minor">
+            <a:schemeClr val="lt1"/>
+          </a:fontRef>
+        </p:style>
+        <p:txBody>
+          <a:bodyPr rtlCol="0" anchor="ctr"/>
+          <a:lstStyle/>
+          <a:p>
+            <a:pPr algn="ctr"/>
+            <a:endParaRPr lang="de-DE"/>
+          </a:p>
+        </p:txBody>
+      </p:sp>
+      <p:sp>
+        <p:nvSpPr>
+          <p:cNvPr id="4" name="Rechteck 3">
+            <a:extLst>
+              <a:ext uri="{FF2B5EF4-FFF2-40B4-BE49-F238E27FC236}">
+                <a16:creationId xmlns:a16="http://schemas.microsoft.com/office/drawing/2014/main" id="{058CA54E-6C19-4E6B-9E1D-ED5E9125B586}"/>
+              </a:ext>
+            </a:extLst>
+          </p:cNvPr>
+          <p:cNvSpPr/>
+          <p:nvPr/>
+        </p:nvSpPr>
+        <p:spPr>
+          <a:xfrm>
+            <a:off x="5117087" y="275815"/>
+            <a:ext cx="8083745" cy="6061406"/>
+          </a:xfrm>
+          <a:prstGeom prst="rect">
+            <a:avLst/>
+          </a:prstGeom>
+          <a:solidFill>
+            <a:schemeClr val="bg1"/>
+          </a:solidFill>
+          <a:ln>
+            <a:solidFill>
+              <a:schemeClr val="bg1"/>
+            </a:solidFill>
+          </a:ln>
+        </p:spPr>
+        <p:style>
+          <a:lnRef idx="2">
+            <a:schemeClr val="accent1">
+              <a:shade val="50000"/>
+            </a:schemeClr>
+          </a:lnRef>
+          <a:fillRef idx="1">
+            <a:schemeClr val="accent1"/>
+          </a:fillRef>
+          <a:effectRef idx="0">
+            <a:schemeClr val="accent1"/>
+          </a:effectRef>
+          <a:fontRef idx="minor">
+            <a:schemeClr val="lt1"/>
+          </a:fontRef>
+        </p:style>
+        <p:txBody>
+          <a:bodyPr rtlCol="0" anchor="ctr"/>
+          <a:lstStyle/>
+          <a:p>
+            <a:pPr algn="ctr"/>
+            <a:endParaRPr lang="de-DE"/>
+          </a:p>
+        </p:txBody>
+      </p:sp>
+      <p:sp>
+        <p:nvSpPr>
+          <p:cNvPr id="6" name="Rechteck 5">
+            <a:extLst>
+              <a:ext uri="{FF2B5EF4-FFF2-40B4-BE49-F238E27FC236}">
+                <a16:creationId xmlns:a16="http://schemas.microsoft.com/office/drawing/2014/main" id="{C239B221-4301-47EA-93AD-9B3D2DDEF4C8}"/>
+              </a:ext>
+            </a:extLst>
+          </p:cNvPr>
+          <p:cNvSpPr/>
+          <p:nvPr/>
+        </p:nvSpPr>
+        <p:spPr>
+          <a:xfrm>
+            <a:off x="2464843" y="5322693"/>
+            <a:ext cx="8083745" cy="1510063"/>
+          </a:xfrm>
+          <a:prstGeom prst="rect">
+            <a:avLst/>
+          </a:prstGeom>
+          <a:solidFill>
+            <a:schemeClr val="bg1"/>
+          </a:solidFill>
+          <a:ln>
+            <a:solidFill>
+              <a:schemeClr val="bg1"/>
+            </a:solidFill>
+          </a:ln>
+        </p:spPr>
+        <p:style>
+          <a:lnRef idx="2">
+            <a:schemeClr val="accent1">
+              <a:shade val="50000"/>
+            </a:schemeClr>
+          </a:lnRef>
+          <a:fillRef idx="1">
+            <a:schemeClr val="accent1"/>
+          </a:fillRef>
+          <a:effectRef idx="0">
+            <a:schemeClr val="accent1"/>
+          </a:effectRef>
+          <a:fontRef idx="minor">
+            <a:schemeClr val="lt1"/>
+          </a:fontRef>
+        </p:style>
+        <p:txBody>
+          <a:bodyPr rtlCol="0" anchor="ctr"/>
+          <a:lstStyle/>
+          <a:p>
+            <a:pPr algn="ctr"/>
+            <a:endParaRPr lang="de-DE"/>
+          </a:p>
+        </p:txBody>
+      </p:sp>
+    </p:spTree>
+    <p:extLst>
+      <p:ext uri="{BB962C8B-B14F-4D97-AF65-F5344CB8AC3E}">
+        <p14:creationId xmlns:p14="http://schemas.microsoft.com/office/powerpoint/2010/main" val="1793391196"/>
+      </p:ext>
+    </p:extLst>
+  </p:cSld>
+  <p:clrMapOvr>
+    <a:masterClrMapping/>
+  </p:clrMapOvr>
+</p:sld>
+</file>
+
+<file path=ppt/slides/slide5.xml><?xml version="1.0" encoding="utf-8"?>
+<p:sld xmlns:a="http://schemas.openxmlformats.org/drawingml/2006/main" xmlns:r="http://schemas.openxmlformats.org/officeDocument/2006/relationships" xmlns:p="http://schemas.openxmlformats.org/presentationml/2006/main">
+  <p:cSld>
+    <p:spTree>
+      <p:nvGrpSpPr>
+        <p:cNvPr id="1" name=""/>
+        <p:cNvGrpSpPr/>
+        <p:nvPr/>
+      </p:nvGrpSpPr>
+      <p:grpSpPr>
+        <a:xfrm>
+          <a:off x="0" y="0"/>
+          <a:ext cx="0" cy="0"/>
+          <a:chOff x="0" y="0"/>
+          <a:chExt cx="0" cy="0"/>
+        </a:xfrm>
+      </p:grpSpPr>
+      <p:pic>
+        <p:nvPicPr>
+          <p:cNvPr id="5" name="Grafik 4">
+            <a:extLst>
+              <a:ext uri="{FF2B5EF4-FFF2-40B4-BE49-F238E27FC236}">
+                <a16:creationId xmlns:a16="http://schemas.microsoft.com/office/drawing/2014/main" id="{7F28AEC6-0A96-47D6-B6EE-BCE9683206B3}"/>
+              </a:ext>
+            </a:extLst>
+          </p:cNvPr>
+          <p:cNvPicPr>
+            <a:picLocks noChangeAspect="1"/>
+          </p:cNvPicPr>
+          <p:nvPr/>
+        </p:nvPicPr>
+        <p:blipFill>
+          <a:blip r:embed="rId3">
+            <a:extLst>
+              <a:ext uri="{28A0092B-C50C-407E-A947-70E740481C1C}">
+                <a14:useLocalDpi xmlns:a14="http://schemas.microsoft.com/office/drawing/2010/main" val="0"/>
+              </a:ext>
+              <a:ext uri="{96DAC541-7B7A-43D3-8B79-37D633B846F1}">
+                <asvg:svgBlip xmlns:asvg="http://schemas.microsoft.com/office/drawing/2016/SVG/main" r:embed="rId4"/>
+              </a:ext>
+            </a:extLst>
+          </a:blip>
+          <a:stretch>
+            <a:fillRect/>
+          </a:stretch>
+        </p:blipFill>
+        <p:spPr>
+          <a:xfrm>
+            <a:off x="1464756" y="25244"/>
+            <a:ext cx="9262494" cy="6740194"/>
+          </a:xfrm>
+          <a:prstGeom prst="rect">
+            <a:avLst/>
+          </a:prstGeom>
+        </p:spPr>
+      </p:pic>
+      <p:sp>
+        <p:nvSpPr>
+          <p:cNvPr id="2" name="Rechteck 1">
+            <a:extLst>
+              <a:ext uri="{FF2B5EF4-FFF2-40B4-BE49-F238E27FC236}">
+                <a16:creationId xmlns:a16="http://schemas.microsoft.com/office/drawing/2014/main" id="{165296EE-663E-44C6-8495-D281D967ED03}"/>
+              </a:ext>
+            </a:extLst>
+          </p:cNvPr>
+          <p:cNvSpPr/>
+          <p:nvPr/>
+        </p:nvSpPr>
+        <p:spPr>
+          <a:xfrm>
+            <a:off x="3028950" y="1745500"/>
+            <a:ext cx="8026179" cy="5019938"/>
+          </a:xfrm>
+          <a:prstGeom prst="rect">
+            <a:avLst/>
+          </a:prstGeom>
+          <a:solidFill>
+            <a:schemeClr val="bg1"/>
+          </a:solidFill>
+          <a:ln>
+            <a:solidFill>
+              <a:schemeClr val="bg1"/>
+            </a:solidFill>
+          </a:ln>
+        </p:spPr>
+        <p:style>
+          <a:lnRef idx="2">
+            <a:schemeClr val="accent1">
+              <a:shade val="50000"/>
+            </a:schemeClr>
+          </a:lnRef>
+          <a:fillRef idx="1">
+            <a:schemeClr val="accent1"/>
+          </a:fillRef>
+          <a:effectRef idx="0">
+            <a:schemeClr val="accent1"/>
+          </a:effectRef>
+          <a:fontRef idx="minor">
+            <a:schemeClr val="lt1"/>
+          </a:fontRef>
+        </p:style>
+        <p:txBody>
+          <a:bodyPr rtlCol="0" anchor="ctr"/>
+          <a:lstStyle/>
+          <a:p>
+            <a:pPr algn="ctr"/>
+            <a:endParaRPr lang="de-DE"/>
+          </a:p>
+        </p:txBody>
+      </p:sp>
+      <p:sp>
+        <p:nvSpPr>
+          <p:cNvPr id="4" name="Rechteck 3">
+            <a:extLst>
+              <a:ext uri="{FF2B5EF4-FFF2-40B4-BE49-F238E27FC236}">
+                <a16:creationId xmlns:a16="http://schemas.microsoft.com/office/drawing/2014/main" id="{058CA54E-6C19-4E6B-9E1D-ED5E9125B586}"/>
+              </a:ext>
+            </a:extLst>
+          </p:cNvPr>
+          <p:cNvSpPr/>
+          <p:nvPr/>
+        </p:nvSpPr>
+        <p:spPr>
+          <a:xfrm>
+            <a:off x="6350931" y="252811"/>
+            <a:ext cx="5768581" cy="6061406"/>
+          </a:xfrm>
+          <a:prstGeom prst="rect">
+            <a:avLst/>
+          </a:prstGeom>
+          <a:solidFill>
+            <a:schemeClr val="bg1"/>
+          </a:solidFill>
+          <a:ln>
+            <a:solidFill>
+              <a:schemeClr val="bg1"/>
+            </a:solidFill>
+          </a:ln>
+        </p:spPr>
+        <p:style>
+          <a:lnRef idx="2">
+            <a:schemeClr val="accent1">
+              <a:shade val="50000"/>
+            </a:schemeClr>
+          </a:lnRef>
+          <a:fillRef idx="1">
+            <a:schemeClr val="accent1"/>
+          </a:fillRef>
+          <a:effectRef idx="0">
+            <a:schemeClr val="accent1"/>
+          </a:effectRef>
+          <a:fontRef idx="minor">
+            <a:schemeClr val="lt1"/>
+          </a:fontRef>
+        </p:style>
+        <p:txBody>
+          <a:bodyPr rtlCol="0" anchor="ctr"/>
+          <a:lstStyle/>
+          <a:p>
+            <a:pPr algn="ctr"/>
+            <a:endParaRPr lang="de-DE"/>
+          </a:p>
+        </p:txBody>
+      </p:sp>
+      <p:sp>
+        <p:nvSpPr>
+          <p:cNvPr id="6" name="Rechteck 5">
+            <a:extLst>
+              <a:ext uri="{FF2B5EF4-FFF2-40B4-BE49-F238E27FC236}">
+                <a16:creationId xmlns:a16="http://schemas.microsoft.com/office/drawing/2014/main" id="{C239B221-4301-47EA-93AD-9B3D2DDEF4C8}"/>
+              </a:ext>
+            </a:extLst>
+          </p:cNvPr>
+          <p:cNvSpPr/>
+          <p:nvPr/>
+        </p:nvSpPr>
+        <p:spPr>
+          <a:xfrm>
+            <a:off x="2443411" y="5122667"/>
+            <a:ext cx="8083745" cy="1710089"/>
+          </a:xfrm>
+          <a:prstGeom prst="rect">
+            <a:avLst/>
+          </a:prstGeom>
+          <a:solidFill>
+            <a:schemeClr val="bg1"/>
+          </a:solidFill>
+          <a:ln>
+            <a:solidFill>
+              <a:schemeClr val="bg1"/>
+            </a:solidFill>
+          </a:ln>
+        </p:spPr>
+        <p:style>
+          <a:lnRef idx="2">
+            <a:schemeClr val="accent1">
+              <a:shade val="50000"/>
+            </a:schemeClr>
+          </a:lnRef>
+          <a:fillRef idx="1">
+            <a:schemeClr val="accent1"/>
+          </a:fillRef>
+          <a:effectRef idx="0">
+            <a:schemeClr val="accent1"/>
+          </a:effectRef>
+          <a:fontRef idx="minor">
+            <a:schemeClr val="lt1"/>
+          </a:fontRef>
+        </p:style>
+        <p:txBody>
+          <a:bodyPr rtlCol="0" anchor="ctr"/>
+          <a:lstStyle/>
+          <a:p>
+            <a:pPr algn="ctr"/>
+            <a:endParaRPr lang="de-DE"/>
+          </a:p>
+        </p:txBody>
+      </p:sp>
+    </p:spTree>
+    <p:extLst>
+      <p:ext uri="{BB962C8B-B14F-4D97-AF65-F5344CB8AC3E}">
+        <p14:creationId xmlns:p14="http://schemas.microsoft.com/office/powerpoint/2010/main" val="3907799356"/>
+      </p:ext>
+    </p:extLst>
+  </p:cSld>
+  <p:clrMapOvr>
+    <a:masterClrMapping/>
+  </p:clrMapOvr>
+</p:sld>
+</file>
+
+<file path=ppt/slides/slide6.xml><?xml version="1.0" encoding="utf-8"?>
+<p:sld xmlns:a="http://schemas.openxmlformats.org/drawingml/2006/main" xmlns:r="http://schemas.openxmlformats.org/officeDocument/2006/relationships" xmlns:p="http://schemas.openxmlformats.org/presentationml/2006/main">
+  <p:cSld>
+    <p:spTree>
+      <p:nvGrpSpPr>
+        <p:cNvPr id="1" name=""/>
+        <p:cNvGrpSpPr/>
+        <p:nvPr/>
+      </p:nvGrpSpPr>
+      <p:grpSpPr>
+        <a:xfrm>
+          <a:off x="0" y="0"/>
+          <a:ext cx="0" cy="0"/>
+          <a:chOff x="0" y="0"/>
+          <a:chExt cx="0" cy="0"/>
+        </a:xfrm>
+      </p:grpSpPr>
+      <p:pic>
+        <p:nvPicPr>
+          <p:cNvPr id="5" name="Grafik 4">
+            <a:extLst>
+              <a:ext uri="{FF2B5EF4-FFF2-40B4-BE49-F238E27FC236}">
+                <a16:creationId xmlns:a16="http://schemas.microsoft.com/office/drawing/2014/main" id="{7F28AEC6-0A96-47D6-B6EE-BCE9683206B3}"/>
+              </a:ext>
+            </a:extLst>
+          </p:cNvPr>
+          <p:cNvPicPr>
+            <a:picLocks noChangeAspect="1"/>
+          </p:cNvPicPr>
+          <p:nvPr/>
+        </p:nvPicPr>
+        <p:blipFill>
+          <a:blip r:embed="rId3">
+            <a:extLst>
+              <a:ext uri="{28A0092B-C50C-407E-A947-70E740481C1C}">
+                <a14:useLocalDpi xmlns:a14="http://schemas.microsoft.com/office/drawing/2010/main" val="0"/>
+              </a:ext>
+              <a:ext uri="{96DAC541-7B7A-43D3-8B79-37D633B846F1}">
+                <asvg:svgBlip xmlns:asvg="http://schemas.microsoft.com/office/drawing/2016/SVG/main" r:embed="rId4"/>
+              </a:ext>
+            </a:extLst>
+          </a:blip>
+          <a:stretch>
+            <a:fillRect/>
+          </a:stretch>
+        </p:blipFill>
+        <p:spPr>
+          <a:xfrm>
+            <a:off x="1464753" y="25244"/>
+            <a:ext cx="9262494" cy="6740194"/>
+          </a:xfrm>
+          <a:prstGeom prst="rect">
+            <a:avLst/>
+          </a:prstGeom>
+        </p:spPr>
+      </p:pic>
+      <p:sp>
+        <p:nvSpPr>
+          <p:cNvPr id="2" name="Rechteck 1">
+            <a:extLst>
+              <a:ext uri="{FF2B5EF4-FFF2-40B4-BE49-F238E27FC236}">
+                <a16:creationId xmlns:a16="http://schemas.microsoft.com/office/drawing/2014/main" id="{165296EE-663E-44C6-8495-D281D967ED03}"/>
+              </a:ext>
+            </a:extLst>
+          </p:cNvPr>
+          <p:cNvSpPr/>
+          <p:nvPr/>
+        </p:nvSpPr>
+        <p:spPr>
+          <a:xfrm>
+            <a:off x="3257550" y="2245833"/>
+            <a:ext cx="7821975" cy="6061406"/>
+          </a:xfrm>
+          <a:prstGeom prst="rect">
+            <a:avLst/>
+          </a:prstGeom>
+          <a:solidFill>
+            <a:schemeClr val="bg1"/>
+          </a:solidFill>
+          <a:ln>
+            <a:solidFill>
+              <a:schemeClr val="bg1"/>
+            </a:solidFill>
+          </a:ln>
+        </p:spPr>
+        <p:style>
+          <a:lnRef idx="2">
+            <a:schemeClr val="accent1">
+              <a:shade val="50000"/>
+            </a:schemeClr>
+          </a:lnRef>
+          <a:fillRef idx="1">
+            <a:schemeClr val="accent1"/>
+          </a:fillRef>
+          <a:effectRef idx="0">
+            <a:schemeClr val="accent1"/>
+          </a:effectRef>
+          <a:fontRef idx="minor">
+            <a:schemeClr val="lt1"/>
+          </a:fontRef>
+        </p:style>
+        <p:txBody>
+          <a:bodyPr rtlCol="0" anchor="ctr"/>
+          <a:lstStyle/>
+          <a:p>
+            <a:pPr algn="ctr"/>
+            <a:endParaRPr lang="de-DE"/>
+          </a:p>
+        </p:txBody>
+      </p:sp>
+      <p:sp>
+        <p:nvSpPr>
+          <p:cNvPr id="4" name="Rechteck 3">
+            <a:extLst>
+              <a:ext uri="{FF2B5EF4-FFF2-40B4-BE49-F238E27FC236}">
+                <a16:creationId xmlns:a16="http://schemas.microsoft.com/office/drawing/2014/main" id="{058CA54E-6C19-4E6B-9E1D-ED5E9125B586}"/>
+              </a:ext>
+            </a:extLst>
+          </p:cNvPr>
+          <p:cNvSpPr/>
+          <p:nvPr/>
+        </p:nvSpPr>
+        <p:spPr>
+          <a:xfrm>
+            <a:off x="6393796" y="252811"/>
+            <a:ext cx="8083745" cy="6061406"/>
+          </a:xfrm>
+          <a:prstGeom prst="rect">
+            <a:avLst/>
+          </a:prstGeom>
+          <a:solidFill>
+            <a:schemeClr val="bg1"/>
+          </a:solidFill>
+          <a:ln>
+            <a:solidFill>
+              <a:schemeClr val="bg1"/>
+            </a:solidFill>
+          </a:ln>
+        </p:spPr>
+        <p:style>
+          <a:lnRef idx="2">
+            <a:schemeClr val="accent1">
+              <a:shade val="50000"/>
+            </a:schemeClr>
+          </a:lnRef>
+          <a:fillRef idx="1">
+            <a:schemeClr val="accent1"/>
+          </a:fillRef>
+          <a:effectRef idx="0">
+            <a:schemeClr val="accent1"/>
+          </a:effectRef>
+          <a:fontRef idx="minor">
+            <a:schemeClr val="lt1"/>
+          </a:fontRef>
+        </p:style>
+        <p:txBody>
+          <a:bodyPr rtlCol="0" anchor="ctr"/>
+          <a:lstStyle/>
+          <a:p>
+            <a:pPr algn="ctr"/>
+            <a:endParaRPr lang="de-DE"/>
+          </a:p>
+        </p:txBody>
+      </p:sp>
+      <p:sp>
+        <p:nvSpPr>
+          <p:cNvPr id="6" name="Rechteck 5">
+            <a:extLst>
+              <a:ext uri="{FF2B5EF4-FFF2-40B4-BE49-F238E27FC236}">
+                <a16:creationId xmlns:a16="http://schemas.microsoft.com/office/drawing/2014/main" id="{C239B221-4301-47EA-93AD-9B3D2DDEF4C8}"/>
+              </a:ext>
+            </a:extLst>
+          </p:cNvPr>
+          <p:cNvSpPr/>
+          <p:nvPr/>
+        </p:nvSpPr>
+        <p:spPr>
+          <a:xfrm>
+            <a:off x="2464843" y="5201249"/>
+            <a:ext cx="8083745" cy="6061406"/>
+          </a:xfrm>
+          <a:prstGeom prst="rect">
+            <a:avLst/>
+          </a:prstGeom>
+          <a:solidFill>
+            <a:schemeClr val="bg1"/>
+          </a:solidFill>
+          <a:ln>
+            <a:solidFill>
+              <a:schemeClr val="bg1"/>
+            </a:solidFill>
+          </a:ln>
+        </p:spPr>
+        <p:style>
+          <a:lnRef idx="2">
+            <a:schemeClr val="accent1">
+              <a:shade val="50000"/>
+            </a:schemeClr>
+          </a:lnRef>
+          <a:fillRef idx="1">
+            <a:schemeClr val="accent1"/>
+          </a:fillRef>
+          <a:effectRef idx="0">
+            <a:schemeClr val="accent1"/>
+          </a:effectRef>
+          <a:fontRef idx="minor">
+            <a:schemeClr val="lt1"/>
+          </a:fontRef>
+        </p:style>
+        <p:txBody>
+          <a:bodyPr rtlCol="0" anchor="ctr"/>
+          <a:lstStyle/>
+          <a:p>
+            <a:pPr algn="ctr"/>
+            <a:endParaRPr lang="de-DE"/>
+          </a:p>
+        </p:txBody>
+      </p:sp>
+    </p:spTree>
+    <p:extLst>
+      <p:ext uri="{BB962C8B-B14F-4D97-AF65-F5344CB8AC3E}">
+        <p14:creationId xmlns:p14="http://schemas.microsoft.com/office/powerpoint/2010/main" val="3203027434"/>
+      </p:ext>
+    </p:extLst>
+  </p:cSld>
+  <p:clrMapOvr>
+    <a:masterClrMapping/>
+  </p:clrMapOvr>
+</p:sld>
+</file>
+
+<file path=ppt/slides/slide7.xml><?xml version="1.0" encoding="utf-8"?>
+<p:sld xmlns:a="http://schemas.openxmlformats.org/drawingml/2006/main" xmlns:r="http://schemas.openxmlformats.org/officeDocument/2006/relationships" xmlns:p="http://schemas.openxmlformats.org/presentationml/2006/main">
+  <p:cSld>
+    <p:spTree>
+      <p:nvGrpSpPr>
+        <p:cNvPr id="1" name=""/>
+        <p:cNvGrpSpPr/>
+        <p:nvPr/>
+      </p:nvGrpSpPr>
+      <p:grpSpPr>
+        <a:xfrm>
+          <a:off x="0" y="0"/>
+          <a:ext cx="0" cy="0"/>
+          <a:chOff x="0" y="0"/>
+          <a:chExt cx="0" cy="0"/>
+        </a:xfrm>
+      </p:grpSpPr>
+      <p:pic>
+        <p:nvPicPr>
+          <p:cNvPr id="5" name="Grafik 4">
+            <a:extLst>
+              <a:ext uri="{FF2B5EF4-FFF2-40B4-BE49-F238E27FC236}">
+                <a16:creationId xmlns:a16="http://schemas.microsoft.com/office/drawing/2014/main" id="{7F28AEC6-0A96-47D6-B6EE-BCE9683206B3}"/>
+              </a:ext>
+            </a:extLst>
+          </p:cNvPr>
+          <p:cNvPicPr>
+            <a:picLocks noChangeAspect="1"/>
+          </p:cNvPicPr>
+          <p:nvPr/>
+        </p:nvPicPr>
+        <p:blipFill>
+          <a:blip r:embed="rId3">
+            <a:extLst>
+              <a:ext uri="{28A0092B-C50C-407E-A947-70E740481C1C}">
+                <a14:useLocalDpi xmlns:a14="http://schemas.microsoft.com/office/drawing/2010/main" val="0"/>
+              </a:ext>
+              <a:ext uri="{96DAC541-7B7A-43D3-8B79-37D633B846F1}">
+                <asvg:svgBlip xmlns:asvg="http://schemas.microsoft.com/office/drawing/2016/SVG/main" r:embed="rId4"/>
+              </a:ext>
+            </a:extLst>
+          </a:blip>
+          <a:stretch>
+            <a:fillRect/>
+          </a:stretch>
+        </p:blipFill>
+        <p:spPr>
+          <a:xfrm>
+            <a:off x="1464753" y="25244"/>
+            <a:ext cx="9262494" cy="6740194"/>
+          </a:xfrm>
+          <a:prstGeom prst="rect">
+            <a:avLst/>
+          </a:prstGeom>
+        </p:spPr>
+      </p:pic>
+      <p:sp>
+        <p:nvSpPr>
+          <p:cNvPr id="2" name="Rechteck 1">
+            <a:extLst>
+              <a:ext uri="{FF2B5EF4-FFF2-40B4-BE49-F238E27FC236}">
+                <a16:creationId xmlns:a16="http://schemas.microsoft.com/office/drawing/2014/main" id="{165296EE-663E-44C6-8495-D281D967ED03}"/>
+              </a:ext>
+            </a:extLst>
+          </p:cNvPr>
+          <p:cNvSpPr/>
+          <p:nvPr/>
+        </p:nvSpPr>
+        <p:spPr>
+          <a:xfrm>
+            <a:off x="3052930" y="2460145"/>
+            <a:ext cx="8083745" cy="6061406"/>
+          </a:xfrm>
+          <a:prstGeom prst="rect">
+            <a:avLst/>
+          </a:prstGeom>
+          <a:solidFill>
+            <a:schemeClr val="bg1"/>
+          </a:solidFill>
+          <a:ln>
+            <a:solidFill>
+              <a:schemeClr val="bg1"/>
+            </a:solidFill>
+          </a:ln>
+        </p:spPr>
+        <p:style>
+          <a:lnRef idx="2">
+            <a:schemeClr val="accent1">
+              <a:shade val="50000"/>
+            </a:schemeClr>
+          </a:lnRef>
+          <a:fillRef idx="1">
+            <a:schemeClr val="accent1"/>
+          </a:fillRef>
+          <a:effectRef idx="0">
+            <a:schemeClr val="accent1"/>
+          </a:effectRef>
+          <a:fontRef idx="minor">
+            <a:schemeClr val="lt1"/>
+          </a:fontRef>
+        </p:style>
+        <p:txBody>
+          <a:bodyPr rtlCol="0" anchor="ctr"/>
+          <a:lstStyle/>
+          <a:p>
+            <a:pPr algn="ctr"/>
+            <a:endParaRPr lang="de-DE"/>
+          </a:p>
+        </p:txBody>
+      </p:sp>
+      <p:sp>
+        <p:nvSpPr>
+          <p:cNvPr id="4" name="Rechteck 3">
+            <a:extLst>
+              <a:ext uri="{FF2B5EF4-FFF2-40B4-BE49-F238E27FC236}">
+                <a16:creationId xmlns:a16="http://schemas.microsoft.com/office/drawing/2014/main" id="{058CA54E-6C19-4E6B-9E1D-ED5E9125B586}"/>
+              </a:ext>
+            </a:extLst>
+          </p:cNvPr>
+          <p:cNvSpPr/>
+          <p:nvPr/>
+        </p:nvSpPr>
+        <p:spPr>
+          <a:xfrm>
+            <a:off x="7365346" y="224236"/>
+            <a:ext cx="8083745" cy="6061406"/>
+          </a:xfrm>
+          <a:prstGeom prst="rect">
+            <a:avLst/>
+          </a:prstGeom>
+          <a:solidFill>
+            <a:schemeClr val="bg1"/>
+          </a:solidFill>
+          <a:ln>
+            <a:solidFill>
+              <a:schemeClr val="bg1"/>
+            </a:solidFill>
+          </a:ln>
+        </p:spPr>
+        <p:style>
+          <a:lnRef idx="2">
+            <a:schemeClr val="accent1">
+              <a:shade val="50000"/>
+            </a:schemeClr>
+          </a:lnRef>
+          <a:fillRef idx="1">
+            <a:schemeClr val="accent1"/>
+          </a:fillRef>
+          <a:effectRef idx="0">
+            <a:schemeClr val="accent1"/>
+          </a:effectRef>
+          <a:fontRef idx="minor">
+            <a:schemeClr val="lt1"/>
+          </a:fontRef>
+        </p:style>
+        <p:txBody>
+          <a:bodyPr rtlCol="0" anchor="ctr"/>
+          <a:lstStyle/>
+          <a:p>
+            <a:pPr algn="ctr"/>
+            <a:endParaRPr lang="de-DE"/>
+          </a:p>
+        </p:txBody>
+      </p:sp>
+      <p:sp>
+        <p:nvSpPr>
+          <p:cNvPr id="6" name="Rechteck 5">
+            <a:extLst>
+              <a:ext uri="{FF2B5EF4-FFF2-40B4-BE49-F238E27FC236}">
+                <a16:creationId xmlns:a16="http://schemas.microsoft.com/office/drawing/2014/main" id="{C239B221-4301-47EA-93AD-9B3D2DDEF4C8}"/>
+              </a:ext>
+            </a:extLst>
+          </p:cNvPr>
+          <p:cNvSpPr/>
+          <p:nvPr/>
+        </p:nvSpPr>
+        <p:spPr>
+          <a:xfrm>
+            <a:off x="2464843" y="5201249"/>
+            <a:ext cx="8083745" cy="6061406"/>
+          </a:xfrm>
+          <a:prstGeom prst="rect">
+            <a:avLst/>
+          </a:prstGeom>
+          <a:solidFill>
+            <a:schemeClr val="bg1"/>
+          </a:solidFill>
+          <a:ln>
+            <a:solidFill>
+              <a:schemeClr val="bg1"/>
+            </a:solidFill>
+          </a:ln>
+        </p:spPr>
+        <p:style>
+          <a:lnRef idx="2">
+            <a:schemeClr val="accent1">
+              <a:shade val="50000"/>
+            </a:schemeClr>
+          </a:lnRef>
+          <a:fillRef idx="1">
+            <a:schemeClr val="accent1"/>
+          </a:fillRef>
+          <a:effectRef idx="0">
+            <a:schemeClr val="accent1"/>
+          </a:effectRef>
+          <a:fontRef idx="minor">
+            <a:schemeClr val="lt1"/>
+          </a:fontRef>
+        </p:style>
+        <p:txBody>
+          <a:bodyPr rtlCol="0" anchor="ctr"/>
+          <a:lstStyle/>
+          <a:p>
+            <a:pPr algn="ctr"/>
+            <a:endParaRPr lang="de-DE"/>
+          </a:p>
+        </p:txBody>
+      </p:sp>
+    </p:spTree>
+    <p:extLst>
+      <p:ext uri="{BB962C8B-B14F-4D97-AF65-F5344CB8AC3E}">
+        <p14:creationId xmlns:p14="http://schemas.microsoft.com/office/powerpoint/2010/main" val="98146572"/>
+      </p:ext>
+    </p:extLst>
+  </p:cSld>
+  <p:clrMapOvr>
+    <a:masterClrMapping/>
+  </p:clrMapOvr>
+</p:sld>
+</file>
+
+<file path=ppt/slides/slide8.xml><?xml version="1.0" encoding="utf-8"?>
+<p:sld xmlns:a="http://schemas.openxmlformats.org/drawingml/2006/main" xmlns:r="http://schemas.openxmlformats.org/officeDocument/2006/relationships" xmlns:p="http://schemas.openxmlformats.org/presentationml/2006/main">
+  <p:cSld>
+    <p:spTree>
+      <p:nvGrpSpPr>
+        <p:cNvPr id="1" name=""/>
+        <p:cNvGrpSpPr/>
+        <p:nvPr/>
+      </p:nvGrpSpPr>
+      <p:grpSpPr>
+        <a:xfrm>
+          <a:off x="0" y="0"/>
+          <a:ext cx="0" cy="0"/>
+          <a:chOff x="0" y="0"/>
+          <a:chExt cx="0" cy="0"/>
+        </a:xfrm>
+      </p:grpSpPr>
+      <p:pic>
+        <p:nvPicPr>
+          <p:cNvPr id="5" name="Grafik 4">
+            <a:extLst>
+              <a:ext uri="{FF2B5EF4-FFF2-40B4-BE49-F238E27FC236}">
+                <a16:creationId xmlns:a16="http://schemas.microsoft.com/office/drawing/2014/main" id="{7F28AEC6-0A96-47D6-B6EE-BCE9683206B3}"/>
+              </a:ext>
+            </a:extLst>
+          </p:cNvPr>
+          <p:cNvPicPr>
+            <a:picLocks noChangeAspect="1"/>
+          </p:cNvPicPr>
+          <p:nvPr/>
+        </p:nvPicPr>
+        <p:blipFill>
+          <a:blip r:embed="rId3">
+            <a:extLst>
+              <a:ext uri="{28A0092B-C50C-407E-A947-70E740481C1C}">
+                <a14:useLocalDpi xmlns:a14="http://schemas.microsoft.com/office/drawing/2010/main" val="0"/>
+              </a:ext>
+              <a:ext uri="{96DAC541-7B7A-43D3-8B79-37D633B846F1}">
+                <asvg:svgBlip xmlns:asvg="http://schemas.microsoft.com/office/drawing/2016/SVG/main" r:embed="rId4"/>
+              </a:ext>
+            </a:extLst>
+          </a:blip>
+          <a:stretch>
+            <a:fillRect/>
+          </a:stretch>
+        </p:blipFill>
+        <p:spPr>
+          <a:xfrm>
+            <a:off x="1464753" y="25244"/>
+            <a:ext cx="9262494" cy="6740194"/>
+          </a:xfrm>
+          <a:prstGeom prst="rect">
+            <a:avLst/>
+          </a:prstGeom>
+        </p:spPr>
+      </p:pic>
+      <p:sp>
+        <p:nvSpPr>
+          <p:cNvPr id="2" name="Rechteck 1">
+            <a:extLst>
+              <a:ext uri="{FF2B5EF4-FFF2-40B4-BE49-F238E27FC236}">
+                <a16:creationId xmlns:a16="http://schemas.microsoft.com/office/drawing/2014/main" id="{165296EE-663E-44C6-8495-D281D967ED03}"/>
+              </a:ext>
+            </a:extLst>
+          </p:cNvPr>
+          <p:cNvSpPr/>
+          <p:nvPr/>
+        </p:nvSpPr>
+        <p:spPr>
+          <a:xfrm>
+            <a:off x="3138655" y="2738751"/>
+            <a:ext cx="8083745" cy="6061406"/>
+          </a:xfrm>
+          <a:prstGeom prst="rect">
+            <a:avLst/>
+          </a:prstGeom>
+          <a:solidFill>
+            <a:schemeClr val="bg1"/>
+          </a:solidFill>
+          <a:ln>
+            <a:solidFill>
+              <a:schemeClr val="bg1"/>
+            </a:solidFill>
+          </a:ln>
+        </p:spPr>
+        <p:style>
+          <a:lnRef idx="2">
+            <a:schemeClr val="accent1">
+              <a:shade val="50000"/>
+            </a:schemeClr>
+          </a:lnRef>
+          <a:fillRef idx="1">
+            <a:schemeClr val="accent1"/>
+          </a:fillRef>
+          <a:effectRef idx="0">
+            <a:schemeClr val="accent1"/>
+          </a:effectRef>
+          <a:fontRef idx="minor">
+            <a:schemeClr val="lt1"/>
+          </a:fontRef>
+        </p:style>
+        <p:txBody>
+          <a:bodyPr rtlCol="0" anchor="ctr"/>
+          <a:lstStyle/>
+          <a:p>
+            <a:pPr algn="ctr"/>
+            <a:endParaRPr lang="de-DE"/>
+          </a:p>
+        </p:txBody>
+      </p:sp>
+      <p:sp>
+        <p:nvSpPr>
+          <p:cNvPr id="4" name="Rechteck 3">
+            <a:extLst>
+              <a:ext uri="{FF2B5EF4-FFF2-40B4-BE49-F238E27FC236}">
+                <a16:creationId xmlns:a16="http://schemas.microsoft.com/office/drawing/2014/main" id="{058CA54E-6C19-4E6B-9E1D-ED5E9125B586}"/>
+              </a:ext>
+            </a:extLst>
+          </p:cNvPr>
+          <p:cNvSpPr/>
+          <p:nvPr/>
+        </p:nvSpPr>
+        <p:spPr>
+          <a:xfrm>
+            <a:off x="8751233" y="398297"/>
+            <a:ext cx="8083745" cy="6061406"/>
+          </a:xfrm>
+          <a:prstGeom prst="rect">
+            <a:avLst/>
+          </a:prstGeom>
+          <a:solidFill>
+            <a:schemeClr val="bg1"/>
+          </a:solidFill>
+          <a:ln>
+            <a:solidFill>
+              <a:schemeClr val="bg1"/>
+            </a:solidFill>
+          </a:ln>
+        </p:spPr>
+        <p:style>
+          <a:lnRef idx="2">
+            <a:schemeClr val="accent1">
+              <a:shade val="50000"/>
+            </a:schemeClr>
+          </a:lnRef>
+          <a:fillRef idx="1">
+            <a:schemeClr val="accent1"/>
+          </a:fillRef>
+          <a:effectRef idx="0">
+            <a:schemeClr val="accent1"/>
+          </a:effectRef>
+          <a:fontRef idx="minor">
+            <a:schemeClr val="lt1"/>
+          </a:fontRef>
+        </p:style>
+        <p:txBody>
+          <a:bodyPr rtlCol="0" anchor="ctr"/>
+          <a:lstStyle/>
+          <a:p>
+            <a:pPr algn="ctr"/>
+            <a:endParaRPr lang="de-DE"/>
+          </a:p>
+        </p:txBody>
+      </p:sp>
+      <p:sp>
+        <p:nvSpPr>
+          <p:cNvPr id="6" name="Rechteck 5">
+            <a:extLst>
+              <a:ext uri="{FF2B5EF4-FFF2-40B4-BE49-F238E27FC236}">
+                <a16:creationId xmlns:a16="http://schemas.microsoft.com/office/drawing/2014/main" id="{C239B221-4301-47EA-93AD-9B3D2DDEF4C8}"/>
+              </a:ext>
+            </a:extLst>
+          </p:cNvPr>
+          <p:cNvSpPr/>
+          <p:nvPr/>
+        </p:nvSpPr>
+        <p:spPr>
+          <a:xfrm>
+            <a:off x="2464843" y="5201249"/>
+            <a:ext cx="8083745" cy="6061406"/>
+          </a:xfrm>
+          <a:prstGeom prst="rect">
+            <a:avLst/>
+          </a:prstGeom>
+          <a:solidFill>
+            <a:schemeClr val="bg1"/>
+          </a:solidFill>
+          <a:ln>
+            <a:solidFill>
+              <a:schemeClr val="bg1"/>
+            </a:solidFill>
+          </a:ln>
+        </p:spPr>
+        <p:style>
+          <a:lnRef idx="2">
+            <a:schemeClr val="accent1">
+              <a:shade val="50000"/>
+            </a:schemeClr>
+          </a:lnRef>
+          <a:fillRef idx="1">
+            <a:schemeClr val="accent1"/>
+          </a:fillRef>
+          <a:effectRef idx="0">
+            <a:schemeClr val="accent1"/>
+          </a:effectRef>
+          <a:fontRef idx="minor">
+            <a:schemeClr val="lt1"/>
+          </a:fontRef>
+        </p:style>
+        <p:txBody>
+          <a:bodyPr rtlCol="0" anchor="ctr"/>
+          <a:lstStyle/>
+          <a:p>
+            <a:pPr algn="ctr"/>
+            <a:endParaRPr lang="de-DE"/>
+          </a:p>
+        </p:txBody>
+      </p:sp>
+    </p:spTree>
+    <p:extLst>
+      <p:ext uri="{BB962C8B-B14F-4D97-AF65-F5344CB8AC3E}">
+        <p14:creationId xmlns:p14="http://schemas.microsoft.com/office/powerpoint/2010/main" val="920688024"/>
+      </p:ext>
+    </p:extLst>
+  </p:cSld>
+  <p:clrMapOvr>
+    <a:masterClrMapping/>
+  </p:clrMapOvr>
+</p:sld>
+</file>
+
+<file path=ppt/slides/slide9.xml><?xml version="1.0" encoding="utf-8"?>
+<p:sld xmlns:a="http://schemas.openxmlformats.org/drawingml/2006/main" xmlns:r="http://schemas.openxmlformats.org/officeDocument/2006/relationships" xmlns:p="http://schemas.openxmlformats.org/presentationml/2006/main">
+  <p:cSld>
+    <p:spTree>
+      <p:nvGrpSpPr>
+        <p:cNvPr id="1" name=""/>
+        <p:cNvGrpSpPr/>
+        <p:nvPr/>
+      </p:nvGrpSpPr>
+      <p:grpSpPr>
+        <a:xfrm>
+          <a:off x="0" y="0"/>
+          <a:ext cx="0" cy="0"/>
+          <a:chOff x="0" y="0"/>
+          <a:chExt cx="0" cy="0"/>
+        </a:xfrm>
+      </p:grpSpPr>
+      <p:pic>
+        <p:nvPicPr>
+          <p:cNvPr id="5" name="Grafik 4">
+            <a:extLst>
+              <a:ext uri="{FF2B5EF4-FFF2-40B4-BE49-F238E27FC236}">
+                <a16:creationId xmlns:a16="http://schemas.microsoft.com/office/drawing/2014/main" id="{7F28AEC6-0A96-47D6-B6EE-BCE9683206B3}"/>
+              </a:ext>
+            </a:extLst>
+          </p:cNvPr>
+          <p:cNvPicPr>
+            <a:picLocks noChangeAspect="1"/>
+          </p:cNvPicPr>
+          <p:nvPr/>
+        </p:nvPicPr>
+        <p:blipFill>
+          <a:blip r:embed="rId3">
+            <a:extLst>
+              <a:ext uri="{28A0092B-C50C-407E-A947-70E740481C1C}">
+                <a14:useLocalDpi xmlns:a14="http://schemas.microsoft.com/office/drawing/2010/main" val="0"/>
+              </a:ext>
+              <a:ext uri="{96DAC541-7B7A-43D3-8B79-37D633B846F1}">
+                <asvg:svgBlip xmlns:asvg="http://schemas.microsoft.com/office/drawing/2016/SVG/main" r:embed="rId4"/>
+              </a:ext>
+            </a:extLst>
+          </a:blip>
+          <a:stretch>
+            <a:fillRect/>
+          </a:stretch>
+        </p:blipFill>
+        <p:spPr>
+          <a:xfrm>
+            <a:off x="1464753" y="25244"/>
+            <a:ext cx="9262494" cy="6740194"/>
+          </a:xfrm>
+          <a:prstGeom prst="rect">
+            <a:avLst/>
+          </a:prstGeom>
+        </p:spPr>
+      </p:pic>
+      <p:sp>
+        <p:nvSpPr>
+          <p:cNvPr id="2" name="Rechteck 1">
+            <a:extLst>
+              <a:ext uri="{FF2B5EF4-FFF2-40B4-BE49-F238E27FC236}">
+                <a16:creationId xmlns:a16="http://schemas.microsoft.com/office/drawing/2014/main" id="{165296EE-663E-44C6-8495-D281D967ED03}"/>
+              </a:ext>
+            </a:extLst>
+          </p:cNvPr>
+          <p:cNvSpPr/>
+          <p:nvPr/>
+        </p:nvSpPr>
+        <p:spPr>
+          <a:xfrm>
+            <a:off x="3102936" y="3103082"/>
+            <a:ext cx="8083745" cy="6061406"/>
+          </a:xfrm>
+          <a:prstGeom prst="rect">
+            <a:avLst/>
+          </a:prstGeom>
+          <a:solidFill>
+            <a:schemeClr val="bg1"/>
+          </a:solidFill>
+          <a:ln>
+            <a:solidFill>
+              <a:schemeClr val="bg1"/>
+            </a:solidFill>
+          </a:ln>
+        </p:spPr>
+        <p:style>
+          <a:lnRef idx="2">
+            <a:schemeClr val="accent1">
+              <a:shade val="50000"/>
+            </a:schemeClr>
+          </a:lnRef>
+          <a:fillRef idx="1">
+            <a:schemeClr val="accent1"/>
+          </a:fillRef>
+          <a:effectRef idx="0">
+            <a:schemeClr val="accent1"/>
+          </a:effectRef>
+          <a:fontRef idx="minor">
+            <a:schemeClr val="lt1"/>
+          </a:fontRef>
+        </p:style>
+        <p:txBody>
+          <a:bodyPr rtlCol="0" anchor="ctr"/>
+          <a:lstStyle/>
+          <a:p>
+            <a:pPr algn="ctr"/>
+            <a:endParaRPr lang="de-DE"/>
+          </a:p>
+        </p:txBody>
+      </p:sp>
+      <p:sp>
+        <p:nvSpPr>
+          <p:cNvPr id="6" name="Rechteck 5">
+            <a:extLst>
+              <a:ext uri="{FF2B5EF4-FFF2-40B4-BE49-F238E27FC236}">
+                <a16:creationId xmlns:a16="http://schemas.microsoft.com/office/drawing/2014/main" id="{C239B221-4301-47EA-93AD-9B3D2DDEF4C8}"/>
+              </a:ext>
+            </a:extLst>
+          </p:cNvPr>
+          <p:cNvSpPr/>
+          <p:nvPr/>
+        </p:nvSpPr>
+        <p:spPr>
+          <a:xfrm>
+            <a:off x="2464843" y="5201249"/>
+            <a:ext cx="8083745" cy="6061406"/>
+          </a:xfrm>
+          <a:prstGeom prst="rect">
+            <a:avLst/>
+          </a:prstGeom>
+          <a:solidFill>
+            <a:schemeClr val="bg1"/>
+          </a:solidFill>
+          <a:ln>
+            <a:solidFill>
+              <a:schemeClr val="bg1"/>
+            </a:solidFill>
+          </a:ln>
+        </p:spPr>
+        <p:style>
+          <a:lnRef idx="2">
+            <a:schemeClr val="accent1">
+              <a:shade val="50000"/>
+            </a:schemeClr>
+          </a:lnRef>
+          <a:fillRef idx="1">
+            <a:schemeClr val="accent1"/>
+          </a:fillRef>
+          <a:effectRef idx="0">
+            <a:schemeClr val="accent1"/>
+          </a:effectRef>
+          <a:fontRef idx="minor">
+            <a:schemeClr val="lt1"/>
+          </a:fontRef>
+        </p:style>
+        <p:txBody>
+          <a:bodyPr rtlCol="0" anchor="ctr"/>
+          <a:lstStyle/>
+          <a:p>
+            <a:pPr algn="ctr"/>
+            <a:endParaRPr lang="de-DE"/>
+          </a:p>
+        </p:txBody>
+      </p:sp>
+    </p:spTree>
+    <p:extLst>
+      <p:ext uri="{BB962C8B-B14F-4D97-AF65-F5344CB8AC3E}">
+        <p14:creationId xmlns:p14="http://schemas.microsoft.com/office/powerpoint/2010/main" val="3808667811"/>
+      </p:ext>
+    </p:extLst>
+  </p:cSld>
+  <p:clrMapOvr>
+    <a:masterClrMapping/>
+  </p:clrMapOvr>
 </p:sld>
 </file>
 

--- a/Praktikumsbericht/Abschlusspraesentation.pptx
+++ b/Praktikumsbericht/Abschlusspraesentation.pptx
@@ -5,7 +5,7 @@
     <p:sldMasterId id="2147483648" r:id="rId1"/>
   </p:sldMasterIdLst>
   <p:notesMasterIdLst>
-    <p:notesMasterId r:id="rId17"/>
+    <p:notesMasterId r:id="rId18"/>
   </p:notesMasterIdLst>
   <p:sldIdLst>
     <p:sldId id="257" r:id="rId2"/>
@@ -22,7 +22,8 @@
     <p:sldId id="272" r:id="rId13"/>
     <p:sldId id="273" r:id="rId14"/>
     <p:sldId id="260" r:id="rId15"/>
-    <p:sldId id="263" r:id="rId16"/>
+    <p:sldId id="274" r:id="rId16"/>
+    <p:sldId id="263" r:id="rId17"/>
   </p:sldIdLst>
   <p:sldSz cx="12192000" cy="6858000"/>
   <p:notesSz cx="6858000" cy="9144000"/>
@@ -1352,7 +1353,7 @@
           <a:p>
             <a:fld id="{742BFD6F-DD94-4948-BBA6-AD5AE625A179}" type="slidenum">
               <a:rPr lang="de-DE" smtClean="0"/>
-              <a:t>15</a:t>
+              <a:t>16</a:t>
             </a:fld>
             <a:endParaRPr lang="de-DE"/>
           </a:p>
@@ -6862,46 +6863,20 @@
             <a:spLocks noGrp="1"/>
           </p:cNvSpPr>
           <p:nvPr>
-            <p:ph type="title"/>
+            <p:ph type="ctrTitle"/>
           </p:nvPr>
         </p:nvSpPr>
         <p:spPr/>
         <p:txBody>
-          <a:bodyPr/>
-          <a:lstStyle/>
-          <a:p>
-            <a:r>
-              <a:rPr lang="de-DE" dirty="0"/>
+          <a:bodyPr>
+            <a:normAutofit/>
+          </a:bodyPr>
+          <a:lstStyle/>
+          <a:p>
+            <a:r>
+              <a:rPr lang="de-DE" sz="4400" dirty="0"/>
               <a:t>Demonstrationsvideo</a:t>
             </a:r>
-          </a:p>
-        </p:txBody>
-      </p:sp>
-      <p:sp>
-        <p:nvSpPr>
-          <p:cNvPr id="3" name="Inhaltsplatzhalter 2">
-            <a:extLst>
-              <a:ext uri="{FF2B5EF4-FFF2-40B4-BE49-F238E27FC236}">
-                <a16:creationId xmlns:a16="http://schemas.microsoft.com/office/drawing/2014/main" id="{E63335F3-BD23-435A-8EA0-C93C54AF31BE}"/>
-              </a:ext>
-            </a:extLst>
-          </p:cNvPr>
-          <p:cNvSpPr>
-            <a:spLocks noGrp="1"/>
-          </p:cNvSpPr>
-          <p:nvPr>
-            <p:ph idx="1"/>
-          </p:nvPr>
-        </p:nvSpPr>
-        <p:spPr/>
-        <p:txBody>
-          <a:bodyPr/>
-          <a:lstStyle/>
-          <a:p>
-            <a:pPr marL="0" indent="0">
-              <a:buNone/>
-            </a:pPr>
-            <a:endParaRPr lang="de-DE" dirty="0"/>
           </a:p>
         </p:txBody>
       </p:sp>
@@ -6919,6 +6894,207 @@
 </file>
 
 <file path=ppt/slides/slide15.xml><?xml version="1.0" encoding="utf-8"?>
+<p:sld xmlns:a="http://schemas.openxmlformats.org/drawingml/2006/main" xmlns:r="http://schemas.openxmlformats.org/officeDocument/2006/relationships" xmlns:p="http://schemas.openxmlformats.org/presentationml/2006/main">
+  <p:cSld>
+    <p:spTree>
+      <p:nvGrpSpPr>
+        <p:cNvPr id="1" name=""/>
+        <p:cNvGrpSpPr/>
+        <p:nvPr/>
+      </p:nvGrpSpPr>
+      <p:grpSpPr>
+        <a:xfrm>
+          <a:off x="0" y="0"/>
+          <a:ext cx="0" cy="0"/>
+          <a:chOff x="0" y="0"/>
+          <a:chExt cx="0" cy="0"/>
+        </a:xfrm>
+      </p:grpSpPr>
+      <p:pic>
+        <p:nvPicPr>
+          <p:cNvPr id="4" name="Projekt Showcase">
+            <a:hlinkClick r:id="" action="ppaction://media"/>
+            <a:extLst>
+              <a:ext uri="{FF2B5EF4-FFF2-40B4-BE49-F238E27FC236}">
+                <a16:creationId xmlns:a16="http://schemas.microsoft.com/office/drawing/2014/main" id="{8132DD8D-7F19-4DBF-A6AF-DCE0055B99D5}"/>
+              </a:ext>
+            </a:extLst>
+          </p:cNvPr>
+          <p:cNvPicPr>
+            <a:picLocks noGrp="1" noChangeAspect="1"/>
+          </p:cNvPicPr>
+          <p:nvPr>
+            <p:ph idx="1"/>
+            <a:videoFile r:link="rId2"/>
+            <p:extLst>
+              <p:ext uri="{DAA4B4D4-6D71-4841-9C94-3DE7FCFB9230}">
+                <p14:media xmlns:p14="http://schemas.microsoft.com/office/powerpoint/2010/main" r:embed="rId1"/>
+              </p:ext>
+            </p:extLst>
+          </p:nvPr>
+        </p:nvPicPr>
+        <p:blipFill>
+          <a:blip r:embed="rId4"/>
+          <a:stretch>
+            <a:fillRect/>
+          </a:stretch>
+        </p:blipFill>
+        <p:spPr>
+          <a:xfrm>
+            <a:off x="0" y="78"/>
+            <a:ext cx="12192139" cy="6857922"/>
+          </a:xfrm>
+        </p:spPr>
+      </p:pic>
+    </p:spTree>
+    <p:extLst>
+      <p:ext uri="{BB962C8B-B14F-4D97-AF65-F5344CB8AC3E}">
+        <p14:creationId xmlns:p14="http://schemas.microsoft.com/office/powerpoint/2010/main" val="197756572"/>
+      </p:ext>
+    </p:extLst>
+  </p:cSld>
+  <p:clrMapOvr>
+    <a:masterClrMapping/>
+  </p:clrMapOvr>
+  <p:timing>
+    <p:tnLst>
+      <p:par>
+        <p:cTn id="1" dur="indefinite" restart="never" nodeType="tmRoot">
+          <p:childTnLst>
+            <p:seq concurrent="1" nextAc="seek">
+              <p:cTn id="2" dur="indefinite" nodeType="mainSeq">
+                <p:childTnLst>
+                  <p:par>
+                    <p:cTn id="3" fill="hold">
+                      <p:stCondLst>
+                        <p:cond delay="indefinite"/>
+                      </p:stCondLst>
+                      <p:childTnLst>
+                        <p:par>
+                          <p:cTn id="4" fill="hold">
+                            <p:stCondLst>
+                              <p:cond delay="0"/>
+                            </p:stCondLst>
+                            <p:childTnLst>
+                              <p:par>
+                                <p:cTn id="5" presetID="1" presetClass="mediacall" presetSubtype="0" fill="hold" nodeType="clickEffect">
+                                  <p:stCondLst>
+                                    <p:cond delay="0"/>
+                                  </p:stCondLst>
+                                  <p:childTnLst>
+                                    <p:cmd type="call" cmd="playFrom(0.0)">
+                                      <p:cBhvr>
+                                        <p:cTn id="6" dur="48251" fill="hold"/>
+                                        <p:tgtEl>
+                                          <p:spTgt spid="4"/>
+                                        </p:tgtEl>
+                                      </p:cBhvr>
+                                    </p:cmd>
+                                  </p:childTnLst>
+                                </p:cTn>
+                              </p:par>
+                            </p:childTnLst>
+                          </p:cTn>
+                        </p:par>
+                      </p:childTnLst>
+                    </p:cTn>
+                  </p:par>
+                </p:childTnLst>
+              </p:cTn>
+              <p:prevCondLst>
+                <p:cond evt="onPrev" delay="0">
+                  <p:tgtEl>
+                    <p:sldTgt/>
+                  </p:tgtEl>
+                </p:cond>
+              </p:prevCondLst>
+              <p:nextCondLst>
+                <p:cond evt="onNext" delay="0">
+                  <p:tgtEl>
+                    <p:sldTgt/>
+                  </p:tgtEl>
+                </p:cond>
+              </p:nextCondLst>
+            </p:seq>
+            <p:video>
+              <p:cMediaNode vol="80000">
+                <p:cTn id="7" fill="hold" display="0">
+                  <p:stCondLst>
+                    <p:cond delay="indefinite"/>
+                  </p:stCondLst>
+                </p:cTn>
+                <p:tgtEl>
+                  <p:spTgt spid="4"/>
+                </p:tgtEl>
+              </p:cMediaNode>
+            </p:video>
+            <p:seq concurrent="1" nextAc="seek">
+              <p:cTn id="8" restart="whenNotActive" fill="hold" evtFilter="cancelBubble" nodeType="interactiveSeq">
+                <p:stCondLst>
+                  <p:cond evt="onClick" delay="0">
+                    <p:tgtEl>
+                      <p:spTgt spid="4"/>
+                    </p:tgtEl>
+                  </p:cond>
+                </p:stCondLst>
+                <p:endSync evt="end" delay="0">
+                  <p:rtn val="all"/>
+                </p:endSync>
+                <p:childTnLst>
+                  <p:par>
+                    <p:cTn id="9" fill="hold">
+                      <p:stCondLst>
+                        <p:cond delay="0"/>
+                      </p:stCondLst>
+                      <p:childTnLst>
+                        <p:par>
+                          <p:cTn id="10" fill="hold">
+                            <p:stCondLst>
+                              <p:cond delay="0"/>
+                            </p:stCondLst>
+                            <p:childTnLst>
+                              <p:par>
+                                <p:cTn id="11" presetID="2" presetClass="mediacall" presetSubtype="0" fill="hold" nodeType="clickEffect">
+                                  <p:stCondLst>
+                                    <p:cond delay="0"/>
+                                  </p:stCondLst>
+                                  <p:childTnLst>
+                                    <p:cmd type="call" cmd="togglePause">
+                                      <p:cBhvr>
+                                        <p:cTn id="12" dur="1" fill="hold"/>
+                                        <p:tgtEl>
+                                          <p:spTgt spid="4"/>
+                                        </p:tgtEl>
+                                      </p:cBhvr>
+                                    </p:cmd>
+                                  </p:childTnLst>
+                                </p:cTn>
+                              </p:par>
+                            </p:childTnLst>
+                          </p:cTn>
+                        </p:par>
+                      </p:childTnLst>
+                    </p:cTn>
+                  </p:par>
+                </p:childTnLst>
+              </p:cTn>
+              <p:nextCondLst>
+                <p:cond evt="onClick" delay="0">
+                  <p:tgtEl>
+                    <p:spTgt spid="4"/>
+                  </p:tgtEl>
+                </p:cond>
+              </p:nextCondLst>
+            </p:seq>
+          </p:childTnLst>
+        </p:cTn>
+      </p:par>
+    </p:tnLst>
+  </p:timing>
+</p:sld>
+</file>
+
+<file path=ppt/slides/slide16.xml><?xml version="1.0" encoding="utf-8"?>
 <p:sld xmlns:a="http://schemas.openxmlformats.org/drawingml/2006/main" xmlns:r="http://schemas.openxmlformats.org/officeDocument/2006/relationships" xmlns:p="http://schemas.openxmlformats.org/presentationml/2006/main">
   <p:cSld>
     <p:spTree>

--- a/Praktikumsbericht/Abschlusspraesentation.pptx
+++ b/Praktikumsbericht/Abschlusspraesentation.pptx
@@ -5,25 +5,14 @@
     <p:sldMasterId id="2147483648" r:id="rId1"/>
   </p:sldMasterIdLst>
   <p:notesMasterIdLst>
-    <p:notesMasterId r:id="rId18"/>
+    <p:notesMasterId r:id="rId7"/>
   </p:notesMasterIdLst>
   <p:sldIdLst>
     <p:sldId id="257" r:id="rId2"/>
     <p:sldId id="258" r:id="rId3"/>
-    <p:sldId id="259" r:id="rId4"/>
-    <p:sldId id="264" r:id="rId5"/>
-    <p:sldId id="265" r:id="rId6"/>
-    <p:sldId id="266" r:id="rId7"/>
-    <p:sldId id="267" r:id="rId8"/>
-    <p:sldId id="268" r:id="rId9"/>
-    <p:sldId id="269" r:id="rId10"/>
-    <p:sldId id="270" r:id="rId11"/>
-    <p:sldId id="271" r:id="rId12"/>
-    <p:sldId id="272" r:id="rId13"/>
-    <p:sldId id="273" r:id="rId14"/>
-    <p:sldId id="260" r:id="rId15"/>
-    <p:sldId id="274" r:id="rId16"/>
-    <p:sldId id="263" r:id="rId17"/>
+    <p:sldId id="273" r:id="rId4"/>
+    <p:sldId id="274" r:id="rId5"/>
+    <p:sldId id="263" r:id="rId6"/>
   </p:sldIdLst>
   <p:sldSz cx="12192000" cy="6858000"/>
   <p:notesSz cx="6858000" cy="9144000"/>
@@ -212,7 +201,7 @@
           <a:p>
             <a:fld id="{BF4D25C0-465E-4F0F-AA10-6CF3618A97BF}" type="datetimeFigureOut">
               <a:rPr lang="de-DE" smtClean="0"/>
-              <a:t>19.06.2019</a:t>
+              <a:t>20.06.2019</a:t>
             </a:fld>
             <a:endParaRPr lang="de-DE"/>
           </a:p>
@@ -619,759 +608,6 @@
 </p:notes>
 </file>
 
-<file path=ppt/notesSlides/notesSlide10.xml><?xml version="1.0" encoding="utf-8"?>
-<p:notes xmlns:a="http://schemas.openxmlformats.org/drawingml/2006/main" xmlns:r="http://schemas.openxmlformats.org/officeDocument/2006/relationships" xmlns:p="http://schemas.openxmlformats.org/presentationml/2006/main">
-  <p:cSld>
-    <p:spTree>
-      <p:nvGrpSpPr>
-        <p:cNvPr id="1" name=""/>
-        <p:cNvGrpSpPr/>
-        <p:nvPr/>
-      </p:nvGrpSpPr>
-      <p:grpSpPr>
-        <a:xfrm>
-          <a:off x="0" y="0"/>
-          <a:ext cx="0" cy="0"/>
-          <a:chOff x="0" y="0"/>
-          <a:chExt cx="0" cy="0"/>
-        </a:xfrm>
-      </p:grpSpPr>
-      <p:sp>
-        <p:nvSpPr>
-          <p:cNvPr id="2" name="Folienbildplatzhalter 1"/>
-          <p:cNvSpPr>
-            <a:spLocks noGrp="1" noRot="1" noChangeAspect="1"/>
-          </p:cNvSpPr>
-          <p:nvPr>
-            <p:ph type="sldImg"/>
-          </p:nvPr>
-        </p:nvSpPr>
-        <p:spPr/>
-      </p:sp>
-      <p:sp>
-        <p:nvSpPr>
-          <p:cNvPr id="3" name="Notizenplatzhalter 2"/>
-          <p:cNvSpPr>
-            <a:spLocks noGrp="1"/>
-          </p:cNvSpPr>
-          <p:nvPr>
-            <p:ph type="body" idx="1"/>
-          </p:nvPr>
-        </p:nvSpPr>
-        <p:spPr/>
-        <p:txBody>
-          <a:bodyPr/>
-          <a:lstStyle/>
-          <a:p>
-            <a:r>
-              <a:rPr lang="de-DE" dirty="0" err="1"/>
-              <a:t>manager</a:t>
-            </a:r>
-            <a:r>
-              <a:rPr lang="de-DE" dirty="0"/>
-              <a:t> : Workers -&gt; </a:t>
-            </a:r>
-            <a:r>
-              <a:rPr lang="de-DE" dirty="0" err="1"/>
-              <a:t>läd</a:t>
-            </a:r>
-            <a:r>
-              <a:rPr lang="de-DE" dirty="0"/>
-              <a:t> und speichert aus der Konfigurationsdatei</a:t>
-            </a:r>
-          </a:p>
-          <a:p>
-            <a:r>
-              <a:rPr lang="de-DE" dirty="0" err="1"/>
-              <a:t>workers</a:t>
-            </a:r>
-            <a:r>
-              <a:rPr lang="de-DE" dirty="0"/>
-              <a:t> : </a:t>
-            </a:r>
-            <a:r>
-              <a:rPr lang="de-DE" dirty="0" err="1"/>
-              <a:t>IDictionary</a:t>
-            </a:r>
-            <a:r>
-              <a:rPr lang="de-DE" dirty="0"/>
-              <a:t> -&gt; </a:t>
-            </a:r>
-            <a:r>
-              <a:rPr lang="de-DE" dirty="0" err="1"/>
-              <a:t>enhalt</a:t>
-            </a:r>
-            <a:r>
-              <a:rPr lang="de-DE" dirty="0"/>
-              <a:t> alle geladenen Daten</a:t>
-            </a:r>
-          </a:p>
-          <a:p>
-            <a:r>
-              <a:rPr lang="de-DE" dirty="0" err="1"/>
-              <a:t>preferences</a:t>
-            </a:r>
-            <a:r>
-              <a:rPr lang="de-DE" dirty="0"/>
-              <a:t> : </a:t>
-            </a:r>
-            <a:r>
-              <a:rPr lang="de-DE" dirty="0" err="1"/>
-              <a:t>PreferenceSet</a:t>
-            </a:r>
-            <a:r>
-              <a:rPr lang="de-DE" dirty="0"/>
-              <a:t> -&gt; enthält alle Daten, die der </a:t>
-            </a:r>
-            <a:r>
-              <a:rPr lang="de-DE" dirty="0" err="1"/>
-              <a:t>Worker</a:t>
-            </a:r>
-            <a:r>
-              <a:rPr lang="de-DE" dirty="0"/>
-              <a:t> braucht</a:t>
-            </a:r>
-          </a:p>
-        </p:txBody>
-      </p:sp>
-      <p:sp>
-        <p:nvSpPr>
-          <p:cNvPr id="4" name="Foliennummernplatzhalter 3"/>
-          <p:cNvSpPr>
-            <a:spLocks noGrp="1"/>
-          </p:cNvSpPr>
-          <p:nvPr>
-            <p:ph type="sldNum" sz="quarter" idx="5"/>
-          </p:nvPr>
-        </p:nvSpPr>
-        <p:spPr/>
-        <p:txBody>
-          <a:bodyPr/>
-          <a:lstStyle/>
-          <a:p>
-            <a:fld id="{742BFD6F-DD94-4948-BBA6-AD5AE625A179}" type="slidenum">
-              <a:rPr lang="de-DE" smtClean="0"/>
-              <a:t>10</a:t>
-            </a:fld>
-            <a:endParaRPr lang="de-DE"/>
-          </a:p>
-        </p:txBody>
-      </p:sp>
-    </p:spTree>
-    <p:extLst>
-      <p:ext uri="{BB962C8B-B14F-4D97-AF65-F5344CB8AC3E}">
-        <p14:creationId xmlns:p14="http://schemas.microsoft.com/office/powerpoint/2010/main" val="1445721271"/>
-      </p:ext>
-    </p:extLst>
-  </p:cSld>
-  <p:clrMapOvr>
-    <a:masterClrMapping/>
-  </p:clrMapOvr>
-</p:notes>
-</file>
-
-<file path=ppt/notesSlides/notesSlide11.xml><?xml version="1.0" encoding="utf-8"?>
-<p:notes xmlns:a="http://schemas.openxmlformats.org/drawingml/2006/main" xmlns:r="http://schemas.openxmlformats.org/officeDocument/2006/relationships" xmlns:p="http://schemas.openxmlformats.org/presentationml/2006/main">
-  <p:cSld>
-    <p:spTree>
-      <p:nvGrpSpPr>
-        <p:cNvPr id="1" name=""/>
-        <p:cNvGrpSpPr/>
-        <p:nvPr/>
-      </p:nvGrpSpPr>
-      <p:grpSpPr>
-        <a:xfrm>
-          <a:off x="0" y="0"/>
-          <a:ext cx="0" cy="0"/>
-          <a:chOff x="0" y="0"/>
-          <a:chExt cx="0" cy="0"/>
-        </a:xfrm>
-      </p:grpSpPr>
-      <p:sp>
-        <p:nvSpPr>
-          <p:cNvPr id="2" name="Folienbildplatzhalter 1"/>
-          <p:cNvSpPr>
-            <a:spLocks noGrp="1" noRot="1" noChangeAspect="1"/>
-          </p:cNvSpPr>
-          <p:nvPr>
-            <p:ph type="sldImg"/>
-          </p:nvPr>
-        </p:nvSpPr>
-        <p:spPr/>
-      </p:sp>
-      <p:sp>
-        <p:nvSpPr>
-          <p:cNvPr id="3" name="Notizenplatzhalter 2"/>
-          <p:cNvSpPr>
-            <a:spLocks noGrp="1"/>
-          </p:cNvSpPr>
-          <p:nvPr>
-            <p:ph type="body" idx="1"/>
-          </p:nvPr>
-        </p:nvSpPr>
-        <p:spPr/>
-        <p:txBody>
-          <a:bodyPr/>
-          <a:lstStyle/>
-          <a:p>
-            <a:r>
-              <a:rPr lang="de-DE" dirty="0" err="1"/>
-              <a:t>manager</a:t>
-            </a:r>
-            <a:r>
-              <a:rPr lang="de-DE" dirty="0"/>
-              <a:t> : Workers -&gt; </a:t>
-            </a:r>
-            <a:r>
-              <a:rPr lang="de-DE" dirty="0" err="1"/>
-              <a:t>läd</a:t>
-            </a:r>
-            <a:r>
-              <a:rPr lang="de-DE" dirty="0"/>
-              <a:t> und speichert aus der Konfigurationsdatei</a:t>
-            </a:r>
-          </a:p>
-          <a:p>
-            <a:r>
-              <a:rPr lang="de-DE" dirty="0" err="1"/>
-              <a:t>workers</a:t>
-            </a:r>
-            <a:r>
-              <a:rPr lang="de-DE" dirty="0"/>
-              <a:t> : </a:t>
-            </a:r>
-            <a:r>
-              <a:rPr lang="de-DE" dirty="0" err="1"/>
-              <a:t>IDictionary</a:t>
-            </a:r>
-            <a:r>
-              <a:rPr lang="de-DE" dirty="0"/>
-              <a:t> -&gt; </a:t>
-            </a:r>
-            <a:r>
-              <a:rPr lang="de-DE" dirty="0" err="1"/>
-              <a:t>enhalt</a:t>
-            </a:r>
-            <a:r>
-              <a:rPr lang="de-DE" dirty="0"/>
-              <a:t> alle geladenen Daten</a:t>
-            </a:r>
-          </a:p>
-          <a:p>
-            <a:r>
-              <a:rPr lang="de-DE" dirty="0" err="1"/>
-              <a:t>preferences</a:t>
-            </a:r>
-            <a:r>
-              <a:rPr lang="de-DE" dirty="0"/>
-              <a:t> : </a:t>
-            </a:r>
-            <a:r>
-              <a:rPr lang="de-DE" dirty="0" err="1"/>
-              <a:t>PreferenceSet</a:t>
-            </a:r>
-            <a:r>
-              <a:rPr lang="de-DE" dirty="0"/>
-              <a:t> -&gt; enthält alle Daten, die der </a:t>
-            </a:r>
-            <a:r>
-              <a:rPr lang="de-DE" dirty="0" err="1"/>
-              <a:t>Worker</a:t>
-            </a:r>
-            <a:r>
-              <a:rPr lang="de-DE" dirty="0"/>
-              <a:t> braucht</a:t>
-            </a:r>
-          </a:p>
-        </p:txBody>
-      </p:sp>
-      <p:sp>
-        <p:nvSpPr>
-          <p:cNvPr id="4" name="Foliennummernplatzhalter 3"/>
-          <p:cNvSpPr>
-            <a:spLocks noGrp="1"/>
-          </p:cNvSpPr>
-          <p:nvPr>
-            <p:ph type="sldNum" sz="quarter" idx="5"/>
-          </p:nvPr>
-        </p:nvSpPr>
-        <p:spPr/>
-        <p:txBody>
-          <a:bodyPr/>
-          <a:lstStyle/>
-          <a:p>
-            <a:fld id="{742BFD6F-DD94-4948-BBA6-AD5AE625A179}" type="slidenum">
-              <a:rPr lang="de-DE" smtClean="0"/>
-              <a:t>11</a:t>
-            </a:fld>
-            <a:endParaRPr lang="de-DE"/>
-          </a:p>
-        </p:txBody>
-      </p:sp>
-    </p:spTree>
-    <p:extLst>
-      <p:ext uri="{BB962C8B-B14F-4D97-AF65-F5344CB8AC3E}">
-        <p14:creationId xmlns:p14="http://schemas.microsoft.com/office/powerpoint/2010/main" val="1722553501"/>
-      </p:ext>
-    </p:extLst>
-  </p:cSld>
-  <p:clrMapOvr>
-    <a:masterClrMapping/>
-  </p:clrMapOvr>
-</p:notes>
-</file>
-
-<file path=ppt/notesSlides/notesSlide12.xml><?xml version="1.0" encoding="utf-8"?>
-<p:notes xmlns:a="http://schemas.openxmlformats.org/drawingml/2006/main" xmlns:r="http://schemas.openxmlformats.org/officeDocument/2006/relationships" xmlns:p="http://schemas.openxmlformats.org/presentationml/2006/main">
-  <p:cSld>
-    <p:spTree>
-      <p:nvGrpSpPr>
-        <p:cNvPr id="1" name=""/>
-        <p:cNvGrpSpPr/>
-        <p:nvPr/>
-      </p:nvGrpSpPr>
-      <p:grpSpPr>
-        <a:xfrm>
-          <a:off x="0" y="0"/>
-          <a:ext cx="0" cy="0"/>
-          <a:chOff x="0" y="0"/>
-          <a:chExt cx="0" cy="0"/>
-        </a:xfrm>
-      </p:grpSpPr>
-      <p:sp>
-        <p:nvSpPr>
-          <p:cNvPr id="2" name="Folienbildplatzhalter 1"/>
-          <p:cNvSpPr>
-            <a:spLocks noGrp="1" noRot="1" noChangeAspect="1"/>
-          </p:cNvSpPr>
-          <p:nvPr>
-            <p:ph type="sldImg"/>
-          </p:nvPr>
-        </p:nvSpPr>
-        <p:spPr/>
-      </p:sp>
-      <p:sp>
-        <p:nvSpPr>
-          <p:cNvPr id="3" name="Notizenplatzhalter 2"/>
-          <p:cNvSpPr>
-            <a:spLocks noGrp="1"/>
-          </p:cNvSpPr>
-          <p:nvPr>
-            <p:ph type="body" idx="1"/>
-          </p:nvPr>
-        </p:nvSpPr>
-        <p:spPr/>
-        <p:txBody>
-          <a:bodyPr/>
-          <a:lstStyle/>
-          <a:p>
-            <a:r>
-              <a:rPr lang="de-DE" dirty="0" err="1"/>
-              <a:t>manager</a:t>
-            </a:r>
-            <a:r>
-              <a:rPr lang="de-DE" dirty="0"/>
-              <a:t> : Workers -&gt; </a:t>
-            </a:r>
-            <a:r>
-              <a:rPr lang="de-DE" dirty="0" err="1"/>
-              <a:t>läd</a:t>
-            </a:r>
-            <a:r>
-              <a:rPr lang="de-DE" dirty="0"/>
-              <a:t> und speichert aus der Konfigurationsdatei</a:t>
-            </a:r>
-          </a:p>
-          <a:p>
-            <a:r>
-              <a:rPr lang="de-DE" dirty="0" err="1"/>
-              <a:t>workers</a:t>
-            </a:r>
-            <a:r>
-              <a:rPr lang="de-DE" dirty="0"/>
-              <a:t> : </a:t>
-            </a:r>
-            <a:r>
-              <a:rPr lang="de-DE" dirty="0" err="1"/>
-              <a:t>IDictionary</a:t>
-            </a:r>
-            <a:r>
-              <a:rPr lang="de-DE" dirty="0"/>
-              <a:t> -&gt; </a:t>
-            </a:r>
-            <a:r>
-              <a:rPr lang="de-DE" dirty="0" err="1"/>
-              <a:t>enhalt</a:t>
-            </a:r>
-            <a:r>
-              <a:rPr lang="de-DE" dirty="0"/>
-              <a:t> alle geladenen Daten</a:t>
-            </a:r>
-          </a:p>
-          <a:p>
-            <a:r>
-              <a:rPr lang="de-DE" dirty="0" err="1"/>
-              <a:t>preferences</a:t>
-            </a:r>
-            <a:r>
-              <a:rPr lang="de-DE" dirty="0"/>
-              <a:t> : </a:t>
-            </a:r>
-            <a:r>
-              <a:rPr lang="de-DE" dirty="0" err="1"/>
-              <a:t>PreferenceSet</a:t>
-            </a:r>
-            <a:r>
-              <a:rPr lang="de-DE" dirty="0"/>
-              <a:t> -&gt; enthält alle Daten, die der </a:t>
-            </a:r>
-            <a:r>
-              <a:rPr lang="de-DE" dirty="0" err="1"/>
-              <a:t>Worker</a:t>
-            </a:r>
-            <a:r>
-              <a:rPr lang="de-DE" dirty="0"/>
-              <a:t> braucht</a:t>
-            </a:r>
-          </a:p>
-        </p:txBody>
-      </p:sp>
-      <p:sp>
-        <p:nvSpPr>
-          <p:cNvPr id="4" name="Foliennummernplatzhalter 3"/>
-          <p:cNvSpPr>
-            <a:spLocks noGrp="1"/>
-          </p:cNvSpPr>
-          <p:nvPr>
-            <p:ph type="sldNum" sz="quarter" idx="5"/>
-          </p:nvPr>
-        </p:nvSpPr>
-        <p:spPr/>
-        <p:txBody>
-          <a:bodyPr/>
-          <a:lstStyle/>
-          <a:p>
-            <a:fld id="{742BFD6F-DD94-4948-BBA6-AD5AE625A179}" type="slidenum">
-              <a:rPr lang="de-DE" smtClean="0"/>
-              <a:t>12</a:t>
-            </a:fld>
-            <a:endParaRPr lang="de-DE"/>
-          </a:p>
-        </p:txBody>
-      </p:sp>
-    </p:spTree>
-    <p:extLst>
-      <p:ext uri="{BB962C8B-B14F-4D97-AF65-F5344CB8AC3E}">
-        <p14:creationId xmlns:p14="http://schemas.microsoft.com/office/powerpoint/2010/main" val="1307845180"/>
-      </p:ext>
-    </p:extLst>
-  </p:cSld>
-  <p:clrMapOvr>
-    <a:masterClrMapping/>
-  </p:clrMapOvr>
-</p:notes>
-</file>
-
-<file path=ppt/notesSlides/notesSlide13.xml><?xml version="1.0" encoding="utf-8"?>
-<p:notes xmlns:a="http://schemas.openxmlformats.org/drawingml/2006/main" xmlns:r="http://schemas.openxmlformats.org/officeDocument/2006/relationships" xmlns:p="http://schemas.openxmlformats.org/presentationml/2006/main">
-  <p:cSld>
-    <p:spTree>
-      <p:nvGrpSpPr>
-        <p:cNvPr id="1" name=""/>
-        <p:cNvGrpSpPr/>
-        <p:nvPr/>
-      </p:nvGrpSpPr>
-      <p:grpSpPr>
-        <a:xfrm>
-          <a:off x="0" y="0"/>
-          <a:ext cx="0" cy="0"/>
-          <a:chOff x="0" y="0"/>
-          <a:chExt cx="0" cy="0"/>
-        </a:xfrm>
-      </p:grpSpPr>
-      <p:sp>
-        <p:nvSpPr>
-          <p:cNvPr id="2" name="Folienbildplatzhalter 1"/>
-          <p:cNvSpPr>
-            <a:spLocks noGrp="1" noRot="1" noChangeAspect="1"/>
-          </p:cNvSpPr>
-          <p:nvPr>
-            <p:ph type="sldImg"/>
-          </p:nvPr>
-        </p:nvSpPr>
-        <p:spPr/>
-      </p:sp>
-      <p:sp>
-        <p:nvSpPr>
-          <p:cNvPr id="3" name="Notizenplatzhalter 2"/>
-          <p:cNvSpPr>
-            <a:spLocks noGrp="1"/>
-          </p:cNvSpPr>
-          <p:nvPr>
-            <p:ph type="body" idx="1"/>
-          </p:nvPr>
-        </p:nvSpPr>
-        <p:spPr/>
-        <p:txBody>
-          <a:bodyPr/>
-          <a:lstStyle/>
-          <a:p>
-            <a:r>
-              <a:rPr lang="de-DE" dirty="0" err="1"/>
-              <a:t>manager</a:t>
-            </a:r>
-            <a:r>
-              <a:rPr lang="de-DE" dirty="0"/>
-              <a:t> : Workers -&gt; </a:t>
-            </a:r>
-            <a:r>
-              <a:rPr lang="de-DE" dirty="0" err="1"/>
-              <a:t>läd</a:t>
-            </a:r>
-            <a:r>
-              <a:rPr lang="de-DE" dirty="0"/>
-              <a:t> und speichert aus der Konfigurationsdatei</a:t>
-            </a:r>
-          </a:p>
-          <a:p>
-            <a:r>
-              <a:rPr lang="de-DE" dirty="0" err="1"/>
-              <a:t>workers</a:t>
-            </a:r>
-            <a:r>
-              <a:rPr lang="de-DE" dirty="0"/>
-              <a:t> : </a:t>
-            </a:r>
-            <a:r>
-              <a:rPr lang="de-DE" dirty="0" err="1"/>
-              <a:t>IDictionary</a:t>
-            </a:r>
-            <a:r>
-              <a:rPr lang="de-DE" dirty="0"/>
-              <a:t> -&gt; </a:t>
-            </a:r>
-            <a:r>
-              <a:rPr lang="de-DE" dirty="0" err="1"/>
-              <a:t>enhalt</a:t>
-            </a:r>
-            <a:r>
-              <a:rPr lang="de-DE" dirty="0"/>
-              <a:t> alle geladenen Daten</a:t>
-            </a:r>
-          </a:p>
-          <a:p>
-            <a:r>
-              <a:rPr lang="de-DE" dirty="0" err="1"/>
-              <a:t>preferences</a:t>
-            </a:r>
-            <a:r>
-              <a:rPr lang="de-DE" dirty="0"/>
-              <a:t> : </a:t>
-            </a:r>
-            <a:r>
-              <a:rPr lang="de-DE" dirty="0" err="1"/>
-              <a:t>PreferenceSet</a:t>
-            </a:r>
-            <a:r>
-              <a:rPr lang="de-DE" dirty="0"/>
-              <a:t> -&gt; enthält alle Daten, die der </a:t>
-            </a:r>
-            <a:r>
-              <a:rPr lang="de-DE" dirty="0" err="1"/>
-              <a:t>Worker</a:t>
-            </a:r>
-            <a:r>
-              <a:rPr lang="de-DE" dirty="0"/>
-              <a:t> braucht</a:t>
-            </a:r>
-          </a:p>
-        </p:txBody>
-      </p:sp>
-      <p:sp>
-        <p:nvSpPr>
-          <p:cNvPr id="4" name="Foliennummernplatzhalter 3"/>
-          <p:cNvSpPr>
-            <a:spLocks noGrp="1"/>
-          </p:cNvSpPr>
-          <p:nvPr>
-            <p:ph type="sldNum" sz="quarter" idx="5"/>
-          </p:nvPr>
-        </p:nvSpPr>
-        <p:spPr/>
-        <p:txBody>
-          <a:bodyPr/>
-          <a:lstStyle/>
-          <a:p>
-            <a:fld id="{742BFD6F-DD94-4948-BBA6-AD5AE625A179}" type="slidenum">
-              <a:rPr lang="de-DE" smtClean="0"/>
-              <a:t>13</a:t>
-            </a:fld>
-            <a:endParaRPr lang="de-DE"/>
-          </a:p>
-        </p:txBody>
-      </p:sp>
-    </p:spTree>
-    <p:extLst>
-      <p:ext uri="{BB962C8B-B14F-4D97-AF65-F5344CB8AC3E}">
-        <p14:creationId xmlns:p14="http://schemas.microsoft.com/office/powerpoint/2010/main" val="2998971657"/>
-      </p:ext>
-    </p:extLst>
-  </p:cSld>
-  <p:clrMapOvr>
-    <a:masterClrMapping/>
-  </p:clrMapOvr>
-</p:notes>
-</file>
-
-<file path=ppt/notesSlides/notesSlide14.xml><?xml version="1.0" encoding="utf-8"?>
-<p:notes xmlns:a="http://schemas.openxmlformats.org/drawingml/2006/main" xmlns:r="http://schemas.openxmlformats.org/officeDocument/2006/relationships" xmlns:p="http://schemas.openxmlformats.org/presentationml/2006/main">
-  <p:cSld>
-    <p:spTree>
-      <p:nvGrpSpPr>
-        <p:cNvPr id="1" name=""/>
-        <p:cNvGrpSpPr/>
-        <p:nvPr/>
-      </p:nvGrpSpPr>
-      <p:grpSpPr>
-        <a:xfrm>
-          <a:off x="0" y="0"/>
-          <a:ext cx="0" cy="0"/>
-          <a:chOff x="0" y="0"/>
-          <a:chExt cx="0" cy="0"/>
-        </a:xfrm>
-      </p:grpSpPr>
-      <p:sp>
-        <p:nvSpPr>
-          <p:cNvPr id="2" name="Folienbildplatzhalter 1"/>
-          <p:cNvSpPr>
-            <a:spLocks noGrp="1" noRot="1" noChangeAspect="1"/>
-          </p:cNvSpPr>
-          <p:nvPr>
-            <p:ph type="sldImg"/>
-          </p:nvPr>
-        </p:nvSpPr>
-        <p:spPr/>
-      </p:sp>
-      <p:sp>
-        <p:nvSpPr>
-          <p:cNvPr id="3" name="Notizenplatzhalter 2"/>
-          <p:cNvSpPr>
-            <a:spLocks noGrp="1"/>
-          </p:cNvSpPr>
-          <p:nvPr>
-            <p:ph type="body" idx="1"/>
-          </p:nvPr>
-        </p:nvSpPr>
-        <p:spPr/>
-        <p:txBody>
-          <a:bodyPr/>
-          <a:lstStyle/>
-          <a:p>
-            <a:pPr marL="228600" indent="-228600">
-              <a:buAutoNum type="arabicPeriod"/>
-            </a:pPr>
-            <a:r>
-              <a:rPr lang="de-DE" dirty="0"/>
-              <a:t>Kaum das volle Potential von </a:t>
-            </a:r>
-            <a:r>
-              <a:rPr lang="de-DE" dirty="0" err="1"/>
-              <a:t>Git</a:t>
-            </a:r>
-            <a:r>
-              <a:rPr lang="de-DE" dirty="0"/>
-              <a:t> </a:t>
-            </a:r>
-            <a:r>
-              <a:rPr lang="de-DE" dirty="0" err="1"/>
-              <a:t>benuzt</a:t>
-            </a:r>
-            <a:endParaRPr lang="de-DE" dirty="0"/>
-          </a:p>
-          <a:p>
-            <a:pPr marL="228600" indent="-228600">
-              <a:buAutoNum type="arabicPeriod"/>
-            </a:pPr>
-            <a:r>
-              <a:rPr lang="de-DE" dirty="0"/>
-              <a:t>Planung lief nicht so gut, weil wir anfangs etwas komplett anderes geplant hatten</a:t>
-            </a:r>
-          </a:p>
-          <a:p>
-            <a:pPr marL="228600" indent="-228600">
-              <a:buAutoNum type="arabicPeriod"/>
-            </a:pPr>
-            <a:r>
-              <a:rPr lang="de-DE" dirty="0"/>
-              <a:t>Es gab einige Missverständnisse zum Ziel des Projektes -&gt; </a:t>
-            </a:r>
-            <a:r>
-              <a:rPr lang="de-DE"/>
-              <a:t>Bessere Kommunikation im Team</a:t>
-            </a:r>
-            <a:endParaRPr lang="de-DE" dirty="0"/>
-          </a:p>
-          <a:p>
-            <a:pPr marL="228600" indent="-228600">
-              <a:buAutoNum type="arabicPeriod"/>
-            </a:pPr>
-            <a:endParaRPr lang="de-DE" dirty="0"/>
-          </a:p>
-          <a:p>
-            <a:pPr marL="228600" indent="-228600">
-              <a:buAutoNum type="arabicPeriod"/>
-            </a:pPr>
-            <a:r>
-              <a:rPr lang="de-DE" dirty="0"/>
-              <a:t>Wir haben ein funktionstüchtiges </a:t>
-            </a:r>
-            <a:r>
-              <a:rPr lang="de-DE" dirty="0" err="1"/>
-              <a:t>Program</a:t>
-            </a:r>
-            <a:r>
-              <a:rPr lang="de-DE" dirty="0"/>
-              <a:t> </a:t>
-            </a:r>
-          </a:p>
-        </p:txBody>
-      </p:sp>
-      <p:sp>
-        <p:nvSpPr>
-          <p:cNvPr id="4" name="Foliennummernplatzhalter 3"/>
-          <p:cNvSpPr>
-            <a:spLocks noGrp="1"/>
-          </p:cNvSpPr>
-          <p:nvPr>
-            <p:ph type="sldNum" sz="quarter" idx="5"/>
-          </p:nvPr>
-        </p:nvSpPr>
-        <p:spPr/>
-        <p:txBody>
-          <a:bodyPr/>
-          <a:lstStyle/>
-          <a:p>
-            <a:fld id="{742BFD6F-DD94-4948-BBA6-AD5AE625A179}" type="slidenum">
-              <a:rPr lang="de-DE" smtClean="0"/>
-              <a:t>16</a:t>
-            </a:fld>
-            <a:endParaRPr lang="de-DE"/>
-          </a:p>
-        </p:txBody>
-      </p:sp>
-    </p:spTree>
-    <p:extLst>
-      <p:ext uri="{BB962C8B-B14F-4D97-AF65-F5344CB8AC3E}">
-        <p14:creationId xmlns:p14="http://schemas.microsoft.com/office/powerpoint/2010/main" val="2691384482"/>
-      </p:ext>
-    </p:extLst>
-  </p:cSld>
-  <p:clrMapOvr>
-    <a:masterClrMapping/>
-  </p:clrMapOvr>
-</p:notes>
-</file>
-
 <file path=ppt/notesSlides/notesSlide2.xml><?xml version="1.0" encoding="utf-8"?>
 <p:notes xmlns:a="http://schemas.openxmlformats.org/drawingml/2006/main" xmlns:r="http://schemas.openxmlformats.org/officeDocument/2006/relationships" xmlns:p="http://schemas.openxmlformats.org/presentationml/2006/main">
   <p:cSld>
@@ -1652,7 +888,7 @@
     </p:spTree>
     <p:extLst>
       <p:ext uri="{BB962C8B-B14F-4D97-AF65-F5344CB8AC3E}">
-        <p14:creationId xmlns:p14="http://schemas.microsoft.com/office/powerpoint/2010/main" val="1259940106"/>
+        <p14:creationId xmlns:p14="http://schemas.microsoft.com/office/powerpoint/2010/main" val="2998971657"/>
       </p:ext>
     </p:extLst>
   </p:cSld>
@@ -1706,224 +942,71 @@
           <a:bodyPr/>
           <a:lstStyle/>
           <a:p>
+            <a:pPr marL="228600" indent="-228600">
+              <a:buAutoNum type="arabicPeriod"/>
+            </a:pPr>
+            <a:r>
+              <a:rPr lang="de-DE" dirty="0"/>
+              <a:t>Kaum das volle Potential von </a:t>
+            </a:r>
             <a:r>
               <a:rPr lang="de-DE" dirty="0" err="1"/>
-              <a:t>manager</a:t>
+              <a:t>Git</a:t>
             </a:r>
             <a:r>
               <a:rPr lang="de-DE" dirty="0"/>
-              <a:t> : Workers -&gt; </a:t>
+              <a:t> </a:t>
             </a:r>
             <a:r>
               <a:rPr lang="de-DE" dirty="0" err="1"/>
-              <a:t>läd</a:t>
-            </a:r>
+              <a:t>benuzt</a:t>
+            </a:r>
+            <a:endParaRPr lang="de-DE" dirty="0"/>
+          </a:p>
+          <a:p>
+            <a:pPr marL="228600" indent="-228600">
+              <a:buAutoNum type="arabicPeriod"/>
+            </a:pPr>
             <a:r>
               <a:rPr lang="de-DE" dirty="0"/>
-              <a:t> und speichert aus der Konfigurationsdatei</a:t>
-            </a:r>
-          </a:p>
-          <a:p>
+              <a:t>Planung lief nicht so gut, weil wir anfangs etwas komplett anderes geplant hatten</a:t>
+            </a:r>
+          </a:p>
+          <a:p>
+            <a:pPr marL="228600" indent="-228600">
+              <a:buAutoNum type="arabicPeriod"/>
+            </a:pPr>
+            <a:r>
+              <a:rPr lang="de-DE" dirty="0"/>
+              <a:t>Es gab einige Missverständnisse zum Ziel des Projektes -&gt; </a:t>
+            </a:r>
+            <a:r>
+              <a:rPr lang="de-DE"/>
+              <a:t>Bessere Kommunikation im Team</a:t>
+            </a:r>
+            <a:endParaRPr lang="de-DE" dirty="0"/>
+          </a:p>
+          <a:p>
+            <a:pPr marL="228600" indent="-228600">
+              <a:buAutoNum type="arabicPeriod"/>
+            </a:pPr>
+            <a:endParaRPr lang="de-DE" dirty="0"/>
+          </a:p>
+          <a:p>
+            <a:pPr marL="228600" indent="-228600">
+              <a:buAutoNum type="arabicPeriod"/>
+            </a:pPr>
+            <a:r>
+              <a:rPr lang="de-DE" dirty="0"/>
+              <a:t>Wir haben ein funktionstüchtiges </a:t>
+            </a:r>
             <a:r>
               <a:rPr lang="de-DE" dirty="0" err="1"/>
-              <a:t>workers</a:t>
+              <a:t>Program</a:t>
             </a:r>
             <a:r>
               <a:rPr lang="de-DE" dirty="0"/>
-              <a:t> : </a:t>
-            </a:r>
-            <a:r>
-              <a:rPr lang="de-DE" dirty="0" err="1"/>
-              <a:t>IDictionary</a:t>
-            </a:r>
-            <a:r>
-              <a:rPr lang="de-DE" dirty="0"/>
-              <a:t> -&gt; </a:t>
-            </a:r>
-            <a:r>
-              <a:rPr lang="de-DE" dirty="0" err="1"/>
-              <a:t>enhalt</a:t>
-            </a:r>
-            <a:r>
-              <a:rPr lang="de-DE" dirty="0"/>
-              <a:t> alle geladenen Daten</a:t>
-            </a:r>
-          </a:p>
-          <a:p>
-            <a:r>
-              <a:rPr lang="de-DE" dirty="0" err="1"/>
-              <a:t>preferences</a:t>
-            </a:r>
-            <a:r>
-              <a:rPr lang="de-DE" dirty="0"/>
-              <a:t> : </a:t>
-            </a:r>
-            <a:r>
-              <a:rPr lang="de-DE" dirty="0" err="1"/>
-              <a:t>PreferenceSet</a:t>
-            </a:r>
-            <a:r>
-              <a:rPr lang="de-DE" dirty="0"/>
-              <a:t> -&gt; enthält alle Daten, die der </a:t>
-            </a:r>
-            <a:r>
-              <a:rPr lang="de-DE" dirty="0" err="1"/>
-              <a:t>Worker</a:t>
-            </a:r>
-            <a:r>
-              <a:rPr lang="de-DE" dirty="0"/>
-              <a:t> braucht</a:t>
-            </a:r>
-          </a:p>
-        </p:txBody>
-      </p:sp>
-      <p:sp>
-        <p:nvSpPr>
-          <p:cNvPr id="4" name="Foliennummernplatzhalter 3"/>
-          <p:cNvSpPr>
-            <a:spLocks noGrp="1"/>
-          </p:cNvSpPr>
-          <p:nvPr>
-            <p:ph type="sldNum" sz="quarter" idx="5"/>
-          </p:nvPr>
-        </p:nvSpPr>
-        <p:spPr/>
-        <p:txBody>
-          <a:bodyPr/>
-          <a:lstStyle/>
-          <a:p>
-            <a:fld id="{742BFD6F-DD94-4948-BBA6-AD5AE625A179}" type="slidenum">
-              <a:rPr lang="de-DE" smtClean="0"/>
-              <a:t>4</a:t>
-            </a:fld>
-            <a:endParaRPr lang="de-DE"/>
-          </a:p>
-        </p:txBody>
-      </p:sp>
-    </p:spTree>
-    <p:extLst>
-      <p:ext uri="{BB962C8B-B14F-4D97-AF65-F5344CB8AC3E}">
-        <p14:creationId xmlns:p14="http://schemas.microsoft.com/office/powerpoint/2010/main" val="1932202554"/>
-      </p:ext>
-    </p:extLst>
-  </p:cSld>
-  <p:clrMapOvr>
-    <a:masterClrMapping/>
-  </p:clrMapOvr>
-</p:notes>
-</file>
-
-<file path=ppt/notesSlides/notesSlide5.xml><?xml version="1.0" encoding="utf-8"?>
-<p:notes xmlns:a="http://schemas.openxmlformats.org/drawingml/2006/main" xmlns:r="http://schemas.openxmlformats.org/officeDocument/2006/relationships" xmlns:p="http://schemas.openxmlformats.org/presentationml/2006/main">
-  <p:cSld>
-    <p:spTree>
-      <p:nvGrpSpPr>
-        <p:cNvPr id="1" name=""/>
-        <p:cNvGrpSpPr/>
-        <p:nvPr/>
-      </p:nvGrpSpPr>
-      <p:grpSpPr>
-        <a:xfrm>
-          <a:off x="0" y="0"/>
-          <a:ext cx="0" cy="0"/>
-          <a:chOff x="0" y="0"/>
-          <a:chExt cx="0" cy="0"/>
-        </a:xfrm>
-      </p:grpSpPr>
-      <p:sp>
-        <p:nvSpPr>
-          <p:cNvPr id="2" name="Folienbildplatzhalter 1"/>
-          <p:cNvSpPr>
-            <a:spLocks noGrp="1" noRot="1" noChangeAspect="1"/>
-          </p:cNvSpPr>
-          <p:nvPr>
-            <p:ph type="sldImg"/>
-          </p:nvPr>
-        </p:nvSpPr>
-        <p:spPr/>
-      </p:sp>
-      <p:sp>
-        <p:nvSpPr>
-          <p:cNvPr id="3" name="Notizenplatzhalter 2"/>
-          <p:cNvSpPr>
-            <a:spLocks noGrp="1"/>
-          </p:cNvSpPr>
-          <p:nvPr>
-            <p:ph type="body" idx="1"/>
-          </p:nvPr>
-        </p:nvSpPr>
-        <p:spPr/>
-        <p:txBody>
-          <a:bodyPr/>
-          <a:lstStyle/>
-          <a:p>
-            <a:r>
-              <a:rPr lang="de-DE" dirty="0" err="1"/>
-              <a:t>manager</a:t>
-            </a:r>
-            <a:r>
-              <a:rPr lang="de-DE" dirty="0"/>
-              <a:t> : Workers -&gt; </a:t>
-            </a:r>
-            <a:r>
-              <a:rPr lang="de-DE" dirty="0" err="1"/>
-              <a:t>läd</a:t>
-            </a:r>
-            <a:r>
-              <a:rPr lang="de-DE" dirty="0"/>
-              <a:t> und speichert aus der Konfigurationsdatei</a:t>
-            </a:r>
-          </a:p>
-          <a:p>
-            <a:r>
-              <a:rPr lang="de-DE" dirty="0" err="1"/>
-              <a:t>workers</a:t>
-            </a:r>
-            <a:r>
-              <a:rPr lang="de-DE" dirty="0"/>
-              <a:t> : </a:t>
-            </a:r>
-            <a:r>
-              <a:rPr lang="de-DE" dirty="0" err="1"/>
-              <a:t>IDictionary</a:t>
-            </a:r>
-            <a:r>
-              <a:rPr lang="de-DE" dirty="0"/>
-              <a:t> -&gt; </a:t>
-            </a:r>
-            <a:r>
-              <a:rPr lang="de-DE" dirty="0" err="1"/>
-              <a:t>enhalt</a:t>
-            </a:r>
-            <a:r>
-              <a:rPr lang="de-DE" dirty="0"/>
-              <a:t> alle geladenen Daten</a:t>
-            </a:r>
-          </a:p>
-          <a:p>
-            <a:r>
-              <a:rPr lang="de-DE" dirty="0" err="1"/>
-              <a:t>preferences</a:t>
-            </a:r>
-            <a:r>
-              <a:rPr lang="de-DE" dirty="0"/>
-              <a:t> : </a:t>
-            </a:r>
-            <a:r>
-              <a:rPr lang="de-DE" dirty="0" err="1"/>
-              <a:t>PreferenceSet</a:t>
-            </a:r>
-            <a:r>
-              <a:rPr lang="de-DE" dirty="0"/>
-              <a:t> -&gt; enthält alle Daten, die der </a:t>
-            </a:r>
-            <a:r>
-              <a:rPr lang="de-DE" dirty="0" err="1"/>
-              <a:t>Worker</a:t>
-            </a:r>
-            <a:r>
-              <a:rPr lang="de-DE" dirty="0"/>
-              <a:t> braucht</a:t>
+              <a:t> </a:t>
             </a:r>
           </a:p>
         </p:txBody>
@@ -1954,611 +1037,7 @@
     </p:spTree>
     <p:extLst>
       <p:ext uri="{BB962C8B-B14F-4D97-AF65-F5344CB8AC3E}">
-        <p14:creationId xmlns:p14="http://schemas.microsoft.com/office/powerpoint/2010/main" val="891543146"/>
-      </p:ext>
-    </p:extLst>
-  </p:cSld>
-  <p:clrMapOvr>
-    <a:masterClrMapping/>
-  </p:clrMapOvr>
-</p:notes>
-</file>
-
-<file path=ppt/notesSlides/notesSlide6.xml><?xml version="1.0" encoding="utf-8"?>
-<p:notes xmlns:a="http://schemas.openxmlformats.org/drawingml/2006/main" xmlns:r="http://schemas.openxmlformats.org/officeDocument/2006/relationships" xmlns:p="http://schemas.openxmlformats.org/presentationml/2006/main">
-  <p:cSld>
-    <p:spTree>
-      <p:nvGrpSpPr>
-        <p:cNvPr id="1" name=""/>
-        <p:cNvGrpSpPr/>
-        <p:nvPr/>
-      </p:nvGrpSpPr>
-      <p:grpSpPr>
-        <a:xfrm>
-          <a:off x="0" y="0"/>
-          <a:ext cx="0" cy="0"/>
-          <a:chOff x="0" y="0"/>
-          <a:chExt cx="0" cy="0"/>
-        </a:xfrm>
-      </p:grpSpPr>
-      <p:sp>
-        <p:nvSpPr>
-          <p:cNvPr id="2" name="Folienbildplatzhalter 1"/>
-          <p:cNvSpPr>
-            <a:spLocks noGrp="1" noRot="1" noChangeAspect="1"/>
-          </p:cNvSpPr>
-          <p:nvPr>
-            <p:ph type="sldImg"/>
-          </p:nvPr>
-        </p:nvSpPr>
-        <p:spPr/>
-      </p:sp>
-      <p:sp>
-        <p:nvSpPr>
-          <p:cNvPr id="3" name="Notizenplatzhalter 2"/>
-          <p:cNvSpPr>
-            <a:spLocks noGrp="1"/>
-          </p:cNvSpPr>
-          <p:nvPr>
-            <p:ph type="body" idx="1"/>
-          </p:nvPr>
-        </p:nvSpPr>
-        <p:spPr/>
-        <p:txBody>
-          <a:bodyPr/>
-          <a:lstStyle/>
-          <a:p>
-            <a:r>
-              <a:rPr lang="de-DE" dirty="0" err="1"/>
-              <a:t>manager</a:t>
-            </a:r>
-            <a:r>
-              <a:rPr lang="de-DE" dirty="0"/>
-              <a:t> : Workers -&gt; </a:t>
-            </a:r>
-            <a:r>
-              <a:rPr lang="de-DE" dirty="0" err="1"/>
-              <a:t>läd</a:t>
-            </a:r>
-            <a:r>
-              <a:rPr lang="de-DE" dirty="0"/>
-              <a:t> und speichert aus der Konfigurationsdatei</a:t>
-            </a:r>
-          </a:p>
-          <a:p>
-            <a:r>
-              <a:rPr lang="de-DE" dirty="0" err="1"/>
-              <a:t>workers</a:t>
-            </a:r>
-            <a:r>
-              <a:rPr lang="de-DE" dirty="0"/>
-              <a:t> : </a:t>
-            </a:r>
-            <a:r>
-              <a:rPr lang="de-DE" dirty="0" err="1"/>
-              <a:t>IDictionary</a:t>
-            </a:r>
-            <a:r>
-              <a:rPr lang="de-DE" dirty="0"/>
-              <a:t> -&gt; </a:t>
-            </a:r>
-            <a:r>
-              <a:rPr lang="de-DE" dirty="0" err="1"/>
-              <a:t>enhalt</a:t>
-            </a:r>
-            <a:r>
-              <a:rPr lang="de-DE" dirty="0"/>
-              <a:t> alle geladenen Daten</a:t>
-            </a:r>
-          </a:p>
-          <a:p>
-            <a:r>
-              <a:rPr lang="de-DE" dirty="0" err="1"/>
-              <a:t>preferences</a:t>
-            </a:r>
-            <a:r>
-              <a:rPr lang="de-DE" dirty="0"/>
-              <a:t> : </a:t>
-            </a:r>
-            <a:r>
-              <a:rPr lang="de-DE" dirty="0" err="1"/>
-              <a:t>PreferenceSet</a:t>
-            </a:r>
-            <a:r>
-              <a:rPr lang="de-DE" dirty="0"/>
-              <a:t> -&gt; enthält alle Daten, die der </a:t>
-            </a:r>
-            <a:r>
-              <a:rPr lang="de-DE" dirty="0" err="1"/>
-              <a:t>Worker</a:t>
-            </a:r>
-            <a:r>
-              <a:rPr lang="de-DE" dirty="0"/>
-              <a:t> braucht</a:t>
-            </a:r>
-          </a:p>
-        </p:txBody>
-      </p:sp>
-      <p:sp>
-        <p:nvSpPr>
-          <p:cNvPr id="4" name="Foliennummernplatzhalter 3"/>
-          <p:cNvSpPr>
-            <a:spLocks noGrp="1"/>
-          </p:cNvSpPr>
-          <p:nvPr>
-            <p:ph type="sldNum" sz="quarter" idx="5"/>
-          </p:nvPr>
-        </p:nvSpPr>
-        <p:spPr/>
-        <p:txBody>
-          <a:bodyPr/>
-          <a:lstStyle/>
-          <a:p>
-            <a:fld id="{742BFD6F-DD94-4948-BBA6-AD5AE625A179}" type="slidenum">
-              <a:rPr lang="de-DE" smtClean="0"/>
-              <a:t>6</a:t>
-            </a:fld>
-            <a:endParaRPr lang="de-DE"/>
-          </a:p>
-        </p:txBody>
-      </p:sp>
-    </p:spTree>
-    <p:extLst>
-      <p:ext uri="{BB962C8B-B14F-4D97-AF65-F5344CB8AC3E}">
-        <p14:creationId xmlns:p14="http://schemas.microsoft.com/office/powerpoint/2010/main" val="3668894451"/>
-      </p:ext>
-    </p:extLst>
-  </p:cSld>
-  <p:clrMapOvr>
-    <a:masterClrMapping/>
-  </p:clrMapOvr>
-</p:notes>
-</file>
-
-<file path=ppt/notesSlides/notesSlide7.xml><?xml version="1.0" encoding="utf-8"?>
-<p:notes xmlns:a="http://schemas.openxmlformats.org/drawingml/2006/main" xmlns:r="http://schemas.openxmlformats.org/officeDocument/2006/relationships" xmlns:p="http://schemas.openxmlformats.org/presentationml/2006/main">
-  <p:cSld>
-    <p:spTree>
-      <p:nvGrpSpPr>
-        <p:cNvPr id="1" name=""/>
-        <p:cNvGrpSpPr/>
-        <p:nvPr/>
-      </p:nvGrpSpPr>
-      <p:grpSpPr>
-        <a:xfrm>
-          <a:off x="0" y="0"/>
-          <a:ext cx="0" cy="0"/>
-          <a:chOff x="0" y="0"/>
-          <a:chExt cx="0" cy="0"/>
-        </a:xfrm>
-      </p:grpSpPr>
-      <p:sp>
-        <p:nvSpPr>
-          <p:cNvPr id="2" name="Folienbildplatzhalter 1"/>
-          <p:cNvSpPr>
-            <a:spLocks noGrp="1" noRot="1" noChangeAspect="1"/>
-          </p:cNvSpPr>
-          <p:nvPr>
-            <p:ph type="sldImg"/>
-          </p:nvPr>
-        </p:nvSpPr>
-        <p:spPr/>
-      </p:sp>
-      <p:sp>
-        <p:nvSpPr>
-          <p:cNvPr id="3" name="Notizenplatzhalter 2"/>
-          <p:cNvSpPr>
-            <a:spLocks noGrp="1"/>
-          </p:cNvSpPr>
-          <p:nvPr>
-            <p:ph type="body" idx="1"/>
-          </p:nvPr>
-        </p:nvSpPr>
-        <p:spPr/>
-        <p:txBody>
-          <a:bodyPr/>
-          <a:lstStyle/>
-          <a:p>
-            <a:r>
-              <a:rPr lang="de-DE" dirty="0" err="1"/>
-              <a:t>manager</a:t>
-            </a:r>
-            <a:r>
-              <a:rPr lang="de-DE" dirty="0"/>
-              <a:t> : Workers -&gt; </a:t>
-            </a:r>
-            <a:r>
-              <a:rPr lang="de-DE" dirty="0" err="1"/>
-              <a:t>läd</a:t>
-            </a:r>
-            <a:r>
-              <a:rPr lang="de-DE" dirty="0"/>
-              <a:t> und speichert aus der Konfigurationsdatei</a:t>
-            </a:r>
-          </a:p>
-          <a:p>
-            <a:r>
-              <a:rPr lang="de-DE" dirty="0" err="1"/>
-              <a:t>workers</a:t>
-            </a:r>
-            <a:r>
-              <a:rPr lang="de-DE" dirty="0"/>
-              <a:t> : </a:t>
-            </a:r>
-            <a:r>
-              <a:rPr lang="de-DE" dirty="0" err="1"/>
-              <a:t>IDictionary</a:t>
-            </a:r>
-            <a:r>
-              <a:rPr lang="de-DE" dirty="0"/>
-              <a:t> -&gt; </a:t>
-            </a:r>
-            <a:r>
-              <a:rPr lang="de-DE" dirty="0" err="1"/>
-              <a:t>enhalt</a:t>
-            </a:r>
-            <a:r>
-              <a:rPr lang="de-DE" dirty="0"/>
-              <a:t> alle geladenen Daten</a:t>
-            </a:r>
-          </a:p>
-          <a:p>
-            <a:r>
-              <a:rPr lang="de-DE" dirty="0" err="1"/>
-              <a:t>preferences</a:t>
-            </a:r>
-            <a:r>
-              <a:rPr lang="de-DE" dirty="0"/>
-              <a:t> : </a:t>
-            </a:r>
-            <a:r>
-              <a:rPr lang="de-DE" dirty="0" err="1"/>
-              <a:t>PreferenceSet</a:t>
-            </a:r>
-            <a:r>
-              <a:rPr lang="de-DE" dirty="0"/>
-              <a:t> -&gt; enthält alle Daten, die der </a:t>
-            </a:r>
-            <a:r>
-              <a:rPr lang="de-DE" dirty="0" err="1"/>
-              <a:t>Worker</a:t>
-            </a:r>
-            <a:r>
-              <a:rPr lang="de-DE" dirty="0"/>
-              <a:t> braucht</a:t>
-            </a:r>
-          </a:p>
-        </p:txBody>
-      </p:sp>
-      <p:sp>
-        <p:nvSpPr>
-          <p:cNvPr id="4" name="Foliennummernplatzhalter 3"/>
-          <p:cNvSpPr>
-            <a:spLocks noGrp="1"/>
-          </p:cNvSpPr>
-          <p:nvPr>
-            <p:ph type="sldNum" sz="quarter" idx="5"/>
-          </p:nvPr>
-        </p:nvSpPr>
-        <p:spPr/>
-        <p:txBody>
-          <a:bodyPr/>
-          <a:lstStyle/>
-          <a:p>
-            <a:fld id="{742BFD6F-DD94-4948-BBA6-AD5AE625A179}" type="slidenum">
-              <a:rPr lang="de-DE" smtClean="0"/>
-              <a:t>7</a:t>
-            </a:fld>
-            <a:endParaRPr lang="de-DE"/>
-          </a:p>
-        </p:txBody>
-      </p:sp>
-    </p:spTree>
-    <p:extLst>
-      <p:ext uri="{BB962C8B-B14F-4D97-AF65-F5344CB8AC3E}">
-        <p14:creationId xmlns:p14="http://schemas.microsoft.com/office/powerpoint/2010/main" val="116393641"/>
-      </p:ext>
-    </p:extLst>
-  </p:cSld>
-  <p:clrMapOvr>
-    <a:masterClrMapping/>
-  </p:clrMapOvr>
-</p:notes>
-</file>
-
-<file path=ppt/notesSlides/notesSlide8.xml><?xml version="1.0" encoding="utf-8"?>
-<p:notes xmlns:a="http://schemas.openxmlformats.org/drawingml/2006/main" xmlns:r="http://schemas.openxmlformats.org/officeDocument/2006/relationships" xmlns:p="http://schemas.openxmlformats.org/presentationml/2006/main">
-  <p:cSld>
-    <p:spTree>
-      <p:nvGrpSpPr>
-        <p:cNvPr id="1" name=""/>
-        <p:cNvGrpSpPr/>
-        <p:nvPr/>
-      </p:nvGrpSpPr>
-      <p:grpSpPr>
-        <a:xfrm>
-          <a:off x="0" y="0"/>
-          <a:ext cx="0" cy="0"/>
-          <a:chOff x="0" y="0"/>
-          <a:chExt cx="0" cy="0"/>
-        </a:xfrm>
-      </p:grpSpPr>
-      <p:sp>
-        <p:nvSpPr>
-          <p:cNvPr id="2" name="Folienbildplatzhalter 1"/>
-          <p:cNvSpPr>
-            <a:spLocks noGrp="1" noRot="1" noChangeAspect="1"/>
-          </p:cNvSpPr>
-          <p:nvPr>
-            <p:ph type="sldImg"/>
-          </p:nvPr>
-        </p:nvSpPr>
-        <p:spPr/>
-      </p:sp>
-      <p:sp>
-        <p:nvSpPr>
-          <p:cNvPr id="3" name="Notizenplatzhalter 2"/>
-          <p:cNvSpPr>
-            <a:spLocks noGrp="1"/>
-          </p:cNvSpPr>
-          <p:nvPr>
-            <p:ph type="body" idx="1"/>
-          </p:nvPr>
-        </p:nvSpPr>
-        <p:spPr/>
-        <p:txBody>
-          <a:bodyPr/>
-          <a:lstStyle/>
-          <a:p>
-            <a:r>
-              <a:rPr lang="de-DE" dirty="0" err="1"/>
-              <a:t>manager</a:t>
-            </a:r>
-            <a:r>
-              <a:rPr lang="de-DE" dirty="0"/>
-              <a:t> : Workers -&gt; </a:t>
-            </a:r>
-            <a:r>
-              <a:rPr lang="de-DE" dirty="0" err="1"/>
-              <a:t>läd</a:t>
-            </a:r>
-            <a:r>
-              <a:rPr lang="de-DE" dirty="0"/>
-              <a:t> und speichert aus der Konfigurationsdatei</a:t>
-            </a:r>
-          </a:p>
-          <a:p>
-            <a:r>
-              <a:rPr lang="de-DE" dirty="0" err="1"/>
-              <a:t>workers</a:t>
-            </a:r>
-            <a:r>
-              <a:rPr lang="de-DE" dirty="0"/>
-              <a:t> : </a:t>
-            </a:r>
-            <a:r>
-              <a:rPr lang="de-DE" dirty="0" err="1"/>
-              <a:t>IDictionary</a:t>
-            </a:r>
-            <a:r>
-              <a:rPr lang="de-DE" dirty="0"/>
-              <a:t> -&gt; </a:t>
-            </a:r>
-            <a:r>
-              <a:rPr lang="de-DE" dirty="0" err="1"/>
-              <a:t>enhalt</a:t>
-            </a:r>
-            <a:r>
-              <a:rPr lang="de-DE" dirty="0"/>
-              <a:t> alle geladenen Daten</a:t>
-            </a:r>
-          </a:p>
-          <a:p>
-            <a:r>
-              <a:rPr lang="de-DE" dirty="0" err="1"/>
-              <a:t>preferences</a:t>
-            </a:r>
-            <a:r>
-              <a:rPr lang="de-DE" dirty="0"/>
-              <a:t> : </a:t>
-            </a:r>
-            <a:r>
-              <a:rPr lang="de-DE" dirty="0" err="1"/>
-              <a:t>PreferenceSet</a:t>
-            </a:r>
-            <a:r>
-              <a:rPr lang="de-DE" dirty="0"/>
-              <a:t> -&gt; enthält alle Daten, die der </a:t>
-            </a:r>
-            <a:r>
-              <a:rPr lang="de-DE" dirty="0" err="1"/>
-              <a:t>Worker</a:t>
-            </a:r>
-            <a:r>
-              <a:rPr lang="de-DE" dirty="0"/>
-              <a:t> braucht</a:t>
-            </a:r>
-          </a:p>
-        </p:txBody>
-      </p:sp>
-      <p:sp>
-        <p:nvSpPr>
-          <p:cNvPr id="4" name="Foliennummernplatzhalter 3"/>
-          <p:cNvSpPr>
-            <a:spLocks noGrp="1"/>
-          </p:cNvSpPr>
-          <p:nvPr>
-            <p:ph type="sldNum" sz="quarter" idx="5"/>
-          </p:nvPr>
-        </p:nvSpPr>
-        <p:spPr/>
-        <p:txBody>
-          <a:bodyPr/>
-          <a:lstStyle/>
-          <a:p>
-            <a:fld id="{742BFD6F-DD94-4948-BBA6-AD5AE625A179}" type="slidenum">
-              <a:rPr lang="de-DE" smtClean="0"/>
-              <a:t>8</a:t>
-            </a:fld>
-            <a:endParaRPr lang="de-DE"/>
-          </a:p>
-        </p:txBody>
-      </p:sp>
-    </p:spTree>
-    <p:extLst>
-      <p:ext uri="{BB962C8B-B14F-4D97-AF65-F5344CB8AC3E}">
-        <p14:creationId xmlns:p14="http://schemas.microsoft.com/office/powerpoint/2010/main" val="2070383512"/>
-      </p:ext>
-    </p:extLst>
-  </p:cSld>
-  <p:clrMapOvr>
-    <a:masterClrMapping/>
-  </p:clrMapOvr>
-</p:notes>
-</file>
-
-<file path=ppt/notesSlides/notesSlide9.xml><?xml version="1.0" encoding="utf-8"?>
-<p:notes xmlns:a="http://schemas.openxmlformats.org/drawingml/2006/main" xmlns:r="http://schemas.openxmlformats.org/officeDocument/2006/relationships" xmlns:p="http://schemas.openxmlformats.org/presentationml/2006/main">
-  <p:cSld>
-    <p:spTree>
-      <p:nvGrpSpPr>
-        <p:cNvPr id="1" name=""/>
-        <p:cNvGrpSpPr/>
-        <p:nvPr/>
-      </p:nvGrpSpPr>
-      <p:grpSpPr>
-        <a:xfrm>
-          <a:off x="0" y="0"/>
-          <a:ext cx="0" cy="0"/>
-          <a:chOff x="0" y="0"/>
-          <a:chExt cx="0" cy="0"/>
-        </a:xfrm>
-      </p:grpSpPr>
-      <p:sp>
-        <p:nvSpPr>
-          <p:cNvPr id="2" name="Folienbildplatzhalter 1"/>
-          <p:cNvSpPr>
-            <a:spLocks noGrp="1" noRot="1" noChangeAspect="1"/>
-          </p:cNvSpPr>
-          <p:nvPr>
-            <p:ph type="sldImg"/>
-          </p:nvPr>
-        </p:nvSpPr>
-        <p:spPr/>
-      </p:sp>
-      <p:sp>
-        <p:nvSpPr>
-          <p:cNvPr id="3" name="Notizenplatzhalter 2"/>
-          <p:cNvSpPr>
-            <a:spLocks noGrp="1"/>
-          </p:cNvSpPr>
-          <p:nvPr>
-            <p:ph type="body" idx="1"/>
-          </p:nvPr>
-        </p:nvSpPr>
-        <p:spPr/>
-        <p:txBody>
-          <a:bodyPr/>
-          <a:lstStyle/>
-          <a:p>
-            <a:r>
-              <a:rPr lang="de-DE" dirty="0" err="1"/>
-              <a:t>manager</a:t>
-            </a:r>
-            <a:r>
-              <a:rPr lang="de-DE" dirty="0"/>
-              <a:t> : Workers -&gt; </a:t>
-            </a:r>
-            <a:r>
-              <a:rPr lang="de-DE" dirty="0" err="1"/>
-              <a:t>läd</a:t>
-            </a:r>
-            <a:r>
-              <a:rPr lang="de-DE" dirty="0"/>
-              <a:t> und speichert aus der Konfigurationsdatei</a:t>
-            </a:r>
-          </a:p>
-          <a:p>
-            <a:r>
-              <a:rPr lang="de-DE" dirty="0" err="1"/>
-              <a:t>workers</a:t>
-            </a:r>
-            <a:r>
-              <a:rPr lang="de-DE" dirty="0"/>
-              <a:t> : </a:t>
-            </a:r>
-            <a:r>
-              <a:rPr lang="de-DE" dirty="0" err="1"/>
-              <a:t>IDictionary</a:t>
-            </a:r>
-            <a:r>
-              <a:rPr lang="de-DE" dirty="0"/>
-              <a:t> -&gt; </a:t>
-            </a:r>
-            <a:r>
-              <a:rPr lang="de-DE" dirty="0" err="1"/>
-              <a:t>enhalt</a:t>
-            </a:r>
-            <a:r>
-              <a:rPr lang="de-DE" dirty="0"/>
-              <a:t> alle geladenen Daten</a:t>
-            </a:r>
-          </a:p>
-          <a:p>
-            <a:r>
-              <a:rPr lang="de-DE" dirty="0" err="1"/>
-              <a:t>preferences</a:t>
-            </a:r>
-            <a:r>
-              <a:rPr lang="de-DE" dirty="0"/>
-              <a:t> : </a:t>
-            </a:r>
-            <a:r>
-              <a:rPr lang="de-DE" dirty="0" err="1"/>
-              <a:t>PreferenceSet</a:t>
-            </a:r>
-            <a:r>
-              <a:rPr lang="de-DE" dirty="0"/>
-              <a:t> -&gt; enthält alle Daten, die der </a:t>
-            </a:r>
-            <a:r>
-              <a:rPr lang="de-DE" dirty="0" err="1"/>
-              <a:t>Worker</a:t>
-            </a:r>
-            <a:r>
-              <a:rPr lang="de-DE" dirty="0"/>
-              <a:t> braucht</a:t>
-            </a:r>
-          </a:p>
-        </p:txBody>
-      </p:sp>
-      <p:sp>
-        <p:nvSpPr>
-          <p:cNvPr id="4" name="Foliennummernplatzhalter 3"/>
-          <p:cNvSpPr>
-            <a:spLocks noGrp="1"/>
-          </p:cNvSpPr>
-          <p:nvPr>
-            <p:ph type="sldNum" sz="quarter" idx="5"/>
-          </p:nvPr>
-        </p:nvSpPr>
-        <p:spPr/>
-        <p:txBody>
-          <a:bodyPr/>
-          <a:lstStyle/>
-          <a:p>
-            <a:fld id="{742BFD6F-DD94-4948-BBA6-AD5AE625A179}" type="slidenum">
-              <a:rPr lang="de-DE" smtClean="0"/>
-              <a:t>9</a:t>
-            </a:fld>
-            <a:endParaRPr lang="de-DE"/>
-          </a:p>
-        </p:txBody>
-      </p:sp>
-    </p:spTree>
-    <p:extLst>
-      <p:ext uri="{BB962C8B-B14F-4D97-AF65-F5344CB8AC3E}">
-        <p14:creationId xmlns:p14="http://schemas.microsoft.com/office/powerpoint/2010/main" val="1357749723"/>
+        <p14:creationId xmlns:p14="http://schemas.microsoft.com/office/powerpoint/2010/main" val="2691384482"/>
       </p:ext>
     </p:extLst>
   </p:cSld>
@@ -2715,7 +1194,7 @@
           <a:p>
             <a:fld id="{78696EF2-BB83-470F-9DFF-51133980F409}" type="datetimeFigureOut">
               <a:rPr lang="de-DE" smtClean="0"/>
-              <a:t>19.06.2019</a:t>
+              <a:t>20.06.2019</a:t>
             </a:fld>
             <a:endParaRPr lang="de-DE"/>
           </a:p>
@@ -2913,7 +1392,7 @@
           <a:p>
             <a:fld id="{78696EF2-BB83-470F-9DFF-51133980F409}" type="datetimeFigureOut">
               <a:rPr lang="de-DE" smtClean="0"/>
-              <a:t>19.06.2019</a:t>
+              <a:t>20.06.2019</a:t>
             </a:fld>
             <a:endParaRPr lang="de-DE"/>
           </a:p>
@@ -3121,7 +1600,7 @@
           <a:p>
             <a:fld id="{78696EF2-BB83-470F-9DFF-51133980F409}" type="datetimeFigureOut">
               <a:rPr lang="de-DE" smtClean="0"/>
-              <a:t>19.06.2019</a:t>
+              <a:t>20.06.2019</a:t>
             </a:fld>
             <a:endParaRPr lang="de-DE"/>
           </a:p>
@@ -3319,7 +1798,7 @@
           <a:p>
             <a:fld id="{78696EF2-BB83-470F-9DFF-51133980F409}" type="datetimeFigureOut">
               <a:rPr lang="de-DE" smtClean="0"/>
-              <a:t>19.06.2019</a:t>
+              <a:t>20.06.2019</a:t>
             </a:fld>
             <a:endParaRPr lang="de-DE"/>
           </a:p>
@@ -3594,7 +2073,7 @@
           <a:p>
             <a:fld id="{78696EF2-BB83-470F-9DFF-51133980F409}" type="datetimeFigureOut">
               <a:rPr lang="de-DE" smtClean="0"/>
-              <a:t>19.06.2019</a:t>
+              <a:t>20.06.2019</a:t>
             </a:fld>
             <a:endParaRPr lang="de-DE"/>
           </a:p>
@@ -3859,7 +2338,7 @@
           <a:p>
             <a:fld id="{78696EF2-BB83-470F-9DFF-51133980F409}" type="datetimeFigureOut">
               <a:rPr lang="de-DE" smtClean="0"/>
-              <a:t>19.06.2019</a:t>
+              <a:t>20.06.2019</a:t>
             </a:fld>
             <a:endParaRPr lang="de-DE"/>
           </a:p>
@@ -4271,7 +2750,7 @@
           <a:p>
             <a:fld id="{78696EF2-BB83-470F-9DFF-51133980F409}" type="datetimeFigureOut">
               <a:rPr lang="de-DE" smtClean="0"/>
-              <a:t>19.06.2019</a:t>
+              <a:t>20.06.2019</a:t>
             </a:fld>
             <a:endParaRPr lang="de-DE"/>
           </a:p>
@@ -4412,7 +2891,7 @@
           <a:p>
             <a:fld id="{78696EF2-BB83-470F-9DFF-51133980F409}" type="datetimeFigureOut">
               <a:rPr lang="de-DE" smtClean="0"/>
-              <a:t>19.06.2019</a:t>
+              <a:t>20.06.2019</a:t>
             </a:fld>
             <a:endParaRPr lang="de-DE"/>
           </a:p>
@@ -4525,7 +3004,7 @@
           <a:p>
             <a:fld id="{78696EF2-BB83-470F-9DFF-51133980F409}" type="datetimeFigureOut">
               <a:rPr lang="de-DE" smtClean="0"/>
-              <a:t>19.06.2019</a:t>
+              <a:t>20.06.2019</a:t>
             </a:fld>
             <a:endParaRPr lang="de-DE"/>
           </a:p>
@@ -4836,7 +3315,7 @@
           <a:p>
             <a:fld id="{78696EF2-BB83-470F-9DFF-51133980F409}" type="datetimeFigureOut">
               <a:rPr lang="de-DE" smtClean="0"/>
-              <a:t>19.06.2019</a:t>
+              <a:t>20.06.2019</a:t>
             </a:fld>
             <a:endParaRPr lang="de-DE"/>
           </a:p>
@@ -5124,7 +3603,7 @@
           <a:p>
             <a:fld id="{78696EF2-BB83-470F-9DFF-51133980F409}" type="datetimeFigureOut">
               <a:rPr lang="de-DE" smtClean="0"/>
-              <a:t>19.06.2019</a:t>
+              <a:t>20.06.2019</a:t>
             </a:fld>
             <a:endParaRPr lang="de-DE"/>
           </a:p>
@@ -5365,7 +3844,7 @@
           <a:p>
             <a:fld id="{78696EF2-BB83-470F-9DFF-51133980F409}" type="datetimeFigureOut">
               <a:rPr lang="de-DE" smtClean="0"/>
-              <a:t>19.06.2019</a:t>
+              <a:t>20.06.2019</a:t>
             </a:fld>
             <a:endParaRPr lang="de-DE"/>
           </a:p>
@@ -6287,7 +4766,7 @@
 </p:sld>
 </file>
 
-<file path=ppt/slides/slide10.xml><?xml version="1.0" encoding="utf-8"?>
+<file path=ppt/slides/slide2.xml><?xml version="1.0" encoding="utf-8"?>
 <p:sld xmlns:a="http://schemas.openxmlformats.org/drawingml/2006/main" xmlns:r="http://schemas.openxmlformats.org/officeDocument/2006/relationships" xmlns:p="http://schemas.openxmlformats.org/presentationml/2006/main">
   <p:cSld>
     <p:spTree>
@@ -6304,467 +4783,544 @@
           <a:chExt cx="0" cy="0"/>
         </a:xfrm>
       </p:grpSpPr>
-      <p:pic>
-        <p:nvPicPr>
-          <p:cNvPr id="5" name="Grafik 4">
-            <a:extLst>
-              <a:ext uri="{FF2B5EF4-FFF2-40B4-BE49-F238E27FC236}">
-                <a16:creationId xmlns:a16="http://schemas.microsoft.com/office/drawing/2014/main" id="{7F28AEC6-0A96-47D6-B6EE-BCE9683206B3}"/>
-              </a:ext>
-            </a:extLst>
-          </p:cNvPr>
-          <p:cNvPicPr>
-            <a:picLocks noChangeAspect="1"/>
-          </p:cNvPicPr>
-          <p:nvPr/>
-        </p:nvPicPr>
-        <p:blipFill>
-          <a:blip r:embed="rId3">
-            <a:extLst>
-              <a:ext uri="{28A0092B-C50C-407E-A947-70E740481C1C}">
-                <a14:useLocalDpi xmlns:a14="http://schemas.microsoft.com/office/drawing/2010/main" val="0"/>
-              </a:ext>
-              <a:ext uri="{96DAC541-7B7A-43D3-8B79-37D633B846F1}">
-                <asvg:svgBlip xmlns:asvg="http://schemas.microsoft.com/office/drawing/2016/SVG/main" r:embed="rId4"/>
-              </a:ext>
-            </a:extLst>
-          </a:blip>
-          <a:stretch>
-            <a:fillRect/>
-          </a:stretch>
-        </p:blipFill>
-        <p:spPr>
-          <a:xfrm>
-            <a:off x="1464753" y="25244"/>
-            <a:ext cx="9262494" cy="6740194"/>
-          </a:xfrm>
-          <a:prstGeom prst="rect">
-            <a:avLst/>
-          </a:prstGeom>
-        </p:spPr>
-      </p:pic>
-      <p:sp>
-        <p:nvSpPr>
-          <p:cNvPr id="2" name="Rechteck 1">
-            <a:extLst>
-              <a:ext uri="{FF2B5EF4-FFF2-40B4-BE49-F238E27FC236}">
-                <a16:creationId xmlns:a16="http://schemas.microsoft.com/office/drawing/2014/main" id="{165296EE-663E-44C6-8495-D281D967ED03}"/>
-              </a:ext>
-            </a:extLst>
-          </p:cNvPr>
-          <p:cNvSpPr/>
-          <p:nvPr/>
-        </p:nvSpPr>
-        <p:spPr>
-          <a:xfrm>
-            <a:off x="3045786" y="3917469"/>
-            <a:ext cx="8083745" cy="6061406"/>
-          </a:xfrm>
-          <a:prstGeom prst="rect">
-            <a:avLst/>
-          </a:prstGeom>
-          <a:solidFill>
-            <a:schemeClr val="bg1"/>
-          </a:solidFill>
-          <a:ln>
-            <a:solidFill>
-              <a:schemeClr val="bg1"/>
-            </a:solidFill>
-          </a:ln>
-        </p:spPr>
-        <p:style>
-          <a:lnRef idx="2">
-            <a:schemeClr val="accent1">
-              <a:shade val="50000"/>
-            </a:schemeClr>
-          </a:lnRef>
-          <a:fillRef idx="1">
-            <a:schemeClr val="accent1"/>
-          </a:fillRef>
-          <a:effectRef idx="0">
-            <a:schemeClr val="accent1"/>
-          </a:effectRef>
-          <a:fontRef idx="minor">
-            <a:schemeClr val="lt1"/>
-          </a:fontRef>
-        </p:style>
-        <p:txBody>
-          <a:bodyPr rtlCol="0" anchor="ctr"/>
+      <p:sp>
+        <p:nvSpPr>
+          <p:cNvPr id="2" name="Titel 1">
+            <a:extLst>
+              <a:ext uri="{FF2B5EF4-FFF2-40B4-BE49-F238E27FC236}">
+                <a16:creationId xmlns:a16="http://schemas.microsoft.com/office/drawing/2014/main" id="{DCA5308D-4926-4D44-9125-F1A60A2F2EB9}"/>
+              </a:ext>
+            </a:extLst>
+          </p:cNvPr>
+          <p:cNvSpPr>
+            <a:spLocks noGrp="1"/>
+          </p:cNvSpPr>
+          <p:nvPr>
+            <p:ph type="title"/>
+          </p:nvPr>
+        </p:nvSpPr>
+        <p:spPr/>
+        <p:txBody>
+          <a:bodyPr/>
           <a:lstStyle/>
           <a:p>
-            <a:pPr algn="ctr"/>
-            <a:endParaRPr lang="de-DE"/>
-          </a:p>
-        </p:txBody>
-      </p:sp>
-      <p:sp>
-        <p:nvSpPr>
-          <p:cNvPr id="6" name="Rechteck 5">
-            <a:extLst>
-              <a:ext uri="{FF2B5EF4-FFF2-40B4-BE49-F238E27FC236}">
-                <a16:creationId xmlns:a16="http://schemas.microsoft.com/office/drawing/2014/main" id="{C239B221-4301-47EA-93AD-9B3D2DDEF4C8}"/>
-              </a:ext>
-            </a:extLst>
-          </p:cNvPr>
-          <p:cNvSpPr/>
-          <p:nvPr/>
-        </p:nvSpPr>
-        <p:spPr>
-          <a:xfrm>
-            <a:off x="2464843" y="5201249"/>
-            <a:ext cx="8083745" cy="6061406"/>
-          </a:xfrm>
-          <a:prstGeom prst="rect">
-            <a:avLst/>
-          </a:prstGeom>
-          <a:solidFill>
-            <a:schemeClr val="bg1"/>
-          </a:solidFill>
-          <a:ln>
-            <a:solidFill>
-              <a:schemeClr val="bg1"/>
-            </a:solidFill>
-          </a:ln>
-        </p:spPr>
-        <p:style>
-          <a:lnRef idx="2">
-            <a:schemeClr val="accent1">
-              <a:shade val="50000"/>
-            </a:schemeClr>
-          </a:lnRef>
-          <a:fillRef idx="1">
-            <a:schemeClr val="accent1"/>
-          </a:fillRef>
-          <a:effectRef idx="0">
-            <a:schemeClr val="accent1"/>
-          </a:effectRef>
-          <a:fontRef idx="minor">
-            <a:schemeClr val="lt1"/>
-          </a:fontRef>
-        </p:style>
-        <p:txBody>
-          <a:bodyPr rtlCol="0" anchor="ctr"/>
+            <a:r>
+              <a:rPr lang="de-DE" dirty="0"/>
+              <a:t>Wichtigste Anforderung</a:t>
+            </a:r>
+          </a:p>
+        </p:txBody>
+      </p:sp>
+      <p:sp>
+        <p:nvSpPr>
+          <p:cNvPr id="3" name="Inhaltsplatzhalter 2">
+            <a:extLst>
+              <a:ext uri="{FF2B5EF4-FFF2-40B4-BE49-F238E27FC236}">
+                <a16:creationId xmlns:a16="http://schemas.microsoft.com/office/drawing/2014/main" id="{7AC143AC-938A-4E1B-9166-978E02B1E18F}"/>
+              </a:ext>
+            </a:extLst>
+          </p:cNvPr>
+          <p:cNvSpPr>
+            <a:spLocks noGrp="1"/>
+          </p:cNvSpPr>
+          <p:nvPr>
+            <p:ph idx="1"/>
+          </p:nvPr>
+        </p:nvSpPr>
+        <p:spPr/>
+        <p:txBody>
+          <a:bodyPr>
+            <a:normAutofit/>
+          </a:bodyPr>
           <a:lstStyle/>
           <a:p>
-            <a:pPr algn="ctr"/>
-            <a:endParaRPr lang="de-DE"/>
+            <a:r>
+              <a:rPr lang="de-DE" sz="3600" dirty="0">
+                <a:solidFill>
+                  <a:srgbClr val="FF0000"/>
+                </a:solidFill>
+              </a:rPr>
+              <a:t>Benutzerfreundlichkeit</a:t>
+            </a:r>
+          </a:p>
+          <a:p>
+            <a:r>
+              <a:rPr lang="de-DE" dirty="0"/>
+              <a:t>Konfiguration komplett über GUI</a:t>
+            </a:r>
+          </a:p>
+          <a:p>
+            <a:pPr lvl="1"/>
+            <a:r>
+              <a:rPr lang="de-DE" dirty="0"/>
+              <a:t>Neue </a:t>
+            </a:r>
+            <a:r>
+              <a:rPr lang="de-DE" dirty="0" err="1"/>
+              <a:t>Worker</a:t>
+            </a:r>
+            <a:r>
+              <a:rPr lang="de-DE" dirty="0"/>
+              <a:t> hinzufügen</a:t>
+            </a:r>
+          </a:p>
+          <a:p>
+            <a:pPr lvl="1"/>
+            <a:r>
+              <a:rPr lang="de-DE" dirty="0"/>
+              <a:t>Parameter für </a:t>
+            </a:r>
+            <a:r>
+              <a:rPr lang="de-DE" dirty="0" err="1"/>
+              <a:t>Worker</a:t>
+            </a:r>
+            <a:r>
+              <a:rPr lang="de-DE" dirty="0"/>
+              <a:t> setzen</a:t>
+            </a:r>
+          </a:p>
+          <a:p>
+            <a:pPr lvl="1"/>
+            <a:r>
+              <a:rPr lang="de-DE" dirty="0"/>
+              <a:t>Bestehende </a:t>
+            </a:r>
+            <a:r>
+              <a:rPr lang="de-DE" dirty="0" err="1"/>
+              <a:t>Worker</a:t>
+            </a:r>
+            <a:r>
+              <a:rPr lang="de-DE" dirty="0"/>
+              <a:t> editieren</a:t>
+            </a:r>
+          </a:p>
+          <a:p>
+            <a:pPr lvl="1"/>
+            <a:r>
+              <a:rPr lang="de-DE" dirty="0"/>
+              <a:t>Bestehende </a:t>
+            </a:r>
+            <a:r>
+              <a:rPr lang="de-DE" dirty="0" err="1"/>
+              <a:t>Worker</a:t>
+            </a:r>
+            <a:r>
+              <a:rPr lang="de-DE" dirty="0"/>
+              <a:t> entfernen</a:t>
+            </a:r>
           </a:p>
         </p:txBody>
       </p:sp>
     </p:spTree>
     <p:extLst>
       <p:ext uri="{BB962C8B-B14F-4D97-AF65-F5344CB8AC3E}">
-        <p14:creationId xmlns:p14="http://schemas.microsoft.com/office/powerpoint/2010/main" val="1915038904"/>
+        <p14:creationId xmlns:p14="http://schemas.microsoft.com/office/powerpoint/2010/main" val="377178494"/>
       </p:ext>
     </p:extLst>
   </p:cSld>
   <p:clrMapOvr>
     <a:masterClrMapping/>
   </p:clrMapOvr>
+  <p:timing>
+    <p:tnLst>
+      <p:par>
+        <p:cTn id="1" dur="indefinite" restart="never" nodeType="tmRoot">
+          <p:childTnLst>
+            <p:seq concurrent="1" nextAc="seek">
+              <p:cTn id="2" dur="indefinite" nodeType="mainSeq">
+                <p:childTnLst>
+                  <p:par>
+                    <p:cTn id="3" fill="hold">
+                      <p:stCondLst>
+                        <p:cond delay="indefinite"/>
+                      </p:stCondLst>
+                      <p:childTnLst>
+                        <p:par>
+                          <p:cTn id="4" fill="hold">
+                            <p:stCondLst>
+                              <p:cond delay="0"/>
+                            </p:stCondLst>
+                            <p:childTnLst>
+                              <p:par>
+                                <p:cTn id="5" presetID="10" presetClass="entr" presetSubtype="0" fill="hold" nodeType="clickEffect">
+                                  <p:stCondLst>
+                                    <p:cond delay="0"/>
+                                  </p:stCondLst>
+                                  <p:childTnLst>
+                                    <p:set>
+                                      <p:cBhvr>
+                                        <p:cTn id="6" dur="1" fill="hold">
+                                          <p:stCondLst>
+                                            <p:cond delay="0"/>
+                                          </p:stCondLst>
+                                        </p:cTn>
+                                        <p:tgtEl>
+                                          <p:spTgt spid="3">
+                                            <p:txEl>
+                                              <p:pRg st="0" end="0"/>
+                                            </p:txEl>
+                                          </p:spTgt>
+                                        </p:tgtEl>
+                                        <p:attrNameLst>
+                                          <p:attrName>style.visibility</p:attrName>
+                                        </p:attrNameLst>
+                                      </p:cBhvr>
+                                      <p:to>
+                                        <p:strVal val="visible"/>
+                                      </p:to>
+                                    </p:set>
+                                    <p:animEffect transition="in" filter="fade">
+                                      <p:cBhvr>
+                                        <p:cTn id="7" dur="500"/>
+                                        <p:tgtEl>
+                                          <p:spTgt spid="3">
+                                            <p:txEl>
+                                              <p:pRg st="0" end="0"/>
+                                            </p:txEl>
+                                          </p:spTgt>
+                                        </p:tgtEl>
+                                      </p:cBhvr>
+                                    </p:animEffect>
+                                  </p:childTnLst>
+                                </p:cTn>
+                              </p:par>
+                            </p:childTnLst>
+                          </p:cTn>
+                        </p:par>
+                      </p:childTnLst>
+                    </p:cTn>
+                  </p:par>
+                  <p:par>
+                    <p:cTn id="8" fill="hold">
+                      <p:stCondLst>
+                        <p:cond delay="indefinite"/>
+                      </p:stCondLst>
+                      <p:childTnLst>
+                        <p:par>
+                          <p:cTn id="9" fill="hold">
+                            <p:stCondLst>
+                              <p:cond delay="0"/>
+                            </p:stCondLst>
+                            <p:childTnLst>
+                              <p:par>
+                                <p:cTn id="10" presetID="10" presetClass="entr" presetSubtype="0" fill="hold" nodeType="clickEffect">
+                                  <p:stCondLst>
+                                    <p:cond delay="0"/>
+                                  </p:stCondLst>
+                                  <p:childTnLst>
+                                    <p:set>
+                                      <p:cBhvr>
+                                        <p:cTn id="11" dur="1" fill="hold">
+                                          <p:stCondLst>
+                                            <p:cond delay="0"/>
+                                          </p:stCondLst>
+                                        </p:cTn>
+                                        <p:tgtEl>
+                                          <p:spTgt spid="3">
+                                            <p:txEl>
+                                              <p:pRg st="1" end="1"/>
+                                            </p:txEl>
+                                          </p:spTgt>
+                                        </p:tgtEl>
+                                        <p:attrNameLst>
+                                          <p:attrName>style.visibility</p:attrName>
+                                        </p:attrNameLst>
+                                      </p:cBhvr>
+                                      <p:to>
+                                        <p:strVal val="visible"/>
+                                      </p:to>
+                                    </p:set>
+                                    <p:animEffect transition="in" filter="fade">
+                                      <p:cBhvr>
+                                        <p:cTn id="12" dur="500"/>
+                                        <p:tgtEl>
+                                          <p:spTgt spid="3">
+                                            <p:txEl>
+                                              <p:pRg st="1" end="1"/>
+                                            </p:txEl>
+                                          </p:spTgt>
+                                        </p:tgtEl>
+                                      </p:cBhvr>
+                                    </p:animEffect>
+                                  </p:childTnLst>
+                                </p:cTn>
+                              </p:par>
+                            </p:childTnLst>
+                          </p:cTn>
+                        </p:par>
+                      </p:childTnLst>
+                    </p:cTn>
+                  </p:par>
+                  <p:par>
+                    <p:cTn id="13" fill="hold">
+                      <p:stCondLst>
+                        <p:cond delay="indefinite"/>
+                      </p:stCondLst>
+                      <p:childTnLst>
+                        <p:par>
+                          <p:cTn id="14" fill="hold">
+                            <p:stCondLst>
+                              <p:cond delay="0"/>
+                            </p:stCondLst>
+                            <p:childTnLst>
+                              <p:par>
+                                <p:cTn id="15" presetID="10" presetClass="entr" presetSubtype="0" fill="hold" nodeType="clickEffect">
+                                  <p:stCondLst>
+                                    <p:cond delay="0"/>
+                                  </p:stCondLst>
+                                  <p:childTnLst>
+                                    <p:set>
+                                      <p:cBhvr>
+                                        <p:cTn id="16" dur="1" fill="hold">
+                                          <p:stCondLst>
+                                            <p:cond delay="0"/>
+                                          </p:stCondLst>
+                                        </p:cTn>
+                                        <p:tgtEl>
+                                          <p:spTgt spid="3">
+                                            <p:txEl>
+                                              <p:pRg st="2" end="2"/>
+                                            </p:txEl>
+                                          </p:spTgt>
+                                        </p:tgtEl>
+                                        <p:attrNameLst>
+                                          <p:attrName>style.visibility</p:attrName>
+                                        </p:attrNameLst>
+                                      </p:cBhvr>
+                                      <p:to>
+                                        <p:strVal val="visible"/>
+                                      </p:to>
+                                    </p:set>
+                                    <p:animEffect transition="in" filter="fade">
+                                      <p:cBhvr>
+                                        <p:cTn id="17" dur="500"/>
+                                        <p:tgtEl>
+                                          <p:spTgt spid="3">
+                                            <p:txEl>
+                                              <p:pRg st="2" end="2"/>
+                                            </p:txEl>
+                                          </p:spTgt>
+                                        </p:tgtEl>
+                                      </p:cBhvr>
+                                    </p:animEffect>
+                                  </p:childTnLst>
+                                </p:cTn>
+                              </p:par>
+                            </p:childTnLst>
+                          </p:cTn>
+                        </p:par>
+                      </p:childTnLst>
+                    </p:cTn>
+                  </p:par>
+                  <p:par>
+                    <p:cTn id="18" fill="hold">
+                      <p:stCondLst>
+                        <p:cond delay="indefinite"/>
+                      </p:stCondLst>
+                      <p:childTnLst>
+                        <p:par>
+                          <p:cTn id="19" fill="hold">
+                            <p:stCondLst>
+                              <p:cond delay="0"/>
+                            </p:stCondLst>
+                            <p:childTnLst>
+                              <p:par>
+                                <p:cTn id="20" presetID="10" presetClass="entr" presetSubtype="0" fill="hold" nodeType="clickEffect">
+                                  <p:stCondLst>
+                                    <p:cond delay="0"/>
+                                  </p:stCondLst>
+                                  <p:childTnLst>
+                                    <p:set>
+                                      <p:cBhvr>
+                                        <p:cTn id="21" dur="1" fill="hold">
+                                          <p:stCondLst>
+                                            <p:cond delay="0"/>
+                                          </p:stCondLst>
+                                        </p:cTn>
+                                        <p:tgtEl>
+                                          <p:spTgt spid="3">
+                                            <p:txEl>
+                                              <p:pRg st="3" end="3"/>
+                                            </p:txEl>
+                                          </p:spTgt>
+                                        </p:tgtEl>
+                                        <p:attrNameLst>
+                                          <p:attrName>style.visibility</p:attrName>
+                                        </p:attrNameLst>
+                                      </p:cBhvr>
+                                      <p:to>
+                                        <p:strVal val="visible"/>
+                                      </p:to>
+                                    </p:set>
+                                    <p:animEffect transition="in" filter="fade">
+                                      <p:cBhvr>
+                                        <p:cTn id="22" dur="500"/>
+                                        <p:tgtEl>
+                                          <p:spTgt spid="3">
+                                            <p:txEl>
+                                              <p:pRg st="3" end="3"/>
+                                            </p:txEl>
+                                          </p:spTgt>
+                                        </p:tgtEl>
+                                      </p:cBhvr>
+                                    </p:animEffect>
+                                  </p:childTnLst>
+                                </p:cTn>
+                              </p:par>
+                            </p:childTnLst>
+                          </p:cTn>
+                        </p:par>
+                      </p:childTnLst>
+                    </p:cTn>
+                  </p:par>
+                  <p:par>
+                    <p:cTn id="23" fill="hold">
+                      <p:stCondLst>
+                        <p:cond delay="indefinite"/>
+                      </p:stCondLst>
+                      <p:childTnLst>
+                        <p:par>
+                          <p:cTn id="24" fill="hold">
+                            <p:stCondLst>
+                              <p:cond delay="0"/>
+                            </p:stCondLst>
+                            <p:childTnLst>
+                              <p:par>
+                                <p:cTn id="25" presetID="10" presetClass="entr" presetSubtype="0" fill="hold" nodeType="clickEffect">
+                                  <p:stCondLst>
+                                    <p:cond delay="0"/>
+                                  </p:stCondLst>
+                                  <p:childTnLst>
+                                    <p:set>
+                                      <p:cBhvr>
+                                        <p:cTn id="26" dur="1" fill="hold">
+                                          <p:stCondLst>
+                                            <p:cond delay="0"/>
+                                          </p:stCondLst>
+                                        </p:cTn>
+                                        <p:tgtEl>
+                                          <p:spTgt spid="3">
+                                            <p:txEl>
+                                              <p:pRg st="4" end="4"/>
+                                            </p:txEl>
+                                          </p:spTgt>
+                                        </p:tgtEl>
+                                        <p:attrNameLst>
+                                          <p:attrName>style.visibility</p:attrName>
+                                        </p:attrNameLst>
+                                      </p:cBhvr>
+                                      <p:to>
+                                        <p:strVal val="visible"/>
+                                      </p:to>
+                                    </p:set>
+                                    <p:animEffect transition="in" filter="fade">
+                                      <p:cBhvr>
+                                        <p:cTn id="27" dur="500"/>
+                                        <p:tgtEl>
+                                          <p:spTgt spid="3">
+                                            <p:txEl>
+                                              <p:pRg st="4" end="4"/>
+                                            </p:txEl>
+                                          </p:spTgt>
+                                        </p:tgtEl>
+                                      </p:cBhvr>
+                                    </p:animEffect>
+                                  </p:childTnLst>
+                                </p:cTn>
+                              </p:par>
+                            </p:childTnLst>
+                          </p:cTn>
+                        </p:par>
+                      </p:childTnLst>
+                    </p:cTn>
+                  </p:par>
+                  <p:par>
+                    <p:cTn id="28" fill="hold">
+                      <p:stCondLst>
+                        <p:cond delay="indefinite"/>
+                      </p:stCondLst>
+                      <p:childTnLst>
+                        <p:par>
+                          <p:cTn id="29" fill="hold">
+                            <p:stCondLst>
+                              <p:cond delay="0"/>
+                            </p:stCondLst>
+                            <p:childTnLst>
+                              <p:par>
+                                <p:cTn id="30" presetID="10" presetClass="entr" presetSubtype="0" fill="hold" nodeType="clickEffect">
+                                  <p:stCondLst>
+                                    <p:cond delay="0"/>
+                                  </p:stCondLst>
+                                  <p:childTnLst>
+                                    <p:set>
+                                      <p:cBhvr>
+                                        <p:cTn id="31" dur="1" fill="hold">
+                                          <p:stCondLst>
+                                            <p:cond delay="0"/>
+                                          </p:stCondLst>
+                                        </p:cTn>
+                                        <p:tgtEl>
+                                          <p:spTgt spid="3">
+                                            <p:txEl>
+                                              <p:pRg st="5" end="5"/>
+                                            </p:txEl>
+                                          </p:spTgt>
+                                        </p:tgtEl>
+                                        <p:attrNameLst>
+                                          <p:attrName>style.visibility</p:attrName>
+                                        </p:attrNameLst>
+                                      </p:cBhvr>
+                                      <p:to>
+                                        <p:strVal val="visible"/>
+                                      </p:to>
+                                    </p:set>
+                                    <p:animEffect transition="in" filter="fade">
+                                      <p:cBhvr>
+                                        <p:cTn id="32" dur="500"/>
+                                        <p:tgtEl>
+                                          <p:spTgt spid="3">
+                                            <p:txEl>
+                                              <p:pRg st="5" end="5"/>
+                                            </p:txEl>
+                                          </p:spTgt>
+                                        </p:tgtEl>
+                                      </p:cBhvr>
+                                    </p:animEffect>
+                                  </p:childTnLst>
+                                </p:cTn>
+                              </p:par>
+                            </p:childTnLst>
+                          </p:cTn>
+                        </p:par>
+                      </p:childTnLst>
+                    </p:cTn>
+                  </p:par>
+                </p:childTnLst>
+              </p:cTn>
+              <p:prevCondLst>
+                <p:cond evt="onPrev" delay="0">
+                  <p:tgtEl>
+                    <p:sldTgt/>
+                  </p:tgtEl>
+                </p:cond>
+              </p:prevCondLst>
+              <p:nextCondLst>
+                <p:cond evt="onNext" delay="0">
+                  <p:tgtEl>
+                    <p:sldTgt/>
+                  </p:tgtEl>
+                </p:cond>
+              </p:nextCondLst>
+            </p:seq>
+          </p:childTnLst>
+        </p:cTn>
+      </p:par>
+    </p:tnLst>
+  </p:timing>
 </p:sld>
 </file>
 
-<file path=ppt/slides/slide11.xml><?xml version="1.0" encoding="utf-8"?>
-<p:sld xmlns:a="http://schemas.openxmlformats.org/drawingml/2006/main" xmlns:r="http://schemas.openxmlformats.org/officeDocument/2006/relationships" xmlns:p="http://schemas.openxmlformats.org/presentationml/2006/main">
-  <p:cSld>
-    <p:spTree>
-      <p:nvGrpSpPr>
-        <p:cNvPr id="1" name=""/>
-        <p:cNvGrpSpPr/>
-        <p:nvPr/>
-      </p:nvGrpSpPr>
-      <p:grpSpPr>
-        <a:xfrm>
-          <a:off x="0" y="0"/>
-          <a:ext cx="0" cy="0"/>
-          <a:chOff x="0" y="0"/>
-          <a:chExt cx="0" cy="0"/>
-        </a:xfrm>
-      </p:grpSpPr>
-      <p:pic>
-        <p:nvPicPr>
-          <p:cNvPr id="5" name="Grafik 4">
-            <a:extLst>
-              <a:ext uri="{FF2B5EF4-FFF2-40B4-BE49-F238E27FC236}">
-                <a16:creationId xmlns:a16="http://schemas.microsoft.com/office/drawing/2014/main" id="{7F28AEC6-0A96-47D6-B6EE-BCE9683206B3}"/>
-              </a:ext>
-            </a:extLst>
-          </p:cNvPr>
-          <p:cNvPicPr>
-            <a:picLocks noChangeAspect="1"/>
-          </p:cNvPicPr>
-          <p:nvPr/>
-        </p:nvPicPr>
-        <p:blipFill>
-          <a:blip r:embed="rId3">
-            <a:extLst>
-              <a:ext uri="{28A0092B-C50C-407E-A947-70E740481C1C}">
-                <a14:useLocalDpi xmlns:a14="http://schemas.microsoft.com/office/drawing/2010/main" val="0"/>
-              </a:ext>
-              <a:ext uri="{96DAC541-7B7A-43D3-8B79-37D633B846F1}">
-                <asvg:svgBlip xmlns:asvg="http://schemas.microsoft.com/office/drawing/2016/SVG/main" r:embed="rId4"/>
-              </a:ext>
-            </a:extLst>
-          </a:blip>
-          <a:stretch>
-            <a:fillRect/>
-          </a:stretch>
-        </p:blipFill>
-        <p:spPr>
-          <a:xfrm>
-            <a:off x="1464753" y="25244"/>
-            <a:ext cx="9262494" cy="6740194"/>
-          </a:xfrm>
-          <a:prstGeom prst="rect">
-            <a:avLst/>
-          </a:prstGeom>
-        </p:spPr>
-      </p:pic>
-      <p:sp>
-        <p:nvSpPr>
-          <p:cNvPr id="2" name="Rechteck 1">
-            <a:extLst>
-              <a:ext uri="{FF2B5EF4-FFF2-40B4-BE49-F238E27FC236}">
-                <a16:creationId xmlns:a16="http://schemas.microsoft.com/office/drawing/2014/main" id="{165296EE-663E-44C6-8495-D281D967ED03}"/>
-              </a:ext>
-            </a:extLst>
-          </p:cNvPr>
-          <p:cNvSpPr/>
-          <p:nvPr/>
-        </p:nvSpPr>
-        <p:spPr>
-          <a:xfrm>
-            <a:off x="3124367" y="4431819"/>
-            <a:ext cx="8083745" cy="6061406"/>
-          </a:xfrm>
-          <a:prstGeom prst="rect">
-            <a:avLst/>
-          </a:prstGeom>
-          <a:solidFill>
-            <a:schemeClr val="bg1"/>
-          </a:solidFill>
-          <a:ln>
-            <a:solidFill>
-              <a:schemeClr val="bg1"/>
-            </a:solidFill>
-          </a:ln>
-        </p:spPr>
-        <p:style>
-          <a:lnRef idx="2">
-            <a:schemeClr val="accent1">
-              <a:shade val="50000"/>
-            </a:schemeClr>
-          </a:lnRef>
-          <a:fillRef idx="1">
-            <a:schemeClr val="accent1"/>
-          </a:fillRef>
-          <a:effectRef idx="0">
-            <a:schemeClr val="accent1"/>
-          </a:effectRef>
-          <a:fontRef idx="minor">
-            <a:schemeClr val="lt1"/>
-          </a:fontRef>
-        </p:style>
-        <p:txBody>
-          <a:bodyPr rtlCol="0" anchor="ctr"/>
-          <a:lstStyle/>
-          <a:p>
-            <a:pPr algn="ctr"/>
-            <a:endParaRPr lang="de-DE"/>
-          </a:p>
-        </p:txBody>
-      </p:sp>
-      <p:sp>
-        <p:nvSpPr>
-          <p:cNvPr id="6" name="Rechteck 5">
-            <a:extLst>
-              <a:ext uri="{FF2B5EF4-FFF2-40B4-BE49-F238E27FC236}">
-                <a16:creationId xmlns:a16="http://schemas.microsoft.com/office/drawing/2014/main" id="{C239B221-4301-47EA-93AD-9B3D2DDEF4C8}"/>
-              </a:ext>
-            </a:extLst>
-          </p:cNvPr>
-          <p:cNvSpPr/>
-          <p:nvPr/>
-        </p:nvSpPr>
-        <p:spPr>
-          <a:xfrm>
-            <a:off x="2464843" y="5201249"/>
-            <a:ext cx="8083745" cy="6061406"/>
-          </a:xfrm>
-          <a:prstGeom prst="rect">
-            <a:avLst/>
-          </a:prstGeom>
-          <a:solidFill>
-            <a:schemeClr val="bg1"/>
-          </a:solidFill>
-          <a:ln>
-            <a:solidFill>
-              <a:schemeClr val="bg1"/>
-            </a:solidFill>
-          </a:ln>
-        </p:spPr>
-        <p:style>
-          <a:lnRef idx="2">
-            <a:schemeClr val="accent1">
-              <a:shade val="50000"/>
-            </a:schemeClr>
-          </a:lnRef>
-          <a:fillRef idx="1">
-            <a:schemeClr val="accent1"/>
-          </a:fillRef>
-          <a:effectRef idx="0">
-            <a:schemeClr val="accent1"/>
-          </a:effectRef>
-          <a:fontRef idx="minor">
-            <a:schemeClr val="lt1"/>
-          </a:fontRef>
-        </p:style>
-        <p:txBody>
-          <a:bodyPr rtlCol="0" anchor="ctr"/>
-          <a:lstStyle/>
-          <a:p>
-            <a:pPr algn="ctr"/>
-            <a:endParaRPr lang="de-DE"/>
-          </a:p>
-        </p:txBody>
-      </p:sp>
-    </p:spTree>
-    <p:extLst>
-      <p:ext uri="{BB962C8B-B14F-4D97-AF65-F5344CB8AC3E}">
-        <p14:creationId xmlns:p14="http://schemas.microsoft.com/office/powerpoint/2010/main" val="1220837778"/>
-      </p:ext>
-    </p:extLst>
-  </p:cSld>
-  <p:clrMapOvr>
-    <a:masterClrMapping/>
-  </p:clrMapOvr>
-</p:sld>
-</file>
-
-<file path=ppt/slides/slide12.xml><?xml version="1.0" encoding="utf-8"?>
-<p:sld xmlns:a="http://schemas.openxmlformats.org/drawingml/2006/main" xmlns:r="http://schemas.openxmlformats.org/officeDocument/2006/relationships" xmlns:p="http://schemas.openxmlformats.org/presentationml/2006/main">
-  <p:cSld>
-    <p:spTree>
-      <p:nvGrpSpPr>
-        <p:cNvPr id="1" name=""/>
-        <p:cNvGrpSpPr/>
-        <p:nvPr/>
-      </p:nvGrpSpPr>
-      <p:grpSpPr>
-        <a:xfrm>
-          <a:off x="0" y="0"/>
-          <a:ext cx="0" cy="0"/>
-          <a:chOff x="0" y="0"/>
-          <a:chExt cx="0" cy="0"/>
-        </a:xfrm>
-      </p:grpSpPr>
-      <p:pic>
-        <p:nvPicPr>
-          <p:cNvPr id="5" name="Grafik 4">
-            <a:extLst>
-              <a:ext uri="{FF2B5EF4-FFF2-40B4-BE49-F238E27FC236}">
-                <a16:creationId xmlns:a16="http://schemas.microsoft.com/office/drawing/2014/main" id="{7F28AEC6-0A96-47D6-B6EE-BCE9683206B3}"/>
-              </a:ext>
-            </a:extLst>
-          </p:cNvPr>
-          <p:cNvPicPr>
-            <a:picLocks noChangeAspect="1"/>
-          </p:cNvPicPr>
-          <p:nvPr/>
-        </p:nvPicPr>
-        <p:blipFill>
-          <a:blip r:embed="rId3">
-            <a:extLst>
-              <a:ext uri="{28A0092B-C50C-407E-A947-70E740481C1C}">
-                <a14:useLocalDpi xmlns:a14="http://schemas.microsoft.com/office/drawing/2010/main" val="0"/>
-              </a:ext>
-              <a:ext uri="{96DAC541-7B7A-43D3-8B79-37D633B846F1}">
-                <asvg:svgBlip xmlns:asvg="http://schemas.microsoft.com/office/drawing/2016/SVG/main" r:embed="rId4"/>
-              </a:ext>
-            </a:extLst>
-          </a:blip>
-          <a:stretch>
-            <a:fillRect/>
-          </a:stretch>
-        </p:blipFill>
-        <p:spPr>
-          <a:xfrm>
-            <a:off x="1464753" y="25244"/>
-            <a:ext cx="9262494" cy="6740194"/>
-          </a:xfrm>
-          <a:prstGeom prst="rect">
-            <a:avLst/>
-          </a:prstGeom>
-        </p:spPr>
-      </p:pic>
-      <p:sp>
-        <p:nvSpPr>
-          <p:cNvPr id="6" name="Rechteck 5">
-            <a:extLst>
-              <a:ext uri="{FF2B5EF4-FFF2-40B4-BE49-F238E27FC236}">
-                <a16:creationId xmlns:a16="http://schemas.microsoft.com/office/drawing/2014/main" id="{C239B221-4301-47EA-93AD-9B3D2DDEF4C8}"/>
-              </a:ext>
-            </a:extLst>
-          </p:cNvPr>
-          <p:cNvSpPr/>
-          <p:nvPr/>
-        </p:nvSpPr>
-        <p:spPr>
-          <a:xfrm>
-            <a:off x="2500561" y="5172674"/>
-            <a:ext cx="8083745" cy="1660082"/>
-          </a:xfrm>
-          <a:prstGeom prst="rect">
-            <a:avLst/>
-          </a:prstGeom>
-          <a:solidFill>
-            <a:schemeClr val="bg1"/>
-          </a:solidFill>
-          <a:ln>
-            <a:solidFill>
-              <a:schemeClr val="bg1"/>
-            </a:solidFill>
-          </a:ln>
-        </p:spPr>
-        <p:style>
-          <a:lnRef idx="2">
-            <a:schemeClr val="accent1">
-              <a:shade val="50000"/>
-            </a:schemeClr>
-          </a:lnRef>
-          <a:fillRef idx="1">
-            <a:schemeClr val="accent1"/>
-          </a:fillRef>
-          <a:effectRef idx="0">
-            <a:schemeClr val="accent1"/>
-          </a:effectRef>
-          <a:fontRef idx="minor">
-            <a:schemeClr val="lt1"/>
-          </a:fontRef>
-        </p:style>
-        <p:txBody>
-          <a:bodyPr rtlCol="0" anchor="ctr"/>
-          <a:lstStyle/>
-          <a:p>
-            <a:pPr algn="ctr"/>
-            <a:endParaRPr lang="de-DE"/>
-          </a:p>
-        </p:txBody>
-      </p:sp>
-    </p:spTree>
-    <p:extLst>
-      <p:ext uri="{BB962C8B-B14F-4D97-AF65-F5344CB8AC3E}">
-        <p14:creationId xmlns:p14="http://schemas.microsoft.com/office/powerpoint/2010/main" val="1578248671"/>
-      </p:ext>
-    </p:extLst>
-  </p:cSld>
-  <p:clrMapOvr>
-    <a:masterClrMapping/>
-  </p:clrMapOvr>
-</p:sld>
-</file>
-
-<file path=ppt/slides/slide13.xml><?xml version="1.0" encoding="utf-8"?>
+<file path=ppt/slides/slide3.xml><?xml version="1.0" encoding="utf-8"?>
 <p:sld xmlns:a="http://schemas.openxmlformats.org/drawingml/2006/main" xmlns:r="http://schemas.openxmlformats.org/officeDocument/2006/relationships" xmlns:p="http://schemas.openxmlformats.org/presentationml/2006/main">
   <p:cSld>
     <p:spTree>
@@ -6833,7 +5389,7 @@
 </p:sld>
 </file>
 
-<file path=ppt/slides/slide14.xml><?xml version="1.0" encoding="utf-8"?>
+<file path=ppt/slides/slide4.xml><?xml version="1.0" encoding="utf-8"?>
 <p:sld xmlns:a="http://schemas.openxmlformats.org/drawingml/2006/main" xmlns:r="http://schemas.openxmlformats.org/officeDocument/2006/relationships" xmlns:p="http://schemas.openxmlformats.org/presentationml/2006/main">
   <p:cSld>
     <p:spTree>
@@ -6855,61 +5411,35 @@
           <p:cNvPr id="2" name="Titel 1">
             <a:extLst>
               <a:ext uri="{FF2B5EF4-FFF2-40B4-BE49-F238E27FC236}">
-                <a16:creationId xmlns:a16="http://schemas.microsoft.com/office/drawing/2014/main" id="{E81BB5B2-B536-42C3-AC47-11466BCEABF2}"/>
-              </a:ext>
-            </a:extLst>
-          </p:cNvPr>
-          <p:cNvSpPr>
-            <a:spLocks noGrp="1"/>
-          </p:cNvSpPr>
-          <p:nvPr>
-            <p:ph type="ctrTitle"/>
-          </p:nvPr>
-        </p:nvSpPr>
-        <p:spPr/>
-        <p:txBody>
-          <a:bodyPr>
-            <a:normAutofit/>
-          </a:bodyPr>
+                <a16:creationId xmlns:a16="http://schemas.microsoft.com/office/drawing/2014/main" id="{37034825-07D4-4D0F-9DDC-7070C63A0EA8}"/>
+              </a:ext>
+            </a:extLst>
+          </p:cNvPr>
+          <p:cNvSpPr>
+            <a:spLocks noGrp="1"/>
+          </p:cNvSpPr>
+          <p:nvPr>
+            <p:ph type="title"/>
+          </p:nvPr>
+        </p:nvSpPr>
+        <p:spPr>
+          <a:xfrm>
+            <a:off x="838200" y="-145369"/>
+            <a:ext cx="10515600" cy="1325563"/>
+          </a:xfrm>
+        </p:spPr>
+        <p:txBody>
+          <a:bodyPr/>
           <a:lstStyle/>
           <a:p>
             <a:r>
-              <a:rPr lang="de-DE" sz="4400" dirty="0"/>
+              <a:rPr lang="de-DE" sz="3200" dirty="0"/>
               <a:t>Demonstrationsvideo</a:t>
             </a:r>
-          </a:p>
-        </p:txBody>
-      </p:sp>
-    </p:spTree>
-    <p:extLst>
-      <p:ext uri="{BB962C8B-B14F-4D97-AF65-F5344CB8AC3E}">
-        <p14:creationId xmlns:p14="http://schemas.microsoft.com/office/powerpoint/2010/main" val="1875965884"/>
-      </p:ext>
-    </p:extLst>
-  </p:cSld>
-  <p:clrMapOvr>
-    <a:masterClrMapping/>
-  </p:clrMapOvr>
-</p:sld>
-</file>
-
-<file path=ppt/slides/slide15.xml><?xml version="1.0" encoding="utf-8"?>
-<p:sld xmlns:a="http://schemas.openxmlformats.org/drawingml/2006/main" xmlns:r="http://schemas.openxmlformats.org/officeDocument/2006/relationships" xmlns:p="http://schemas.openxmlformats.org/presentationml/2006/main">
-  <p:cSld>
-    <p:spTree>
-      <p:nvGrpSpPr>
-        <p:cNvPr id="1" name=""/>
-        <p:cNvGrpSpPr/>
-        <p:nvPr/>
-      </p:nvGrpSpPr>
-      <p:grpSpPr>
-        <a:xfrm>
-          <a:off x="0" y="0"/>
-          <a:ext cx="0" cy="0"/>
-          <a:chOff x="0" y="0"/>
-          <a:chExt cx="0" cy="0"/>
-        </a:xfrm>
-      </p:grpSpPr>
+            <a:endParaRPr lang="de-DE" dirty="0"/>
+          </a:p>
+        </p:txBody>
+      </p:sp>
       <p:pic>
         <p:nvPicPr>
           <p:cNvPr id="4" name="Projekt Showcase">
@@ -6924,7 +5454,7 @@
             <a:picLocks noGrp="1" noChangeAspect="1"/>
           </p:cNvPicPr>
           <p:nvPr>
-            <p:ph idx="1"/>
+            <p:ph idx="4294967295"/>
             <a:videoFile r:link="rId2"/>
             <p:extLst>
               <p:ext uri="{DAA4B4D4-6D71-4841-9C94-3DE7FCFB9230}">
@@ -6941,8 +5471,8 @@
         </p:blipFill>
         <p:spPr>
           <a:xfrm>
-            <a:off x="0" y="78"/>
-            <a:ext cx="12192139" cy="6857922"/>
+            <a:off x="757325" y="851487"/>
+            <a:ext cx="10677350" cy="6006513"/>
           </a:xfrm>
         </p:spPr>
       </p:pic>
@@ -7094,7 +5624,7 @@
 </p:sld>
 </file>
 
-<file path=ppt/slides/slide16.xml><?xml version="1.0" encoding="utf-8"?>
+<file path=ppt/slides/slide5.xml><?xml version="1.0" encoding="utf-8"?>
 <p:sld xmlns:a="http://schemas.openxmlformats.org/drawingml/2006/main" xmlns:r="http://schemas.openxmlformats.org/officeDocument/2006/relationships" xmlns:p="http://schemas.openxmlformats.org/presentationml/2006/main">
   <p:cSld>
     <p:spTree>
@@ -7760,2123 +6290,6 @@
       <p:bldP spid="11" grpId="0" build="p"/>
     </p:bldLst>
   </p:timing>
-</p:sld>
-</file>
-
-<file path=ppt/slides/slide2.xml><?xml version="1.0" encoding="utf-8"?>
-<p:sld xmlns:a="http://schemas.openxmlformats.org/drawingml/2006/main" xmlns:r="http://schemas.openxmlformats.org/officeDocument/2006/relationships" xmlns:p="http://schemas.openxmlformats.org/presentationml/2006/main">
-  <p:cSld>
-    <p:spTree>
-      <p:nvGrpSpPr>
-        <p:cNvPr id="1" name=""/>
-        <p:cNvGrpSpPr/>
-        <p:nvPr/>
-      </p:nvGrpSpPr>
-      <p:grpSpPr>
-        <a:xfrm>
-          <a:off x="0" y="0"/>
-          <a:ext cx="0" cy="0"/>
-          <a:chOff x="0" y="0"/>
-          <a:chExt cx="0" cy="0"/>
-        </a:xfrm>
-      </p:grpSpPr>
-      <p:sp>
-        <p:nvSpPr>
-          <p:cNvPr id="2" name="Titel 1">
-            <a:extLst>
-              <a:ext uri="{FF2B5EF4-FFF2-40B4-BE49-F238E27FC236}">
-                <a16:creationId xmlns:a16="http://schemas.microsoft.com/office/drawing/2014/main" id="{DCA5308D-4926-4D44-9125-F1A60A2F2EB9}"/>
-              </a:ext>
-            </a:extLst>
-          </p:cNvPr>
-          <p:cNvSpPr>
-            <a:spLocks noGrp="1"/>
-          </p:cNvSpPr>
-          <p:nvPr>
-            <p:ph type="title"/>
-          </p:nvPr>
-        </p:nvSpPr>
-        <p:spPr/>
-        <p:txBody>
-          <a:bodyPr/>
-          <a:lstStyle/>
-          <a:p>
-            <a:r>
-              <a:rPr lang="de-DE" dirty="0"/>
-              <a:t>Wichtigste Anforderung</a:t>
-            </a:r>
-          </a:p>
-        </p:txBody>
-      </p:sp>
-      <p:sp>
-        <p:nvSpPr>
-          <p:cNvPr id="3" name="Inhaltsplatzhalter 2">
-            <a:extLst>
-              <a:ext uri="{FF2B5EF4-FFF2-40B4-BE49-F238E27FC236}">
-                <a16:creationId xmlns:a16="http://schemas.microsoft.com/office/drawing/2014/main" id="{7AC143AC-938A-4E1B-9166-978E02B1E18F}"/>
-              </a:ext>
-            </a:extLst>
-          </p:cNvPr>
-          <p:cNvSpPr>
-            <a:spLocks noGrp="1"/>
-          </p:cNvSpPr>
-          <p:nvPr>
-            <p:ph idx="1"/>
-          </p:nvPr>
-        </p:nvSpPr>
-        <p:spPr/>
-        <p:txBody>
-          <a:bodyPr>
-            <a:normAutofit/>
-          </a:bodyPr>
-          <a:lstStyle/>
-          <a:p>
-            <a:r>
-              <a:rPr lang="de-DE" sz="3600" dirty="0">
-                <a:solidFill>
-                  <a:srgbClr val="FF0000"/>
-                </a:solidFill>
-              </a:rPr>
-              <a:t>Benutzerfreundlichkeit</a:t>
-            </a:r>
-          </a:p>
-          <a:p>
-            <a:r>
-              <a:rPr lang="de-DE" dirty="0"/>
-              <a:t>Konfiguration komplett über GUI</a:t>
-            </a:r>
-          </a:p>
-          <a:p>
-            <a:pPr lvl="1"/>
-            <a:r>
-              <a:rPr lang="de-DE" dirty="0"/>
-              <a:t>Neue </a:t>
-            </a:r>
-            <a:r>
-              <a:rPr lang="de-DE" dirty="0" err="1"/>
-              <a:t>Worker</a:t>
-            </a:r>
-            <a:r>
-              <a:rPr lang="de-DE" dirty="0"/>
-              <a:t> hinzufügen</a:t>
-            </a:r>
-          </a:p>
-          <a:p>
-            <a:pPr lvl="1"/>
-            <a:r>
-              <a:rPr lang="de-DE" dirty="0"/>
-              <a:t>Parameter für </a:t>
-            </a:r>
-            <a:r>
-              <a:rPr lang="de-DE" dirty="0" err="1"/>
-              <a:t>Worker</a:t>
-            </a:r>
-            <a:r>
-              <a:rPr lang="de-DE" dirty="0"/>
-              <a:t> setzen</a:t>
-            </a:r>
-          </a:p>
-          <a:p>
-            <a:pPr lvl="1"/>
-            <a:r>
-              <a:rPr lang="de-DE" dirty="0"/>
-              <a:t>Bestehende </a:t>
-            </a:r>
-            <a:r>
-              <a:rPr lang="de-DE" dirty="0" err="1"/>
-              <a:t>Worker</a:t>
-            </a:r>
-            <a:r>
-              <a:rPr lang="de-DE" dirty="0"/>
-              <a:t> editieren</a:t>
-            </a:r>
-          </a:p>
-          <a:p>
-            <a:pPr lvl="1"/>
-            <a:r>
-              <a:rPr lang="de-DE" dirty="0"/>
-              <a:t>Bestehende </a:t>
-            </a:r>
-            <a:r>
-              <a:rPr lang="de-DE" dirty="0" err="1"/>
-              <a:t>Worker</a:t>
-            </a:r>
-            <a:r>
-              <a:rPr lang="de-DE" dirty="0"/>
-              <a:t> entfernen</a:t>
-            </a:r>
-          </a:p>
-        </p:txBody>
-      </p:sp>
-    </p:spTree>
-    <p:extLst>
-      <p:ext uri="{BB962C8B-B14F-4D97-AF65-F5344CB8AC3E}">
-        <p14:creationId xmlns:p14="http://schemas.microsoft.com/office/powerpoint/2010/main" val="377178494"/>
-      </p:ext>
-    </p:extLst>
-  </p:cSld>
-  <p:clrMapOvr>
-    <a:masterClrMapping/>
-  </p:clrMapOvr>
-  <p:timing>
-    <p:tnLst>
-      <p:par>
-        <p:cTn id="1" dur="indefinite" restart="never" nodeType="tmRoot">
-          <p:childTnLst>
-            <p:seq concurrent="1" nextAc="seek">
-              <p:cTn id="2" dur="indefinite" nodeType="mainSeq">
-                <p:childTnLst>
-                  <p:par>
-                    <p:cTn id="3" fill="hold">
-                      <p:stCondLst>
-                        <p:cond delay="indefinite"/>
-                      </p:stCondLst>
-                      <p:childTnLst>
-                        <p:par>
-                          <p:cTn id="4" fill="hold">
-                            <p:stCondLst>
-                              <p:cond delay="0"/>
-                            </p:stCondLst>
-                            <p:childTnLst>
-                              <p:par>
-                                <p:cTn id="5" presetID="10" presetClass="entr" presetSubtype="0" fill="hold" nodeType="clickEffect">
-                                  <p:stCondLst>
-                                    <p:cond delay="0"/>
-                                  </p:stCondLst>
-                                  <p:childTnLst>
-                                    <p:set>
-                                      <p:cBhvr>
-                                        <p:cTn id="6" dur="1" fill="hold">
-                                          <p:stCondLst>
-                                            <p:cond delay="0"/>
-                                          </p:stCondLst>
-                                        </p:cTn>
-                                        <p:tgtEl>
-                                          <p:spTgt spid="3">
-                                            <p:txEl>
-                                              <p:pRg st="0" end="0"/>
-                                            </p:txEl>
-                                          </p:spTgt>
-                                        </p:tgtEl>
-                                        <p:attrNameLst>
-                                          <p:attrName>style.visibility</p:attrName>
-                                        </p:attrNameLst>
-                                      </p:cBhvr>
-                                      <p:to>
-                                        <p:strVal val="visible"/>
-                                      </p:to>
-                                    </p:set>
-                                    <p:animEffect transition="in" filter="fade">
-                                      <p:cBhvr>
-                                        <p:cTn id="7" dur="500"/>
-                                        <p:tgtEl>
-                                          <p:spTgt spid="3">
-                                            <p:txEl>
-                                              <p:pRg st="0" end="0"/>
-                                            </p:txEl>
-                                          </p:spTgt>
-                                        </p:tgtEl>
-                                      </p:cBhvr>
-                                    </p:animEffect>
-                                  </p:childTnLst>
-                                </p:cTn>
-                              </p:par>
-                            </p:childTnLst>
-                          </p:cTn>
-                        </p:par>
-                      </p:childTnLst>
-                    </p:cTn>
-                  </p:par>
-                  <p:par>
-                    <p:cTn id="8" fill="hold">
-                      <p:stCondLst>
-                        <p:cond delay="indefinite"/>
-                      </p:stCondLst>
-                      <p:childTnLst>
-                        <p:par>
-                          <p:cTn id="9" fill="hold">
-                            <p:stCondLst>
-                              <p:cond delay="0"/>
-                            </p:stCondLst>
-                            <p:childTnLst>
-                              <p:par>
-                                <p:cTn id="10" presetID="10" presetClass="entr" presetSubtype="0" fill="hold" nodeType="clickEffect">
-                                  <p:stCondLst>
-                                    <p:cond delay="0"/>
-                                  </p:stCondLst>
-                                  <p:childTnLst>
-                                    <p:set>
-                                      <p:cBhvr>
-                                        <p:cTn id="11" dur="1" fill="hold">
-                                          <p:stCondLst>
-                                            <p:cond delay="0"/>
-                                          </p:stCondLst>
-                                        </p:cTn>
-                                        <p:tgtEl>
-                                          <p:spTgt spid="3">
-                                            <p:txEl>
-                                              <p:pRg st="1" end="1"/>
-                                            </p:txEl>
-                                          </p:spTgt>
-                                        </p:tgtEl>
-                                        <p:attrNameLst>
-                                          <p:attrName>style.visibility</p:attrName>
-                                        </p:attrNameLst>
-                                      </p:cBhvr>
-                                      <p:to>
-                                        <p:strVal val="visible"/>
-                                      </p:to>
-                                    </p:set>
-                                    <p:animEffect transition="in" filter="fade">
-                                      <p:cBhvr>
-                                        <p:cTn id="12" dur="500"/>
-                                        <p:tgtEl>
-                                          <p:spTgt spid="3">
-                                            <p:txEl>
-                                              <p:pRg st="1" end="1"/>
-                                            </p:txEl>
-                                          </p:spTgt>
-                                        </p:tgtEl>
-                                      </p:cBhvr>
-                                    </p:animEffect>
-                                  </p:childTnLst>
-                                </p:cTn>
-                              </p:par>
-                            </p:childTnLst>
-                          </p:cTn>
-                        </p:par>
-                      </p:childTnLst>
-                    </p:cTn>
-                  </p:par>
-                  <p:par>
-                    <p:cTn id="13" fill="hold">
-                      <p:stCondLst>
-                        <p:cond delay="indefinite"/>
-                      </p:stCondLst>
-                      <p:childTnLst>
-                        <p:par>
-                          <p:cTn id="14" fill="hold">
-                            <p:stCondLst>
-                              <p:cond delay="0"/>
-                            </p:stCondLst>
-                            <p:childTnLst>
-                              <p:par>
-                                <p:cTn id="15" presetID="10" presetClass="entr" presetSubtype="0" fill="hold" nodeType="clickEffect">
-                                  <p:stCondLst>
-                                    <p:cond delay="0"/>
-                                  </p:stCondLst>
-                                  <p:childTnLst>
-                                    <p:set>
-                                      <p:cBhvr>
-                                        <p:cTn id="16" dur="1" fill="hold">
-                                          <p:stCondLst>
-                                            <p:cond delay="0"/>
-                                          </p:stCondLst>
-                                        </p:cTn>
-                                        <p:tgtEl>
-                                          <p:spTgt spid="3">
-                                            <p:txEl>
-                                              <p:pRg st="2" end="2"/>
-                                            </p:txEl>
-                                          </p:spTgt>
-                                        </p:tgtEl>
-                                        <p:attrNameLst>
-                                          <p:attrName>style.visibility</p:attrName>
-                                        </p:attrNameLst>
-                                      </p:cBhvr>
-                                      <p:to>
-                                        <p:strVal val="visible"/>
-                                      </p:to>
-                                    </p:set>
-                                    <p:animEffect transition="in" filter="fade">
-                                      <p:cBhvr>
-                                        <p:cTn id="17" dur="500"/>
-                                        <p:tgtEl>
-                                          <p:spTgt spid="3">
-                                            <p:txEl>
-                                              <p:pRg st="2" end="2"/>
-                                            </p:txEl>
-                                          </p:spTgt>
-                                        </p:tgtEl>
-                                      </p:cBhvr>
-                                    </p:animEffect>
-                                  </p:childTnLst>
-                                </p:cTn>
-                              </p:par>
-                            </p:childTnLst>
-                          </p:cTn>
-                        </p:par>
-                      </p:childTnLst>
-                    </p:cTn>
-                  </p:par>
-                  <p:par>
-                    <p:cTn id="18" fill="hold">
-                      <p:stCondLst>
-                        <p:cond delay="indefinite"/>
-                      </p:stCondLst>
-                      <p:childTnLst>
-                        <p:par>
-                          <p:cTn id="19" fill="hold">
-                            <p:stCondLst>
-                              <p:cond delay="0"/>
-                            </p:stCondLst>
-                            <p:childTnLst>
-                              <p:par>
-                                <p:cTn id="20" presetID="10" presetClass="entr" presetSubtype="0" fill="hold" nodeType="clickEffect">
-                                  <p:stCondLst>
-                                    <p:cond delay="0"/>
-                                  </p:stCondLst>
-                                  <p:childTnLst>
-                                    <p:set>
-                                      <p:cBhvr>
-                                        <p:cTn id="21" dur="1" fill="hold">
-                                          <p:stCondLst>
-                                            <p:cond delay="0"/>
-                                          </p:stCondLst>
-                                        </p:cTn>
-                                        <p:tgtEl>
-                                          <p:spTgt spid="3">
-                                            <p:txEl>
-                                              <p:pRg st="3" end="3"/>
-                                            </p:txEl>
-                                          </p:spTgt>
-                                        </p:tgtEl>
-                                        <p:attrNameLst>
-                                          <p:attrName>style.visibility</p:attrName>
-                                        </p:attrNameLst>
-                                      </p:cBhvr>
-                                      <p:to>
-                                        <p:strVal val="visible"/>
-                                      </p:to>
-                                    </p:set>
-                                    <p:animEffect transition="in" filter="fade">
-                                      <p:cBhvr>
-                                        <p:cTn id="22" dur="500"/>
-                                        <p:tgtEl>
-                                          <p:spTgt spid="3">
-                                            <p:txEl>
-                                              <p:pRg st="3" end="3"/>
-                                            </p:txEl>
-                                          </p:spTgt>
-                                        </p:tgtEl>
-                                      </p:cBhvr>
-                                    </p:animEffect>
-                                  </p:childTnLst>
-                                </p:cTn>
-                              </p:par>
-                            </p:childTnLst>
-                          </p:cTn>
-                        </p:par>
-                      </p:childTnLst>
-                    </p:cTn>
-                  </p:par>
-                  <p:par>
-                    <p:cTn id="23" fill="hold">
-                      <p:stCondLst>
-                        <p:cond delay="indefinite"/>
-                      </p:stCondLst>
-                      <p:childTnLst>
-                        <p:par>
-                          <p:cTn id="24" fill="hold">
-                            <p:stCondLst>
-                              <p:cond delay="0"/>
-                            </p:stCondLst>
-                            <p:childTnLst>
-                              <p:par>
-                                <p:cTn id="25" presetID="10" presetClass="entr" presetSubtype="0" fill="hold" nodeType="clickEffect">
-                                  <p:stCondLst>
-                                    <p:cond delay="0"/>
-                                  </p:stCondLst>
-                                  <p:childTnLst>
-                                    <p:set>
-                                      <p:cBhvr>
-                                        <p:cTn id="26" dur="1" fill="hold">
-                                          <p:stCondLst>
-                                            <p:cond delay="0"/>
-                                          </p:stCondLst>
-                                        </p:cTn>
-                                        <p:tgtEl>
-                                          <p:spTgt spid="3">
-                                            <p:txEl>
-                                              <p:pRg st="4" end="4"/>
-                                            </p:txEl>
-                                          </p:spTgt>
-                                        </p:tgtEl>
-                                        <p:attrNameLst>
-                                          <p:attrName>style.visibility</p:attrName>
-                                        </p:attrNameLst>
-                                      </p:cBhvr>
-                                      <p:to>
-                                        <p:strVal val="visible"/>
-                                      </p:to>
-                                    </p:set>
-                                    <p:animEffect transition="in" filter="fade">
-                                      <p:cBhvr>
-                                        <p:cTn id="27" dur="500"/>
-                                        <p:tgtEl>
-                                          <p:spTgt spid="3">
-                                            <p:txEl>
-                                              <p:pRg st="4" end="4"/>
-                                            </p:txEl>
-                                          </p:spTgt>
-                                        </p:tgtEl>
-                                      </p:cBhvr>
-                                    </p:animEffect>
-                                  </p:childTnLst>
-                                </p:cTn>
-                              </p:par>
-                            </p:childTnLst>
-                          </p:cTn>
-                        </p:par>
-                      </p:childTnLst>
-                    </p:cTn>
-                  </p:par>
-                  <p:par>
-                    <p:cTn id="28" fill="hold">
-                      <p:stCondLst>
-                        <p:cond delay="indefinite"/>
-                      </p:stCondLst>
-                      <p:childTnLst>
-                        <p:par>
-                          <p:cTn id="29" fill="hold">
-                            <p:stCondLst>
-                              <p:cond delay="0"/>
-                            </p:stCondLst>
-                            <p:childTnLst>
-                              <p:par>
-                                <p:cTn id="30" presetID="10" presetClass="entr" presetSubtype="0" fill="hold" nodeType="clickEffect">
-                                  <p:stCondLst>
-                                    <p:cond delay="0"/>
-                                  </p:stCondLst>
-                                  <p:childTnLst>
-                                    <p:set>
-                                      <p:cBhvr>
-                                        <p:cTn id="31" dur="1" fill="hold">
-                                          <p:stCondLst>
-                                            <p:cond delay="0"/>
-                                          </p:stCondLst>
-                                        </p:cTn>
-                                        <p:tgtEl>
-                                          <p:spTgt spid="3">
-                                            <p:txEl>
-                                              <p:pRg st="5" end="5"/>
-                                            </p:txEl>
-                                          </p:spTgt>
-                                        </p:tgtEl>
-                                        <p:attrNameLst>
-                                          <p:attrName>style.visibility</p:attrName>
-                                        </p:attrNameLst>
-                                      </p:cBhvr>
-                                      <p:to>
-                                        <p:strVal val="visible"/>
-                                      </p:to>
-                                    </p:set>
-                                    <p:animEffect transition="in" filter="fade">
-                                      <p:cBhvr>
-                                        <p:cTn id="32" dur="500"/>
-                                        <p:tgtEl>
-                                          <p:spTgt spid="3">
-                                            <p:txEl>
-                                              <p:pRg st="5" end="5"/>
-                                            </p:txEl>
-                                          </p:spTgt>
-                                        </p:tgtEl>
-                                      </p:cBhvr>
-                                    </p:animEffect>
-                                  </p:childTnLst>
-                                </p:cTn>
-                              </p:par>
-                            </p:childTnLst>
-                          </p:cTn>
-                        </p:par>
-                      </p:childTnLst>
-                    </p:cTn>
-                  </p:par>
-                </p:childTnLst>
-              </p:cTn>
-              <p:prevCondLst>
-                <p:cond evt="onPrev" delay="0">
-                  <p:tgtEl>
-                    <p:sldTgt/>
-                  </p:tgtEl>
-                </p:cond>
-              </p:prevCondLst>
-              <p:nextCondLst>
-                <p:cond evt="onNext" delay="0">
-                  <p:tgtEl>
-                    <p:sldTgt/>
-                  </p:tgtEl>
-                </p:cond>
-              </p:nextCondLst>
-            </p:seq>
-          </p:childTnLst>
-        </p:cTn>
-      </p:par>
-    </p:tnLst>
-  </p:timing>
-</p:sld>
-</file>
-
-<file path=ppt/slides/slide3.xml><?xml version="1.0" encoding="utf-8"?>
-<p:sld xmlns:a="http://schemas.openxmlformats.org/drawingml/2006/main" xmlns:r="http://schemas.openxmlformats.org/officeDocument/2006/relationships" xmlns:p="http://schemas.openxmlformats.org/presentationml/2006/main">
-  <p:cSld>
-    <p:spTree>
-      <p:nvGrpSpPr>
-        <p:cNvPr id="1" name=""/>
-        <p:cNvGrpSpPr/>
-        <p:nvPr/>
-      </p:nvGrpSpPr>
-      <p:grpSpPr>
-        <a:xfrm>
-          <a:off x="0" y="0"/>
-          <a:ext cx="0" cy="0"/>
-          <a:chOff x="0" y="0"/>
-          <a:chExt cx="0" cy="0"/>
-        </a:xfrm>
-      </p:grpSpPr>
-      <p:pic>
-        <p:nvPicPr>
-          <p:cNvPr id="5" name="Grafik 4">
-            <a:extLst>
-              <a:ext uri="{FF2B5EF4-FFF2-40B4-BE49-F238E27FC236}">
-                <a16:creationId xmlns:a16="http://schemas.microsoft.com/office/drawing/2014/main" id="{7F28AEC6-0A96-47D6-B6EE-BCE9683206B3}"/>
-              </a:ext>
-            </a:extLst>
-          </p:cNvPr>
-          <p:cNvPicPr>
-            <a:picLocks noChangeAspect="1"/>
-          </p:cNvPicPr>
-          <p:nvPr/>
-        </p:nvPicPr>
-        <p:blipFill>
-          <a:blip r:embed="rId3">
-            <a:extLst>
-              <a:ext uri="{28A0092B-C50C-407E-A947-70E740481C1C}">
-                <a14:useLocalDpi xmlns:a14="http://schemas.microsoft.com/office/drawing/2010/main" val="0"/>
-              </a:ext>
-              <a:ext uri="{96DAC541-7B7A-43D3-8B79-37D633B846F1}">
-                <asvg:svgBlip xmlns:asvg="http://schemas.microsoft.com/office/drawing/2016/SVG/main" r:embed="rId4"/>
-              </a:ext>
-            </a:extLst>
-          </a:blip>
-          <a:stretch>
-            <a:fillRect/>
-          </a:stretch>
-        </p:blipFill>
-        <p:spPr>
-          <a:xfrm>
-            <a:off x="1464753" y="25244"/>
-            <a:ext cx="9262494" cy="6740194"/>
-          </a:xfrm>
-          <a:prstGeom prst="rect">
-            <a:avLst/>
-          </a:prstGeom>
-        </p:spPr>
-      </p:pic>
-      <p:sp>
-        <p:nvSpPr>
-          <p:cNvPr id="2" name="Rechteck 1">
-            <a:extLst>
-              <a:ext uri="{FF2B5EF4-FFF2-40B4-BE49-F238E27FC236}">
-                <a16:creationId xmlns:a16="http://schemas.microsoft.com/office/drawing/2014/main" id="{165296EE-663E-44C6-8495-D281D967ED03}"/>
-              </a:ext>
-            </a:extLst>
-          </p:cNvPr>
-          <p:cNvSpPr/>
-          <p:nvPr/>
-        </p:nvSpPr>
-        <p:spPr>
-          <a:xfrm>
-            <a:off x="3025751" y="796594"/>
-            <a:ext cx="8083745" cy="6061406"/>
-          </a:xfrm>
-          <a:prstGeom prst="rect">
-            <a:avLst/>
-          </a:prstGeom>
-          <a:solidFill>
-            <a:schemeClr val="bg1"/>
-          </a:solidFill>
-          <a:ln>
-            <a:solidFill>
-              <a:schemeClr val="bg1"/>
-            </a:solidFill>
-          </a:ln>
-        </p:spPr>
-        <p:style>
-          <a:lnRef idx="2">
-            <a:schemeClr val="accent1">
-              <a:shade val="50000"/>
-            </a:schemeClr>
-          </a:lnRef>
-          <a:fillRef idx="1">
-            <a:schemeClr val="accent1"/>
-          </a:fillRef>
-          <a:effectRef idx="0">
-            <a:schemeClr val="accent1"/>
-          </a:effectRef>
-          <a:fontRef idx="minor">
-            <a:schemeClr val="lt1"/>
-          </a:fontRef>
-        </p:style>
-        <p:txBody>
-          <a:bodyPr rtlCol="0" anchor="ctr"/>
-          <a:lstStyle/>
-          <a:p>
-            <a:pPr algn="ctr"/>
-            <a:endParaRPr lang="de-DE"/>
-          </a:p>
-        </p:txBody>
-      </p:sp>
-      <p:sp>
-        <p:nvSpPr>
-          <p:cNvPr id="4" name="Rechteck 3">
-            <a:extLst>
-              <a:ext uri="{FF2B5EF4-FFF2-40B4-BE49-F238E27FC236}">
-                <a16:creationId xmlns:a16="http://schemas.microsoft.com/office/drawing/2014/main" id="{058CA54E-6C19-4E6B-9E1D-ED5E9125B586}"/>
-              </a:ext>
-            </a:extLst>
-          </p:cNvPr>
-          <p:cNvSpPr/>
-          <p:nvPr/>
-        </p:nvSpPr>
-        <p:spPr>
-          <a:xfrm>
-            <a:off x="3832439" y="225327"/>
-            <a:ext cx="8083745" cy="6061406"/>
-          </a:xfrm>
-          <a:prstGeom prst="rect">
-            <a:avLst/>
-          </a:prstGeom>
-          <a:solidFill>
-            <a:schemeClr val="bg1"/>
-          </a:solidFill>
-          <a:ln>
-            <a:solidFill>
-              <a:schemeClr val="bg1"/>
-            </a:solidFill>
-          </a:ln>
-        </p:spPr>
-        <p:style>
-          <a:lnRef idx="2">
-            <a:schemeClr val="accent1">
-              <a:shade val="50000"/>
-            </a:schemeClr>
-          </a:lnRef>
-          <a:fillRef idx="1">
-            <a:schemeClr val="accent1"/>
-          </a:fillRef>
-          <a:effectRef idx="0">
-            <a:schemeClr val="accent1"/>
-          </a:effectRef>
-          <a:fontRef idx="minor">
-            <a:schemeClr val="lt1"/>
-          </a:fontRef>
-        </p:style>
-        <p:txBody>
-          <a:bodyPr rtlCol="0" anchor="ctr"/>
-          <a:lstStyle/>
-          <a:p>
-            <a:pPr algn="ctr"/>
-            <a:endParaRPr lang="de-DE"/>
-          </a:p>
-        </p:txBody>
-      </p:sp>
-      <p:sp>
-        <p:nvSpPr>
-          <p:cNvPr id="6" name="Rechteck 5">
-            <a:extLst>
-              <a:ext uri="{FF2B5EF4-FFF2-40B4-BE49-F238E27FC236}">
-                <a16:creationId xmlns:a16="http://schemas.microsoft.com/office/drawing/2014/main" id="{C239B221-4301-47EA-93AD-9B3D2DDEF4C8}"/>
-              </a:ext>
-            </a:extLst>
-          </p:cNvPr>
-          <p:cNvSpPr/>
-          <p:nvPr/>
-        </p:nvSpPr>
-        <p:spPr>
-          <a:xfrm>
-            <a:off x="2450555" y="5344124"/>
-            <a:ext cx="8083745" cy="1488632"/>
-          </a:xfrm>
-          <a:prstGeom prst="rect">
-            <a:avLst/>
-          </a:prstGeom>
-          <a:solidFill>
-            <a:schemeClr val="bg1"/>
-          </a:solidFill>
-          <a:ln>
-            <a:solidFill>
-              <a:schemeClr val="bg1"/>
-            </a:solidFill>
-          </a:ln>
-        </p:spPr>
-        <p:style>
-          <a:lnRef idx="2">
-            <a:schemeClr val="accent1">
-              <a:shade val="50000"/>
-            </a:schemeClr>
-          </a:lnRef>
-          <a:fillRef idx="1">
-            <a:schemeClr val="accent1"/>
-          </a:fillRef>
-          <a:effectRef idx="0">
-            <a:schemeClr val="accent1"/>
-          </a:effectRef>
-          <a:fontRef idx="minor">
-            <a:schemeClr val="lt1"/>
-          </a:fontRef>
-        </p:style>
-        <p:txBody>
-          <a:bodyPr rtlCol="0" anchor="ctr"/>
-          <a:lstStyle/>
-          <a:p>
-            <a:pPr algn="ctr"/>
-            <a:endParaRPr lang="de-DE"/>
-          </a:p>
-        </p:txBody>
-      </p:sp>
-    </p:spTree>
-    <p:extLst>
-      <p:ext uri="{BB962C8B-B14F-4D97-AF65-F5344CB8AC3E}">
-        <p14:creationId xmlns:p14="http://schemas.microsoft.com/office/powerpoint/2010/main" val="4170127728"/>
-      </p:ext>
-    </p:extLst>
-  </p:cSld>
-  <p:clrMapOvr>
-    <a:masterClrMapping/>
-  </p:clrMapOvr>
-</p:sld>
-</file>
-
-<file path=ppt/slides/slide4.xml><?xml version="1.0" encoding="utf-8"?>
-<p:sld xmlns:a="http://schemas.openxmlformats.org/drawingml/2006/main" xmlns:r="http://schemas.openxmlformats.org/officeDocument/2006/relationships" xmlns:p="http://schemas.openxmlformats.org/presentationml/2006/main">
-  <p:cSld>
-    <p:spTree>
-      <p:nvGrpSpPr>
-        <p:cNvPr id="1" name=""/>
-        <p:cNvGrpSpPr/>
-        <p:nvPr/>
-      </p:nvGrpSpPr>
-      <p:grpSpPr>
-        <a:xfrm>
-          <a:off x="0" y="0"/>
-          <a:ext cx="0" cy="0"/>
-          <a:chOff x="0" y="0"/>
-          <a:chExt cx="0" cy="0"/>
-        </a:xfrm>
-      </p:grpSpPr>
-      <p:pic>
-        <p:nvPicPr>
-          <p:cNvPr id="5" name="Grafik 4">
-            <a:extLst>
-              <a:ext uri="{FF2B5EF4-FFF2-40B4-BE49-F238E27FC236}">
-                <a16:creationId xmlns:a16="http://schemas.microsoft.com/office/drawing/2014/main" id="{7F28AEC6-0A96-47D6-B6EE-BCE9683206B3}"/>
-              </a:ext>
-            </a:extLst>
-          </p:cNvPr>
-          <p:cNvPicPr>
-            <a:picLocks noChangeAspect="1"/>
-          </p:cNvPicPr>
-          <p:nvPr/>
-        </p:nvPicPr>
-        <p:blipFill>
-          <a:blip r:embed="rId3">
-            <a:extLst>
-              <a:ext uri="{28A0092B-C50C-407E-A947-70E740481C1C}">
-                <a14:useLocalDpi xmlns:a14="http://schemas.microsoft.com/office/drawing/2010/main" val="0"/>
-              </a:ext>
-              <a:ext uri="{96DAC541-7B7A-43D3-8B79-37D633B846F1}">
-                <asvg:svgBlip xmlns:asvg="http://schemas.microsoft.com/office/drawing/2016/SVG/main" r:embed="rId4"/>
-              </a:ext>
-            </a:extLst>
-          </a:blip>
-          <a:stretch>
-            <a:fillRect/>
-          </a:stretch>
-        </p:blipFill>
-        <p:spPr>
-          <a:xfrm>
-            <a:off x="1464753" y="25244"/>
-            <a:ext cx="9262494" cy="6740194"/>
-          </a:xfrm>
-          <a:prstGeom prst="rect">
-            <a:avLst/>
-          </a:prstGeom>
-        </p:spPr>
-      </p:pic>
-      <p:sp>
-        <p:nvSpPr>
-          <p:cNvPr id="2" name="Rechteck 1">
-            <a:extLst>
-              <a:ext uri="{FF2B5EF4-FFF2-40B4-BE49-F238E27FC236}">
-                <a16:creationId xmlns:a16="http://schemas.microsoft.com/office/drawing/2014/main" id="{165296EE-663E-44C6-8495-D281D967ED03}"/>
-              </a:ext>
-            </a:extLst>
-          </p:cNvPr>
-          <p:cNvSpPr/>
-          <p:nvPr/>
-        </p:nvSpPr>
-        <p:spPr>
-          <a:xfrm>
-            <a:off x="3031322" y="1371688"/>
-            <a:ext cx="8083745" cy="5461068"/>
-          </a:xfrm>
-          <a:prstGeom prst="rect">
-            <a:avLst/>
-          </a:prstGeom>
-          <a:solidFill>
-            <a:schemeClr val="bg1"/>
-          </a:solidFill>
-          <a:ln>
-            <a:solidFill>
-              <a:schemeClr val="bg1"/>
-            </a:solidFill>
-          </a:ln>
-        </p:spPr>
-        <p:style>
-          <a:lnRef idx="2">
-            <a:schemeClr val="accent1">
-              <a:shade val="50000"/>
-            </a:schemeClr>
-          </a:lnRef>
-          <a:fillRef idx="1">
-            <a:schemeClr val="accent1"/>
-          </a:fillRef>
-          <a:effectRef idx="0">
-            <a:schemeClr val="accent1"/>
-          </a:effectRef>
-          <a:fontRef idx="minor">
-            <a:schemeClr val="lt1"/>
-          </a:fontRef>
-        </p:style>
-        <p:txBody>
-          <a:bodyPr rtlCol="0" anchor="ctr"/>
-          <a:lstStyle/>
-          <a:p>
-            <a:pPr algn="ctr"/>
-            <a:endParaRPr lang="de-DE"/>
-          </a:p>
-        </p:txBody>
-      </p:sp>
-      <p:sp>
-        <p:nvSpPr>
-          <p:cNvPr id="4" name="Rechteck 3">
-            <a:extLst>
-              <a:ext uri="{FF2B5EF4-FFF2-40B4-BE49-F238E27FC236}">
-                <a16:creationId xmlns:a16="http://schemas.microsoft.com/office/drawing/2014/main" id="{058CA54E-6C19-4E6B-9E1D-ED5E9125B586}"/>
-              </a:ext>
-            </a:extLst>
-          </p:cNvPr>
-          <p:cNvSpPr/>
-          <p:nvPr/>
-        </p:nvSpPr>
-        <p:spPr>
-          <a:xfrm>
-            <a:off x="5117087" y="275815"/>
-            <a:ext cx="8083745" cy="6061406"/>
-          </a:xfrm>
-          <a:prstGeom prst="rect">
-            <a:avLst/>
-          </a:prstGeom>
-          <a:solidFill>
-            <a:schemeClr val="bg1"/>
-          </a:solidFill>
-          <a:ln>
-            <a:solidFill>
-              <a:schemeClr val="bg1"/>
-            </a:solidFill>
-          </a:ln>
-        </p:spPr>
-        <p:style>
-          <a:lnRef idx="2">
-            <a:schemeClr val="accent1">
-              <a:shade val="50000"/>
-            </a:schemeClr>
-          </a:lnRef>
-          <a:fillRef idx="1">
-            <a:schemeClr val="accent1"/>
-          </a:fillRef>
-          <a:effectRef idx="0">
-            <a:schemeClr val="accent1"/>
-          </a:effectRef>
-          <a:fontRef idx="minor">
-            <a:schemeClr val="lt1"/>
-          </a:fontRef>
-        </p:style>
-        <p:txBody>
-          <a:bodyPr rtlCol="0" anchor="ctr"/>
-          <a:lstStyle/>
-          <a:p>
-            <a:pPr algn="ctr"/>
-            <a:endParaRPr lang="de-DE"/>
-          </a:p>
-        </p:txBody>
-      </p:sp>
-      <p:sp>
-        <p:nvSpPr>
-          <p:cNvPr id="6" name="Rechteck 5">
-            <a:extLst>
-              <a:ext uri="{FF2B5EF4-FFF2-40B4-BE49-F238E27FC236}">
-                <a16:creationId xmlns:a16="http://schemas.microsoft.com/office/drawing/2014/main" id="{C239B221-4301-47EA-93AD-9B3D2DDEF4C8}"/>
-              </a:ext>
-            </a:extLst>
-          </p:cNvPr>
-          <p:cNvSpPr/>
-          <p:nvPr/>
-        </p:nvSpPr>
-        <p:spPr>
-          <a:xfrm>
-            <a:off x="2464843" y="5322693"/>
-            <a:ext cx="8083745" cy="1510063"/>
-          </a:xfrm>
-          <a:prstGeom prst="rect">
-            <a:avLst/>
-          </a:prstGeom>
-          <a:solidFill>
-            <a:schemeClr val="bg1"/>
-          </a:solidFill>
-          <a:ln>
-            <a:solidFill>
-              <a:schemeClr val="bg1"/>
-            </a:solidFill>
-          </a:ln>
-        </p:spPr>
-        <p:style>
-          <a:lnRef idx="2">
-            <a:schemeClr val="accent1">
-              <a:shade val="50000"/>
-            </a:schemeClr>
-          </a:lnRef>
-          <a:fillRef idx="1">
-            <a:schemeClr val="accent1"/>
-          </a:fillRef>
-          <a:effectRef idx="0">
-            <a:schemeClr val="accent1"/>
-          </a:effectRef>
-          <a:fontRef idx="minor">
-            <a:schemeClr val="lt1"/>
-          </a:fontRef>
-        </p:style>
-        <p:txBody>
-          <a:bodyPr rtlCol="0" anchor="ctr"/>
-          <a:lstStyle/>
-          <a:p>
-            <a:pPr algn="ctr"/>
-            <a:endParaRPr lang="de-DE"/>
-          </a:p>
-        </p:txBody>
-      </p:sp>
-    </p:spTree>
-    <p:extLst>
-      <p:ext uri="{BB962C8B-B14F-4D97-AF65-F5344CB8AC3E}">
-        <p14:creationId xmlns:p14="http://schemas.microsoft.com/office/powerpoint/2010/main" val="1793391196"/>
-      </p:ext>
-    </p:extLst>
-  </p:cSld>
-  <p:clrMapOvr>
-    <a:masterClrMapping/>
-  </p:clrMapOvr>
-</p:sld>
-</file>
-
-<file path=ppt/slides/slide5.xml><?xml version="1.0" encoding="utf-8"?>
-<p:sld xmlns:a="http://schemas.openxmlformats.org/drawingml/2006/main" xmlns:r="http://schemas.openxmlformats.org/officeDocument/2006/relationships" xmlns:p="http://schemas.openxmlformats.org/presentationml/2006/main">
-  <p:cSld>
-    <p:spTree>
-      <p:nvGrpSpPr>
-        <p:cNvPr id="1" name=""/>
-        <p:cNvGrpSpPr/>
-        <p:nvPr/>
-      </p:nvGrpSpPr>
-      <p:grpSpPr>
-        <a:xfrm>
-          <a:off x="0" y="0"/>
-          <a:ext cx="0" cy="0"/>
-          <a:chOff x="0" y="0"/>
-          <a:chExt cx="0" cy="0"/>
-        </a:xfrm>
-      </p:grpSpPr>
-      <p:pic>
-        <p:nvPicPr>
-          <p:cNvPr id="5" name="Grafik 4">
-            <a:extLst>
-              <a:ext uri="{FF2B5EF4-FFF2-40B4-BE49-F238E27FC236}">
-                <a16:creationId xmlns:a16="http://schemas.microsoft.com/office/drawing/2014/main" id="{7F28AEC6-0A96-47D6-B6EE-BCE9683206B3}"/>
-              </a:ext>
-            </a:extLst>
-          </p:cNvPr>
-          <p:cNvPicPr>
-            <a:picLocks noChangeAspect="1"/>
-          </p:cNvPicPr>
-          <p:nvPr/>
-        </p:nvPicPr>
-        <p:blipFill>
-          <a:blip r:embed="rId3">
-            <a:extLst>
-              <a:ext uri="{28A0092B-C50C-407E-A947-70E740481C1C}">
-                <a14:useLocalDpi xmlns:a14="http://schemas.microsoft.com/office/drawing/2010/main" val="0"/>
-              </a:ext>
-              <a:ext uri="{96DAC541-7B7A-43D3-8B79-37D633B846F1}">
-                <asvg:svgBlip xmlns:asvg="http://schemas.microsoft.com/office/drawing/2016/SVG/main" r:embed="rId4"/>
-              </a:ext>
-            </a:extLst>
-          </a:blip>
-          <a:stretch>
-            <a:fillRect/>
-          </a:stretch>
-        </p:blipFill>
-        <p:spPr>
-          <a:xfrm>
-            <a:off x="1464756" y="25244"/>
-            <a:ext cx="9262494" cy="6740194"/>
-          </a:xfrm>
-          <a:prstGeom prst="rect">
-            <a:avLst/>
-          </a:prstGeom>
-        </p:spPr>
-      </p:pic>
-      <p:sp>
-        <p:nvSpPr>
-          <p:cNvPr id="2" name="Rechteck 1">
-            <a:extLst>
-              <a:ext uri="{FF2B5EF4-FFF2-40B4-BE49-F238E27FC236}">
-                <a16:creationId xmlns:a16="http://schemas.microsoft.com/office/drawing/2014/main" id="{165296EE-663E-44C6-8495-D281D967ED03}"/>
-              </a:ext>
-            </a:extLst>
-          </p:cNvPr>
-          <p:cNvSpPr/>
-          <p:nvPr/>
-        </p:nvSpPr>
-        <p:spPr>
-          <a:xfrm>
-            <a:off x="3028950" y="1745500"/>
-            <a:ext cx="8026179" cy="5019938"/>
-          </a:xfrm>
-          <a:prstGeom prst="rect">
-            <a:avLst/>
-          </a:prstGeom>
-          <a:solidFill>
-            <a:schemeClr val="bg1"/>
-          </a:solidFill>
-          <a:ln>
-            <a:solidFill>
-              <a:schemeClr val="bg1"/>
-            </a:solidFill>
-          </a:ln>
-        </p:spPr>
-        <p:style>
-          <a:lnRef idx="2">
-            <a:schemeClr val="accent1">
-              <a:shade val="50000"/>
-            </a:schemeClr>
-          </a:lnRef>
-          <a:fillRef idx="1">
-            <a:schemeClr val="accent1"/>
-          </a:fillRef>
-          <a:effectRef idx="0">
-            <a:schemeClr val="accent1"/>
-          </a:effectRef>
-          <a:fontRef idx="minor">
-            <a:schemeClr val="lt1"/>
-          </a:fontRef>
-        </p:style>
-        <p:txBody>
-          <a:bodyPr rtlCol="0" anchor="ctr"/>
-          <a:lstStyle/>
-          <a:p>
-            <a:pPr algn="ctr"/>
-            <a:endParaRPr lang="de-DE"/>
-          </a:p>
-        </p:txBody>
-      </p:sp>
-      <p:sp>
-        <p:nvSpPr>
-          <p:cNvPr id="4" name="Rechteck 3">
-            <a:extLst>
-              <a:ext uri="{FF2B5EF4-FFF2-40B4-BE49-F238E27FC236}">
-                <a16:creationId xmlns:a16="http://schemas.microsoft.com/office/drawing/2014/main" id="{058CA54E-6C19-4E6B-9E1D-ED5E9125B586}"/>
-              </a:ext>
-            </a:extLst>
-          </p:cNvPr>
-          <p:cNvSpPr/>
-          <p:nvPr/>
-        </p:nvSpPr>
-        <p:spPr>
-          <a:xfrm>
-            <a:off x="6350931" y="252811"/>
-            <a:ext cx="5768581" cy="6061406"/>
-          </a:xfrm>
-          <a:prstGeom prst="rect">
-            <a:avLst/>
-          </a:prstGeom>
-          <a:solidFill>
-            <a:schemeClr val="bg1"/>
-          </a:solidFill>
-          <a:ln>
-            <a:solidFill>
-              <a:schemeClr val="bg1"/>
-            </a:solidFill>
-          </a:ln>
-        </p:spPr>
-        <p:style>
-          <a:lnRef idx="2">
-            <a:schemeClr val="accent1">
-              <a:shade val="50000"/>
-            </a:schemeClr>
-          </a:lnRef>
-          <a:fillRef idx="1">
-            <a:schemeClr val="accent1"/>
-          </a:fillRef>
-          <a:effectRef idx="0">
-            <a:schemeClr val="accent1"/>
-          </a:effectRef>
-          <a:fontRef idx="minor">
-            <a:schemeClr val="lt1"/>
-          </a:fontRef>
-        </p:style>
-        <p:txBody>
-          <a:bodyPr rtlCol="0" anchor="ctr"/>
-          <a:lstStyle/>
-          <a:p>
-            <a:pPr algn="ctr"/>
-            <a:endParaRPr lang="de-DE"/>
-          </a:p>
-        </p:txBody>
-      </p:sp>
-      <p:sp>
-        <p:nvSpPr>
-          <p:cNvPr id="6" name="Rechteck 5">
-            <a:extLst>
-              <a:ext uri="{FF2B5EF4-FFF2-40B4-BE49-F238E27FC236}">
-                <a16:creationId xmlns:a16="http://schemas.microsoft.com/office/drawing/2014/main" id="{C239B221-4301-47EA-93AD-9B3D2DDEF4C8}"/>
-              </a:ext>
-            </a:extLst>
-          </p:cNvPr>
-          <p:cNvSpPr/>
-          <p:nvPr/>
-        </p:nvSpPr>
-        <p:spPr>
-          <a:xfrm>
-            <a:off x="2443411" y="5122667"/>
-            <a:ext cx="8083745" cy="1710089"/>
-          </a:xfrm>
-          <a:prstGeom prst="rect">
-            <a:avLst/>
-          </a:prstGeom>
-          <a:solidFill>
-            <a:schemeClr val="bg1"/>
-          </a:solidFill>
-          <a:ln>
-            <a:solidFill>
-              <a:schemeClr val="bg1"/>
-            </a:solidFill>
-          </a:ln>
-        </p:spPr>
-        <p:style>
-          <a:lnRef idx="2">
-            <a:schemeClr val="accent1">
-              <a:shade val="50000"/>
-            </a:schemeClr>
-          </a:lnRef>
-          <a:fillRef idx="1">
-            <a:schemeClr val="accent1"/>
-          </a:fillRef>
-          <a:effectRef idx="0">
-            <a:schemeClr val="accent1"/>
-          </a:effectRef>
-          <a:fontRef idx="minor">
-            <a:schemeClr val="lt1"/>
-          </a:fontRef>
-        </p:style>
-        <p:txBody>
-          <a:bodyPr rtlCol="0" anchor="ctr"/>
-          <a:lstStyle/>
-          <a:p>
-            <a:pPr algn="ctr"/>
-            <a:endParaRPr lang="de-DE"/>
-          </a:p>
-        </p:txBody>
-      </p:sp>
-    </p:spTree>
-    <p:extLst>
-      <p:ext uri="{BB962C8B-B14F-4D97-AF65-F5344CB8AC3E}">
-        <p14:creationId xmlns:p14="http://schemas.microsoft.com/office/powerpoint/2010/main" val="3907799356"/>
-      </p:ext>
-    </p:extLst>
-  </p:cSld>
-  <p:clrMapOvr>
-    <a:masterClrMapping/>
-  </p:clrMapOvr>
-</p:sld>
-</file>
-
-<file path=ppt/slides/slide6.xml><?xml version="1.0" encoding="utf-8"?>
-<p:sld xmlns:a="http://schemas.openxmlformats.org/drawingml/2006/main" xmlns:r="http://schemas.openxmlformats.org/officeDocument/2006/relationships" xmlns:p="http://schemas.openxmlformats.org/presentationml/2006/main">
-  <p:cSld>
-    <p:spTree>
-      <p:nvGrpSpPr>
-        <p:cNvPr id="1" name=""/>
-        <p:cNvGrpSpPr/>
-        <p:nvPr/>
-      </p:nvGrpSpPr>
-      <p:grpSpPr>
-        <a:xfrm>
-          <a:off x="0" y="0"/>
-          <a:ext cx="0" cy="0"/>
-          <a:chOff x="0" y="0"/>
-          <a:chExt cx="0" cy="0"/>
-        </a:xfrm>
-      </p:grpSpPr>
-      <p:pic>
-        <p:nvPicPr>
-          <p:cNvPr id="5" name="Grafik 4">
-            <a:extLst>
-              <a:ext uri="{FF2B5EF4-FFF2-40B4-BE49-F238E27FC236}">
-                <a16:creationId xmlns:a16="http://schemas.microsoft.com/office/drawing/2014/main" id="{7F28AEC6-0A96-47D6-B6EE-BCE9683206B3}"/>
-              </a:ext>
-            </a:extLst>
-          </p:cNvPr>
-          <p:cNvPicPr>
-            <a:picLocks noChangeAspect="1"/>
-          </p:cNvPicPr>
-          <p:nvPr/>
-        </p:nvPicPr>
-        <p:blipFill>
-          <a:blip r:embed="rId3">
-            <a:extLst>
-              <a:ext uri="{28A0092B-C50C-407E-A947-70E740481C1C}">
-                <a14:useLocalDpi xmlns:a14="http://schemas.microsoft.com/office/drawing/2010/main" val="0"/>
-              </a:ext>
-              <a:ext uri="{96DAC541-7B7A-43D3-8B79-37D633B846F1}">
-                <asvg:svgBlip xmlns:asvg="http://schemas.microsoft.com/office/drawing/2016/SVG/main" r:embed="rId4"/>
-              </a:ext>
-            </a:extLst>
-          </a:blip>
-          <a:stretch>
-            <a:fillRect/>
-          </a:stretch>
-        </p:blipFill>
-        <p:spPr>
-          <a:xfrm>
-            <a:off x="1464753" y="25244"/>
-            <a:ext cx="9262494" cy="6740194"/>
-          </a:xfrm>
-          <a:prstGeom prst="rect">
-            <a:avLst/>
-          </a:prstGeom>
-        </p:spPr>
-      </p:pic>
-      <p:sp>
-        <p:nvSpPr>
-          <p:cNvPr id="2" name="Rechteck 1">
-            <a:extLst>
-              <a:ext uri="{FF2B5EF4-FFF2-40B4-BE49-F238E27FC236}">
-                <a16:creationId xmlns:a16="http://schemas.microsoft.com/office/drawing/2014/main" id="{165296EE-663E-44C6-8495-D281D967ED03}"/>
-              </a:ext>
-            </a:extLst>
-          </p:cNvPr>
-          <p:cNvSpPr/>
-          <p:nvPr/>
-        </p:nvSpPr>
-        <p:spPr>
-          <a:xfrm>
-            <a:off x="3257550" y="2245833"/>
-            <a:ext cx="7821975" cy="6061406"/>
-          </a:xfrm>
-          <a:prstGeom prst="rect">
-            <a:avLst/>
-          </a:prstGeom>
-          <a:solidFill>
-            <a:schemeClr val="bg1"/>
-          </a:solidFill>
-          <a:ln>
-            <a:solidFill>
-              <a:schemeClr val="bg1"/>
-            </a:solidFill>
-          </a:ln>
-        </p:spPr>
-        <p:style>
-          <a:lnRef idx="2">
-            <a:schemeClr val="accent1">
-              <a:shade val="50000"/>
-            </a:schemeClr>
-          </a:lnRef>
-          <a:fillRef idx="1">
-            <a:schemeClr val="accent1"/>
-          </a:fillRef>
-          <a:effectRef idx="0">
-            <a:schemeClr val="accent1"/>
-          </a:effectRef>
-          <a:fontRef idx="minor">
-            <a:schemeClr val="lt1"/>
-          </a:fontRef>
-        </p:style>
-        <p:txBody>
-          <a:bodyPr rtlCol="0" anchor="ctr"/>
-          <a:lstStyle/>
-          <a:p>
-            <a:pPr algn="ctr"/>
-            <a:endParaRPr lang="de-DE"/>
-          </a:p>
-        </p:txBody>
-      </p:sp>
-      <p:sp>
-        <p:nvSpPr>
-          <p:cNvPr id="4" name="Rechteck 3">
-            <a:extLst>
-              <a:ext uri="{FF2B5EF4-FFF2-40B4-BE49-F238E27FC236}">
-                <a16:creationId xmlns:a16="http://schemas.microsoft.com/office/drawing/2014/main" id="{058CA54E-6C19-4E6B-9E1D-ED5E9125B586}"/>
-              </a:ext>
-            </a:extLst>
-          </p:cNvPr>
-          <p:cNvSpPr/>
-          <p:nvPr/>
-        </p:nvSpPr>
-        <p:spPr>
-          <a:xfrm>
-            <a:off x="6393796" y="252811"/>
-            <a:ext cx="8083745" cy="6061406"/>
-          </a:xfrm>
-          <a:prstGeom prst="rect">
-            <a:avLst/>
-          </a:prstGeom>
-          <a:solidFill>
-            <a:schemeClr val="bg1"/>
-          </a:solidFill>
-          <a:ln>
-            <a:solidFill>
-              <a:schemeClr val="bg1"/>
-            </a:solidFill>
-          </a:ln>
-        </p:spPr>
-        <p:style>
-          <a:lnRef idx="2">
-            <a:schemeClr val="accent1">
-              <a:shade val="50000"/>
-            </a:schemeClr>
-          </a:lnRef>
-          <a:fillRef idx="1">
-            <a:schemeClr val="accent1"/>
-          </a:fillRef>
-          <a:effectRef idx="0">
-            <a:schemeClr val="accent1"/>
-          </a:effectRef>
-          <a:fontRef idx="minor">
-            <a:schemeClr val="lt1"/>
-          </a:fontRef>
-        </p:style>
-        <p:txBody>
-          <a:bodyPr rtlCol="0" anchor="ctr"/>
-          <a:lstStyle/>
-          <a:p>
-            <a:pPr algn="ctr"/>
-            <a:endParaRPr lang="de-DE"/>
-          </a:p>
-        </p:txBody>
-      </p:sp>
-      <p:sp>
-        <p:nvSpPr>
-          <p:cNvPr id="6" name="Rechteck 5">
-            <a:extLst>
-              <a:ext uri="{FF2B5EF4-FFF2-40B4-BE49-F238E27FC236}">
-                <a16:creationId xmlns:a16="http://schemas.microsoft.com/office/drawing/2014/main" id="{C239B221-4301-47EA-93AD-9B3D2DDEF4C8}"/>
-              </a:ext>
-            </a:extLst>
-          </p:cNvPr>
-          <p:cNvSpPr/>
-          <p:nvPr/>
-        </p:nvSpPr>
-        <p:spPr>
-          <a:xfrm>
-            <a:off x="2464843" y="5201249"/>
-            <a:ext cx="8083745" cy="6061406"/>
-          </a:xfrm>
-          <a:prstGeom prst="rect">
-            <a:avLst/>
-          </a:prstGeom>
-          <a:solidFill>
-            <a:schemeClr val="bg1"/>
-          </a:solidFill>
-          <a:ln>
-            <a:solidFill>
-              <a:schemeClr val="bg1"/>
-            </a:solidFill>
-          </a:ln>
-        </p:spPr>
-        <p:style>
-          <a:lnRef idx="2">
-            <a:schemeClr val="accent1">
-              <a:shade val="50000"/>
-            </a:schemeClr>
-          </a:lnRef>
-          <a:fillRef idx="1">
-            <a:schemeClr val="accent1"/>
-          </a:fillRef>
-          <a:effectRef idx="0">
-            <a:schemeClr val="accent1"/>
-          </a:effectRef>
-          <a:fontRef idx="minor">
-            <a:schemeClr val="lt1"/>
-          </a:fontRef>
-        </p:style>
-        <p:txBody>
-          <a:bodyPr rtlCol="0" anchor="ctr"/>
-          <a:lstStyle/>
-          <a:p>
-            <a:pPr algn="ctr"/>
-            <a:endParaRPr lang="de-DE"/>
-          </a:p>
-        </p:txBody>
-      </p:sp>
-    </p:spTree>
-    <p:extLst>
-      <p:ext uri="{BB962C8B-B14F-4D97-AF65-F5344CB8AC3E}">
-        <p14:creationId xmlns:p14="http://schemas.microsoft.com/office/powerpoint/2010/main" val="3203027434"/>
-      </p:ext>
-    </p:extLst>
-  </p:cSld>
-  <p:clrMapOvr>
-    <a:masterClrMapping/>
-  </p:clrMapOvr>
-</p:sld>
-</file>
-
-<file path=ppt/slides/slide7.xml><?xml version="1.0" encoding="utf-8"?>
-<p:sld xmlns:a="http://schemas.openxmlformats.org/drawingml/2006/main" xmlns:r="http://schemas.openxmlformats.org/officeDocument/2006/relationships" xmlns:p="http://schemas.openxmlformats.org/presentationml/2006/main">
-  <p:cSld>
-    <p:spTree>
-      <p:nvGrpSpPr>
-        <p:cNvPr id="1" name=""/>
-        <p:cNvGrpSpPr/>
-        <p:nvPr/>
-      </p:nvGrpSpPr>
-      <p:grpSpPr>
-        <a:xfrm>
-          <a:off x="0" y="0"/>
-          <a:ext cx="0" cy="0"/>
-          <a:chOff x="0" y="0"/>
-          <a:chExt cx="0" cy="0"/>
-        </a:xfrm>
-      </p:grpSpPr>
-      <p:pic>
-        <p:nvPicPr>
-          <p:cNvPr id="5" name="Grafik 4">
-            <a:extLst>
-              <a:ext uri="{FF2B5EF4-FFF2-40B4-BE49-F238E27FC236}">
-                <a16:creationId xmlns:a16="http://schemas.microsoft.com/office/drawing/2014/main" id="{7F28AEC6-0A96-47D6-B6EE-BCE9683206B3}"/>
-              </a:ext>
-            </a:extLst>
-          </p:cNvPr>
-          <p:cNvPicPr>
-            <a:picLocks noChangeAspect="1"/>
-          </p:cNvPicPr>
-          <p:nvPr/>
-        </p:nvPicPr>
-        <p:blipFill>
-          <a:blip r:embed="rId3">
-            <a:extLst>
-              <a:ext uri="{28A0092B-C50C-407E-A947-70E740481C1C}">
-                <a14:useLocalDpi xmlns:a14="http://schemas.microsoft.com/office/drawing/2010/main" val="0"/>
-              </a:ext>
-              <a:ext uri="{96DAC541-7B7A-43D3-8B79-37D633B846F1}">
-                <asvg:svgBlip xmlns:asvg="http://schemas.microsoft.com/office/drawing/2016/SVG/main" r:embed="rId4"/>
-              </a:ext>
-            </a:extLst>
-          </a:blip>
-          <a:stretch>
-            <a:fillRect/>
-          </a:stretch>
-        </p:blipFill>
-        <p:spPr>
-          <a:xfrm>
-            <a:off x="1464753" y="25244"/>
-            <a:ext cx="9262494" cy="6740194"/>
-          </a:xfrm>
-          <a:prstGeom prst="rect">
-            <a:avLst/>
-          </a:prstGeom>
-        </p:spPr>
-      </p:pic>
-      <p:sp>
-        <p:nvSpPr>
-          <p:cNvPr id="2" name="Rechteck 1">
-            <a:extLst>
-              <a:ext uri="{FF2B5EF4-FFF2-40B4-BE49-F238E27FC236}">
-                <a16:creationId xmlns:a16="http://schemas.microsoft.com/office/drawing/2014/main" id="{165296EE-663E-44C6-8495-D281D967ED03}"/>
-              </a:ext>
-            </a:extLst>
-          </p:cNvPr>
-          <p:cNvSpPr/>
-          <p:nvPr/>
-        </p:nvSpPr>
-        <p:spPr>
-          <a:xfrm>
-            <a:off x="3052930" y="2460145"/>
-            <a:ext cx="8083745" cy="6061406"/>
-          </a:xfrm>
-          <a:prstGeom prst="rect">
-            <a:avLst/>
-          </a:prstGeom>
-          <a:solidFill>
-            <a:schemeClr val="bg1"/>
-          </a:solidFill>
-          <a:ln>
-            <a:solidFill>
-              <a:schemeClr val="bg1"/>
-            </a:solidFill>
-          </a:ln>
-        </p:spPr>
-        <p:style>
-          <a:lnRef idx="2">
-            <a:schemeClr val="accent1">
-              <a:shade val="50000"/>
-            </a:schemeClr>
-          </a:lnRef>
-          <a:fillRef idx="1">
-            <a:schemeClr val="accent1"/>
-          </a:fillRef>
-          <a:effectRef idx="0">
-            <a:schemeClr val="accent1"/>
-          </a:effectRef>
-          <a:fontRef idx="minor">
-            <a:schemeClr val="lt1"/>
-          </a:fontRef>
-        </p:style>
-        <p:txBody>
-          <a:bodyPr rtlCol="0" anchor="ctr"/>
-          <a:lstStyle/>
-          <a:p>
-            <a:pPr algn="ctr"/>
-            <a:endParaRPr lang="de-DE"/>
-          </a:p>
-        </p:txBody>
-      </p:sp>
-      <p:sp>
-        <p:nvSpPr>
-          <p:cNvPr id="4" name="Rechteck 3">
-            <a:extLst>
-              <a:ext uri="{FF2B5EF4-FFF2-40B4-BE49-F238E27FC236}">
-                <a16:creationId xmlns:a16="http://schemas.microsoft.com/office/drawing/2014/main" id="{058CA54E-6C19-4E6B-9E1D-ED5E9125B586}"/>
-              </a:ext>
-            </a:extLst>
-          </p:cNvPr>
-          <p:cNvSpPr/>
-          <p:nvPr/>
-        </p:nvSpPr>
-        <p:spPr>
-          <a:xfrm>
-            <a:off x="7365346" y="224236"/>
-            <a:ext cx="8083745" cy="6061406"/>
-          </a:xfrm>
-          <a:prstGeom prst="rect">
-            <a:avLst/>
-          </a:prstGeom>
-          <a:solidFill>
-            <a:schemeClr val="bg1"/>
-          </a:solidFill>
-          <a:ln>
-            <a:solidFill>
-              <a:schemeClr val="bg1"/>
-            </a:solidFill>
-          </a:ln>
-        </p:spPr>
-        <p:style>
-          <a:lnRef idx="2">
-            <a:schemeClr val="accent1">
-              <a:shade val="50000"/>
-            </a:schemeClr>
-          </a:lnRef>
-          <a:fillRef idx="1">
-            <a:schemeClr val="accent1"/>
-          </a:fillRef>
-          <a:effectRef idx="0">
-            <a:schemeClr val="accent1"/>
-          </a:effectRef>
-          <a:fontRef idx="minor">
-            <a:schemeClr val="lt1"/>
-          </a:fontRef>
-        </p:style>
-        <p:txBody>
-          <a:bodyPr rtlCol="0" anchor="ctr"/>
-          <a:lstStyle/>
-          <a:p>
-            <a:pPr algn="ctr"/>
-            <a:endParaRPr lang="de-DE"/>
-          </a:p>
-        </p:txBody>
-      </p:sp>
-      <p:sp>
-        <p:nvSpPr>
-          <p:cNvPr id="6" name="Rechteck 5">
-            <a:extLst>
-              <a:ext uri="{FF2B5EF4-FFF2-40B4-BE49-F238E27FC236}">
-                <a16:creationId xmlns:a16="http://schemas.microsoft.com/office/drawing/2014/main" id="{C239B221-4301-47EA-93AD-9B3D2DDEF4C8}"/>
-              </a:ext>
-            </a:extLst>
-          </p:cNvPr>
-          <p:cNvSpPr/>
-          <p:nvPr/>
-        </p:nvSpPr>
-        <p:spPr>
-          <a:xfrm>
-            <a:off x="2464843" y="5201249"/>
-            <a:ext cx="8083745" cy="6061406"/>
-          </a:xfrm>
-          <a:prstGeom prst="rect">
-            <a:avLst/>
-          </a:prstGeom>
-          <a:solidFill>
-            <a:schemeClr val="bg1"/>
-          </a:solidFill>
-          <a:ln>
-            <a:solidFill>
-              <a:schemeClr val="bg1"/>
-            </a:solidFill>
-          </a:ln>
-        </p:spPr>
-        <p:style>
-          <a:lnRef idx="2">
-            <a:schemeClr val="accent1">
-              <a:shade val="50000"/>
-            </a:schemeClr>
-          </a:lnRef>
-          <a:fillRef idx="1">
-            <a:schemeClr val="accent1"/>
-          </a:fillRef>
-          <a:effectRef idx="0">
-            <a:schemeClr val="accent1"/>
-          </a:effectRef>
-          <a:fontRef idx="minor">
-            <a:schemeClr val="lt1"/>
-          </a:fontRef>
-        </p:style>
-        <p:txBody>
-          <a:bodyPr rtlCol="0" anchor="ctr"/>
-          <a:lstStyle/>
-          <a:p>
-            <a:pPr algn="ctr"/>
-            <a:endParaRPr lang="de-DE"/>
-          </a:p>
-        </p:txBody>
-      </p:sp>
-    </p:spTree>
-    <p:extLst>
-      <p:ext uri="{BB962C8B-B14F-4D97-AF65-F5344CB8AC3E}">
-        <p14:creationId xmlns:p14="http://schemas.microsoft.com/office/powerpoint/2010/main" val="98146572"/>
-      </p:ext>
-    </p:extLst>
-  </p:cSld>
-  <p:clrMapOvr>
-    <a:masterClrMapping/>
-  </p:clrMapOvr>
-</p:sld>
-</file>
-
-<file path=ppt/slides/slide8.xml><?xml version="1.0" encoding="utf-8"?>
-<p:sld xmlns:a="http://schemas.openxmlformats.org/drawingml/2006/main" xmlns:r="http://schemas.openxmlformats.org/officeDocument/2006/relationships" xmlns:p="http://schemas.openxmlformats.org/presentationml/2006/main">
-  <p:cSld>
-    <p:spTree>
-      <p:nvGrpSpPr>
-        <p:cNvPr id="1" name=""/>
-        <p:cNvGrpSpPr/>
-        <p:nvPr/>
-      </p:nvGrpSpPr>
-      <p:grpSpPr>
-        <a:xfrm>
-          <a:off x="0" y="0"/>
-          <a:ext cx="0" cy="0"/>
-          <a:chOff x="0" y="0"/>
-          <a:chExt cx="0" cy="0"/>
-        </a:xfrm>
-      </p:grpSpPr>
-      <p:pic>
-        <p:nvPicPr>
-          <p:cNvPr id="5" name="Grafik 4">
-            <a:extLst>
-              <a:ext uri="{FF2B5EF4-FFF2-40B4-BE49-F238E27FC236}">
-                <a16:creationId xmlns:a16="http://schemas.microsoft.com/office/drawing/2014/main" id="{7F28AEC6-0A96-47D6-B6EE-BCE9683206B3}"/>
-              </a:ext>
-            </a:extLst>
-          </p:cNvPr>
-          <p:cNvPicPr>
-            <a:picLocks noChangeAspect="1"/>
-          </p:cNvPicPr>
-          <p:nvPr/>
-        </p:nvPicPr>
-        <p:blipFill>
-          <a:blip r:embed="rId3">
-            <a:extLst>
-              <a:ext uri="{28A0092B-C50C-407E-A947-70E740481C1C}">
-                <a14:useLocalDpi xmlns:a14="http://schemas.microsoft.com/office/drawing/2010/main" val="0"/>
-              </a:ext>
-              <a:ext uri="{96DAC541-7B7A-43D3-8B79-37D633B846F1}">
-                <asvg:svgBlip xmlns:asvg="http://schemas.microsoft.com/office/drawing/2016/SVG/main" r:embed="rId4"/>
-              </a:ext>
-            </a:extLst>
-          </a:blip>
-          <a:stretch>
-            <a:fillRect/>
-          </a:stretch>
-        </p:blipFill>
-        <p:spPr>
-          <a:xfrm>
-            <a:off x="1464753" y="25244"/>
-            <a:ext cx="9262494" cy="6740194"/>
-          </a:xfrm>
-          <a:prstGeom prst="rect">
-            <a:avLst/>
-          </a:prstGeom>
-        </p:spPr>
-      </p:pic>
-      <p:sp>
-        <p:nvSpPr>
-          <p:cNvPr id="2" name="Rechteck 1">
-            <a:extLst>
-              <a:ext uri="{FF2B5EF4-FFF2-40B4-BE49-F238E27FC236}">
-                <a16:creationId xmlns:a16="http://schemas.microsoft.com/office/drawing/2014/main" id="{165296EE-663E-44C6-8495-D281D967ED03}"/>
-              </a:ext>
-            </a:extLst>
-          </p:cNvPr>
-          <p:cNvSpPr/>
-          <p:nvPr/>
-        </p:nvSpPr>
-        <p:spPr>
-          <a:xfrm>
-            <a:off x="3138655" y="2738751"/>
-            <a:ext cx="8083745" cy="6061406"/>
-          </a:xfrm>
-          <a:prstGeom prst="rect">
-            <a:avLst/>
-          </a:prstGeom>
-          <a:solidFill>
-            <a:schemeClr val="bg1"/>
-          </a:solidFill>
-          <a:ln>
-            <a:solidFill>
-              <a:schemeClr val="bg1"/>
-            </a:solidFill>
-          </a:ln>
-        </p:spPr>
-        <p:style>
-          <a:lnRef idx="2">
-            <a:schemeClr val="accent1">
-              <a:shade val="50000"/>
-            </a:schemeClr>
-          </a:lnRef>
-          <a:fillRef idx="1">
-            <a:schemeClr val="accent1"/>
-          </a:fillRef>
-          <a:effectRef idx="0">
-            <a:schemeClr val="accent1"/>
-          </a:effectRef>
-          <a:fontRef idx="minor">
-            <a:schemeClr val="lt1"/>
-          </a:fontRef>
-        </p:style>
-        <p:txBody>
-          <a:bodyPr rtlCol="0" anchor="ctr"/>
-          <a:lstStyle/>
-          <a:p>
-            <a:pPr algn="ctr"/>
-            <a:endParaRPr lang="de-DE"/>
-          </a:p>
-        </p:txBody>
-      </p:sp>
-      <p:sp>
-        <p:nvSpPr>
-          <p:cNvPr id="4" name="Rechteck 3">
-            <a:extLst>
-              <a:ext uri="{FF2B5EF4-FFF2-40B4-BE49-F238E27FC236}">
-                <a16:creationId xmlns:a16="http://schemas.microsoft.com/office/drawing/2014/main" id="{058CA54E-6C19-4E6B-9E1D-ED5E9125B586}"/>
-              </a:ext>
-            </a:extLst>
-          </p:cNvPr>
-          <p:cNvSpPr/>
-          <p:nvPr/>
-        </p:nvSpPr>
-        <p:spPr>
-          <a:xfrm>
-            <a:off x="8751233" y="398297"/>
-            <a:ext cx="8083745" cy="6061406"/>
-          </a:xfrm>
-          <a:prstGeom prst="rect">
-            <a:avLst/>
-          </a:prstGeom>
-          <a:solidFill>
-            <a:schemeClr val="bg1"/>
-          </a:solidFill>
-          <a:ln>
-            <a:solidFill>
-              <a:schemeClr val="bg1"/>
-            </a:solidFill>
-          </a:ln>
-        </p:spPr>
-        <p:style>
-          <a:lnRef idx="2">
-            <a:schemeClr val="accent1">
-              <a:shade val="50000"/>
-            </a:schemeClr>
-          </a:lnRef>
-          <a:fillRef idx="1">
-            <a:schemeClr val="accent1"/>
-          </a:fillRef>
-          <a:effectRef idx="0">
-            <a:schemeClr val="accent1"/>
-          </a:effectRef>
-          <a:fontRef idx="minor">
-            <a:schemeClr val="lt1"/>
-          </a:fontRef>
-        </p:style>
-        <p:txBody>
-          <a:bodyPr rtlCol="0" anchor="ctr"/>
-          <a:lstStyle/>
-          <a:p>
-            <a:pPr algn="ctr"/>
-            <a:endParaRPr lang="de-DE"/>
-          </a:p>
-        </p:txBody>
-      </p:sp>
-      <p:sp>
-        <p:nvSpPr>
-          <p:cNvPr id="6" name="Rechteck 5">
-            <a:extLst>
-              <a:ext uri="{FF2B5EF4-FFF2-40B4-BE49-F238E27FC236}">
-                <a16:creationId xmlns:a16="http://schemas.microsoft.com/office/drawing/2014/main" id="{C239B221-4301-47EA-93AD-9B3D2DDEF4C8}"/>
-              </a:ext>
-            </a:extLst>
-          </p:cNvPr>
-          <p:cNvSpPr/>
-          <p:nvPr/>
-        </p:nvSpPr>
-        <p:spPr>
-          <a:xfrm>
-            <a:off x="2464843" y="5201249"/>
-            <a:ext cx="8083745" cy="6061406"/>
-          </a:xfrm>
-          <a:prstGeom prst="rect">
-            <a:avLst/>
-          </a:prstGeom>
-          <a:solidFill>
-            <a:schemeClr val="bg1"/>
-          </a:solidFill>
-          <a:ln>
-            <a:solidFill>
-              <a:schemeClr val="bg1"/>
-            </a:solidFill>
-          </a:ln>
-        </p:spPr>
-        <p:style>
-          <a:lnRef idx="2">
-            <a:schemeClr val="accent1">
-              <a:shade val="50000"/>
-            </a:schemeClr>
-          </a:lnRef>
-          <a:fillRef idx="1">
-            <a:schemeClr val="accent1"/>
-          </a:fillRef>
-          <a:effectRef idx="0">
-            <a:schemeClr val="accent1"/>
-          </a:effectRef>
-          <a:fontRef idx="minor">
-            <a:schemeClr val="lt1"/>
-          </a:fontRef>
-        </p:style>
-        <p:txBody>
-          <a:bodyPr rtlCol="0" anchor="ctr"/>
-          <a:lstStyle/>
-          <a:p>
-            <a:pPr algn="ctr"/>
-            <a:endParaRPr lang="de-DE"/>
-          </a:p>
-        </p:txBody>
-      </p:sp>
-    </p:spTree>
-    <p:extLst>
-      <p:ext uri="{BB962C8B-B14F-4D97-AF65-F5344CB8AC3E}">
-        <p14:creationId xmlns:p14="http://schemas.microsoft.com/office/powerpoint/2010/main" val="920688024"/>
-      </p:ext>
-    </p:extLst>
-  </p:cSld>
-  <p:clrMapOvr>
-    <a:masterClrMapping/>
-  </p:clrMapOvr>
-</p:sld>
-</file>
-
-<file path=ppt/slides/slide9.xml><?xml version="1.0" encoding="utf-8"?>
-<p:sld xmlns:a="http://schemas.openxmlformats.org/drawingml/2006/main" xmlns:r="http://schemas.openxmlformats.org/officeDocument/2006/relationships" xmlns:p="http://schemas.openxmlformats.org/presentationml/2006/main">
-  <p:cSld>
-    <p:spTree>
-      <p:nvGrpSpPr>
-        <p:cNvPr id="1" name=""/>
-        <p:cNvGrpSpPr/>
-        <p:nvPr/>
-      </p:nvGrpSpPr>
-      <p:grpSpPr>
-        <a:xfrm>
-          <a:off x="0" y="0"/>
-          <a:ext cx="0" cy="0"/>
-          <a:chOff x="0" y="0"/>
-          <a:chExt cx="0" cy="0"/>
-        </a:xfrm>
-      </p:grpSpPr>
-      <p:pic>
-        <p:nvPicPr>
-          <p:cNvPr id="5" name="Grafik 4">
-            <a:extLst>
-              <a:ext uri="{FF2B5EF4-FFF2-40B4-BE49-F238E27FC236}">
-                <a16:creationId xmlns:a16="http://schemas.microsoft.com/office/drawing/2014/main" id="{7F28AEC6-0A96-47D6-B6EE-BCE9683206B3}"/>
-              </a:ext>
-            </a:extLst>
-          </p:cNvPr>
-          <p:cNvPicPr>
-            <a:picLocks noChangeAspect="1"/>
-          </p:cNvPicPr>
-          <p:nvPr/>
-        </p:nvPicPr>
-        <p:blipFill>
-          <a:blip r:embed="rId3">
-            <a:extLst>
-              <a:ext uri="{28A0092B-C50C-407E-A947-70E740481C1C}">
-                <a14:useLocalDpi xmlns:a14="http://schemas.microsoft.com/office/drawing/2010/main" val="0"/>
-              </a:ext>
-              <a:ext uri="{96DAC541-7B7A-43D3-8B79-37D633B846F1}">
-                <asvg:svgBlip xmlns:asvg="http://schemas.microsoft.com/office/drawing/2016/SVG/main" r:embed="rId4"/>
-              </a:ext>
-            </a:extLst>
-          </a:blip>
-          <a:stretch>
-            <a:fillRect/>
-          </a:stretch>
-        </p:blipFill>
-        <p:spPr>
-          <a:xfrm>
-            <a:off x="1464753" y="25244"/>
-            <a:ext cx="9262494" cy="6740194"/>
-          </a:xfrm>
-          <a:prstGeom prst="rect">
-            <a:avLst/>
-          </a:prstGeom>
-        </p:spPr>
-      </p:pic>
-      <p:sp>
-        <p:nvSpPr>
-          <p:cNvPr id="2" name="Rechteck 1">
-            <a:extLst>
-              <a:ext uri="{FF2B5EF4-FFF2-40B4-BE49-F238E27FC236}">
-                <a16:creationId xmlns:a16="http://schemas.microsoft.com/office/drawing/2014/main" id="{165296EE-663E-44C6-8495-D281D967ED03}"/>
-              </a:ext>
-            </a:extLst>
-          </p:cNvPr>
-          <p:cNvSpPr/>
-          <p:nvPr/>
-        </p:nvSpPr>
-        <p:spPr>
-          <a:xfrm>
-            <a:off x="3102936" y="3103082"/>
-            <a:ext cx="8083745" cy="6061406"/>
-          </a:xfrm>
-          <a:prstGeom prst="rect">
-            <a:avLst/>
-          </a:prstGeom>
-          <a:solidFill>
-            <a:schemeClr val="bg1"/>
-          </a:solidFill>
-          <a:ln>
-            <a:solidFill>
-              <a:schemeClr val="bg1"/>
-            </a:solidFill>
-          </a:ln>
-        </p:spPr>
-        <p:style>
-          <a:lnRef idx="2">
-            <a:schemeClr val="accent1">
-              <a:shade val="50000"/>
-            </a:schemeClr>
-          </a:lnRef>
-          <a:fillRef idx="1">
-            <a:schemeClr val="accent1"/>
-          </a:fillRef>
-          <a:effectRef idx="0">
-            <a:schemeClr val="accent1"/>
-          </a:effectRef>
-          <a:fontRef idx="minor">
-            <a:schemeClr val="lt1"/>
-          </a:fontRef>
-        </p:style>
-        <p:txBody>
-          <a:bodyPr rtlCol="0" anchor="ctr"/>
-          <a:lstStyle/>
-          <a:p>
-            <a:pPr algn="ctr"/>
-            <a:endParaRPr lang="de-DE"/>
-          </a:p>
-        </p:txBody>
-      </p:sp>
-      <p:sp>
-        <p:nvSpPr>
-          <p:cNvPr id="6" name="Rechteck 5">
-            <a:extLst>
-              <a:ext uri="{FF2B5EF4-FFF2-40B4-BE49-F238E27FC236}">
-                <a16:creationId xmlns:a16="http://schemas.microsoft.com/office/drawing/2014/main" id="{C239B221-4301-47EA-93AD-9B3D2DDEF4C8}"/>
-              </a:ext>
-            </a:extLst>
-          </p:cNvPr>
-          <p:cNvSpPr/>
-          <p:nvPr/>
-        </p:nvSpPr>
-        <p:spPr>
-          <a:xfrm>
-            <a:off x="2464843" y="5201249"/>
-            <a:ext cx="8083745" cy="6061406"/>
-          </a:xfrm>
-          <a:prstGeom prst="rect">
-            <a:avLst/>
-          </a:prstGeom>
-          <a:solidFill>
-            <a:schemeClr val="bg1"/>
-          </a:solidFill>
-          <a:ln>
-            <a:solidFill>
-              <a:schemeClr val="bg1"/>
-            </a:solidFill>
-          </a:ln>
-        </p:spPr>
-        <p:style>
-          <a:lnRef idx="2">
-            <a:schemeClr val="accent1">
-              <a:shade val="50000"/>
-            </a:schemeClr>
-          </a:lnRef>
-          <a:fillRef idx="1">
-            <a:schemeClr val="accent1"/>
-          </a:fillRef>
-          <a:effectRef idx="0">
-            <a:schemeClr val="accent1"/>
-          </a:effectRef>
-          <a:fontRef idx="minor">
-            <a:schemeClr val="lt1"/>
-          </a:fontRef>
-        </p:style>
-        <p:txBody>
-          <a:bodyPr rtlCol="0" anchor="ctr"/>
-          <a:lstStyle/>
-          <a:p>
-            <a:pPr algn="ctr"/>
-            <a:endParaRPr lang="de-DE"/>
-          </a:p>
-        </p:txBody>
-      </p:sp>
-    </p:spTree>
-    <p:extLst>
-      <p:ext uri="{BB962C8B-B14F-4D97-AF65-F5344CB8AC3E}">
-        <p14:creationId xmlns:p14="http://schemas.microsoft.com/office/powerpoint/2010/main" val="3808667811"/>
-      </p:ext>
-    </p:extLst>
-  </p:cSld>
-  <p:clrMapOvr>
-    <a:masterClrMapping/>
-  </p:clrMapOvr>
 </p:sld>
 </file>
 
